--- a/Presentazione.pptx
+++ b/Presentazione.pptx
@@ -18,7 +18,7 @@
     <p:sldId id="278" r:id="rId9"/>
     <p:sldId id="279" r:id="rId10"/>
     <p:sldId id="280" r:id="rId11"/>
-    <p:sldId id="270" r:id="rId12"/>
+    <p:sldId id="281" r:id="rId12"/>
     <p:sldId id="274" r:id="rId13"/>
     <p:sldId id="261" r:id="rId14"/>
   </p:sldIdLst>
@@ -220,7 +220,7 @@
           <a:p>
             <a:fld id="{79F915F1-A884-4072-AF81-CF7FA1F68F6D}" type="datetimeFigureOut">
               <a:rPr lang="it-CH" smtClean="0"/>
-              <a:t>12.01.2018</a:t>
+              <a:t>17.01.2018</a:t>
             </a:fld>
             <a:endParaRPr lang="it-CH"/>
           </a:p>
@@ -955,90 +955,6 @@
 </file>
 
 <file path=ppt/notesSlides/notesSlide6.xml><?xml version="1.0" encoding="utf-8"?>
-<p:notes xmlns:a="http://schemas.openxmlformats.org/drawingml/2006/main" xmlns:r="http://schemas.openxmlformats.org/officeDocument/2006/relationships" xmlns:p="http://schemas.openxmlformats.org/presentationml/2006/main">
-  <p:cSld>
-    <p:spTree>
-      <p:nvGrpSpPr>
-        <p:cNvPr id="1" name=""/>
-        <p:cNvGrpSpPr/>
-        <p:nvPr/>
-      </p:nvGrpSpPr>
-      <p:grpSpPr>
-        <a:xfrm>
-          <a:off x="0" y="0"/>
-          <a:ext cx="0" cy="0"/>
-          <a:chOff x="0" y="0"/>
-          <a:chExt cx="0" cy="0"/>
-        </a:xfrm>
-      </p:grpSpPr>
-      <p:sp>
-        <p:nvSpPr>
-          <p:cNvPr id="2" name="Segnaposto immagine diapositiva 1"/>
-          <p:cNvSpPr>
-            <a:spLocks noGrp="1" noRot="1" noChangeAspect="1"/>
-          </p:cNvSpPr>
-          <p:nvPr>
-            <p:ph type="sldImg"/>
-          </p:nvPr>
-        </p:nvSpPr>
-        <p:spPr/>
-      </p:sp>
-      <p:sp>
-        <p:nvSpPr>
-          <p:cNvPr id="3" name="Segnaposto note 2"/>
-          <p:cNvSpPr>
-            <a:spLocks noGrp="1"/>
-          </p:cNvSpPr>
-          <p:nvPr>
-            <p:ph type="body" idx="1"/>
-          </p:nvPr>
-        </p:nvSpPr>
-        <p:spPr/>
-        <p:txBody>
-          <a:bodyPr/>
-          <a:lstStyle/>
-          <a:p>
-            <a:endParaRPr lang="it-CH" dirty="0"/>
-          </a:p>
-        </p:txBody>
-      </p:sp>
-      <p:sp>
-        <p:nvSpPr>
-          <p:cNvPr id="4" name="Segnaposto numero diapositiva 3"/>
-          <p:cNvSpPr>
-            <a:spLocks noGrp="1"/>
-          </p:cNvSpPr>
-          <p:nvPr>
-            <p:ph type="sldNum" sz="quarter" idx="10"/>
-          </p:nvPr>
-        </p:nvSpPr>
-        <p:spPr/>
-        <p:txBody>
-          <a:bodyPr/>
-          <a:lstStyle/>
-          <a:p>
-            <a:fld id="{62E71006-93ED-417B-8D1C-79E5B3A3D052}" type="slidenum">
-              <a:rPr lang="it-CH" smtClean="0"/>
-              <a:t>11</a:t>
-            </a:fld>
-            <a:endParaRPr lang="it-CH"/>
-          </a:p>
-        </p:txBody>
-      </p:sp>
-    </p:spTree>
-    <p:extLst>
-      <p:ext uri="{BB962C8B-B14F-4D97-AF65-F5344CB8AC3E}">
-        <p14:creationId xmlns:p14="http://schemas.microsoft.com/office/powerpoint/2010/main" val="3025080635"/>
-      </p:ext>
-    </p:extLst>
-  </p:cSld>
-  <p:clrMapOvr>
-    <a:masterClrMapping/>
-  </p:clrMapOvr>
-</p:notes>
-</file>
-
-<file path=ppt/notesSlides/notesSlide7.xml><?xml version="1.0" encoding="utf-8"?>
 <p:notes xmlns:a="http://schemas.openxmlformats.org/drawingml/2006/main" xmlns:r="http://schemas.openxmlformats.org/officeDocument/2006/relationships" xmlns:p="http://schemas.openxmlformats.org/presentationml/2006/main">
   <p:cSld>
     <p:spTree>
@@ -1848,7 +1764,7 @@
           <a:p>
             <a:fld id="{7283AACF-1BFC-4293-8051-DBD69D65A7A5}" type="datetimeFigureOut">
               <a:rPr lang="it-CH" smtClean="0"/>
-              <a:t>12.01.2018</a:t>
+              <a:t>17.01.2018</a:t>
             </a:fld>
             <a:endParaRPr lang="it-CH"/>
           </a:p>
@@ -2099,7 +2015,7 @@
           <a:p>
             <a:fld id="{7283AACF-1BFC-4293-8051-DBD69D65A7A5}" type="datetimeFigureOut">
               <a:rPr lang="it-CH" smtClean="0"/>
-              <a:t>12.01.2018</a:t>
+              <a:t>17.01.2018</a:t>
             </a:fld>
             <a:endParaRPr lang="it-CH"/>
           </a:p>
@@ -2413,7 +2329,7 @@
           <a:p>
             <a:fld id="{7283AACF-1BFC-4293-8051-DBD69D65A7A5}" type="datetimeFigureOut">
               <a:rPr lang="it-CH" smtClean="0"/>
-              <a:t>12.01.2018</a:t>
+              <a:t>17.01.2018</a:t>
             </a:fld>
             <a:endParaRPr lang="it-CH"/>
           </a:p>
@@ -2740,7 +2656,7 @@
           <a:p>
             <a:fld id="{7283AACF-1BFC-4293-8051-DBD69D65A7A5}" type="datetimeFigureOut">
               <a:rPr lang="it-CH" smtClean="0"/>
-              <a:t>12.01.2018</a:t>
+              <a:t>17.01.2018</a:t>
             </a:fld>
             <a:endParaRPr lang="it-CH"/>
           </a:p>
@@ -3054,7 +2970,7 @@
           <a:p>
             <a:fld id="{7283AACF-1BFC-4293-8051-DBD69D65A7A5}" type="datetimeFigureOut">
               <a:rPr lang="it-CH" smtClean="0"/>
-              <a:t>12.01.2018</a:t>
+              <a:t>17.01.2018</a:t>
             </a:fld>
             <a:endParaRPr lang="it-CH"/>
           </a:p>
@@ -3441,7 +3357,7 @@
           <a:p>
             <a:fld id="{7283AACF-1BFC-4293-8051-DBD69D65A7A5}" type="datetimeFigureOut">
               <a:rPr lang="it-CH" smtClean="0"/>
-              <a:t>12.01.2018</a:t>
+              <a:t>17.01.2018</a:t>
             </a:fld>
             <a:endParaRPr lang="it-CH"/>
           </a:p>
@@ -3611,7 +3527,7 @@
           <a:p>
             <a:fld id="{7283AACF-1BFC-4293-8051-DBD69D65A7A5}" type="datetimeFigureOut">
               <a:rPr lang="it-CH" smtClean="0"/>
-              <a:t>12.01.2018</a:t>
+              <a:t>17.01.2018</a:t>
             </a:fld>
             <a:endParaRPr lang="it-CH"/>
           </a:p>
@@ -3791,7 +3707,7 @@
           <a:p>
             <a:fld id="{7283AACF-1BFC-4293-8051-DBD69D65A7A5}" type="datetimeFigureOut">
               <a:rPr lang="it-CH" smtClean="0"/>
-              <a:t>12.01.2018</a:t>
+              <a:t>17.01.2018</a:t>
             </a:fld>
             <a:endParaRPr lang="it-CH"/>
           </a:p>
@@ -3961,7 +3877,7 @@
           <a:p>
             <a:fld id="{7283AACF-1BFC-4293-8051-DBD69D65A7A5}" type="datetimeFigureOut">
               <a:rPr lang="it-CH" smtClean="0"/>
-              <a:t>12.01.2018</a:t>
+              <a:t>17.01.2018</a:t>
             </a:fld>
             <a:endParaRPr lang="it-CH"/>
           </a:p>
@@ -4208,7 +4124,7 @@
           <a:p>
             <a:fld id="{7283AACF-1BFC-4293-8051-DBD69D65A7A5}" type="datetimeFigureOut">
               <a:rPr lang="it-CH" smtClean="0"/>
-              <a:t>12.01.2018</a:t>
+              <a:t>17.01.2018</a:t>
             </a:fld>
             <a:endParaRPr lang="it-CH"/>
           </a:p>
@@ -4440,7 +4356,7 @@
           <a:p>
             <a:fld id="{7283AACF-1BFC-4293-8051-DBD69D65A7A5}" type="datetimeFigureOut">
               <a:rPr lang="it-CH" smtClean="0"/>
-              <a:t>12.01.2018</a:t>
+              <a:t>17.01.2018</a:t>
             </a:fld>
             <a:endParaRPr lang="it-CH"/>
           </a:p>
@@ -4814,7 +4730,7 @@
           <a:p>
             <a:fld id="{7283AACF-1BFC-4293-8051-DBD69D65A7A5}" type="datetimeFigureOut">
               <a:rPr lang="it-CH" smtClean="0"/>
-              <a:t>12.01.2018</a:t>
+              <a:t>17.01.2018</a:t>
             </a:fld>
             <a:endParaRPr lang="it-CH"/>
           </a:p>
@@ -4937,7 +4853,7 @@
           <a:p>
             <a:fld id="{7283AACF-1BFC-4293-8051-DBD69D65A7A5}" type="datetimeFigureOut">
               <a:rPr lang="it-CH" smtClean="0"/>
-              <a:t>12.01.2018</a:t>
+              <a:t>17.01.2018</a:t>
             </a:fld>
             <a:endParaRPr lang="it-CH"/>
           </a:p>
@@ -5032,7 +4948,7 @@
           <a:p>
             <a:fld id="{7283AACF-1BFC-4293-8051-DBD69D65A7A5}" type="datetimeFigureOut">
               <a:rPr lang="it-CH" smtClean="0"/>
-              <a:t>12.01.2018</a:t>
+              <a:t>17.01.2018</a:t>
             </a:fld>
             <a:endParaRPr lang="it-CH"/>
           </a:p>
@@ -5287,7 +5203,7 @@
           <a:p>
             <a:fld id="{7283AACF-1BFC-4293-8051-DBD69D65A7A5}" type="datetimeFigureOut">
               <a:rPr lang="it-CH" smtClean="0"/>
-              <a:t>12.01.2018</a:t>
+              <a:t>17.01.2018</a:t>
             </a:fld>
             <a:endParaRPr lang="it-CH"/>
           </a:p>
@@ -5550,7 +5466,7 @@
           <a:p>
             <a:fld id="{7283AACF-1BFC-4293-8051-DBD69D65A7A5}" type="datetimeFigureOut">
               <a:rPr lang="it-CH" smtClean="0"/>
-              <a:t>12.01.2018</a:t>
+              <a:t>17.01.2018</a:t>
             </a:fld>
             <a:endParaRPr lang="it-CH"/>
           </a:p>
@@ -6295,7 +6211,7 @@
           <a:p>
             <a:fld id="{7283AACF-1BFC-4293-8051-DBD69D65A7A5}" type="datetimeFigureOut">
               <a:rPr lang="it-CH" smtClean="0"/>
-              <a:t>12.01.2018</a:t>
+              <a:t>17.01.2018</a:t>
             </a:fld>
             <a:endParaRPr lang="it-CH"/>
           </a:p>
@@ -6887,6 +6803,34 @@
           <a:bodyPr/>
           <a:lstStyle/>
           <a:p>
+            <a:r>
+              <a:rPr lang="it-CH" dirty="0" smtClean="0"/>
+              <a:t>Di Alessia </a:t>
+            </a:r>
+            <a:r>
+              <a:rPr lang="it-CH" dirty="0" err="1" smtClean="0"/>
+              <a:t>Sarak</a:t>
+            </a:r>
+            <a:r>
+              <a:rPr lang="it-CH" dirty="0" smtClean="0"/>
+              <a:t>, Joey </a:t>
+            </a:r>
+            <a:r>
+              <a:rPr lang="it-CH" dirty="0" err="1" smtClean="0"/>
+              <a:t>Biancardi</a:t>
+            </a:r>
+            <a:r>
+              <a:rPr lang="it-CH" dirty="0" smtClean="0"/>
+              <a:t>, </a:t>
+            </a:r>
+            <a:r>
+              <a:rPr lang="it-CH" dirty="0" err="1" smtClean="0"/>
+              <a:t>Giairo</a:t>
+            </a:r>
+            <a:r>
+              <a:rPr lang="it-CH" dirty="0" smtClean="0"/>
+              <a:t> Mauro, Alessandro Spagnuolo</a:t>
+            </a:r>
             <a:endParaRPr lang="it-CH" dirty="0"/>
           </a:p>
         </p:txBody>
@@ -6943,29 +6887,45 @@
           <a:bodyPr/>
           <a:lstStyle/>
           <a:p>
-            <a:endParaRPr lang="it-CH"/>
-          </a:p>
-        </p:txBody>
-      </p:sp>
-      <p:sp>
-        <p:nvSpPr>
-          <p:cNvPr id="3" name="Segnaposto contenuto 2"/>
-          <p:cNvSpPr>
-            <a:spLocks noGrp="1"/>
-          </p:cNvSpPr>
+            <a:r>
+              <a:rPr lang="it-CH" dirty="0" smtClean="0"/>
+              <a:t>Algoritmo di timer - test</a:t>
+            </a:r>
+            <a:endParaRPr lang="it-CH" dirty="0"/>
+          </a:p>
+        </p:txBody>
+      </p:sp>
+      <p:pic>
+        <p:nvPicPr>
+          <p:cNvPr id="4" name="Segnaposto contenuto 3"/>
+          <p:cNvPicPr>
+            <a:picLocks noGrp="1" noChangeAspect="1"/>
+          </p:cNvPicPr>
           <p:nvPr>
             <p:ph idx="1"/>
           </p:nvPr>
-        </p:nvSpPr>
-        <p:spPr/>
-        <p:txBody>
-          <a:bodyPr/>
-          <a:lstStyle/>
-          <a:p>
-            <a:endParaRPr lang="it-CH"/>
-          </a:p>
-        </p:txBody>
-      </p:sp>
+        </p:nvPicPr>
+        <p:blipFill>
+          <a:blip r:embed="rId2"/>
+          <a:stretch>
+            <a:fillRect/>
+          </a:stretch>
+        </p:blipFill>
+        <p:spPr>
+          <a:xfrm>
+            <a:off x="677334" y="2215836"/>
+            <a:ext cx="10152887" cy="2426328"/>
+          </a:xfrm>
+          <a:prstGeom prst="rect">
+            <a:avLst/>
+          </a:prstGeom>
+          <a:ln w="38100">
+            <a:solidFill>
+              <a:schemeClr val="accent1"/>
+            </a:solidFill>
+          </a:ln>
+        </p:spPr>
+      </p:pic>
     </p:spTree>
     <p:extLst>
       <p:ext uri="{BB962C8B-B14F-4D97-AF65-F5344CB8AC3E}">
@@ -7018,27 +6978,39 @@
           <a:bodyPr/>
           <a:lstStyle/>
           <a:p>
-            <a:r>
-              <a:rPr lang="it-CH" dirty="0" smtClean="0"/>
-              <a:t>Test</a:t>
-            </a:r>
-            <a:endParaRPr lang="it-CH" dirty="0"/>
+            <a:endParaRPr lang="it-CH"/>
+          </a:p>
+        </p:txBody>
+      </p:sp>
+      <p:sp>
+        <p:nvSpPr>
+          <p:cNvPr id="3" name="Segnaposto contenuto 2"/>
+          <p:cNvSpPr>
+            <a:spLocks noGrp="1"/>
+          </p:cNvSpPr>
+          <p:nvPr>
+            <p:ph idx="1"/>
+          </p:nvPr>
+        </p:nvSpPr>
+        <p:spPr/>
+        <p:txBody>
+          <a:bodyPr/>
+          <a:lstStyle/>
+          <a:p>
+            <a:endParaRPr lang="it-CH"/>
           </a:p>
         </p:txBody>
       </p:sp>
     </p:spTree>
     <p:extLst>
       <p:ext uri="{BB962C8B-B14F-4D97-AF65-F5344CB8AC3E}">
-        <p14:creationId xmlns:p14="http://schemas.microsoft.com/office/powerpoint/2010/main" val="2873684712"/>
+        <p14:creationId xmlns:p14="http://schemas.microsoft.com/office/powerpoint/2010/main" val="89434960"/>
       </p:ext>
     </p:extLst>
   </p:cSld>
   <p:clrMapOvr>
     <a:masterClrMapping/>
   </p:clrMapOvr>
-  <p:transition spd="med">
-    <p:pull/>
-  </p:transition>
   <p:timing>
     <p:tnLst>
       <p:par>
@@ -8459,25 +8431,37 @@
           </a:p>
         </p:txBody>
       </p:sp>
-      <p:sp>
-        <p:nvSpPr>
-          <p:cNvPr id="2" name="Segnaposto contenuto 1"/>
-          <p:cNvSpPr>
-            <a:spLocks noGrp="1"/>
-          </p:cNvSpPr>
+      <p:pic>
+        <p:nvPicPr>
+          <p:cNvPr id="3" name="Segnaposto contenuto 2"/>
+          <p:cNvPicPr>
+            <a:picLocks noGrp="1" noChangeAspect="1"/>
+          </p:cNvPicPr>
           <p:nvPr>
             <p:ph idx="1"/>
           </p:nvPr>
-        </p:nvSpPr>
-        <p:spPr/>
-        <p:txBody>
-          <a:bodyPr/>
-          <a:lstStyle/>
-          <a:p>
-            <a:endParaRPr lang="it-CH"/>
-          </a:p>
-        </p:txBody>
-      </p:sp>
+        </p:nvPicPr>
+        <p:blipFill>
+          <a:blip r:embed="rId2"/>
+          <a:stretch>
+            <a:fillRect/>
+          </a:stretch>
+        </p:blipFill>
+        <p:spPr>
+          <a:xfrm>
+            <a:off x="3657600" y="289115"/>
+            <a:ext cx="6435464" cy="6279769"/>
+          </a:xfrm>
+          <a:prstGeom prst="rect">
+            <a:avLst/>
+          </a:prstGeom>
+          <a:ln w="38100">
+            <a:solidFill>
+              <a:schemeClr val="accent1"/>
+            </a:solidFill>
+          </a:ln>
+        </p:spPr>
+      </p:pic>
     </p:spTree>
     <p:extLst>
       <p:ext uri="{BB962C8B-B14F-4D97-AF65-F5344CB8AC3E}">
@@ -10034,7 +10018,7 @@
         </p:blipFill>
         <p:spPr>
           <a:xfrm>
-            <a:off x="469482" y="1159242"/>
+            <a:off x="469482" y="1628463"/>
             <a:ext cx="5626518" cy="4539516"/>
           </a:xfrm>
           <a:prstGeom prst="rect">
@@ -10060,7 +10044,7 @@
         </p:nvCxnSpPr>
         <p:spPr>
           <a:xfrm flipV="1">
-            <a:off x="6096000" y="1607714"/>
+            <a:off x="6096000" y="2076935"/>
             <a:ext cx="737937" cy="1174956"/>
           </a:xfrm>
           <a:prstGeom prst="straightConnector1">
@@ -10093,7 +10077,7 @@
         </p:nvSpPr>
         <p:spPr>
           <a:xfrm>
-            <a:off x="6833937" y="1146049"/>
+            <a:off x="6833937" y="1615270"/>
             <a:ext cx="3910263" cy="923330"/>
           </a:xfrm>
           <a:prstGeom prst="rect">
@@ -10137,7 +10121,7 @@
         </p:nvCxnSpPr>
         <p:spPr>
           <a:xfrm>
-            <a:off x="6096000" y="2782670"/>
+            <a:off x="6096000" y="3251891"/>
             <a:ext cx="737937" cy="633137"/>
           </a:xfrm>
           <a:prstGeom prst="straightConnector1">
@@ -10170,7 +10154,7 @@
         </p:nvSpPr>
         <p:spPr>
           <a:xfrm>
-            <a:off x="6833937" y="2967336"/>
+            <a:off x="6833937" y="3436557"/>
             <a:ext cx="4042610" cy="923330"/>
           </a:xfrm>
           <a:prstGeom prst="rect">
@@ -10235,7 +10219,7 @@
         </p:nvCxnSpPr>
         <p:spPr>
           <a:xfrm>
-            <a:off x="6096000" y="4864924"/>
+            <a:off x="6096000" y="5334145"/>
             <a:ext cx="737937" cy="43261"/>
           </a:xfrm>
           <a:prstGeom prst="straightConnector1">
@@ -10268,7 +10252,7 @@
         </p:nvSpPr>
         <p:spPr>
           <a:xfrm>
-            <a:off x="6833937" y="4723519"/>
+            <a:off x="6833937" y="5192740"/>
             <a:ext cx="3910263" cy="369332"/>
           </a:xfrm>
           <a:prstGeom prst="rect">
@@ -10303,7 +10287,7 @@
         </p:nvCxnSpPr>
         <p:spPr>
           <a:xfrm>
-            <a:off x="469482" y="3898221"/>
+            <a:off x="469482" y="4347845"/>
             <a:ext cx="5626518" cy="0"/>
           </a:xfrm>
           <a:prstGeom prst="line">
@@ -10333,6 +10317,34 @@
           </a:fontRef>
         </p:style>
       </p:cxnSp>
+      <p:sp>
+        <p:nvSpPr>
+          <p:cNvPr id="12" name="Titolo 1"/>
+          <p:cNvSpPr>
+            <a:spLocks noGrp="1"/>
+          </p:cNvSpPr>
+          <p:nvPr>
+            <p:ph type="title"/>
+          </p:nvPr>
+        </p:nvSpPr>
+        <p:spPr>
+          <a:xfrm>
+            <a:off x="677334" y="609600"/>
+            <a:ext cx="8596668" cy="1320800"/>
+          </a:xfrm>
+        </p:spPr>
+        <p:txBody>
+          <a:bodyPr/>
+          <a:lstStyle/>
+          <a:p>
+            <a:r>
+              <a:rPr lang="it-CH" dirty="0" smtClean="0"/>
+              <a:t>Algoritmo di timer</a:t>
+            </a:r>
+            <a:endParaRPr lang="it-CH" dirty="0"/>
+          </a:p>
+        </p:txBody>
+      </p:sp>
     </p:spTree>
     <p:extLst>
       <p:ext uri="{BB962C8B-B14F-4D97-AF65-F5344CB8AC3E}">

--- a/Presentazione.pptx
+++ b/Presentazione.pptx
@@ -5,7 +5,7 @@
     <p:sldMasterId id="2147483695" r:id="rId1"/>
   </p:sldMasterIdLst>
   <p:notesMasterIdLst>
-    <p:notesMasterId r:id="rId15"/>
+    <p:notesMasterId r:id="rId21"/>
   </p:notesMasterIdLst>
   <p:sldIdLst>
     <p:sldId id="256" r:id="rId2"/>
@@ -19,8 +19,14 @@
     <p:sldId id="279" r:id="rId10"/>
     <p:sldId id="280" r:id="rId11"/>
     <p:sldId id="281" r:id="rId12"/>
-    <p:sldId id="274" r:id="rId13"/>
-    <p:sldId id="261" r:id="rId14"/>
+    <p:sldId id="282" r:id="rId13"/>
+    <p:sldId id="283" r:id="rId14"/>
+    <p:sldId id="286" r:id="rId15"/>
+    <p:sldId id="288" r:id="rId16"/>
+    <p:sldId id="287" r:id="rId17"/>
+    <p:sldId id="284" r:id="rId18"/>
+    <p:sldId id="274" r:id="rId19"/>
+    <p:sldId id="261" r:id="rId20"/>
   </p:sldIdLst>
   <p:sldSz cx="12192000" cy="6858000"/>
   <p:notesSz cx="6858000" cy="9144000"/>
@@ -138,6 +144,10 @@
 </p:presentation>
 </file>
 
+<file path=ppt/revisionInfo.xml><?xml version="1.0" encoding="utf-8"?>
+<p1510:revInfo xmlns:a="http://schemas.openxmlformats.org/drawingml/2006/main" xmlns:r="http://schemas.openxmlformats.org/officeDocument/2006/relationships" xmlns:p1510="http://schemas.microsoft.com/office/powerpoint/2015/10/main"/>
+</file>
+
 <file path=ppt/notesMasters/notesMaster1.xml><?xml version="1.0" encoding="utf-8"?>
 <p:notesMaster xmlns:a="http://schemas.openxmlformats.org/drawingml/2006/main" xmlns:r="http://schemas.openxmlformats.org/officeDocument/2006/relationships" xmlns:p="http://schemas.openxmlformats.org/presentationml/2006/main">
   <p:cSld>
@@ -220,7 +230,7 @@
           <a:p>
             <a:fld id="{79F915F1-A884-4072-AF81-CF7FA1F68F6D}" type="datetimeFigureOut">
               <a:rPr lang="it-CH" smtClean="0"/>
-              <a:t>17.01.2018</a:t>
+              <a:t>19.01.2018</a:t>
             </a:fld>
             <a:endParaRPr lang="it-CH"/>
           </a:p>
@@ -284,35 +294,35 @@
           <a:p>
             <a:pPr lvl="0"/>
             <a:r>
-              <a:rPr lang="it-IT" smtClean="0"/>
+              <a:rPr lang="it-IT"/>
               <a:t>Fare clic per modificare stili del testo dello schema</a:t>
             </a:r>
           </a:p>
           <a:p>
             <a:pPr lvl="1"/>
             <a:r>
-              <a:rPr lang="it-IT" smtClean="0"/>
+              <a:rPr lang="it-IT"/>
               <a:t>Secondo livello</a:t>
             </a:r>
           </a:p>
           <a:p>
             <a:pPr lvl="2"/>
             <a:r>
-              <a:rPr lang="it-IT" smtClean="0"/>
+              <a:rPr lang="it-IT"/>
               <a:t>Terzo livello</a:t>
             </a:r>
           </a:p>
           <a:p>
             <a:pPr lvl="3"/>
             <a:r>
-              <a:rPr lang="it-IT" smtClean="0"/>
+              <a:rPr lang="it-IT"/>
               <a:t>Quarto livello</a:t>
             </a:r>
           </a:p>
           <a:p>
             <a:pPr lvl="4"/>
             <a:r>
-              <a:rPr lang="it-IT" smtClean="0"/>
+              <a:rPr lang="it-IT"/>
               <a:t>Quinto livello</a:t>
             </a:r>
             <a:endParaRPr lang="it-CH"/>
@@ -532,7 +542,7 @@
           <a:bodyPr/>
           <a:lstStyle/>
           <a:p>
-            <a:endParaRPr lang="it-CH" baseline="0" dirty="0" smtClean="0"/>
+            <a:endParaRPr lang="it-CH" baseline="0" dirty="0"/>
           </a:p>
         </p:txBody>
       </p:sp>
@@ -617,50 +627,45 @@
           <a:lstStyle/>
           <a:p>
             <a:r>
-              <a:rPr lang="it-CH" baseline="0" dirty="0" smtClean="0"/>
-              <a:t>Giorni divisi in </a:t>
-            </a:r>
-            <a:r>
-              <a:rPr lang="it-CH" baseline="0" smtClean="0"/>
-              <a:t>3 gruppi da 2 ore</a:t>
-            </a:r>
-            <a:endParaRPr lang="it-CH" baseline="0" dirty="0" smtClean="0"/>
-          </a:p>
-          <a:p>
-            <a:endParaRPr lang="it-CH" baseline="0" dirty="0" smtClean="0"/>
-          </a:p>
-          <a:p>
-            <a:r>
-              <a:rPr lang="it-CH" baseline="0" dirty="0" smtClean="0"/>
+              <a:rPr lang="it-CH" baseline="0" dirty="0"/>
+              <a:t>Giorni divisi in 3 gruppi da 2 ore</a:t>
+            </a:r>
+          </a:p>
+          <a:p>
+            <a:endParaRPr lang="it-CH" baseline="0" dirty="0"/>
+          </a:p>
+          <a:p>
+            <a:r>
+              <a:rPr lang="it-CH" baseline="0" dirty="0"/>
               <a:t>Colori:</a:t>
             </a:r>
           </a:p>
           <a:p>
             <a:r>
-              <a:rPr lang="it-CH" baseline="0" dirty="0" smtClean="0"/>
+              <a:rPr lang="it-CH" baseline="0" dirty="0"/>
               <a:t>Rosa – alessia</a:t>
             </a:r>
           </a:p>
           <a:p>
             <a:r>
-              <a:rPr lang="it-CH" baseline="0" dirty="0" smtClean="0"/>
+              <a:rPr lang="it-CH" baseline="0" dirty="0"/>
               <a:t>Blu – </a:t>
             </a:r>
             <a:r>
-              <a:rPr lang="it-CH" baseline="0" dirty="0" err="1" smtClean="0"/>
+              <a:rPr lang="it-CH" baseline="0" dirty="0" err="1"/>
               <a:t>Giairo</a:t>
             </a:r>
-            <a:endParaRPr lang="it-CH" baseline="0" dirty="0" smtClean="0"/>
-          </a:p>
-          <a:p>
-            <a:r>
-              <a:rPr lang="it-CH" baseline="0" dirty="0" smtClean="0"/>
+            <a:endParaRPr lang="it-CH" baseline="0" dirty="0"/>
+          </a:p>
+          <a:p>
+            <a:r>
+              <a:rPr lang="it-CH" baseline="0" dirty="0"/>
               <a:t>Giallo – Alessandro</a:t>
             </a:r>
           </a:p>
           <a:p>
             <a:r>
-              <a:rPr lang="it-CH" baseline="0" dirty="0" smtClean="0"/>
+              <a:rPr lang="it-CH" baseline="0" dirty="0"/>
               <a:t>Verde - Joey</a:t>
             </a:r>
           </a:p>
@@ -1020,6 +1025,174 @@
             <a:fld id="{62E71006-93ED-417B-8D1C-79E5B3A3D052}" type="slidenum">
               <a:rPr lang="it-CH" smtClean="0"/>
               <a:t>12</a:t>
+            </a:fld>
+            <a:endParaRPr lang="it-CH"/>
+          </a:p>
+        </p:txBody>
+      </p:sp>
+    </p:spTree>
+    <p:extLst>
+      <p:ext uri="{BB962C8B-B14F-4D97-AF65-F5344CB8AC3E}">
+        <p14:creationId xmlns:p14="http://schemas.microsoft.com/office/powerpoint/2010/main" val="705124290"/>
+      </p:ext>
+    </p:extLst>
+  </p:cSld>
+  <p:clrMapOvr>
+    <a:masterClrMapping/>
+  </p:clrMapOvr>
+</p:notes>
+</file>
+
+<file path=ppt/notesSlides/notesSlide7.xml><?xml version="1.0" encoding="utf-8"?>
+<p:notes xmlns:a="http://schemas.openxmlformats.org/drawingml/2006/main" xmlns:r="http://schemas.openxmlformats.org/officeDocument/2006/relationships" xmlns:p="http://schemas.openxmlformats.org/presentationml/2006/main">
+  <p:cSld>
+    <p:spTree>
+      <p:nvGrpSpPr>
+        <p:cNvPr id="1" name=""/>
+        <p:cNvGrpSpPr/>
+        <p:nvPr/>
+      </p:nvGrpSpPr>
+      <p:grpSpPr>
+        <a:xfrm>
+          <a:off x="0" y="0"/>
+          <a:ext cx="0" cy="0"/>
+          <a:chOff x="0" y="0"/>
+          <a:chExt cx="0" cy="0"/>
+        </a:xfrm>
+      </p:grpSpPr>
+      <p:sp>
+        <p:nvSpPr>
+          <p:cNvPr id="2" name="Segnaposto immagine diapositiva 1"/>
+          <p:cNvSpPr>
+            <a:spLocks noGrp="1" noRot="1" noChangeAspect="1"/>
+          </p:cNvSpPr>
+          <p:nvPr>
+            <p:ph type="sldImg"/>
+          </p:nvPr>
+        </p:nvSpPr>
+        <p:spPr/>
+      </p:sp>
+      <p:sp>
+        <p:nvSpPr>
+          <p:cNvPr id="3" name="Segnaposto note 2"/>
+          <p:cNvSpPr>
+            <a:spLocks noGrp="1"/>
+          </p:cNvSpPr>
+          <p:nvPr>
+            <p:ph type="body" idx="1"/>
+          </p:nvPr>
+        </p:nvSpPr>
+        <p:spPr/>
+        <p:txBody>
+          <a:bodyPr/>
+          <a:lstStyle/>
+          <a:p>
+            <a:endParaRPr lang="it-CH" dirty="0"/>
+          </a:p>
+        </p:txBody>
+      </p:sp>
+      <p:sp>
+        <p:nvSpPr>
+          <p:cNvPr id="4" name="Segnaposto numero diapositiva 3"/>
+          <p:cNvSpPr>
+            <a:spLocks noGrp="1"/>
+          </p:cNvSpPr>
+          <p:nvPr>
+            <p:ph type="sldNum" sz="quarter" idx="10"/>
+          </p:nvPr>
+        </p:nvSpPr>
+        <p:spPr/>
+        <p:txBody>
+          <a:bodyPr/>
+          <a:lstStyle/>
+          <a:p>
+            <a:fld id="{62E71006-93ED-417B-8D1C-79E5B3A3D052}" type="slidenum">
+              <a:rPr lang="it-CH" smtClean="0"/>
+              <a:t>17</a:t>
+            </a:fld>
+            <a:endParaRPr lang="it-CH"/>
+          </a:p>
+        </p:txBody>
+      </p:sp>
+    </p:spTree>
+    <p:extLst>
+      <p:ext uri="{BB962C8B-B14F-4D97-AF65-F5344CB8AC3E}">
+        <p14:creationId xmlns:p14="http://schemas.microsoft.com/office/powerpoint/2010/main" val="1564669901"/>
+      </p:ext>
+    </p:extLst>
+  </p:cSld>
+  <p:clrMapOvr>
+    <a:masterClrMapping/>
+  </p:clrMapOvr>
+</p:notes>
+</file>
+
+<file path=ppt/notesSlides/notesSlide8.xml><?xml version="1.0" encoding="utf-8"?>
+<p:notes xmlns:a="http://schemas.openxmlformats.org/drawingml/2006/main" xmlns:r="http://schemas.openxmlformats.org/officeDocument/2006/relationships" xmlns:p="http://schemas.openxmlformats.org/presentationml/2006/main">
+  <p:cSld>
+    <p:spTree>
+      <p:nvGrpSpPr>
+        <p:cNvPr id="1" name=""/>
+        <p:cNvGrpSpPr/>
+        <p:nvPr/>
+      </p:nvGrpSpPr>
+      <p:grpSpPr>
+        <a:xfrm>
+          <a:off x="0" y="0"/>
+          <a:ext cx="0" cy="0"/>
+          <a:chOff x="0" y="0"/>
+          <a:chExt cx="0" cy="0"/>
+        </a:xfrm>
+      </p:grpSpPr>
+      <p:sp>
+        <p:nvSpPr>
+          <p:cNvPr id="2" name="Segnaposto immagine diapositiva 1"/>
+          <p:cNvSpPr>
+            <a:spLocks noGrp="1" noRot="1" noChangeAspect="1"/>
+          </p:cNvSpPr>
+          <p:nvPr>
+            <p:ph type="sldImg"/>
+          </p:nvPr>
+        </p:nvSpPr>
+        <p:spPr/>
+      </p:sp>
+      <p:sp>
+        <p:nvSpPr>
+          <p:cNvPr id="3" name="Segnaposto note 2"/>
+          <p:cNvSpPr>
+            <a:spLocks noGrp="1"/>
+          </p:cNvSpPr>
+          <p:nvPr>
+            <p:ph type="body" idx="1"/>
+          </p:nvPr>
+        </p:nvSpPr>
+        <p:spPr/>
+        <p:txBody>
+          <a:bodyPr/>
+          <a:lstStyle/>
+          <a:p>
+            <a:endParaRPr lang="it-CH" dirty="0"/>
+          </a:p>
+        </p:txBody>
+      </p:sp>
+      <p:sp>
+        <p:nvSpPr>
+          <p:cNvPr id="4" name="Segnaposto numero diapositiva 3"/>
+          <p:cNvSpPr>
+            <a:spLocks noGrp="1"/>
+          </p:cNvSpPr>
+          <p:nvPr>
+            <p:ph type="sldNum" sz="quarter" idx="10"/>
+          </p:nvPr>
+        </p:nvSpPr>
+        <p:spPr/>
+        <p:txBody>
+          <a:bodyPr/>
+          <a:lstStyle/>
+          <a:p>
+            <a:fld id="{62E71006-93ED-417B-8D1C-79E5B3A3D052}" type="slidenum">
+              <a:rPr lang="it-CH" smtClean="0"/>
+              <a:t>18</a:t>
             </a:fld>
             <a:endParaRPr lang="it-CH"/>
           </a:p>
@@ -1620,7 +1793,7 @@
           </a:lstStyle>
           <a:p>
             <a:r>
-              <a:rPr lang="it-IT" smtClean="0"/>
+              <a:rPr lang="it-IT"/>
               <a:t>Fare clic per modificare lo stile del titolo</a:t>
             </a:r>
             <a:endParaRPr lang="en-US" dirty="0"/>
@@ -1740,7 +1913,7 @@
           </a:lstStyle>
           <a:p>
             <a:r>
-              <a:rPr lang="it-IT" smtClean="0"/>
+              <a:rPr lang="it-IT"/>
               <a:t>Fare clic per modificare lo stile del sottotitolo dello schema</a:t>
             </a:r>
             <a:endParaRPr lang="en-US" dirty="0"/>
@@ -1764,7 +1937,7 @@
           <a:p>
             <a:fld id="{7283AACF-1BFC-4293-8051-DBD69D65A7A5}" type="datetimeFigureOut">
               <a:rPr lang="it-CH" smtClean="0"/>
-              <a:t>17.01.2018</a:t>
+              <a:t>19.01.2018</a:t>
             </a:fld>
             <a:endParaRPr lang="it-CH"/>
           </a:p>
@@ -1869,7 +2042,7 @@
           </a:lstStyle>
           <a:p>
             <a:r>
-              <a:rPr lang="it-IT" smtClean="0"/>
+              <a:rPr lang="it-IT"/>
               <a:t>Fare clic per modificare lo stile del titolo</a:t>
             </a:r>
             <a:endParaRPr lang="en-US" dirty="0"/>
@@ -1992,7 +2165,7 @@
           <a:p>
             <a:pPr lvl="0"/>
             <a:r>
-              <a:rPr lang="it-IT" smtClean="0"/>
+              <a:rPr lang="it-IT"/>
               <a:t>Fare clic per modificare stili del testo dello schema</a:t>
             </a:r>
           </a:p>
@@ -2015,7 +2188,7 @@
           <a:p>
             <a:fld id="{7283AACF-1BFC-4293-8051-DBD69D65A7A5}" type="datetimeFigureOut">
               <a:rPr lang="it-CH" smtClean="0"/>
-              <a:t>17.01.2018</a:t>
+              <a:t>19.01.2018</a:t>
             </a:fld>
             <a:endParaRPr lang="it-CH"/>
           </a:p>
@@ -2120,7 +2293,7 @@
           </a:lstStyle>
           <a:p>
             <a:r>
-              <a:rPr lang="it-IT" smtClean="0"/>
+              <a:rPr lang="it-IT"/>
               <a:t>Fare clic per modificare lo stile del titolo</a:t>
             </a:r>
             <a:endParaRPr lang="en-US" dirty="0"/>
@@ -2184,7 +2357,7 @@
           <a:p>
             <a:pPr lvl="0"/>
             <a:r>
-              <a:rPr lang="it-IT" smtClean="0"/>
+              <a:rPr lang="it-IT"/>
               <a:t>Fare clic per modificare stili del testo dello schema</a:t>
             </a:r>
           </a:p>
@@ -2306,7 +2479,7 @@
           <a:p>
             <a:pPr lvl="0"/>
             <a:r>
-              <a:rPr lang="it-IT" smtClean="0"/>
+              <a:rPr lang="it-IT"/>
               <a:t>Fare clic per modificare stili del testo dello schema</a:t>
             </a:r>
           </a:p>
@@ -2329,7 +2502,7 @@
           <a:p>
             <a:fld id="{7283AACF-1BFC-4293-8051-DBD69D65A7A5}" type="datetimeFigureOut">
               <a:rPr lang="it-CH" smtClean="0"/>
-              <a:t>17.01.2018</a:t>
+              <a:t>19.01.2018</a:t>
             </a:fld>
             <a:endParaRPr lang="it-CH"/>
           </a:p>
@@ -2510,7 +2683,7 @@
           </a:lstStyle>
           <a:p>
             <a:r>
-              <a:rPr lang="it-IT" smtClean="0"/>
+              <a:rPr lang="it-IT"/>
               <a:t>Fare clic per modificare lo stile del titolo</a:t>
             </a:r>
             <a:endParaRPr lang="en-US" dirty="0"/>
@@ -2633,7 +2806,7 @@
           <a:p>
             <a:pPr lvl="0"/>
             <a:r>
-              <a:rPr lang="it-IT" smtClean="0"/>
+              <a:rPr lang="it-IT"/>
               <a:t>Fare clic per modificare stili del testo dello schema</a:t>
             </a:r>
           </a:p>
@@ -2656,7 +2829,7 @@
           <a:p>
             <a:fld id="{7283AACF-1BFC-4293-8051-DBD69D65A7A5}" type="datetimeFigureOut">
               <a:rPr lang="it-CH" smtClean="0"/>
-              <a:t>17.01.2018</a:t>
+              <a:t>19.01.2018</a:t>
             </a:fld>
             <a:endParaRPr lang="it-CH"/>
           </a:p>
@@ -2761,7 +2934,7 @@
           </a:lstStyle>
           <a:p>
             <a:r>
-              <a:rPr lang="it-IT" smtClean="0"/>
+              <a:rPr lang="it-IT"/>
               <a:t>Fare clic per modificare lo stile del titolo</a:t>
             </a:r>
             <a:endParaRPr lang="en-US" dirty="0"/>
@@ -2825,7 +2998,7 @@
           <a:p>
             <a:pPr lvl="0"/>
             <a:r>
-              <a:rPr lang="it-IT" smtClean="0"/>
+              <a:rPr lang="it-IT"/>
               <a:t>Fare clic per modificare stili del testo dello schema</a:t>
             </a:r>
           </a:p>
@@ -2947,7 +3120,7 @@
           <a:p>
             <a:pPr lvl="0"/>
             <a:r>
-              <a:rPr lang="it-IT" smtClean="0"/>
+              <a:rPr lang="it-IT"/>
               <a:t>Fare clic per modificare stili del testo dello schema</a:t>
             </a:r>
           </a:p>
@@ -2970,7 +3143,7 @@
           <a:p>
             <a:fld id="{7283AACF-1BFC-4293-8051-DBD69D65A7A5}" type="datetimeFigureOut">
               <a:rPr lang="it-CH" smtClean="0"/>
-              <a:t>17.01.2018</a:t>
+              <a:t>19.01.2018</a:t>
             </a:fld>
             <a:endParaRPr lang="it-CH"/>
           </a:p>
@@ -3151,7 +3324,7 @@
           </a:lstStyle>
           <a:p>
             <a:r>
-              <a:rPr lang="it-IT" smtClean="0"/>
+              <a:rPr lang="it-IT"/>
               <a:t>Fare clic per modificare lo stile del titolo</a:t>
             </a:r>
             <a:endParaRPr lang="en-US" dirty="0"/>
@@ -3212,7 +3385,7 @@
           <a:p>
             <a:pPr lvl="0"/>
             <a:r>
-              <a:rPr lang="it-IT" smtClean="0"/>
+              <a:rPr lang="it-IT"/>
               <a:t>Fare clic per modificare stili del testo dello schema</a:t>
             </a:r>
           </a:p>
@@ -3334,7 +3507,7 @@
           <a:p>
             <a:pPr lvl="0"/>
             <a:r>
-              <a:rPr lang="it-IT" smtClean="0"/>
+              <a:rPr lang="it-IT"/>
               <a:t>Fare clic per modificare stili del testo dello schema</a:t>
             </a:r>
           </a:p>
@@ -3357,7 +3530,7 @@
           <a:p>
             <a:fld id="{7283AACF-1BFC-4293-8051-DBD69D65A7A5}" type="datetimeFigureOut">
               <a:rPr lang="it-CH" smtClean="0"/>
-              <a:t>17.01.2018</a:t>
+              <a:t>19.01.2018</a:t>
             </a:fld>
             <a:endParaRPr lang="it-CH"/>
           </a:p>
@@ -3451,7 +3624,7 @@
           <a:lstStyle/>
           <a:p>
             <a:r>
-              <a:rPr lang="it-IT" smtClean="0"/>
+              <a:rPr lang="it-IT"/>
               <a:t>Fare clic per modificare lo stile del titolo</a:t>
             </a:r>
             <a:endParaRPr lang="en-US" dirty="0"/>
@@ -3475,35 +3648,35 @@
           <a:p>
             <a:pPr lvl="0"/>
             <a:r>
-              <a:rPr lang="it-IT" smtClean="0"/>
+              <a:rPr lang="it-IT"/>
               <a:t>Fare clic per modificare stili del testo dello schema</a:t>
             </a:r>
           </a:p>
           <a:p>
             <a:pPr lvl="1"/>
             <a:r>
-              <a:rPr lang="it-IT" smtClean="0"/>
+              <a:rPr lang="it-IT"/>
               <a:t>Secondo livello</a:t>
             </a:r>
           </a:p>
           <a:p>
             <a:pPr lvl="2"/>
             <a:r>
-              <a:rPr lang="it-IT" smtClean="0"/>
+              <a:rPr lang="it-IT"/>
               <a:t>Terzo livello</a:t>
             </a:r>
           </a:p>
           <a:p>
             <a:pPr lvl="3"/>
             <a:r>
-              <a:rPr lang="it-IT" smtClean="0"/>
+              <a:rPr lang="it-IT"/>
               <a:t>Quarto livello</a:t>
             </a:r>
           </a:p>
           <a:p>
             <a:pPr lvl="4"/>
             <a:r>
-              <a:rPr lang="it-IT" smtClean="0"/>
+              <a:rPr lang="it-IT"/>
               <a:t>Quinto livello</a:t>
             </a:r>
             <a:endParaRPr lang="en-US" dirty="0"/>
@@ -3527,7 +3700,7 @@
           <a:p>
             <a:fld id="{7283AACF-1BFC-4293-8051-DBD69D65A7A5}" type="datetimeFigureOut">
               <a:rPr lang="it-CH" smtClean="0"/>
-              <a:t>17.01.2018</a:t>
+              <a:t>19.01.2018</a:t>
             </a:fld>
             <a:endParaRPr lang="it-CH"/>
           </a:p>
@@ -3626,7 +3799,7 @@
           <a:lstStyle/>
           <a:p>
             <a:r>
-              <a:rPr lang="it-IT" smtClean="0"/>
+              <a:rPr lang="it-IT"/>
               <a:t>Fare clic per modificare lo stile del titolo</a:t>
             </a:r>
             <a:endParaRPr lang="en-US" dirty="0"/>
@@ -3655,35 +3828,35 @@
           <a:p>
             <a:pPr lvl="0"/>
             <a:r>
-              <a:rPr lang="it-IT" smtClean="0"/>
+              <a:rPr lang="it-IT"/>
               <a:t>Fare clic per modificare stili del testo dello schema</a:t>
             </a:r>
           </a:p>
           <a:p>
             <a:pPr lvl="1"/>
             <a:r>
-              <a:rPr lang="it-IT" smtClean="0"/>
+              <a:rPr lang="it-IT"/>
               <a:t>Secondo livello</a:t>
             </a:r>
           </a:p>
           <a:p>
             <a:pPr lvl="2"/>
             <a:r>
-              <a:rPr lang="it-IT" smtClean="0"/>
+              <a:rPr lang="it-IT"/>
               <a:t>Terzo livello</a:t>
             </a:r>
           </a:p>
           <a:p>
             <a:pPr lvl="3"/>
             <a:r>
-              <a:rPr lang="it-IT" smtClean="0"/>
+              <a:rPr lang="it-IT"/>
               <a:t>Quarto livello</a:t>
             </a:r>
           </a:p>
           <a:p>
             <a:pPr lvl="4"/>
             <a:r>
-              <a:rPr lang="it-IT" smtClean="0"/>
+              <a:rPr lang="it-IT"/>
               <a:t>Quinto livello</a:t>
             </a:r>
             <a:endParaRPr lang="en-US" dirty="0"/>
@@ -3707,7 +3880,7 @@
           <a:p>
             <a:fld id="{7283AACF-1BFC-4293-8051-DBD69D65A7A5}" type="datetimeFigureOut">
               <a:rPr lang="it-CH" smtClean="0"/>
-              <a:t>17.01.2018</a:t>
+              <a:t>19.01.2018</a:t>
             </a:fld>
             <a:endParaRPr lang="it-CH"/>
           </a:p>
@@ -3801,7 +3974,7 @@
           <a:lstStyle/>
           <a:p>
             <a:r>
-              <a:rPr lang="it-IT" smtClean="0"/>
+              <a:rPr lang="it-IT"/>
               <a:t>Fare clic per modificare lo stile del titolo</a:t>
             </a:r>
             <a:endParaRPr lang="en-US" dirty="0"/>
@@ -3825,35 +3998,35 @@
           <a:p>
             <a:pPr lvl="0"/>
             <a:r>
-              <a:rPr lang="it-IT" smtClean="0"/>
+              <a:rPr lang="it-IT"/>
               <a:t>Fare clic per modificare stili del testo dello schema</a:t>
             </a:r>
           </a:p>
           <a:p>
             <a:pPr lvl="1"/>
             <a:r>
-              <a:rPr lang="it-IT" smtClean="0"/>
+              <a:rPr lang="it-IT"/>
               <a:t>Secondo livello</a:t>
             </a:r>
           </a:p>
           <a:p>
             <a:pPr lvl="2"/>
             <a:r>
-              <a:rPr lang="it-IT" smtClean="0"/>
+              <a:rPr lang="it-IT"/>
               <a:t>Terzo livello</a:t>
             </a:r>
           </a:p>
           <a:p>
             <a:pPr lvl="3"/>
             <a:r>
-              <a:rPr lang="it-IT" smtClean="0"/>
+              <a:rPr lang="it-IT"/>
               <a:t>Quarto livello</a:t>
             </a:r>
           </a:p>
           <a:p>
             <a:pPr lvl="4"/>
             <a:r>
-              <a:rPr lang="it-IT" smtClean="0"/>
+              <a:rPr lang="it-IT"/>
               <a:t>Quinto livello</a:t>
             </a:r>
             <a:endParaRPr lang="en-US" dirty="0"/>
@@ -3877,7 +4050,7 @@
           <a:p>
             <a:fld id="{7283AACF-1BFC-4293-8051-DBD69D65A7A5}" type="datetimeFigureOut">
               <a:rPr lang="it-CH" smtClean="0"/>
-              <a:t>17.01.2018</a:t>
+              <a:t>19.01.2018</a:t>
             </a:fld>
             <a:endParaRPr lang="it-CH"/>
           </a:p>
@@ -3980,7 +4153,7 @@
           </a:lstStyle>
           <a:p>
             <a:r>
-              <a:rPr lang="it-IT" smtClean="0"/>
+              <a:rPr lang="it-IT"/>
               <a:t>Fare clic per modificare lo stile del titolo</a:t>
             </a:r>
             <a:endParaRPr lang="en-US" dirty="0"/>
@@ -4101,7 +4274,7 @@
           <a:p>
             <a:pPr lvl="0"/>
             <a:r>
-              <a:rPr lang="it-IT" smtClean="0"/>
+              <a:rPr lang="it-IT"/>
               <a:t>Fare clic per modificare stili del testo dello schema</a:t>
             </a:r>
           </a:p>
@@ -4124,7 +4297,7 @@
           <a:p>
             <a:fld id="{7283AACF-1BFC-4293-8051-DBD69D65A7A5}" type="datetimeFigureOut">
               <a:rPr lang="it-CH" smtClean="0"/>
-              <a:t>17.01.2018</a:t>
+              <a:t>19.01.2018</a:t>
             </a:fld>
             <a:endParaRPr lang="it-CH"/>
           </a:p>
@@ -4218,7 +4391,7 @@
           <a:lstStyle/>
           <a:p>
             <a:r>
-              <a:rPr lang="it-IT" smtClean="0"/>
+              <a:rPr lang="it-IT"/>
               <a:t>Fare clic per modificare lo stile del titolo</a:t>
             </a:r>
             <a:endParaRPr lang="en-US" dirty="0"/>
@@ -4247,35 +4420,35 @@
           <a:p>
             <a:pPr lvl="0"/>
             <a:r>
-              <a:rPr lang="it-IT" smtClean="0"/>
+              <a:rPr lang="it-IT"/>
               <a:t>Fare clic per modificare stili del testo dello schema</a:t>
             </a:r>
           </a:p>
           <a:p>
             <a:pPr lvl="1"/>
             <a:r>
-              <a:rPr lang="it-IT" smtClean="0"/>
+              <a:rPr lang="it-IT"/>
               <a:t>Secondo livello</a:t>
             </a:r>
           </a:p>
           <a:p>
             <a:pPr lvl="2"/>
             <a:r>
-              <a:rPr lang="it-IT" smtClean="0"/>
+              <a:rPr lang="it-IT"/>
               <a:t>Terzo livello</a:t>
             </a:r>
           </a:p>
           <a:p>
             <a:pPr lvl="3"/>
             <a:r>
-              <a:rPr lang="it-IT" smtClean="0"/>
+              <a:rPr lang="it-IT"/>
               <a:t>Quarto livello</a:t>
             </a:r>
           </a:p>
           <a:p>
             <a:pPr lvl="4"/>
             <a:r>
-              <a:rPr lang="it-IT" smtClean="0"/>
+              <a:rPr lang="it-IT"/>
               <a:t>Quinto livello</a:t>
             </a:r>
             <a:endParaRPr lang="en-US" dirty="0"/>
@@ -4304,35 +4477,35 @@
           <a:p>
             <a:pPr lvl="0"/>
             <a:r>
-              <a:rPr lang="it-IT" smtClean="0"/>
+              <a:rPr lang="it-IT"/>
               <a:t>Fare clic per modificare stili del testo dello schema</a:t>
             </a:r>
           </a:p>
           <a:p>
             <a:pPr lvl="1"/>
             <a:r>
-              <a:rPr lang="it-IT" smtClean="0"/>
+              <a:rPr lang="it-IT"/>
               <a:t>Secondo livello</a:t>
             </a:r>
           </a:p>
           <a:p>
             <a:pPr lvl="2"/>
             <a:r>
-              <a:rPr lang="it-IT" smtClean="0"/>
+              <a:rPr lang="it-IT"/>
               <a:t>Terzo livello</a:t>
             </a:r>
           </a:p>
           <a:p>
             <a:pPr lvl="3"/>
             <a:r>
-              <a:rPr lang="it-IT" smtClean="0"/>
+              <a:rPr lang="it-IT"/>
               <a:t>Quarto livello</a:t>
             </a:r>
           </a:p>
           <a:p>
             <a:pPr lvl="4"/>
             <a:r>
-              <a:rPr lang="it-IT" smtClean="0"/>
+              <a:rPr lang="it-IT"/>
               <a:t>Quinto livello</a:t>
             </a:r>
             <a:endParaRPr lang="en-US" dirty="0"/>
@@ -4356,7 +4529,7 @@
           <a:p>
             <a:fld id="{7283AACF-1BFC-4293-8051-DBD69D65A7A5}" type="datetimeFigureOut">
               <a:rPr lang="it-CH" smtClean="0"/>
-              <a:t>17.01.2018</a:t>
+              <a:t>19.01.2018</a:t>
             </a:fld>
             <a:endParaRPr lang="it-CH"/>
           </a:p>
@@ -4454,7 +4627,7 @@
           </a:lstStyle>
           <a:p>
             <a:r>
-              <a:rPr lang="it-IT" smtClean="0"/>
+              <a:rPr lang="it-IT"/>
               <a:t>Fare clic per modificare lo stile del titolo</a:t>
             </a:r>
             <a:endParaRPr lang="en-US" dirty="0"/>
@@ -4522,7 +4695,7 @@
           <a:p>
             <a:pPr lvl="0"/>
             <a:r>
-              <a:rPr lang="it-IT" smtClean="0"/>
+              <a:rPr lang="it-IT"/>
               <a:t>Fare clic per modificare stili del testo dello schema</a:t>
             </a:r>
           </a:p>
@@ -4552,35 +4725,35 @@
           <a:p>
             <a:pPr lvl="0"/>
             <a:r>
-              <a:rPr lang="it-IT" smtClean="0"/>
+              <a:rPr lang="it-IT"/>
               <a:t>Fare clic per modificare stili del testo dello schema</a:t>
             </a:r>
           </a:p>
           <a:p>
             <a:pPr lvl="1"/>
             <a:r>
-              <a:rPr lang="it-IT" smtClean="0"/>
+              <a:rPr lang="it-IT"/>
               <a:t>Secondo livello</a:t>
             </a:r>
           </a:p>
           <a:p>
             <a:pPr lvl="2"/>
             <a:r>
-              <a:rPr lang="it-IT" smtClean="0"/>
+              <a:rPr lang="it-IT"/>
               <a:t>Terzo livello</a:t>
             </a:r>
           </a:p>
           <a:p>
             <a:pPr lvl="3"/>
             <a:r>
-              <a:rPr lang="it-IT" smtClean="0"/>
+              <a:rPr lang="it-IT"/>
               <a:t>Quarto livello</a:t>
             </a:r>
           </a:p>
           <a:p>
             <a:pPr lvl="4"/>
             <a:r>
-              <a:rPr lang="it-IT" smtClean="0"/>
+              <a:rPr lang="it-IT"/>
               <a:t>Quinto livello</a:t>
             </a:r>
             <a:endParaRPr lang="en-US" dirty="0"/>
@@ -4648,7 +4821,7 @@
           <a:p>
             <a:pPr lvl="0"/>
             <a:r>
-              <a:rPr lang="it-IT" smtClean="0"/>
+              <a:rPr lang="it-IT"/>
               <a:t>Fare clic per modificare stili del testo dello schema</a:t>
             </a:r>
           </a:p>
@@ -4678,35 +4851,35 @@
           <a:p>
             <a:pPr lvl="0"/>
             <a:r>
-              <a:rPr lang="it-IT" smtClean="0"/>
+              <a:rPr lang="it-IT"/>
               <a:t>Fare clic per modificare stili del testo dello schema</a:t>
             </a:r>
           </a:p>
           <a:p>
             <a:pPr lvl="1"/>
             <a:r>
-              <a:rPr lang="it-IT" smtClean="0"/>
+              <a:rPr lang="it-IT"/>
               <a:t>Secondo livello</a:t>
             </a:r>
           </a:p>
           <a:p>
             <a:pPr lvl="2"/>
             <a:r>
-              <a:rPr lang="it-IT" smtClean="0"/>
+              <a:rPr lang="it-IT"/>
               <a:t>Terzo livello</a:t>
             </a:r>
           </a:p>
           <a:p>
             <a:pPr lvl="3"/>
             <a:r>
-              <a:rPr lang="it-IT" smtClean="0"/>
+              <a:rPr lang="it-IT"/>
               <a:t>Quarto livello</a:t>
             </a:r>
           </a:p>
           <a:p>
             <a:pPr lvl="4"/>
             <a:r>
-              <a:rPr lang="it-IT" smtClean="0"/>
+              <a:rPr lang="it-IT"/>
               <a:t>Quinto livello</a:t>
             </a:r>
             <a:endParaRPr lang="en-US" dirty="0"/>
@@ -4730,7 +4903,7 @@
           <a:p>
             <a:fld id="{7283AACF-1BFC-4293-8051-DBD69D65A7A5}" type="datetimeFigureOut">
               <a:rPr lang="it-CH" smtClean="0"/>
-              <a:t>17.01.2018</a:t>
+              <a:t>19.01.2018</a:t>
             </a:fld>
             <a:endParaRPr lang="it-CH"/>
           </a:p>
@@ -4829,7 +5002,7 @@
           <a:lstStyle/>
           <a:p>
             <a:r>
-              <a:rPr lang="it-IT" smtClean="0"/>
+              <a:rPr lang="it-IT"/>
               <a:t>Fare clic per modificare lo stile del titolo</a:t>
             </a:r>
             <a:endParaRPr lang="en-US" dirty="0"/>
@@ -4853,7 +5026,7 @@
           <a:p>
             <a:fld id="{7283AACF-1BFC-4293-8051-DBD69D65A7A5}" type="datetimeFigureOut">
               <a:rPr lang="it-CH" smtClean="0"/>
-              <a:t>17.01.2018</a:t>
+              <a:t>19.01.2018</a:t>
             </a:fld>
             <a:endParaRPr lang="it-CH"/>
           </a:p>
@@ -4948,7 +5121,7 @@
           <a:p>
             <a:fld id="{7283AACF-1BFC-4293-8051-DBD69D65A7A5}" type="datetimeFigureOut">
               <a:rPr lang="it-CH" smtClean="0"/>
-              <a:t>17.01.2018</a:t>
+              <a:t>19.01.2018</a:t>
             </a:fld>
             <a:endParaRPr lang="it-CH"/>
           </a:p>
@@ -5053,7 +5226,7 @@
           </a:lstStyle>
           <a:p>
             <a:r>
-              <a:rPr lang="it-IT" smtClean="0"/>
+              <a:rPr lang="it-IT"/>
               <a:t>Fare clic per modificare lo stile del titolo</a:t>
             </a:r>
             <a:endParaRPr lang="en-US" dirty="0"/>
@@ -5084,35 +5257,35 @@
           <a:p>
             <a:pPr lvl="0"/>
             <a:r>
-              <a:rPr lang="it-IT" smtClean="0"/>
+              <a:rPr lang="it-IT"/>
               <a:t>Fare clic per modificare stili del testo dello schema</a:t>
             </a:r>
           </a:p>
           <a:p>
             <a:pPr lvl="1"/>
             <a:r>
-              <a:rPr lang="it-IT" smtClean="0"/>
+              <a:rPr lang="it-IT"/>
               <a:t>Secondo livello</a:t>
             </a:r>
           </a:p>
           <a:p>
             <a:pPr lvl="2"/>
             <a:r>
-              <a:rPr lang="it-IT" smtClean="0"/>
+              <a:rPr lang="it-IT"/>
               <a:t>Terzo livello</a:t>
             </a:r>
           </a:p>
           <a:p>
             <a:pPr lvl="3"/>
             <a:r>
-              <a:rPr lang="it-IT" smtClean="0"/>
+              <a:rPr lang="it-IT"/>
               <a:t>Quarto livello</a:t>
             </a:r>
           </a:p>
           <a:p>
             <a:pPr lvl="4"/>
             <a:r>
-              <a:rPr lang="it-IT" smtClean="0"/>
+              <a:rPr lang="it-IT"/>
               <a:t>Quinto livello</a:t>
             </a:r>
             <a:endParaRPr lang="en-US" dirty="0"/>
@@ -5180,7 +5353,7 @@
           <a:p>
             <a:pPr lvl="0"/>
             <a:r>
-              <a:rPr lang="it-IT" smtClean="0"/>
+              <a:rPr lang="it-IT"/>
               <a:t>Fare clic per modificare stili del testo dello schema</a:t>
             </a:r>
           </a:p>
@@ -5203,7 +5376,7 @@
           <a:p>
             <a:fld id="{7283AACF-1BFC-4293-8051-DBD69D65A7A5}" type="datetimeFigureOut">
               <a:rPr lang="it-CH" smtClean="0"/>
-              <a:t>17.01.2018</a:t>
+              <a:t>19.01.2018</a:t>
             </a:fld>
             <a:endParaRPr lang="it-CH"/>
           </a:p>
@@ -5308,7 +5481,7 @@
           </a:lstStyle>
           <a:p>
             <a:r>
-              <a:rPr lang="it-IT" smtClean="0"/>
+              <a:rPr lang="it-IT"/>
               <a:t>Fare clic per modificare lo stile del titolo</a:t>
             </a:r>
             <a:endParaRPr lang="en-US" dirty="0"/>
@@ -5375,7 +5548,7 @@
           </a:lstStyle>
           <a:p>
             <a:r>
-              <a:rPr lang="it-IT" smtClean="0"/>
+              <a:rPr lang="it-IT"/>
               <a:t>Fare clic sull'icona per inserire un'immagine</a:t>
             </a:r>
             <a:endParaRPr lang="en-US" dirty="0"/>
@@ -5443,7 +5616,7 @@
           <a:p>
             <a:pPr lvl="0"/>
             <a:r>
-              <a:rPr lang="it-IT" smtClean="0"/>
+              <a:rPr lang="it-IT"/>
               <a:t>Fare clic per modificare stili del testo dello schema</a:t>
             </a:r>
           </a:p>
@@ -5466,7 +5639,7 @@
           <a:p>
             <a:fld id="{7283AACF-1BFC-4293-8051-DBD69D65A7A5}" type="datetimeFigureOut">
               <a:rPr lang="it-CH" smtClean="0"/>
-              <a:t>17.01.2018</a:t>
+              <a:t>19.01.2018</a:t>
             </a:fld>
             <a:endParaRPr lang="it-CH"/>
           </a:p>
@@ -6107,7 +6280,7 @@
           <a:lstStyle/>
           <a:p>
             <a:r>
-              <a:rPr lang="it-IT" smtClean="0"/>
+              <a:rPr lang="it-IT"/>
               <a:t>Fare clic per modificare lo stile del titolo</a:t>
             </a:r>
             <a:endParaRPr lang="en-US" dirty="0"/>
@@ -6141,35 +6314,35 @@
           <a:p>
             <a:pPr lvl="0"/>
             <a:r>
-              <a:rPr lang="it-IT" smtClean="0"/>
+              <a:rPr lang="it-IT"/>
               <a:t>Fare clic per modificare stili del testo dello schema</a:t>
             </a:r>
           </a:p>
           <a:p>
             <a:pPr lvl="1"/>
             <a:r>
-              <a:rPr lang="it-IT" smtClean="0"/>
+              <a:rPr lang="it-IT"/>
               <a:t>Secondo livello</a:t>
             </a:r>
           </a:p>
           <a:p>
             <a:pPr lvl="2"/>
             <a:r>
-              <a:rPr lang="it-IT" smtClean="0"/>
+              <a:rPr lang="it-IT"/>
               <a:t>Terzo livello</a:t>
             </a:r>
           </a:p>
           <a:p>
             <a:pPr lvl="3"/>
             <a:r>
-              <a:rPr lang="it-IT" smtClean="0"/>
+              <a:rPr lang="it-IT"/>
               <a:t>Quarto livello</a:t>
             </a:r>
           </a:p>
           <a:p>
             <a:pPr lvl="4"/>
             <a:r>
-              <a:rPr lang="it-IT" smtClean="0"/>
+              <a:rPr lang="it-IT"/>
               <a:t>Quinto livello</a:t>
             </a:r>
             <a:endParaRPr lang="en-US" dirty="0"/>
@@ -6211,7 +6384,7 @@
           <a:p>
             <a:fld id="{7283AACF-1BFC-4293-8051-DBD69D65A7A5}" type="datetimeFigureOut">
               <a:rPr lang="it-CH" smtClean="0"/>
-              <a:t>17.01.2018</a:t>
+              <a:t>19.01.2018</a:t>
             </a:fld>
             <a:endParaRPr lang="it-CH"/>
           </a:p>
@@ -6773,18 +6946,17 @@
           <a:lstStyle/>
           <a:p>
             <a:r>
-              <a:rPr lang="it-CH" dirty="0" smtClean="0"/>
+              <a:rPr lang="it-CH" dirty="0"/>
               <a:t>Air </a:t>
             </a:r>
             <a:r>
-              <a:rPr lang="it-CH" dirty="0" err="1" smtClean="0"/>
+              <a:rPr lang="it-CH" dirty="0" err="1"/>
               <a:t>Ice</a:t>
             </a:r>
             <a:r>
-              <a:rPr lang="it-CH" dirty="0" smtClean="0"/>
+              <a:rPr lang="it-CH" dirty="0"/>
               <a:t> Hockey</a:t>
             </a:r>
-            <a:endParaRPr lang="it-CH" dirty="0"/>
           </a:p>
         </p:txBody>
       </p:sp>
@@ -6804,34 +6976,33 @@
           <a:lstStyle/>
           <a:p>
             <a:r>
-              <a:rPr lang="it-CH" dirty="0" smtClean="0"/>
+              <a:rPr lang="it-CH" dirty="0"/>
               <a:t>Di Alessia </a:t>
             </a:r>
             <a:r>
-              <a:rPr lang="it-CH" dirty="0" err="1" smtClean="0"/>
+              <a:rPr lang="it-CH" dirty="0" err="1"/>
               <a:t>Sarak</a:t>
             </a:r>
             <a:r>
-              <a:rPr lang="it-CH" dirty="0" smtClean="0"/>
+              <a:rPr lang="it-CH" dirty="0"/>
               <a:t>, Joey </a:t>
             </a:r>
             <a:r>
-              <a:rPr lang="it-CH" dirty="0" err="1" smtClean="0"/>
+              <a:rPr lang="it-CH" dirty="0" err="1"/>
               <a:t>Biancardi</a:t>
             </a:r>
             <a:r>
-              <a:rPr lang="it-CH" dirty="0" smtClean="0"/>
+              <a:rPr lang="it-CH" dirty="0"/>
               <a:t>, </a:t>
             </a:r>
             <a:r>
-              <a:rPr lang="it-CH" dirty="0" err="1" smtClean="0"/>
+              <a:rPr lang="it-CH" dirty="0" err="1"/>
               <a:t>Giairo</a:t>
             </a:r>
             <a:r>
-              <a:rPr lang="it-CH" dirty="0" smtClean="0"/>
+              <a:rPr lang="it-CH" dirty="0"/>
               <a:t> Mauro, Alessandro Spagnuolo</a:t>
             </a:r>
-            <a:endParaRPr lang="it-CH" dirty="0"/>
           </a:p>
         </p:txBody>
       </p:sp>
@@ -6845,13 +7016,6 @@
   <p:clrMapOvr>
     <a:masterClrMapping/>
   </p:clrMapOvr>
-  <p:timing>
-    <p:tnLst>
-      <p:par>
-        <p:cTn id="1" dur="indefinite" restart="never" nodeType="tmRoot"/>
-      </p:par>
-    </p:tnLst>
-  </p:timing>
 </p:sld>
 </file>
 
@@ -6888,10 +7052,9 @@
           <a:lstStyle/>
           <a:p>
             <a:r>
-              <a:rPr lang="it-CH" dirty="0" smtClean="0"/>
+              <a:rPr lang="it-CH" dirty="0"/>
               <a:t>Algoritmo di timer - test</a:t>
             </a:r>
-            <a:endParaRPr lang="it-CH" dirty="0"/>
           </a:p>
         </p:txBody>
       </p:sp>
@@ -6936,13 +7099,6 @@
   <p:clrMapOvr>
     <a:masterClrMapping/>
   </p:clrMapOvr>
-  <p:timing>
-    <p:tnLst>
-      <p:par>
-        <p:cTn id="1" dur="indefinite" restart="never" nodeType="tmRoot"/>
-      </p:par>
-    </p:tnLst>
-  </p:timing>
 </p:sld>
 </file>
 
@@ -6978,7 +7134,10 @@
           <a:bodyPr/>
           <a:lstStyle/>
           <a:p>
-            <a:endParaRPr lang="it-CH"/>
+            <a:r>
+              <a:rPr lang="it-CH" dirty="0"/>
+              <a:t>Motori passo-passo</a:t>
+            </a:r>
           </a:p>
         </p:txBody>
       </p:sp>
@@ -6997,7 +7156,41 @@
           <a:bodyPr/>
           <a:lstStyle/>
           <a:p>
-            <a:endParaRPr lang="it-CH"/>
+            <a:pPr marL="0" indent="0">
+              <a:buNone/>
+            </a:pPr>
+            <a:r>
+              <a:rPr lang="it-CH" dirty="0"/>
+              <a:t>Componenti utilizzati</a:t>
+            </a:r>
+          </a:p>
+          <a:p>
+            <a:r>
+              <a:rPr lang="it-CH" dirty="0"/>
+              <a:t>1 - Arduino uno</a:t>
+            </a:r>
+          </a:p>
+          <a:p>
+            <a:r>
+              <a:rPr lang="it-CH" dirty="0"/>
+              <a:t>1 - </a:t>
+            </a:r>
+            <a:r>
+              <a:rPr lang="it-CH" dirty="0" err="1"/>
+              <a:t>Adafruit</a:t>
+            </a:r>
+            <a:r>
+              <a:rPr lang="it-CH" dirty="0"/>
+              <a:t> </a:t>
+            </a:r>
+            <a:r>
+              <a:rPr lang="it-CH" dirty="0" err="1"/>
+              <a:t>MotorShield</a:t>
+            </a:r>
+            <a:endParaRPr lang="it-CH" dirty="0"/>
+          </a:p>
+          <a:p>
+            <a:endParaRPr lang="it-CH" dirty="0"/>
           </a:p>
         </p:txBody>
       </p:sp>
@@ -7011,13 +7204,6 @@
   <p:clrMapOvr>
     <a:masterClrMapping/>
   </p:clrMapOvr>
-  <p:timing>
-    <p:tnLst>
-      <p:par>
-        <p:cTn id="1" dur="indefinite" restart="never" nodeType="tmRoot"/>
-      </p:par>
-    </p:tnLst>
-  </p:timing>
 </p:sld>
 </file>
 
@@ -7040,7 +7226,13 @@
       </p:grpSpPr>
       <p:sp>
         <p:nvSpPr>
-          <p:cNvPr id="2" name="Titolo 1"/>
+          <p:cNvPr id="2" name="Titolo 1">
+            <a:extLst>
+              <a:ext uri="{FF2B5EF4-FFF2-40B4-BE49-F238E27FC236}">
+                <a16:creationId xmlns:a16="http://schemas.microsoft.com/office/drawing/2014/main" id="{93C0CEE5-07ED-4D90-9BE5-15F88A506D27}"/>
+              </a:ext>
+            </a:extLst>
+          </p:cNvPr>
           <p:cNvSpPr>
             <a:spLocks noGrp="1"/>
           </p:cNvSpPr>
@@ -7048,43 +7240,546 @@
             <p:ph type="title"/>
           </p:nvPr>
         </p:nvSpPr>
+        <p:spPr/>
+        <p:txBody>
+          <a:bodyPr/>
+          <a:lstStyle/>
+          <a:p>
+            <a:r>
+              <a:rPr lang="it-CH" dirty="0"/>
+              <a:t>Motori passo-passo</a:t>
+            </a:r>
+          </a:p>
+        </p:txBody>
+      </p:sp>
+      <p:pic>
+        <p:nvPicPr>
+          <p:cNvPr id="4" name="Immagine 3">
+            <a:extLst>
+              <a:ext uri="{FF2B5EF4-FFF2-40B4-BE49-F238E27FC236}">
+                <a16:creationId xmlns:a16="http://schemas.microsoft.com/office/drawing/2014/main" id="{6439B916-5DB3-40F4-BB50-6D3FCB1ACF8E}"/>
+              </a:ext>
+            </a:extLst>
+          </p:cNvPr>
+          <p:cNvPicPr>
+            <a:picLocks noChangeAspect="1"/>
+          </p:cNvPicPr>
+          <p:nvPr/>
+        </p:nvPicPr>
+        <p:blipFill rotWithShape="1">
+          <a:blip r:embed="rId3"/>
+          <a:srcRect t="8889" r="56115" b="40541"/>
+          <a:stretch/>
+        </p:blipFill>
         <p:spPr>
           <a:xfrm>
-            <a:off x="529191" y="509609"/>
-            <a:ext cx="4321565" cy="1090863"/>
+            <a:off x="-1" y="1176918"/>
+            <a:ext cx="9053721" cy="5868540"/>
           </a:xfrm>
+          <a:prstGeom prst="rect">
+            <a:avLst/>
+          </a:prstGeom>
         </p:spPr>
-        <p:txBody>
-          <a:bodyPr>
-            <a:noAutofit/>
+      </p:pic>
+      <p:cxnSp>
+        <p:nvCxnSpPr>
+          <p:cNvPr id="5" name="Connettore 2 4">
+            <a:extLst>
+              <a:ext uri="{FF2B5EF4-FFF2-40B4-BE49-F238E27FC236}">
+                <a16:creationId xmlns:a16="http://schemas.microsoft.com/office/drawing/2014/main" id="{718362A6-1C32-41F0-9480-BC81F2C1C65D}"/>
+              </a:ext>
+            </a:extLst>
+          </p:cNvPr>
+          <p:cNvCxnSpPr/>
+          <p:nvPr/>
+        </p:nvCxnSpPr>
+        <p:spPr>
+          <a:xfrm>
+            <a:off x="4526860" y="2332532"/>
+            <a:ext cx="737937" cy="43261"/>
+          </a:xfrm>
+          <a:prstGeom prst="straightConnector1">
+            <a:avLst/>
+          </a:prstGeom>
+          <a:ln w="38100">
+            <a:tailEnd type="triangle"/>
+          </a:ln>
+        </p:spPr>
+        <p:style>
+          <a:lnRef idx="1">
+            <a:schemeClr val="accent1"/>
+          </a:lnRef>
+          <a:fillRef idx="0">
+            <a:schemeClr val="accent1"/>
+          </a:fillRef>
+          <a:effectRef idx="0">
+            <a:schemeClr val="accent1"/>
+          </a:effectRef>
+          <a:fontRef idx="minor">
+            <a:schemeClr val="tx1"/>
+          </a:fontRef>
+        </p:style>
+      </p:cxnSp>
+      <p:sp>
+        <p:nvSpPr>
+          <p:cNvPr id="6" name="CasellaDiTesto 5">
+            <a:extLst>
+              <a:ext uri="{FF2B5EF4-FFF2-40B4-BE49-F238E27FC236}">
+                <a16:creationId xmlns:a16="http://schemas.microsoft.com/office/drawing/2014/main" id="{7DBABBDD-FE7E-4C2F-B0A8-3F06D3E6A65B}"/>
+              </a:ext>
+            </a:extLst>
+          </p:cNvPr>
+          <p:cNvSpPr txBox="1"/>
+          <p:nvPr/>
+        </p:nvSpPr>
+        <p:spPr>
+          <a:xfrm>
+            <a:off x="5344636" y="2115908"/>
+            <a:ext cx="2613216" cy="369332"/>
+          </a:xfrm>
+          <a:prstGeom prst="rect">
+            <a:avLst/>
+          </a:prstGeom>
+          <a:noFill/>
+        </p:spPr>
+        <p:txBody>
+          <a:bodyPr wrap="none" rtlCol="0">
+            <a:spAutoFit/>
           </a:bodyPr>
           <a:lstStyle/>
           <a:p>
             <a:r>
-              <a:rPr lang="it-CH" sz="6000" dirty="0" smtClean="0"/>
-              <a:t>Conclusione</a:t>
-            </a:r>
-            <a:endParaRPr lang="it-CH" sz="6000" dirty="0"/>
+              <a:rPr lang="it-CH" dirty="0"/>
+              <a:t>Includo le varie librerie</a:t>
+            </a:r>
+          </a:p>
+        </p:txBody>
+      </p:sp>
+      <p:cxnSp>
+        <p:nvCxnSpPr>
+          <p:cNvPr id="7" name="Connettore 2 6">
+            <a:extLst>
+              <a:ext uri="{FF2B5EF4-FFF2-40B4-BE49-F238E27FC236}">
+                <a16:creationId xmlns:a16="http://schemas.microsoft.com/office/drawing/2014/main" id="{F5C5E8CF-EFBE-40AD-81E4-8C5C05E0FB88}"/>
+              </a:ext>
+            </a:extLst>
+          </p:cNvPr>
+          <p:cNvCxnSpPr/>
+          <p:nvPr/>
+        </p:nvCxnSpPr>
+        <p:spPr>
+          <a:xfrm>
+            <a:off x="4609083" y="3364896"/>
+            <a:ext cx="737937" cy="43261"/>
+          </a:xfrm>
+          <a:prstGeom prst="straightConnector1">
+            <a:avLst/>
+          </a:prstGeom>
+          <a:ln w="38100">
+            <a:tailEnd type="triangle"/>
+          </a:ln>
+        </p:spPr>
+        <p:style>
+          <a:lnRef idx="1">
+            <a:schemeClr val="accent1"/>
+          </a:lnRef>
+          <a:fillRef idx="0">
+            <a:schemeClr val="accent1"/>
+          </a:fillRef>
+          <a:effectRef idx="0">
+            <a:schemeClr val="accent1"/>
+          </a:effectRef>
+          <a:fontRef idx="minor">
+            <a:schemeClr val="tx1"/>
+          </a:fontRef>
+        </p:style>
+      </p:cxnSp>
+      <p:cxnSp>
+        <p:nvCxnSpPr>
+          <p:cNvPr id="8" name="Connettore 2 7">
+            <a:extLst>
+              <a:ext uri="{FF2B5EF4-FFF2-40B4-BE49-F238E27FC236}">
+                <a16:creationId xmlns:a16="http://schemas.microsoft.com/office/drawing/2014/main" id="{1BE37A25-A1D9-4DEA-B327-47CDD8901574}"/>
+              </a:ext>
+            </a:extLst>
+          </p:cNvPr>
+          <p:cNvCxnSpPr/>
+          <p:nvPr/>
+        </p:nvCxnSpPr>
+        <p:spPr>
+          <a:xfrm>
+            <a:off x="4237731" y="5161916"/>
+            <a:ext cx="737937" cy="43261"/>
+          </a:xfrm>
+          <a:prstGeom prst="straightConnector1">
+            <a:avLst/>
+          </a:prstGeom>
+          <a:ln w="38100">
+            <a:tailEnd type="triangle"/>
+          </a:ln>
+        </p:spPr>
+        <p:style>
+          <a:lnRef idx="1">
+            <a:schemeClr val="accent1"/>
+          </a:lnRef>
+          <a:fillRef idx="0">
+            <a:schemeClr val="accent1"/>
+          </a:fillRef>
+          <a:effectRef idx="0">
+            <a:schemeClr val="accent1"/>
+          </a:effectRef>
+          <a:fontRef idx="minor">
+            <a:schemeClr val="tx1"/>
+          </a:fontRef>
+        </p:style>
+      </p:cxnSp>
+      <p:sp>
+        <p:nvSpPr>
+          <p:cNvPr id="10" name="CasellaDiTesto 9">
+            <a:extLst>
+              <a:ext uri="{FF2B5EF4-FFF2-40B4-BE49-F238E27FC236}">
+                <a16:creationId xmlns:a16="http://schemas.microsoft.com/office/drawing/2014/main" id="{F8B018FB-05E7-4ECC-98A3-9113397C7FCC}"/>
+              </a:ext>
+            </a:extLst>
+          </p:cNvPr>
+          <p:cNvSpPr txBox="1"/>
+          <p:nvPr/>
+        </p:nvSpPr>
+        <p:spPr>
+          <a:xfrm>
+            <a:off x="5414657" y="3180230"/>
+            <a:ext cx="5041765" cy="369332"/>
+          </a:xfrm>
+          <a:prstGeom prst="rect">
+            <a:avLst/>
+          </a:prstGeom>
+          <a:noFill/>
+        </p:spPr>
+        <p:txBody>
+          <a:bodyPr wrap="none" rtlCol="0">
+            <a:spAutoFit/>
+          </a:bodyPr>
+          <a:lstStyle/>
+          <a:p>
+            <a:r>
+              <a:rPr lang="it-CH" dirty="0"/>
+              <a:t>Creo le variabili ed eseguo le varie connessioni</a:t>
+            </a:r>
+          </a:p>
+        </p:txBody>
+      </p:sp>
+      <p:sp>
+        <p:nvSpPr>
+          <p:cNvPr id="11" name="CasellaDiTesto 10">
+            <a:extLst>
+              <a:ext uri="{FF2B5EF4-FFF2-40B4-BE49-F238E27FC236}">
+                <a16:creationId xmlns:a16="http://schemas.microsoft.com/office/drawing/2014/main" id="{FB9FCF71-915C-466C-88A9-20452C6BFB3E}"/>
+              </a:ext>
+            </a:extLst>
+          </p:cNvPr>
+          <p:cNvSpPr txBox="1"/>
+          <p:nvPr/>
+        </p:nvSpPr>
+        <p:spPr>
+          <a:xfrm>
+            <a:off x="5187671" y="4974813"/>
+            <a:ext cx="1725152" cy="369332"/>
+          </a:xfrm>
+          <a:prstGeom prst="rect">
+            <a:avLst/>
+          </a:prstGeom>
+          <a:noFill/>
+        </p:spPr>
+        <p:txBody>
+          <a:bodyPr wrap="none" rtlCol="0">
+            <a:spAutoFit/>
+          </a:bodyPr>
+          <a:lstStyle/>
+          <a:p>
+            <a:r>
+              <a:rPr lang="it-CH" dirty="0"/>
+              <a:t>Muovo i motori</a:t>
+            </a:r>
           </a:p>
         </p:txBody>
       </p:sp>
     </p:spTree>
     <p:extLst>
       <p:ext uri="{BB962C8B-B14F-4D97-AF65-F5344CB8AC3E}">
-        <p14:creationId xmlns:p14="http://schemas.microsoft.com/office/powerpoint/2010/main" val="4236013410"/>
+        <p14:creationId xmlns:p14="http://schemas.microsoft.com/office/powerpoint/2010/main" val="4235573748"/>
       </p:ext>
     </p:extLst>
   </p:cSld>
   <p:clrMapOvr>
     <a:masterClrMapping/>
   </p:clrMapOvr>
-  <p:transition spd="med">
-    <p:pull/>
-  </p:transition>
   <p:timing>
     <p:tnLst>
       <p:par>
-        <p:cTn id="1" dur="indefinite" restart="never" nodeType="tmRoot"/>
+        <p:cTn id="1" dur="indefinite" restart="never" nodeType="tmRoot">
+          <p:childTnLst>
+            <p:seq concurrent="1" nextAc="seek">
+              <p:cTn id="2" dur="indefinite" nodeType="mainSeq">
+                <p:childTnLst>
+                  <p:par>
+                    <p:cTn id="3" fill="hold">
+                      <p:stCondLst>
+                        <p:cond delay="indefinite"/>
+                        <p:cond evt="onBegin" delay="0">
+                          <p:tn val="2"/>
+                        </p:cond>
+                      </p:stCondLst>
+                      <p:childTnLst>
+                        <p:par>
+                          <p:cTn id="4" fill="hold">
+                            <p:stCondLst>
+                              <p:cond delay="0"/>
+                            </p:stCondLst>
+                            <p:childTnLst>
+                              <p:par>
+                                <p:cTn id="5" presetID="2" presetClass="entr" presetSubtype="2" fill="hold" nodeType="withEffect">
+                                  <p:stCondLst>
+                                    <p:cond delay="0"/>
+                                  </p:stCondLst>
+                                  <p:childTnLst>
+                                    <p:set>
+                                      <p:cBhvr>
+                                        <p:cTn id="6" dur="1" fill="hold">
+                                          <p:stCondLst>
+                                            <p:cond delay="0"/>
+                                          </p:stCondLst>
+                                        </p:cTn>
+                                        <p:tgtEl>
+                                          <p:spTgt spid="5"/>
+                                        </p:tgtEl>
+                                        <p:attrNameLst>
+                                          <p:attrName>style.visibility</p:attrName>
+                                        </p:attrNameLst>
+                                      </p:cBhvr>
+                                      <p:to>
+                                        <p:strVal val="visible"/>
+                                      </p:to>
+                                    </p:set>
+                                    <p:anim calcmode="lin" valueType="num">
+                                      <p:cBhvr additive="base">
+                                        <p:cTn id="7" dur="500" fill="hold"/>
+                                        <p:tgtEl>
+                                          <p:spTgt spid="5"/>
+                                        </p:tgtEl>
+                                        <p:attrNameLst>
+                                          <p:attrName>ppt_x</p:attrName>
+                                        </p:attrNameLst>
+                                      </p:cBhvr>
+                                      <p:tavLst>
+                                        <p:tav tm="0">
+                                          <p:val>
+                                            <p:strVal val="1+#ppt_w/2"/>
+                                          </p:val>
+                                        </p:tav>
+                                        <p:tav tm="100000">
+                                          <p:val>
+                                            <p:strVal val="#ppt_x"/>
+                                          </p:val>
+                                        </p:tav>
+                                      </p:tavLst>
+                                    </p:anim>
+                                    <p:anim calcmode="lin" valueType="num">
+                                      <p:cBhvr additive="base">
+                                        <p:cTn id="8" dur="500" fill="hold"/>
+                                        <p:tgtEl>
+                                          <p:spTgt spid="5"/>
+                                        </p:tgtEl>
+                                        <p:attrNameLst>
+                                          <p:attrName>ppt_y</p:attrName>
+                                        </p:attrNameLst>
+                                      </p:cBhvr>
+                                      <p:tavLst>
+                                        <p:tav tm="0">
+                                          <p:val>
+                                            <p:strVal val="#ppt_y"/>
+                                          </p:val>
+                                        </p:tav>
+                                        <p:tav tm="100000">
+                                          <p:val>
+                                            <p:strVal val="#ppt_y"/>
+                                          </p:val>
+                                        </p:tav>
+                                      </p:tavLst>
+                                    </p:anim>
+                                  </p:childTnLst>
+                                </p:cTn>
+                              </p:par>
+                              <p:par>
+                                <p:cTn id="9" presetID="2" presetClass="entr" presetSubtype="2" fill="hold" nodeType="withEffect">
+                                  <p:stCondLst>
+                                    <p:cond delay="0"/>
+                                  </p:stCondLst>
+                                  <p:childTnLst>
+                                    <p:set>
+                                      <p:cBhvr>
+                                        <p:cTn id="10" dur="1" fill="hold">
+                                          <p:stCondLst>
+                                            <p:cond delay="0"/>
+                                          </p:stCondLst>
+                                        </p:cTn>
+                                        <p:tgtEl>
+                                          <p:spTgt spid="7"/>
+                                        </p:tgtEl>
+                                        <p:attrNameLst>
+                                          <p:attrName>style.visibility</p:attrName>
+                                        </p:attrNameLst>
+                                      </p:cBhvr>
+                                      <p:to>
+                                        <p:strVal val="visible"/>
+                                      </p:to>
+                                    </p:set>
+                                    <p:anim calcmode="lin" valueType="num">
+                                      <p:cBhvr additive="base">
+                                        <p:cTn id="11" dur="500" fill="hold"/>
+                                        <p:tgtEl>
+                                          <p:spTgt spid="7"/>
+                                        </p:tgtEl>
+                                        <p:attrNameLst>
+                                          <p:attrName>ppt_x</p:attrName>
+                                        </p:attrNameLst>
+                                      </p:cBhvr>
+                                      <p:tavLst>
+                                        <p:tav tm="0">
+                                          <p:val>
+                                            <p:strVal val="1+#ppt_w/2"/>
+                                          </p:val>
+                                        </p:tav>
+                                        <p:tav tm="100000">
+                                          <p:val>
+                                            <p:strVal val="#ppt_x"/>
+                                          </p:val>
+                                        </p:tav>
+                                      </p:tavLst>
+                                    </p:anim>
+                                    <p:anim calcmode="lin" valueType="num">
+                                      <p:cBhvr additive="base">
+                                        <p:cTn id="12" dur="500" fill="hold"/>
+                                        <p:tgtEl>
+                                          <p:spTgt spid="7"/>
+                                        </p:tgtEl>
+                                        <p:attrNameLst>
+                                          <p:attrName>ppt_y</p:attrName>
+                                        </p:attrNameLst>
+                                      </p:cBhvr>
+                                      <p:tavLst>
+                                        <p:tav tm="0">
+                                          <p:val>
+                                            <p:strVal val="#ppt_y"/>
+                                          </p:val>
+                                        </p:tav>
+                                        <p:tav tm="100000">
+                                          <p:val>
+                                            <p:strVal val="#ppt_y"/>
+                                          </p:val>
+                                        </p:tav>
+                                      </p:tavLst>
+                                    </p:anim>
+                                  </p:childTnLst>
+                                </p:cTn>
+                              </p:par>
+                              <p:par>
+                                <p:cTn id="13" presetID="2" presetClass="entr" presetSubtype="2" fill="hold" nodeType="withEffect">
+                                  <p:stCondLst>
+                                    <p:cond delay="0"/>
+                                  </p:stCondLst>
+                                  <p:childTnLst>
+                                    <p:set>
+                                      <p:cBhvr>
+                                        <p:cTn id="14" dur="1" fill="hold">
+                                          <p:stCondLst>
+                                            <p:cond delay="0"/>
+                                          </p:stCondLst>
+                                        </p:cTn>
+                                        <p:tgtEl>
+                                          <p:spTgt spid="8"/>
+                                        </p:tgtEl>
+                                        <p:attrNameLst>
+                                          <p:attrName>style.visibility</p:attrName>
+                                        </p:attrNameLst>
+                                      </p:cBhvr>
+                                      <p:to>
+                                        <p:strVal val="visible"/>
+                                      </p:to>
+                                    </p:set>
+                                    <p:anim calcmode="lin" valueType="num">
+                                      <p:cBhvr additive="base">
+                                        <p:cTn id="15" dur="500" fill="hold"/>
+                                        <p:tgtEl>
+                                          <p:spTgt spid="8"/>
+                                        </p:tgtEl>
+                                        <p:attrNameLst>
+                                          <p:attrName>ppt_x</p:attrName>
+                                        </p:attrNameLst>
+                                      </p:cBhvr>
+                                      <p:tavLst>
+                                        <p:tav tm="0">
+                                          <p:val>
+                                            <p:strVal val="1+#ppt_w/2"/>
+                                          </p:val>
+                                        </p:tav>
+                                        <p:tav tm="100000">
+                                          <p:val>
+                                            <p:strVal val="#ppt_x"/>
+                                          </p:val>
+                                        </p:tav>
+                                      </p:tavLst>
+                                    </p:anim>
+                                    <p:anim calcmode="lin" valueType="num">
+                                      <p:cBhvr additive="base">
+                                        <p:cTn id="16" dur="500" fill="hold"/>
+                                        <p:tgtEl>
+                                          <p:spTgt spid="8"/>
+                                        </p:tgtEl>
+                                        <p:attrNameLst>
+                                          <p:attrName>ppt_y</p:attrName>
+                                        </p:attrNameLst>
+                                      </p:cBhvr>
+                                      <p:tavLst>
+                                        <p:tav tm="0">
+                                          <p:val>
+                                            <p:strVal val="#ppt_y"/>
+                                          </p:val>
+                                        </p:tav>
+                                        <p:tav tm="100000">
+                                          <p:val>
+                                            <p:strVal val="#ppt_y"/>
+                                          </p:val>
+                                        </p:tav>
+                                      </p:tavLst>
+                                    </p:anim>
+                                  </p:childTnLst>
+                                </p:cTn>
+                              </p:par>
+                            </p:childTnLst>
+                          </p:cTn>
+                        </p:par>
+                      </p:childTnLst>
+                    </p:cTn>
+                  </p:par>
+                </p:childTnLst>
+              </p:cTn>
+              <p:prevCondLst>
+                <p:cond evt="onPrev" delay="0">
+                  <p:tgtEl>
+                    <p:sldTgt/>
+                  </p:tgtEl>
+                </p:cond>
+              </p:prevCondLst>
+              <p:nextCondLst>
+                <p:cond evt="onNext" delay="0">
+                  <p:tgtEl>
+                    <p:sldTgt/>
+                  </p:tgtEl>
+                </p:cond>
+              </p:nextCondLst>
+            </p:seq>
+          </p:childTnLst>
+        </p:cTn>
       </p:par>
     </p:tnLst>
   </p:timing>
@@ -7110,6 +7805,3494 @@
       </p:grpSpPr>
       <p:sp>
         <p:nvSpPr>
+          <p:cNvPr id="2" name="Titolo 1">
+            <a:extLst>
+              <a:ext uri="{FF2B5EF4-FFF2-40B4-BE49-F238E27FC236}">
+                <a16:creationId xmlns:a16="http://schemas.microsoft.com/office/drawing/2014/main" id="{EA779CA8-FF97-4D2D-973D-AE2F06265F65}"/>
+              </a:ext>
+            </a:extLst>
+          </p:cNvPr>
+          <p:cNvSpPr>
+            <a:spLocks noGrp="1"/>
+          </p:cNvSpPr>
+          <p:nvPr>
+            <p:ph type="title"/>
+          </p:nvPr>
+        </p:nvSpPr>
+        <p:spPr/>
+        <p:txBody>
+          <a:bodyPr/>
+          <a:lstStyle/>
+          <a:p>
+            <a:r>
+              <a:rPr lang="it-CH" dirty="0"/>
+              <a:t>Robot</a:t>
+            </a:r>
+          </a:p>
+        </p:txBody>
+      </p:sp>
+      <p:sp>
+        <p:nvSpPr>
+          <p:cNvPr id="3" name="Segnaposto contenuto 2">
+            <a:extLst>
+              <a:ext uri="{FF2B5EF4-FFF2-40B4-BE49-F238E27FC236}">
+                <a16:creationId xmlns:a16="http://schemas.microsoft.com/office/drawing/2014/main" id="{59D3ADF8-83DB-4D51-8D1C-EDA5C9A09A7D}"/>
+              </a:ext>
+            </a:extLst>
+          </p:cNvPr>
+          <p:cNvSpPr>
+            <a:spLocks noGrp="1"/>
+          </p:cNvSpPr>
+          <p:nvPr>
+            <p:ph idx="1"/>
+          </p:nvPr>
+        </p:nvSpPr>
+        <p:spPr/>
+        <p:txBody>
+          <a:bodyPr/>
+          <a:lstStyle/>
+          <a:p>
+            <a:pPr marL="0" indent="0">
+              <a:buNone/>
+            </a:pPr>
+            <a:r>
+              <a:rPr lang="it-CH" dirty="0"/>
+              <a:t>Componenti utilizzati</a:t>
+            </a:r>
+          </a:p>
+          <a:p>
+            <a:r>
+              <a:rPr lang="it-CH" dirty="0"/>
+              <a:t>1 – Arduino Mega 2560</a:t>
+            </a:r>
+          </a:p>
+          <a:p>
+            <a:r>
+              <a:rPr lang="it-CH" dirty="0"/>
+              <a:t>2 – Motori passo </a:t>
+            </a:r>
+            <a:r>
+              <a:rPr lang="it-CH" dirty="0" err="1"/>
+              <a:t>passo</a:t>
+            </a:r>
+            <a:endParaRPr lang="it-CH" dirty="0"/>
+          </a:p>
+          <a:p>
+            <a:r>
+              <a:rPr lang="it-CH" dirty="0"/>
+              <a:t>1 – Scheda </a:t>
+            </a:r>
+            <a:r>
+              <a:rPr lang="it-CH" dirty="0" err="1"/>
+              <a:t>JJRobots</a:t>
+            </a:r>
+            <a:endParaRPr lang="it-CH" dirty="0"/>
+          </a:p>
+          <a:p>
+            <a:r>
+              <a:rPr lang="it-CH" dirty="0"/>
+              <a:t>2 – </a:t>
+            </a:r>
+            <a:r>
+              <a:rPr lang="it-CH" dirty="0" err="1"/>
+              <a:t>MotorShield</a:t>
+            </a:r>
+            <a:r>
+              <a:rPr lang="it-CH" dirty="0"/>
+              <a:t> + 2 dissipatori</a:t>
+            </a:r>
+          </a:p>
+          <a:p>
+            <a:pPr marL="0" indent="0">
+              <a:buNone/>
+            </a:pPr>
+            <a:endParaRPr lang="it-CH" dirty="0"/>
+          </a:p>
+          <a:p>
+            <a:pPr marL="0" indent="0">
+              <a:buNone/>
+            </a:pPr>
+            <a:r>
+              <a:rPr lang="it-CH" dirty="0"/>
+              <a:t>Software utilizzati</a:t>
+            </a:r>
+          </a:p>
+          <a:p>
+            <a:r>
+              <a:rPr lang="it-CH" dirty="0"/>
+              <a:t>AHR Robot (</a:t>
+            </a:r>
+            <a:r>
+              <a:rPr lang="it-CH" dirty="0" err="1"/>
+              <a:t>JJRobots</a:t>
+            </a:r>
+            <a:r>
+              <a:rPr lang="it-CH" dirty="0"/>
+              <a:t>)</a:t>
+            </a:r>
+          </a:p>
+          <a:p>
+            <a:r>
+              <a:rPr lang="it-CH" dirty="0"/>
+              <a:t>Arduino IDE</a:t>
+            </a:r>
+          </a:p>
+        </p:txBody>
+      </p:sp>
+    </p:spTree>
+    <p:extLst>
+      <p:ext uri="{BB962C8B-B14F-4D97-AF65-F5344CB8AC3E}">
+        <p14:creationId xmlns:p14="http://schemas.microsoft.com/office/powerpoint/2010/main" val="4260020491"/>
+      </p:ext>
+    </p:extLst>
+  </p:cSld>
+  <p:clrMapOvr>
+    <a:masterClrMapping/>
+  </p:clrMapOvr>
+</p:sld>
+</file>
+
+<file path=ppt/slides/slide14.xml><?xml version="1.0" encoding="utf-8"?>
+<p:sld xmlns:a="http://schemas.openxmlformats.org/drawingml/2006/main" xmlns:r="http://schemas.openxmlformats.org/officeDocument/2006/relationships" xmlns:p="http://schemas.openxmlformats.org/presentationml/2006/main">
+  <p:cSld>
+    <p:spTree>
+      <p:nvGrpSpPr>
+        <p:cNvPr id="1" name=""/>
+        <p:cNvGrpSpPr/>
+        <p:nvPr/>
+      </p:nvGrpSpPr>
+      <p:grpSpPr>
+        <a:xfrm>
+          <a:off x="0" y="0"/>
+          <a:ext cx="0" cy="0"/>
+          <a:chOff x="0" y="0"/>
+          <a:chExt cx="0" cy="0"/>
+        </a:xfrm>
+      </p:grpSpPr>
+      <p:sp>
+        <p:nvSpPr>
+          <p:cNvPr id="2" name="Titolo 1">
+            <a:extLst>
+              <a:ext uri="{FF2B5EF4-FFF2-40B4-BE49-F238E27FC236}">
+                <a16:creationId xmlns:a16="http://schemas.microsoft.com/office/drawing/2014/main" id="{D5E3F679-6E0E-4926-8A3B-FE085CD1B767}"/>
+              </a:ext>
+            </a:extLst>
+          </p:cNvPr>
+          <p:cNvSpPr>
+            <a:spLocks noGrp="1"/>
+          </p:cNvSpPr>
+          <p:nvPr>
+            <p:ph type="title"/>
+          </p:nvPr>
+        </p:nvSpPr>
+        <p:spPr/>
+        <p:txBody>
+          <a:bodyPr/>
+          <a:lstStyle/>
+          <a:p>
+            <a:r>
+              <a:rPr lang="it-CH" dirty="0"/>
+              <a:t>Robot</a:t>
+            </a:r>
+          </a:p>
+        </p:txBody>
+      </p:sp>
+      <p:sp>
+        <p:nvSpPr>
+          <p:cNvPr id="3" name="Segnaposto contenuto 2">
+            <a:extLst>
+              <a:ext uri="{FF2B5EF4-FFF2-40B4-BE49-F238E27FC236}">
+                <a16:creationId xmlns:a16="http://schemas.microsoft.com/office/drawing/2014/main" id="{DA8E0FA7-4816-4693-BE4A-9D1AA5743E7F}"/>
+              </a:ext>
+            </a:extLst>
+          </p:cNvPr>
+          <p:cNvSpPr>
+            <a:spLocks noGrp="1"/>
+          </p:cNvSpPr>
+          <p:nvPr>
+            <p:ph idx="1"/>
+          </p:nvPr>
+        </p:nvSpPr>
+        <p:spPr>
+          <a:xfrm>
+            <a:off x="936825" y="1488613"/>
+            <a:ext cx="1299748" cy="441787"/>
+          </a:xfrm>
+        </p:spPr>
+        <p:txBody>
+          <a:bodyPr/>
+          <a:lstStyle/>
+          <a:p>
+            <a:pPr marL="0" indent="0">
+              <a:buNone/>
+            </a:pPr>
+            <a:r>
+              <a:rPr lang="it-CH" dirty="0"/>
+              <a:t>Montaggio</a:t>
+            </a:r>
+          </a:p>
+        </p:txBody>
+      </p:sp>
+      <p:pic>
+        <p:nvPicPr>
+          <p:cNvPr id="5" name="Immagine 4">
+            <a:extLst>
+              <a:ext uri="{FF2B5EF4-FFF2-40B4-BE49-F238E27FC236}">
+                <a16:creationId xmlns:a16="http://schemas.microsoft.com/office/drawing/2014/main" id="{47E50C2D-8922-4072-B54C-6DBC100825FC}"/>
+              </a:ext>
+            </a:extLst>
+          </p:cNvPr>
+          <p:cNvPicPr>
+            <a:picLocks noChangeAspect="1"/>
+          </p:cNvPicPr>
+          <p:nvPr/>
+        </p:nvPicPr>
+        <p:blipFill rotWithShape="1">
+          <a:blip r:embed="rId2" cstate="print">
+            <a:extLst>
+              <a:ext uri="{28A0092B-C50C-407E-A947-70E740481C1C}">
+                <a14:useLocalDpi xmlns:a14="http://schemas.microsoft.com/office/drawing/2010/main" val="0"/>
+              </a:ext>
+            </a:extLst>
+          </a:blip>
+          <a:srcRect t="234" r="327" b="34628"/>
+          <a:stretch/>
+        </p:blipFill>
+        <p:spPr>
+          <a:xfrm>
+            <a:off x="797266" y="1930400"/>
+            <a:ext cx="5751815" cy="2819199"/>
+          </a:xfrm>
+          <a:prstGeom prst="rect">
+            <a:avLst/>
+          </a:prstGeom>
+        </p:spPr>
+      </p:pic>
+      <p:sp>
+        <p:nvSpPr>
+          <p:cNvPr id="6" name="Rettangolo 5">
+            <a:extLst>
+              <a:ext uri="{FF2B5EF4-FFF2-40B4-BE49-F238E27FC236}">
+                <a16:creationId xmlns:a16="http://schemas.microsoft.com/office/drawing/2014/main" id="{B0528231-C731-41D1-A2A8-F58316EBE086}"/>
+              </a:ext>
+            </a:extLst>
+          </p:cNvPr>
+          <p:cNvSpPr/>
+          <p:nvPr/>
+        </p:nvSpPr>
+        <p:spPr>
+          <a:xfrm>
+            <a:off x="2607276" y="3719384"/>
+            <a:ext cx="1668162" cy="914400"/>
+          </a:xfrm>
+          <a:prstGeom prst="rect">
+            <a:avLst/>
+          </a:prstGeom>
+          <a:noFill/>
+          <a:ln w="57150">
+            <a:solidFill>
+              <a:srgbClr val="FF0000"/>
+            </a:solidFill>
+          </a:ln>
+        </p:spPr>
+        <p:style>
+          <a:lnRef idx="2">
+            <a:schemeClr val="accent1">
+              <a:shade val="50000"/>
+            </a:schemeClr>
+          </a:lnRef>
+          <a:fillRef idx="1">
+            <a:schemeClr val="accent1"/>
+          </a:fillRef>
+          <a:effectRef idx="0">
+            <a:schemeClr val="accent1"/>
+          </a:effectRef>
+          <a:fontRef idx="minor">
+            <a:schemeClr val="lt1"/>
+          </a:fontRef>
+        </p:style>
+        <p:txBody>
+          <a:bodyPr rtlCol="0" anchor="ctr"/>
+          <a:lstStyle/>
+          <a:p>
+            <a:pPr algn="ctr"/>
+            <a:endParaRPr lang="it-CH"/>
+          </a:p>
+        </p:txBody>
+      </p:sp>
+      <p:cxnSp>
+        <p:nvCxnSpPr>
+          <p:cNvPr id="7" name="Connettore 2 6">
+            <a:extLst>
+              <a:ext uri="{FF2B5EF4-FFF2-40B4-BE49-F238E27FC236}">
+                <a16:creationId xmlns:a16="http://schemas.microsoft.com/office/drawing/2014/main" id="{83896790-7DCD-4C57-895B-963E358859F3}"/>
+              </a:ext>
+            </a:extLst>
+          </p:cNvPr>
+          <p:cNvCxnSpPr>
+            <a:cxnSpLocks/>
+          </p:cNvCxnSpPr>
+          <p:nvPr/>
+        </p:nvCxnSpPr>
+        <p:spPr>
+          <a:xfrm>
+            <a:off x="3393244" y="4586768"/>
+            <a:ext cx="1054769" cy="494002"/>
+          </a:xfrm>
+          <a:prstGeom prst="straightConnector1">
+            <a:avLst/>
+          </a:prstGeom>
+          <a:ln w="38100">
+            <a:tailEnd type="triangle"/>
+          </a:ln>
+        </p:spPr>
+        <p:style>
+          <a:lnRef idx="1">
+            <a:schemeClr val="accent1"/>
+          </a:lnRef>
+          <a:fillRef idx="0">
+            <a:schemeClr val="accent1"/>
+          </a:fillRef>
+          <a:effectRef idx="0">
+            <a:schemeClr val="accent1"/>
+          </a:effectRef>
+          <a:fontRef idx="minor">
+            <a:schemeClr val="tx1"/>
+          </a:fontRef>
+        </p:style>
+      </p:cxnSp>
+      <p:sp>
+        <p:nvSpPr>
+          <p:cNvPr id="9" name="CasellaDiTesto 8">
+            <a:extLst>
+              <a:ext uri="{FF2B5EF4-FFF2-40B4-BE49-F238E27FC236}">
+                <a16:creationId xmlns:a16="http://schemas.microsoft.com/office/drawing/2014/main" id="{8BCEE407-72EF-48B0-90D0-A7BC74CA4844}"/>
+              </a:ext>
+            </a:extLst>
+          </p:cNvPr>
+          <p:cNvSpPr txBox="1"/>
+          <p:nvPr/>
+        </p:nvSpPr>
+        <p:spPr>
+          <a:xfrm>
+            <a:off x="4621427" y="5080770"/>
+            <a:ext cx="4614020" cy="369332"/>
+          </a:xfrm>
+          <a:prstGeom prst="rect">
+            <a:avLst/>
+          </a:prstGeom>
+          <a:noFill/>
+        </p:spPr>
+        <p:txBody>
+          <a:bodyPr wrap="none" rtlCol="0">
+            <a:spAutoFit/>
+          </a:bodyPr>
+          <a:lstStyle/>
+          <a:p>
+            <a:r>
+              <a:rPr lang="it-CH" dirty="0"/>
+              <a:t>Arduino Mega 2650 con la scheda </a:t>
+            </a:r>
+            <a:r>
+              <a:rPr lang="it-CH" dirty="0" err="1"/>
+              <a:t>JJRobots</a:t>
+            </a:r>
+            <a:endParaRPr lang="it-CH" dirty="0"/>
+          </a:p>
+        </p:txBody>
+      </p:sp>
+      <p:sp>
+        <p:nvSpPr>
+          <p:cNvPr id="10" name="Rettangolo 9">
+            <a:extLst>
+              <a:ext uri="{FF2B5EF4-FFF2-40B4-BE49-F238E27FC236}">
+                <a16:creationId xmlns:a16="http://schemas.microsoft.com/office/drawing/2014/main" id="{1431CA28-A271-40D2-9CF5-33519B6F672D}"/>
+              </a:ext>
+            </a:extLst>
+          </p:cNvPr>
+          <p:cNvSpPr/>
+          <p:nvPr/>
+        </p:nvSpPr>
+        <p:spPr>
+          <a:xfrm>
+            <a:off x="677334" y="1930400"/>
+            <a:ext cx="1102039" cy="998151"/>
+          </a:xfrm>
+          <a:prstGeom prst="rect">
+            <a:avLst/>
+          </a:prstGeom>
+          <a:noFill/>
+          <a:ln w="57150">
+            <a:solidFill>
+              <a:srgbClr val="C00000"/>
+            </a:solidFill>
+          </a:ln>
+        </p:spPr>
+        <p:style>
+          <a:lnRef idx="2">
+            <a:schemeClr val="accent1">
+              <a:shade val="50000"/>
+            </a:schemeClr>
+          </a:lnRef>
+          <a:fillRef idx="1">
+            <a:schemeClr val="accent1"/>
+          </a:fillRef>
+          <a:effectRef idx="0">
+            <a:schemeClr val="accent1"/>
+          </a:effectRef>
+          <a:fontRef idx="minor">
+            <a:schemeClr val="lt1"/>
+          </a:fontRef>
+        </p:style>
+        <p:txBody>
+          <a:bodyPr rtlCol="0" anchor="ctr"/>
+          <a:lstStyle/>
+          <a:p>
+            <a:pPr algn="ctr"/>
+            <a:endParaRPr lang="it-CH"/>
+          </a:p>
+        </p:txBody>
+      </p:sp>
+      <p:sp>
+        <p:nvSpPr>
+          <p:cNvPr id="11" name="Rettangolo 10">
+            <a:extLst>
+              <a:ext uri="{FF2B5EF4-FFF2-40B4-BE49-F238E27FC236}">
+                <a16:creationId xmlns:a16="http://schemas.microsoft.com/office/drawing/2014/main" id="{B2CFF234-AE5C-4C7F-B19C-DE07B0201BFA}"/>
+              </a:ext>
+            </a:extLst>
+          </p:cNvPr>
+          <p:cNvSpPr/>
+          <p:nvPr/>
+        </p:nvSpPr>
+        <p:spPr>
+          <a:xfrm>
+            <a:off x="5566974" y="1961978"/>
+            <a:ext cx="1102039" cy="998151"/>
+          </a:xfrm>
+          <a:prstGeom prst="rect">
+            <a:avLst/>
+          </a:prstGeom>
+          <a:noFill/>
+          <a:ln w="57150">
+            <a:solidFill>
+              <a:srgbClr val="C00000"/>
+            </a:solidFill>
+          </a:ln>
+        </p:spPr>
+        <p:style>
+          <a:lnRef idx="2">
+            <a:schemeClr val="accent1">
+              <a:shade val="50000"/>
+            </a:schemeClr>
+          </a:lnRef>
+          <a:fillRef idx="1">
+            <a:schemeClr val="accent1"/>
+          </a:fillRef>
+          <a:effectRef idx="0">
+            <a:schemeClr val="accent1"/>
+          </a:effectRef>
+          <a:fontRef idx="minor">
+            <a:schemeClr val="lt1"/>
+          </a:fontRef>
+        </p:style>
+        <p:txBody>
+          <a:bodyPr rtlCol="0" anchor="ctr"/>
+          <a:lstStyle/>
+          <a:p>
+            <a:pPr algn="ctr"/>
+            <a:endParaRPr lang="it-CH"/>
+          </a:p>
+        </p:txBody>
+      </p:sp>
+      <p:cxnSp>
+        <p:nvCxnSpPr>
+          <p:cNvPr id="12" name="Connettore 2 11">
+            <a:extLst>
+              <a:ext uri="{FF2B5EF4-FFF2-40B4-BE49-F238E27FC236}">
+                <a16:creationId xmlns:a16="http://schemas.microsoft.com/office/drawing/2014/main" id="{8E4361CF-8410-4E1E-A351-16FABD3DCB08}"/>
+              </a:ext>
+            </a:extLst>
+          </p:cNvPr>
+          <p:cNvCxnSpPr>
+            <a:cxnSpLocks/>
+          </p:cNvCxnSpPr>
+          <p:nvPr/>
+        </p:nvCxnSpPr>
+        <p:spPr>
+          <a:xfrm flipV="1">
+            <a:off x="1709188" y="1488613"/>
+            <a:ext cx="5674969" cy="972440"/>
+          </a:xfrm>
+          <a:prstGeom prst="straightConnector1">
+            <a:avLst/>
+          </a:prstGeom>
+          <a:ln w="38100">
+            <a:tailEnd type="triangle"/>
+          </a:ln>
+        </p:spPr>
+        <p:style>
+          <a:lnRef idx="1">
+            <a:schemeClr val="accent1"/>
+          </a:lnRef>
+          <a:fillRef idx="0">
+            <a:schemeClr val="accent1"/>
+          </a:fillRef>
+          <a:effectRef idx="0">
+            <a:schemeClr val="accent1"/>
+          </a:effectRef>
+          <a:fontRef idx="minor">
+            <a:schemeClr val="tx1"/>
+          </a:fontRef>
+        </p:style>
+      </p:cxnSp>
+      <p:cxnSp>
+        <p:nvCxnSpPr>
+          <p:cNvPr id="14" name="Connettore 2 13">
+            <a:extLst>
+              <a:ext uri="{FF2B5EF4-FFF2-40B4-BE49-F238E27FC236}">
+                <a16:creationId xmlns:a16="http://schemas.microsoft.com/office/drawing/2014/main" id="{F64DEF49-7C1F-42DD-93CC-0614CCA0B62E}"/>
+              </a:ext>
+            </a:extLst>
+          </p:cNvPr>
+          <p:cNvCxnSpPr>
+            <a:cxnSpLocks/>
+          </p:cNvCxnSpPr>
+          <p:nvPr/>
+        </p:nvCxnSpPr>
+        <p:spPr>
+          <a:xfrm flipV="1">
+            <a:off x="6686162" y="1549392"/>
+            <a:ext cx="635282" cy="554379"/>
+          </a:xfrm>
+          <a:prstGeom prst="straightConnector1">
+            <a:avLst/>
+          </a:prstGeom>
+          <a:ln w="38100">
+            <a:tailEnd type="triangle"/>
+          </a:ln>
+        </p:spPr>
+        <p:style>
+          <a:lnRef idx="1">
+            <a:schemeClr val="accent1"/>
+          </a:lnRef>
+          <a:fillRef idx="0">
+            <a:schemeClr val="accent1"/>
+          </a:fillRef>
+          <a:effectRef idx="0">
+            <a:schemeClr val="accent1"/>
+          </a:effectRef>
+          <a:fontRef idx="minor">
+            <a:schemeClr val="tx1"/>
+          </a:fontRef>
+        </p:style>
+      </p:cxnSp>
+      <p:sp>
+        <p:nvSpPr>
+          <p:cNvPr id="16" name="CasellaDiTesto 15">
+            <a:extLst>
+              <a:ext uri="{FF2B5EF4-FFF2-40B4-BE49-F238E27FC236}">
+                <a16:creationId xmlns:a16="http://schemas.microsoft.com/office/drawing/2014/main" id="{2636E835-1F5D-491D-98A2-CD92194A7838}"/>
+              </a:ext>
+            </a:extLst>
+          </p:cNvPr>
+          <p:cNvSpPr txBox="1"/>
+          <p:nvPr/>
+        </p:nvSpPr>
+        <p:spPr>
+          <a:xfrm>
+            <a:off x="7401306" y="1321263"/>
+            <a:ext cx="2114681" cy="369332"/>
+          </a:xfrm>
+          <a:prstGeom prst="rect">
+            <a:avLst/>
+          </a:prstGeom>
+          <a:noFill/>
+        </p:spPr>
+        <p:txBody>
+          <a:bodyPr wrap="none" rtlCol="0">
+            <a:spAutoFit/>
+          </a:bodyPr>
+          <a:lstStyle/>
+          <a:p>
+            <a:r>
+              <a:rPr lang="it-CH" dirty="0"/>
+              <a:t>Motori passo-passo</a:t>
+            </a:r>
+          </a:p>
+        </p:txBody>
+      </p:sp>
+    </p:spTree>
+    <p:extLst>
+      <p:ext uri="{BB962C8B-B14F-4D97-AF65-F5344CB8AC3E}">
+        <p14:creationId xmlns:p14="http://schemas.microsoft.com/office/powerpoint/2010/main" val="1361881103"/>
+      </p:ext>
+    </p:extLst>
+  </p:cSld>
+  <p:clrMapOvr>
+    <a:masterClrMapping/>
+  </p:clrMapOvr>
+  <p:timing>
+    <p:tnLst>
+      <p:par>
+        <p:cTn id="1" dur="indefinite" restart="never" nodeType="tmRoot">
+          <p:childTnLst>
+            <p:seq concurrent="1" nextAc="seek">
+              <p:cTn id="2" dur="indefinite" nodeType="mainSeq">
+                <p:childTnLst>
+                  <p:par>
+                    <p:cTn id="3" fill="hold">
+                      <p:stCondLst>
+                        <p:cond delay="indefinite"/>
+                        <p:cond evt="onBegin" delay="0">
+                          <p:tn val="2"/>
+                        </p:cond>
+                      </p:stCondLst>
+                      <p:childTnLst>
+                        <p:par>
+                          <p:cTn id="4" fill="hold">
+                            <p:stCondLst>
+                              <p:cond delay="0"/>
+                            </p:stCondLst>
+                            <p:childTnLst>
+                              <p:par>
+                                <p:cTn id="5" presetID="2" presetClass="entr" presetSubtype="2" fill="hold" nodeType="withEffect">
+                                  <p:stCondLst>
+                                    <p:cond delay="0"/>
+                                  </p:stCondLst>
+                                  <p:childTnLst>
+                                    <p:set>
+                                      <p:cBhvr>
+                                        <p:cTn id="6" dur="1" fill="hold">
+                                          <p:stCondLst>
+                                            <p:cond delay="0"/>
+                                          </p:stCondLst>
+                                        </p:cTn>
+                                        <p:tgtEl>
+                                          <p:spTgt spid="7"/>
+                                        </p:tgtEl>
+                                        <p:attrNameLst>
+                                          <p:attrName>style.visibility</p:attrName>
+                                        </p:attrNameLst>
+                                      </p:cBhvr>
+                                      <p:to>
+                                        <p:strVal val="visible"/>
+                                      </p:to>
+                                    </p:set>
+                                    <p:anim calcmode="lin" valueType="num">
+                                      <p:cBhvr additive="base">
+                                        <p:cTn id="7" dur="500" fill="hold"/>
+                                        <p:tgtEl>
+                                          <p:spTgt spid="7"/>
+                                        </p:tgtEl>
+                                        <p:attrNameLst>
+                                          <p:attrName>ppt_x</p:attrName>
+                                        </p:attrNameLst>
+                                      </p:cBhvr>
+                                      <p:tavLst>
+                                        <p:tav tm="0">
+                                          <p:val>
+                                            <p:strVal val="1+#ppt_w/2"/>
+                                          </p:val>
+                                        </p:tav>
+                                        <p:tav tm="100000">
+                                          <p:val>
+                                            <p:strVal val="#ppt_x"/>
+                                          </p:val>
+                                        </p:tav>
+                                      </p:tavLst>
+                                    </p:anim>
+                                    <p:anim calcmode="lin" valueType="num">
+                                      <p:cBhvr additive="base">
+                                        <p:cTn id="8" dur="500" fill="hold"/>
+                                        <p:tgtEl>
+                                          <p:spTgt spid="7"/>
+                                        </p:tgtEl>
+                                        <p:attrNameLst>
+                                          <p:attrName>ppt_y</p:attrName>
+                                        </p:attrNameLst>
+                                      </p:cBhvr>
+                                      <p:tavLst>
+                                        <p:tav tm="0">
+                                          <p:val>
+                                            <p:strVal val="#ppt_y"/>
+                                          </p:val>
+                                        </p:tav>
+                                        <p:tav tm="100000">
+                                          <p:val>
+                                            <p:strVal val="#ppt_y"/>
+                                          </p:val>
+                                        </p:tav>
+                                      </p:tavLst>
+                                    </p:anim>
+                                  </p:childTnLst>
+                                </p:cTn>
+                              </p:par>
+                              <p:par>
+                                <p:cTn id="9" presetID="2" presetClass="entr" presetSubtype="2" fill="hold" nodeType="withEffect">
+                                  <p:stCondLst>
+                                    <p:cond delay="0"/>
+                                  </p:stCondLst>
+                                  <p:childTnLst>
+                                    <p:set>
+                                      <p:cBhvr>
+                                        <p:cTn id="10" dur="1" fill="hold">
+                                          <p:stCondLst>
+                                            <p:cond delay="0"/>
+                                          </p:stCondLst>
+                                        </p:cTn>
+                                        <p:tgtEl>
+                                          <p:spTgt spid="12"/>
+                                        </p:tgtEl>
+                                        <p:attrNameLst>
+                                          <p:attrName>style.visibility</p:attrName>
+                                        </p:attrNameLst>
+                                      </p:cBhvr>
+                                      <p:to>
+                                        <p:strVal val="visible"/>
+                                      </p:to>
+                                    </p:set>
+                                    <p:anim calcmode="lin" valueType="num">
+                                      <p:cBhvr additive="base">
+                                        <p:cTn id="11" dur="500" fill="hold"/>
+                                        <p:tgtEl>
+                                          <p:spTgt spid="12"/>
+                                        </p:tgtEl>
+                                        <p:attrNameLst>
+                                          <p:attrName>ppt_x</p:attrName>
+                                        </p:attrNameLst>
+                                      </p:cBhvr>
+                                      <p:tavLst>
+                                        <p:tav tm="0">
+                                          <p:val>
+                                            <p:strVal val="1+#ppt_w/2"/>
+                                          </p:val>
+                                        </p:tav>
+                                        <p:tav tm="100000">
+                                          <p:val>
+                                            <p:strVal val="#ppt_x"/>
+                                          </p:val>
+                                        </p:tav>
+                                      </p:tavLst>
+                                    </p:anim>
+                                    <p:anim calcmode="lin" valueType="num">
+                                      <p:cBhvr additive="base">
+                                        <p:cTn id="12" dur="500" fill="hold"/>
+                                        <p:tgtEl>
+                                          <p:spTgt spid="12"/>
+                                        </p:tgtEl>
+                                        <p:attrNameLst>
+                                          <p:attrName>ppt_y</p:attrName>
+                                        </p:attrNameLst>
+                                      </p:cBhvr>
+                                      <p:tavLst>
+                                        <p:tav tm="0">
+                                          <p:val>
+                                            <p:strVal val="#ppt_y"/>
+                                          </p:val>
+                                        </p:tav>
+                                        <p:tav tm="100000">
+                                          <p:val>
+                                            <p:strVal val="#ppt_y"/>
+                                          </p:val>
+                                        </p:tav>
+                                      </p:tavLst>
+                                    </p:anim>
+                                  </p:childTnLst>
+                                </p:cTn>
+                              </p:par>
+                              <p:par>
+                                <p:cTn id="13" presetID="2" presetClass="entr" presetSubtype="2" fill="hold" nodeType="withEffect">
+                                  <p:stCondLst>
+                                    <p:cond delay="0"/>
+                                  </p:stCondLst>
+                                  <p:childTnLst>
+                                    <p:set>
+                                      <p:cBhvr>
+                                        <p:cTn id="14" dur="1" fill="hold">
+                                          <p:stCondLst>
+                                            <p:cond delay="0"/>
+                                          </p:stCondLst>
+                                        </p:cTn>
+                                        <p:tgtEl>
+                                          <p:spTgt spid="14"/>
+                                        </p:tgtEl>
+                                        <p:attrNameLst>
+                                          <p:attrName>style.visibility</p:attrName>
+                                        </p:attrNameLst>
+                                      </p:cBhvr>
+                                      <p:to>
+                                        <p:strVal val="visible"/>
+                                      </p:to>
+                                    </p:set>
+                                    <p:anim calcmode="lin" valueType="num">
+                                      <p:cBhvr additive="base">
+                                        <p:cTn id="15" dur="500" fill="hold"/>
+                                        <p:tgtEl>
+                                          <p:spTgt spid="14"/>
+                                        </p:tgtEl>
+                                        <p:attrNameLst>
+                                          <p:attrName>ppt_x</p:attrName>
+                                        </p:attrNameLst>
+                                      </p:cBhvr>
+                                      <p:tavLst>
+                                        <p:tav tm="0">
+                                          <p:val>
+                                            <p:strVal val="1+#ppt_w/2"/>
+                                          </p:val>
+                                        </p:tav>
+                                        <p:tav tm="100000">
+                                          <p:val>
+                                            <p:strVal val="#ppt_x"/>
+                                          </p:val>
+                                        </p:tav>
+                                      </p:tavLst>
+                                    </p:anim>
+                                    <p:anim calcmode="lin" valueType="num">
+                                      <p:cBhvr additive="base">
+                                        <p:cTn id="16" dur="500" fill="hold"/>
+                                        <p:tgtEl>
+                                          <p:spTgt spid="14"/>
+                                        </p:tgtEl>
+                                        <p:attrNameLst>
+                                          <p:attrName>ppt_y</p:attrName>
+                                        </p:attrNameLst>
+                                      </p:cBhvr>
+                                      <p:tavLst>
+                                        <p:tav tm="0">
+                                          <p:val>
+                                            <p:strVal val="#ppt_y"/>
+                                          </p:val>
+                                        </p:tav>
+                                        <p:tav tm="100000">
+                                          <p:val>
+                                            <p:strVal val="#ppt_y"/>
+                                          </p:val>
+                                        </p:tav>
+                                      </p:tavLst>
+                                    </p:anim>
+                                  </p:childTnLst>
+                                </p:cTn>
+                              </p:par>
+                            </p:childTnLst>
+                          </p:cTn>
+                        </p:par>
+                      </p:childTnLst>
+                    </p:cTn>
+                  </p:par>
+                </p:childTnLst>
+              </p:cTn>
+              <p:prevCondLst>
+                <p:cond evt="onPrev" delay="0">
+                  <p:tgtEl>
+                    <p:sldTgt/>
+                  </p:tgtEl>
+                </p:cond>
+              </p:prevCondLst>
+              <p:nextCondLst>
+                <p:cond evt="onNext" delay="0">
+                  <p:tgtEl>
+                    <p:sldTgt/>
+                  </p:tgtEl>
+                </p:cond>
+              </p:nextCondLst>
+            </p:seq>
+          </p:childTnLst>
+        </p:cTn>
+      </p:par>
+    </p:tnLst>
+  </p:timing>
+</p:sld>
+</file>
+
+<file path=ppt/slides/slide15.xml><?xml version="1.0" encoding="utf-8"?>
+<p:sld xmlns:a="http://schemas.openxmlformats.org/drawingml/2006/main" xmlns:r="http://schemas.openxmlformats.org/officeDocument/2006/relationships" xmlns:p="http://schemas.openxmlformats.org/presentationml/2006/main">
+  <p:cSld>
+    <p:spTree>
+      <p:nvGrpSpPr>
+        <p:cNvPr id="1" name=""/>
+        <p:cNvGrpSpPr/>
+        <p:nvPr/>
+      </p:nvGrpSpPr>
+      <p:grpSpPr>
+        <a:xfrm>
+          <a:off x="0" y="0"/>
+          <a:ext cx="0" cy="0"/>
+          <a:chOff x="0" y="0"/>
+          <a:chExt cx="0" cy="0"/>
+        </a:xfrm>
+      </p:grpSpPr>
+      <p:sp>
+        <p:nvSpPr>
+          <p:cNvPr id="2" name="Titolo 1">
+            <a:extLst>
+              <a:ext uri="{FF2B5EF4-FFF2-40B4-BE49-F238E27FC236}">
+                <a16:creationId xmlns:a16="http://schemas.microsoft.com/office/drawing/2014/main" id="{45DE9337-D241-41EB-AA80-283109BB2E05}"/>
+              </a:ext>
+            </a:extLst>
+          </p:cNvPr>
+          <p:cNvSpPr>
+            <a:spLocks noGrp="1"/>
+          </p:cNvSpPr>
+          <p:nvPr>
+            <p:ph type="title"/>
+          </p:nvPr>
+        </p:nvSpPr>
+        <p:spPr/>
+        <p:txBody>
+          <a:bodyPr/>
+          <a:lstStyle/>
+          <a:p>
+            <a:r>
+              <a:rPr lang="it-CH" dirty="0"/>
+              <a:t>Robot</a:t>
+            </a:r>
+          </a:p>
+        </p:txBody>
+      </p:sp>
+      <p:sp>
+        <p:nvSpPr>
+          <p:cNvPr id="4" name="Segnaposto contenuto 2">
+            <a:extLst>
+              <a:ext uri="{FF2B5EF4-FFF2-40B4-BE49-F238E27FC236}">
+                <a16:creationId xmlns:a16="http://schemas.microsoft.com/office/drawing/2014/main" id="{CE092209-4239-453E-B076-3A3DFFCA5EAD}"/>
+              </a:ext>
+            </a:extLst>
+          </p:cNvPr>
+          <p:cNvSpPr>
+            <a:spLocks noGrp="1"/>
+          </p:cNvSpPr>
+          <p:nvPr>
+            <p:ph idx="1"/>
+          </p:nvPr>
+        </p:nvSpPr>
+        <p:spPr>
+          <a:xfrm>
+            <a:off x="936825" y="1488613"/>
+            <a:ext cx="1497456" cy="441787"/>
+          </a:xfrm>
+        </p:spPr>
+        <p:txBody>
+          <a:bodyPr>
+            <a:normAutofit/>
+          </a:bodyPr>
+          <a:lstStyle/>
+          <a:p>
+            <a:pPr marL="0" indent="0">
+              <a:buNone/>
+            </a:pPr>
+            <a:r>
+              <a:rPr lang="it-CH" dirty="0"/>
+              <a:t>Applicazione</a:t>
+            </a:r>
+          </a:p>
+        </p:txBody>
+      </p:sp>
+      <p:pic>
+        <p:nvPicPr>
+          <p:cNvPr id="5" name="Immagine 4">
+            <a:extLst>
+              <a:ext uri="{FF2B5EF4-FFF2-40B4-BE49-F238E27FC236}">
+                <a16:creationId xmlns:a16="http://schemas.microsoft.com/office/drawing/2014/main" id="{E2348BF5-29BC-4B4A-82CE-B2EBCC8CE841}"/>
+              </a:ext>
+            </a:extLst>
+          </p:cNvPr>
+          <p:cNvPicPr>
+            <a:picLocks noChangeAspect="1"/>
+          </p:cNvPicPr>
+          <p:nvPr/>
+        </p:nvPicPr>
+        <p:blipFill rotWithShape="1">
+          <a:blip r:embed="rId2">
+            <a:extLst>
+              <a:ext uri="{28A0092B-C50C-407E-A947-70E740481C1C}">
+                <a14:useLocalDpi xmlns:a14="http://schemas.microsoft.com/office/drawing/2010/main" val="0"/>
+              </a:ext>
+            </a:extLst>
+          </a:blip>
+          <a:srcRect l="5372" t="5312" r="7771" b="780"/>
+          <a:stretch/>
+        </p:blipFill>
+        <p:spPr>
+          <a:xfrm>
+            <a:off x="150355" y="1930400"/>
+            <a:ext cx="8266670" cy="4348043"/>
+          </a:xfrm>
+          <a:prstGeom prst="rect">
+            <a:avLst/>
+          </a:prstGeom>
+        </p:spPr>
+      </p:pic>
+      <p:cxnSp>
+        <p:nvCxnSpPr>
+          <p:cNvPr id="6" name="Connettore 2 5">
+            <a:extLst>
+              <a:ext uri="{FF2B5EF4-FFF2-40B4-BE49-F238E27FC236}">
+                <a16:creationId xmlns:a16="http://schemas.microsoft.com/office/drawing/2014/main" id="{FA0B3EDB-2580-4103-8F09-D7240A96ADCE}"/>
+              </a:ext>
+            </a:extLst>
+          </p:cNvPr>
+          <p:cNvCxnSpPr>
+            <a:cxnSpLocks/>
+          </p:cNvCxnSpPr>
+          <p:nvPr/>
+        </p:nvCxnSpPr>
+        <p:spPr>
+          <a:xfrm flipV="1">
+            <a:off x="5226908" y="2372187"/>
+            <a:ext cx="3361038" cy="1022181"/>
+          </a:xfrm>
+          <a:prstGeom prst="straightConnector1">
+            <a:avLst/>
+          </a:prstGeom>
+          <a:ln w="38100">
+            <a:tailEnd type="triangle"/>
+          </a:ln>
+        </p:spPr>
+        <p:style>
+          <a:lnRef idx="1">
+            <a:schemeClr val="accent1"/>
+          </a:lnRef>
+          <a:fillRef idx="0">
+            <a:schemeClr val="accent1"/>
+          </a:fillRef>
+          <a:effectRef idx="0">
+            <a:schemeClr val="accent1"/>
+          </a:effectRef>
+          <a:fontRef idx="minor">
+            <a:schemeClr val="tx1"/>
+          </a:fontRef>
+        </p:style>
+      </p:cxnSp>
+      <p:sp>
+        <p:nvSpPr>
+          <p:cNvPr id="8" name="CasellaDiTesto 7">
+            <a:extLst>
+              <a:ext uri="{FF2B5EF4-FFF2-40B4-BE49-F238E27FC236}">
+                <a16:creationId xmlns:a16="http://schemas.microsoft.com/office/drawing/2014/main" id="{A7CECAB1-36DA-4081-BFF8-405ED768D151}"/>
+              </a:ext>
+            </a:extLst>
+          </p:cNvPr>
+          <p:cNvSpPr txBox="1"/>
+          <p:nvPr/>
+        </p:nvSpPr>
+        <p:spPr>
+          <a:xfrm>
+            <a:off x="8587946" y="2187521"/>
+            <a:ext cx="2614818" cy="369332"/>
+          </a:xfrm>
+          <a:prstGeom prst="rect">
+            <a:avLst/>
+          </a:prstGeom>
+          <a:noFill/>
+        </p:spPr>
+        <p:txBody>
+          <a:bodyPr wrap="none" rtlCol="0">
+            <a:spAutoFit/>
+          </a:bodyPr>
+          <a:lstStyle/>
+          <a:p>
+            <a:r>
+              <a:rPr lang="it-CH" dirty="0"/>
+              <a:t>Rilevamento del campo</a:t>
+            </a:r>
+          </a:p>
+        </p:txBody>
+      </p:sp>
+      <p:cxnSp>
+        <p:nvCxnSpPr>
+          <p:cNvPr id="9" name="Connettore 2 8">
+            <a:extLst>
+              <a:ext uri="{FF2B5EF4-FFF2-40B4-BE49-F238E27FC236}">
+                <a16:creationId xmlns:a16="http://schemas.microsoft.com/office/drawing/2014/main" id="{7B8F8F3D-EAE5-4A40-8E36-424DD0DF8101}"/>
+              </a:ext>
+            </a:extLst>
+          </p:cNvPr>
+          <p:cNvCxnSpPr>
+            <a:cxnSpLocks/>
+          </p:cNvCxnSpPr>
+          <p:nvPr/>
+        </p:nvCxnSpPr>
+        <p:spPr>
+          <a:xfrm flipV="1">
+            <a:off x="4596714" y="2767915"/>
+            <a:ext cx="3991232" cy="1023546"/>
+          </a:xfrm>
+          <a:prstGeom prst="straightConnector1">
+            <a:avLst/>
+          </a:prstGeom>
+          <a:ln w="38100">
+            <a:tailEnd type="triangle"/>
+          </a:ln>
+        </p:spPr>
+        <p:style>
+          <a:lnRef idx="1">
+            <a:schemeClr val="accent1"/>
+          </a:lnRef>
+          <a:fillRef idx="0">
+            <a:schemeClr val="accent1"/>
+          </a:fillRef>
+          <a:effectRef idx="0">
+            <a:schemeClr val="accent1"/>
+          </a:effectRef>
+          <a:fontRef idx="minor">
+            <a:schemeClr val="tx1"/>
+          </a:fontRef>
+        </p:style>
+      </p:cxnSp>
+      <p:sp>
+        <p:nvSpPr>
+          <p:cNvPr id="13" name="CasellaDiTesto 12">
+            <a:extLst>
+              <a:ext uri="{FF2B5EF4-FFF2-40B4-BE49-F238E27FC236}">
+                <a16:creationId xmlns:a16="http://schemas.microsoft.com/office/drawing/2014/main" id="{925456C1-80AE-417F-A422-904EE09F9A6C}"/>
+              </a:ext>
+            </a:extLst>
+          </p:cNvPr>
+          <p:cNvSpPr txBox="1"/>
+          <p:nvPr/>
+        </p:nvSpPr>
+        <p:spPr>
+          <a:xfrm>
+            <a:off x="8587946" y="2587775"/>
+            <a:ext cx="2459328" cy="369332"/>
+          </a:xfrm>
+          <a:prstGeom prst="rect">
+            <a:avLst/>
+          </a:prstGeom>
+          <a:noFill/>
+        </p:spPr>
+        <p:txBody>
+          <a:bodyPr wrap="none" rtlCol="0">
+            <a:spAutoFit/>
+          </a:bodyPr>
+          <a:lstStyle/>
+          <a:p>
+            <a:r>
+              <a:rPr lang="it-CH" dirty="0"/>
+              <a:t>Rilevamento del disco</a:t>
+            </a:r>
+          </a:p>
+        </p:txBody>
+      </p:sp>
+      <p:cxnSp>
+        <p:nvCxnSpPr>
+          <p:cNvPr id="14" name="Connettore 2 13">
+            <a:extLst>
+              <a:ext uri="{FF2B5EF4-FFF2-40B4-BE49-F238E27FC236}">
+                <a16:creationId xmlns:a16="http://schemas.microsoft.com/office/drawing/2014/main" id="{02FA271C-AA02-494A-9B13-48E23AE778D5}"/>
+              </a:ext>
+            </a:extLst>
+          </p:cNvPr>
+          <p:cNvCxnSpPr>
+            <a:cxnSpLocks/>
+            <a:endCxn id="16" idx="1"/>
+          </p:cNvCxnSpPr>
+          <p:nvPr/>
+        </p:nvCxnSpPr>
+        <p:spPr>
+          <a:xfrm flipV="1">
+            <a:off x="4510216" y="3142634"/>
+            <a:ext cx="4072119" cy="1486342"/>
+          </a:xfrm>
+          <a:prstGeom prst="straightConnector1">
+            <a:avLst/>
+          </a:prstGeom>
+          <a:ln w="38100">
+            <a:tailEnd type="triangle"/>
+          </a:ln>
+        </p:spPr>
+        <p:style>
+          <a:lnRef idx="1">
+            <a:schemeClr val="accent1"/>
+          </a:lnRef>
+          <a:fillRef idx="0">
+            <a:schemeClr val="accent1"/>
+          </a:fillRef>
+          <a:effectRef idx="0">
+            <a:schemeClr val="accent1"/>
+          </a:effectRef>
+          <a:fontRef idx="minor">
+            <a:schemeClr val="tx1"/>
+          </a:fontRef>
+        </p:style>
+      </p:cxnSp>
+      <p:sp>
+        <p:nvSpPr>
+          <p:cNvPr id="16" name="CasellaDiTesto 15">
+            <a:extLst>
+              <a:ext uri="{FF2B5EF4-FFF2-40B4-BE49-F238E27FC236}">
+                <a16:creationId xmlns:a16="http://schemas.microsoft.com/office/drawing/2014/main" id="{2513885F-BD49-4E06-852D-D19B0173656B}"/>
+              </a:ext>
+            </a:extLst>
+          </p:cNvPr>
+          <p:cNvSpPr txBox="1"/>
+          <p:nvPr/>
+        </p:nvSpPr>
+        <p:spPr>
+          <a:xfrm>
+            <a:off x="8582335" y="2957968"/>
+            <a:ext cx="2626040" cy="369332"/>
+          </a:xfrm>
+          <a:prstGeom prst="rect">
+            <a:avLst/>
+          </a:prstGeom>
+          <a:noFill/>
+        </p:spPr>
+        <p:txBody>
+          <a:bodyPr wrap="none" rtlCol="0">
+            <a:spAutoFit/>
+          </a:bodyPr>
+          <a:lstStyle/>
+          <a:p>
+            <a:r>
+              <a:rPr lang="it-CH" dirty="0"/>
+              <a:t>Rilevamento del pusher</a:t>
+            </a:r>
+          </a:p>
+        </p:txBody>
+      </p:sp>
+      <p:cxnSp>
+        <p:nvCxnSpPr>
+          <p:cNvPr id="19" name="Connettore 2 18">
+            <a:extLst>
+              <a:ext uri="{FF2B5EF4-FFF2-40B4-BE49-F238E27FC236}">
+                <a16:creationId xmlns:a16="http://schemas.microsoft.com/office/drawing/2014/main" id="{4D99E6F7-C324-4B7B-8995-971E91687256}"/>
+              </a:ext>
+            </a:extLst>
+          </p:cNvPr>
+          <p:cNvCxnSpPr>
+            <a:cxnSpLocks/>
+          </p:cNvCxnSpPr>
+          <p:nvPr/>
+        </p:nvCxnSpPr>
+        <p:spPr>
+          <a:xfrm flipV="1">
+            <a:off x="2829697" y="2058961"/>
+            <a:ext cx="5752638" cy="1022182"/>
+          </a:xfrm>
+          <a:prstGeom prst="straightConnector1">
+            <a:avLst/>
+          </a:prstGeom>
+          <a:ln w="38100">
+            <a:tailEnd type="triangle"/>
+          </a:ln>
+        </p:spPr>
+        <p:style>
+          <a:lnRef idx="1">
+            <a:schemeClr val="accent1"/>
+          </a:lnRef>
+          <a:fillRef idx="0">
+            <a:schemeClr val="accent1"/>
+          </a:fillRef>
+          <a:effectRef idx="0">
+            <a:schemeClr val="accent1"/>
+          </a:effectRef>
+          <a:fontRef idx="minor">
+            <a:schemeClr val="tx1"/>
+          </a:fontRef>
+        </p:style>
+      </p:cxnSp>
+      <p:sp>
+        <p:nvSpPr>
+          <p:cNvPr id="21" name="CasellaDiTesto 20">
+            <a:extLst>
+              <a:ext uri="{FF2B5EF4-FFF2-40B4-BE49-F238E27FC236}">
+                <a16:creationId xmlns:a16="http://schemas.microsoft.com/office/drawing/2014/main" id="{87D55D6A-1624-47D6-B396-10E3064CD289}"/>
+              </a:ext>
+            </a:extLst>
+          </p:cNvPr>
+          <p:cNvSpPr txBox="1"/>
+          <p:nvPr/>
+        </p:nvSpPr>
+        <p:spPr>
+          <a:xfrm>
+            <a:off x="8582335" y="1833220"/>
+            <a:ext cx="2303836" cy="369332"/>
+          </a:xfrm>
+          <a:prstGeom prst="rect">
+            <a:avLst/>
+          </a:prstGeom>
+          <a:noFill/>
+        </p:spPr>
+        <p:txBody>
+          <a:bodyPr wrap="none" rtlCol="0">
+            <a:spAutoFit/>
+          </a:bodyPr>
+          <a:lstStyle/>
+          <a:p>
+            <a:r>
+              <a:rPr lang="it-CH" dirty="0"/>
+              <a:t>Coordinate del disco</a:t>
+            </a:r>
+          </a:p>
+        </p:txBody>
+      </p:sp>
+    </p:spTree>
+    <p:extLst>
+      <p:ext uri="{BB962C8B-B14F-4D97-AF65-F5344CB8AC3E}">
+        <p14:creationId xmlns:p14="http://schemas.microsoft.com/office/powerpoint/2010/main" val="4254696684"/>
+      </p:ext>
+    </p:extLst>
+  </p:cSld>
+  <p:clrMapOvr>
+    <a:masterClrMapping/>
+  </p:clrMapOvr>
+  <p:timing>
+    <p:tnLst>
+      <p:par>
+        <p:cTn id="1" dur="indefinite" restart="never" nodeType="tmRoot">
+          <p:childTnLst>
+            <p:seq concurrent="1" nextAc="seek">
+              <p:cTn id="2" dur="indefinite" nodeType="mainSeq">
+                <p:childTnLst>
+                  <p:par>
+                    <p:cTn id="3" fill="hold">
+                      <p:stCondLst>
+                        <p:cond delay="indefinite"/>
+                        <p:cond evt="onBegin" delay="0">
+                          <p:tn val="2"/>
+                        </p:cond>
+                      </p:stCondLst>
+                      <p:childTnLst>
+                        <p:par>
+                          <p:cTn id="4" fill="hold">
+                            <p:stCondLst>
+                              <p:cond delay="0"/>
+                            </p:stCondLst>
+                            <p:childTnLst>
+                              <p:par>
+                                <p:cTn id="5" presetID="2" presetClass="entr" presetSubtype="2" fill="hold" nodeType="withEffect">
+                                  <p:stCondLst>
+                                    <p:cond delay="0"/>
+                                  </p:stCondLst>
+                                  <p:childTnLst>
+                                    <p:set>
+                                      <p:cBhvr>
+                                        <p:cTn id="6" dur="1" fill="hold">
+                                          <p:stCondLst>
+                                            <p:cond delay="0"/>
+                                          </p:stCondLst>
+                                        </p:cTn>
+                                        <p:tgtEl>
+                                          <p:spTgt spid="6"/>
+                                        </p:tgtEl>
+                                        <p:attrNameLst>
+                                          <p:attrName>style.visibility</p:attrName>
+                                        </p:attrNameLst>
+                                      </p:cBhvr>
+                                      <p:to>
+                                        <p:strVal val="visible"/>
+                                      </p:to>
+                                    </p:set>
+                                    <p:anim calcmode="lin" valueType="num">
+                                      <p:cBhvr additive="base">
+                                        <p:cTn id="7" dur="500" fill="hold"/>
+                                        <p:tgtEl>
+                                          <p:spTgt spid="6"/>
+                                        </p:tgtEl>
+                                        <p:attrNameLst>
+                                          <p:attrName>ppt_x</p:attrName>
+                                        </p:attrNameLst>
+                                      </p:cBhvr>
+                                      <p:tavLst>
+                                        <p:tav tm="0">
+                                          <p:val>
+                                            <p:strVal val="1+#ppt_w/2"/>
+                                          </p:val>
+                                        </p:tav>
+                                        <p:tav tm="100000">
+                                          <p:val>
+                                            <p:strVal val="#ppt_x"/>
+                                          </p:val>
+                                        </p:tav>
+                                      </p:tavLst>
+                                    </p:anim>
+                                    <p:anim calcmode="lin" valueType="num">
+                                      <p:cBhvr additive="base">
+                                        <p:cTn id="8" dur="500" fill="hold"/>
+                                        <p:tgtEl>
+                                          <p:spTgt spid="6"/>
+                                        </p:tgtEl>
+                                        <p:attrNameLst>
+                                          <p:attrName>ppt_y</p:attrName>
+                                        </p:attrNameLst>
+                                      </p:cBhvr>
+                                      <p:tavLst>
+                                        <p:tav tm="0">
+                                          <p:val>
+                                            <p:strVal val="#ppt_y"/>
+                                          </p:val>
+                                        </p:tav>
+                                        <p:tav tm="100000">
+                                          <p:val>
+                                            <p:strVal val="#ppt_y"/>
+                                          </p:val>
+                                        </p:tav>
+                                      </p:tavLst>
+                                    </p:anim>
+                                  </p:childTnLst>
+                                </p:cTn>
+                              </p:par>
+                              <p:par>
+                                <p:cTn id="9" presetID="2" presetClass="entr" presetSubtype="2" fill="hold" nodeType="withEffect">
+                                  <p:stCondLst>
+                                    <p:cond delay="0"/>
+                                  </p:stCondLst>
+                                  <p:childTnLst>
+                                    <p:set>
+                                      <p:cBhvr>
+                                        <p:cTn id="10" dur="1" fill="hold">
+                                          <p:stCondLst>
+                                            <p:cond delay="0"/>
+                                          </p:stCondLst>
+                                        </p:cTn>
+                                        <p:tgtEl>
+                                          <p:spTgt spid="9"/>
+                                        </p:tgtEl>
+                                        <p:attrNameLst>
+                                          <p:attrName>style.visibility</p:attrName>
+                                        </p:attrNameLst>
+                                      </p:cBhvr>
+                                      <p:to>
+                                        <p:strVal val="visible"/>
+                                      </p:to>
+                                    </p:set>
+                                    <p:anim calcmode="lin" valueType="num">
+                                      <p:cBhvr additive="base">
+                                        <p:cTn id="11" dur="500" fill="hold"/>
+                                        <p:tgtEl>
+                                          <p:spTgt spid="9"/>
+                                        </p:tgtEl>
+                                        <p:attrNameLst>
+                                          <p:attrName>ppt_x</p:attrName>
+                                        </p:attrNameLst>
+                                      </p:cBhvr>
+                                      <p:tavLst>
+                                        <p:tav tm="0">
+                                          <p:val>
+                                            <p:strVal val="1+#ppt_w/2"/>
+                                          </p:val>
+                                        </p:tav>
+                                        <p:tav tm="100000">
+                                          <p:val>
+                                            <p:strVal val="#ppt_x"/>
+                                          </p:val>
+                                        </p:tav>
+                                      </p:tavLst>
+                                    </p:anim>
+                                    <p:anim calcmode="lin" valueType="num">
+                                      <p:cBhvr additive="base">
+                                        <p:cTn id="12" dur="500" fill="hold"/>
+                                        <p:tgtEl>
+                                          <p:spTgt spid="9"/>
+                                        </p:tgtEl>
+                                        <p:attrNameLst>
+                                          <p:attrName>ppt_y</p:attrName>
+                                        </p:attrNameLst>
+                                      </p:cBhvr>
+                                      <p:tavLst>
+                                        <p:tav tm="0">
+                                          <p:val>
+                                            <p:strVal val="#ppt_y"/>
+                                          </p:val>
+                                        </p:tav>
+                                        <p:tav tm="100000">
+                                          <p:val>
+                                            <p:strVal val="#ppt_y"/>
+                                          </p:val>
+                                        </p:tav>
+                                      </p:tavLst>
+                                    </p:anim>
+                                  </p:childTnLst>
+                                </p:cTn>
+                              </p:par>
+                              <p:par>
+                                <p:cTn id="13" presetID="2" presetClass="entr" presetSubtype="2" fill="hold" nodeType="withEffect">
+                                  <p:stCondLst>
+                                    <p:cond delay="0"/>
+                                  </p:stCondLst>
+                                  <p:childTnLst>
+                                    <p:set>
+                                      <p:cBhvr>
+                                        <p:cTn id="14" dur="1" fill="hold">
+                                          <p:stCondLst>
+                                            <p:cond delay="0"/>
+                                          </p:stCondLst>
+                                        </p:cTn>
+                                        <p:tgtEl>
+                                          <p:spTgt spid="14"/>
+                                        </p:tgtEl>
+                                        <p:attrNameLst>
+                                          <p:attrName>style.visibility</p:attrName>
+                                        </p:attrNameLst>
+                                      </p:cBhvr>
+                                      <p:to>
+                                        <p:strVal val="visible"/>
+                                      </p:to>
+                                    </p:set>
+                                    <p:anim calcmode="lin" valueType="num">
+                                      <p:cBhvr additive="base">
+                                        <p:cTn id="15" dur="500" fill="hold"/>
+                                        <p:tgtEl>
+                                          <p:spTgt spid="14"/>
+                                        </p:tgtEl>
+                                        <p:attrNameLst>
+                                          <p:attrName>ppt_x</p:attrName>
+                                        </p:attrNameLst>
+                                      </p:cBhvr>
+                                      <p:tavLst>
+                                        <p:tav tm="0">
+                                          <p:val>
+                                            <p:strVal val="1+#ppt_w/2"/>
+                                          </p:val>
+                                        </p:tav>
+                                        <p:tav tm="100000">
+                                          <p:val>
+                                            <p:strVal val="#ppt_x"/>
+                                          </p:val>
+                                        </p:tav>
+                                      </p:tavLst>
+                                    </p:anim>
+                                    <p:anim calcmode="lin" valueType="num">
+                                      <p:cBhvr additive="base">
+                                        <p:cTn id="16" dur="500" fill="hold"/>
+                                        <p:tgtEl>
+                                          <p:spTgt spid="14"/>
+                                        </p:tgtEl>
+                                        <p:attrNameLst>
+                                          <p:attrName>ppt_y</p:attrName>
+                                        </p:attrNameLst>
+                                      </p:cBhvr>
+                                      <p:tavLst>
+                                        <p:tav tm="0">
+                                          <p:val>
+                                            <p:strVal val="#ppt_y"/>
+                                          </p:val>
+                                        </p:tav>
+                                        <p:tav tm="100000">
+                                          <p:val>
+                                            <p:strVal val="#ppt_y"/>
+                                          </p:val>
+                                        </p:tav>
+                                      </p:tavLst>
+                                    </p:anim>
+                                  </p:childTnLst>
+                                </p:cTn>
+                              </p:par>
+                              <p:par>
+                                <p:cTn id="17" presetID="2" presetClass="entr" presetSubtype="2" fill="hold" nodeType="withEffect">
+                                  <p:stCondLst>
+                                    <p:cond delay="0"/>
+                                  </p:stCondLst>
+                                  <p:childTnLst>
+                                    <p:set>
+                                      <p:cBhvr>
+                                        <p:cTn id="18" dur="1" fill="hold">
+                                          <p:stCondLst>
+                                            <p:cond delay="0"/>
+                                          </p:stCondLst>
+                                        </p:cTn>
+                                        <p:tgtEl>
+                                          <p:spTgt spid="19"/>
+                                        </p:tgtEl>
+                                        <p:attrNameLst>
+                                          <p:attrName>style.visibility</p:attrName>
+                                        </p:attrNameLst>
+                                      </p:cBhvr>
+                                      <p:to>
+                                        <p:strVal val="visible"/>
+                                      </p:to>
+                                    </p:set>
+                                    <p:anim calcmode="lin" valueType="num">
+                                      <p:cBhvr additive="base">
+                                        <p:cTn id="19" dur="500" fill="hold"/>
+                                        <p:tgtEl>
+                                          <p:spTgt spid="19"/>
+                                        </p:tgtEl>
+                                        <p:attrNameLst>
+                                          <p:attrName>ppt_x</p:attrName>
+                                        </p:attrNameLst>
+                                      </p:cBhvr>
+                                      <p:tavLst>
+                                        <p:tav tm="0">
+                                          <p:val>
+                                            <p:strVal val="1+#ppt_w/2"/>
+                                          </p:val>
+                                        </p:tav>
+                                        <p:tav tm="100000">
+                                          <p:val>
+                                            <p:strVal val="#ppt_x"/>
+                                          </p:val>
+                                        </p:tav>
+                                      </p:tavLst>
+                                    </p:anim>
+                                    <p:anim calcmode="lin" valueType="num">
+                                      <p:cBhvr additive="base">
+                                        <p:cTn id="20" dur="500" fill="hold"/>
+                                        <p:tgtEl>
+                                          <p:spTgt spid="19"/>
+                                        </p:tgtEl>
+                                        <p:attrNameLst>
+                                          <p:attrName>ppt_y</p:attrName>
+                                        </p:attrNameLst>
+                                      </p:cBhvr>
+                                      <p:tavLst>
+                                        <p:tav tm="0">
+                                          <p:val>
+                                            <p:strVal val="#ppt_y"/>
+                                          </p:val>
+                                        </p:tav>
+                                        <p:tav tm="100000">
+                                          <p:val>
+                                            <p:strVal val="#ppt_y"/>
+                                          </p:val>
+                                        </p:tav>
+                                      </p:tavLst>
+                                    </p:anim>
+                                  </p:childTnLst>
+                                </p:cTn>
+                              </p:par>
+                            </p:childTnLst>
+                          </p:cTn>
+                        </p:par>
+                      </p:childTnLst>
+                    </p:cTn>
+                  </p:par>
+                </p:childTnLst>
+              </p:cTn>
+              <p:prevCondLst>
+                <p:cond evt="onPrev" delay="0">
+                  <p:tgtEl>
+                    <p:sldTgt/>
+                  </p:tgtEl>
+                </p:cond>
+              </p:prevCondLst>
+              <p:nextCondLst>
+                <p:cond evt="onNext" delay="0">
+                  <p:tgtEl>
+                    <p:sldTgt/>
+                  </p:tgtEl>
+                </p:cond>
+              </p:nextCondLst>
+            </p:seq>
+          </p:childTnLst>
+        </p:cTn>
+      </p:par>
+    </p:tnLst>
+  </p:timing>
+</p:sld>
+</file>
+
+<file path=ppt/slides/slide16.xml><?xml version="1.0" encoding="utf-8"?>
+<p:sld xmlns:a="http://schemas.openxmlformats.org/drawingml/2006/main" xmlns:r="http://schemas.openxmlformats.org/officeDocument/2006/relationships" xmlns:p="http://schemas.openxmlformats.org/presentationml/2006/main">
+  <p:cSld>
+    <p:spTree>
+      <p:nvGrpSpPr>
+        <p:cNvPr id="1" name=""/>
+        <p:cNvGrpSpPr/>
+        <p:nvPr/>
+      </p:nvGrpSpPr>
+      <p:grpSpPr>
+        <a:xfrm>
+          <a:off x="0" y="0"/>
+          <a:ext cx="0" cy="0"/>
+          <a:chOff x="0" y="0"/>
+          <a:chExt cx="0" cy="0"/>
+        </a:xfrm>
+      </p:grpSpPr>
+      <p:sp>
+        <p:nvSpPr>
+          <p:cNvPr id="2" name="Titolo 1">
+            <a:extLst>
+              <a:ext uri="{FF2B5EF4-FFF2-40B4-BE49-F238E27FC236}">
+                <a16:creationId xmlns:a16="http://schemas.microsoft.com/office/drawing/2014/main" id="{A492A880-01B4-4BE3-959B-42BFC1AE492C}"/>
+              </a:ext>
+            </a:extLst>
+          </p:cNvPr>
+          <p:cNvSpPr>
+            <a:spLocks noGrp="1"/>
+          </p:cNvSpPr>
+          <p:nvPr>
+            <p:ph type="title"/>
+          </p:nvPr>
+        </p:nvSpPr>
+        <p:spPr/>
+        <p:txBody>
+          <a:bodyPr/>
+          <a:lstStyle/>
+          <a:p>
+            <a:r>
+              <a:rPr lang="it-CH" dirty="0"/>
+              <a:t>Robot</a:t>
+            </a:r>
+          </a:p>
+        </p:txBody>
+      </p:sp>
+      <p:sp>
+        <p:nvSpPr>
+          <p:cNvPr id="4" name="Segnaposto contenuto 2">
+            <a:extLst>
+              <a:ext uri="{FF2B5EF4-FFF2-40B4-BE49-F238E27FC236}">
+                <a16:creationId xmlns:a16="http://schemas.microsoft.com/office/drawing/2014/main" id="{6B58BABC-53E4-4D75-A524-44B6AA5D0E98}"/>
+              </a:ext>
+            </a:extLst>
+          </p:cNvPr>
+          <p:cNvSpPr>
+            <a:spLocks noGrp="1"/>
+          </p:cNvSpPr>
+          <p:nvPr>
+            <p:ph idx="1"/>
+          </p:nvPr>
+        </p:nvSpPr>
+        <p:spPr>
+          <a:xfrm>
+            <a:off x="936825" y="1488613"/>
+            <a:ext cx="1522170" cy="441787"/>
+          </a:xfrm>
+        </p:spPr>
+        <p:txBody>
+          <a:bodyPr>
+            <a:normAutofit/>
+          </a:bodyPr>
+          <a:lstStyle/>
+          <a:p>
+            <a:pPr marL="0" indent="0">
+              <a:buNone/>
+            </a:pPr>
+            <a:r>
+              <a:rPr lang="it-CH" dirty="0"/>
+              <a:t>Applicazione</a:t>
+            </a:r>
+          </a:p>
+        </p:txBody>
+      </p:sp>
+      <p:pic>
+        <p:nvPicPr>
+          <p:cNvPr id="6" name="Immagine 5">
+            <a:extLst>
+              <a:ext uri="{FF2B5EF4-FFF2-40B4-BE49-F238E27FC236}">
+                <a16:creationId xmlns:a16="http://schemas.microsoft.com/office/drawing/2014/main" id="{4EEC1BF7-6A5A-4ED3-9739-63424A4A3DD0}"/>
+              </a:ext>
+            </a:extLst>
+          </p:cNvPr>
+          <p:cNvPicPr>
+            <a:picLocks noChangeAspect="1"/>
+          </p:cNvPicPr>
+          <p:nvPr/>
+        </p:nvPicPr>
+        <p:blipFill rotWithShape="1">
+          <a:blip r:embed="rId2" cstate="print">
+            <a:extLst>
+              <a:ext uri="{28A0092B-C50C-407E-A947-70E740481C1C}">
+                <a14:useLocalDpi xmlns:a14="http://schemas.microsoft.com/office/drawing/2010/main" val="0"/>
+              </a:ext>
+            </a:extLst>
+          </a:blip>
+          <a:srcRect l="3243" t="8759" r="30992" b="15806"/>
+          <a:stretch/>
+        </p:blipFill>
+        <p:spPr>
+          <a:xfrm rot="5400000">
+            <a:off x="908223" y="2245496"/>
+            <a:ext cx="4510213" cy="3880022"/>
+          </a:xfrm>
+          <a:prstGeom prst="rect">
+            <a:avLst/>
+          </a:prstGeom>
+        </p:spPr>
+      </p:pic>
+      <p:sp>
+        <p:nvSpPr>
+          <p:cNvPr id="7" name="Rettangolo 6">
+            <a:extLst>
+              <a:ext uri="{FF2B5EF4-FFF2-40B4-BE49-F238E27FC236}">
+                <a16:creationId xmlns:a16="http://schemas.microsoft.com/office/drawing/2014/main" id="{11D6DDC8-12F4-4B2C-BF2C-C03C23F1F39E}"/>
+              </a:ext>
+            </a:extLst>
+          </p:cNvPr>
+          <p:cNvSpPr/>
+          <p:nvPr/>
+        </p:nvSpPr>
+        <p:spPr>
+          <a:xfrm>
+            <a:off x="2817341" y="4185507"/>
+            <a:ext cx="778476" cy="818979"/>
+          </a:xfrm>
+          <a:prstGeom prst="rect">
+            <a:avLst/>
+          </a:prstGeom>
+          <a:noFill/>
+          <a:ln w="57150">
+            <a:solidFill>
+              <a:srgbClr val="C00000"/>
+            </a:solidFill>
+          </a:ln>
+        </p:spPr>
+        <p:style>
+          <a:lnRef idx="2">
+            <a:schemeClr val="accent1">
+              <a:shade val="50000"/>
+            </a:schemeClr>
+          </a:lnRef>
+          <a:fillRef idx="1">
+            <a:schemeClr val="accent1"/>
+          </a:fillRef>
+          <a:effectRef idx="0">
+            <a:schemeClr val="accent1"/>
+          </a:effectRef>
+          <a:fontRef idx="minor">
+            <a:schemeClr val="lt1"/>
+          </a:fontRef>
+        </p:style>
+        <p:txBody>
+          <a:bodyPr rtlCol="0" anchor="ctr"/>
+          <a:lstStyle/>
+          <a:p>
+            <a:pPr algn="ctr"/>
+            <a:endParaRPr lang="it-CH"/>
+          </a:p>
+        </p:txBody>
+      </p:sp>
+      <p:cxnSp>
+        <p:nvCxnSpPr>
+          <p:cNvPr id="8" name="Connettore 2 7">
+            <a:extLst>
+              <a:ext uri="{FF2B5EF4-FFF2-40B4-BE49-F238E27FC236}">
+                <a16:creationId xmlns:a16="http://schemas.microsoft.com/office/drawing/2014/main" id="{830C2001-0A24-4765-B38C-46C4F6BAB690}"/>
+              </a:ext>
+            </a:extLst>
+          </p:cNvPr>
+          <p:cNvCxnSpPr>
+            <a:cxnSpLocks/>
+          </p:cNvCxnSpPr>
+          <p:nvPr/>
+        </p:nvCxnSpPr>
+        <p:spPr>
+          <a:xfrm flipV="1">
+            <a:off x="3506519" y="3744633"/>
+            <a:ext cx="2142806" cy="561701"/>
+          </a:xfrm>
+          <a:prstGeom prst="straightConnector1">
+            <a:avLst/>
+          </a:prstGeom>
+          <a:ln w="38100">
+            <a:tailEnd type="triangle"/>
+          </a:ln>
+        </p:spPr>
+        <p:style>
+          <a:lnRef idx="1">
+            <a:schemeClr val="accent1"/>
+          </a:lnRef>
+          <a:fillRef idx="0">
+            <a:schemeClr val="accent1"/>
+          </a:fillRef>
+          <a:effectRef idx="0">
+            <a:schemeClr val="accent1"/>
+          </a:effectRef>
+          <a:fontRef idx="minor">
+            <a:schemeClr val="tx1"/>
+          </a:fontRef>
+        </p:style>
+      </p:cxnSp>
+      <p:sp>
+        <p:nvSpPr>
+          <p:cNvPr id="10" name="CasellaDiTesto 9">
+            <a:extLst>
+              <a:ext uri="{FF2B5EF4-FFF2-40B4-BE49-F238E27FC236}">
+                <a16:creationId xmlns:a16="http://schemas.microsoft.com/office/drawing/2014/main" id="{68E7E879-EDB4-4BF5-B64F-8188220A59A0}"/>
+              </a:ext>
+            </a:extLst>
+          </p:cNvPr>
+          <p:cNvSpPr txBox="1"/>
+          <p:nvPr/>
+        </p:nvSpPr>
+        <p:spPr>
+          <a:xfrm>
+            <a:off x="5792519" y="3435176"/>
+            <a:ext cx="3671198" cy="923330"/>
+          </a:xfrm>
+          <a:prstGeom prst="rect">
+            <a:avLst/>
+          </a:prstGeom>
+          <a:noFill/>
+        </p:spPr>
+        <p:txBody>
+          <a:bodyPr wrap="none" rtlCol="0">
+            <a:spAutoFit/>
+          </a:bodyPr>
+          <a:lstStyle/>
+          <a:p>
+            <a:r>
+              <a:rPr lang="it-CH" dirty="0"/>
+              <a:t>Pusher mosso dai motori collegati</a:t>
+            </a:r>
+          </a:p>
+          <a:p>
+            <a:r>
+              <a:rPr lang="it-CH" dirty="0"/>
+              <a:t>con la cinghia dentata rilevato</a:t>
+            </a:r>
+          </a:p>
+          <a:p>
+            <a:r>
+              <a:rPr lang="it-CH" dirty="0"/>
+              <a:t>dall’applicazione con il colore blu</a:t>
+            </a:r>
+          </a:p>
+        </p:txBody>
+      </p:sp>
+      <p:sp>
+        <p:nvSpPr>
+          <p:cNvPr id="11" name="Rettangolo 10">
+            <a:extLst>
+              <a:ext uri="{FF2B5EF4-FFF2-40B4-BE49-F238E27FC236}">
+                <a16:creationId xmlns:a16="http://schemas.microsoft.com/office/drawing/2014/main" id="{03761E93-6680-4299-9EFC-9E1DCE1E373C}"/>
+              </a:ext>
+            </a:extLst>
+          </p:cNvPr>
+          <p:cNvSpPr/>
+          <p:nvPr/>
+        </p:nvSpPr>
+        <p:spPr>
+          <a:xfrm>
+            <a:off x="3076831" y="3429000"/>
+            <a:ext cx="518985" cy="641179"/>
+          </a:xfrm>
+          <a:prstGeom prst="rect">
+            <a:avLst/>
+          </a:prstGeom>
+          <a:noFill/>
+          <a:ln w="57150">
+            <a:solidFill>
+              <a:srgbClr val="C00000"/>
+            </a:solidFill>
+          </a:ln>
+        </p:spPr>
+        <p:style>
+          <a:lnRef idx="2">
+            <a:schemeClr val="accent1">
+              <a:shade val="50000"/>
+            </a:schemeClr>
+          </a:lnRef>
+          <a:fillRef idx="1">
+            <a:schemeClr val="accent1"/>
+          </a:fillRef>
+          <a:effectRef idx="0">
+            <a:schemeClr val="accent1"/>
+          </a:effectRef>
+          <a:fontRef idx="minor">
+            <a:schemeClr val="lt1"/>
+          </a:fontRef>
+        </p:style>
+        <p:txBody>
+          <a:bodyPr rtlCol="0" anchor="ctr"/>
+          <a:lstStyle/>
+          <a:p>
+            <a:pPr algn="ctr"/>
+            <a:endParaRPr lang="it-CH"/>
+          </a:p>
+        </p:txBody>
+      </p:sp>
+      <p:cxnSp>
+        <p:nvCxnSpPr>
+          <p:cNvPr id="12" name="Connettore 2 11">
+            <a:extLst>
+              <a:ext uri="{FF2B5EF4-FFF2-40B4-BE49-F238E27FC236}">
+                <a16:creationId xmlns:a16="http://schemas.microsoft.com/office/drawing/2014/main" id="{4F3625F5-935A-4C48-A887-37B28F90491E}"/>
+              </a:ext>
+            </a:extLst>
+          </p:cNvPr>
+          <p:cNvCxnSpPr>
+            <a:cxnSpLocks/>
+          </p:cNvCxnSpPr>
+          <p:nvPr/>
+        </p:nvCxnSpPr>
+        <p:spPr>
+          <a:xfrm flipV="1">
+            <a:off x="3571102" y="3113367"/>
+            <a:ext cx="1989439" cy="631268"/>
+          </a:xfrm>
+          <a:prstGeom prst="straightConnector1">
+            <a:avLst/>
+          </a:prstGeom>
+          <a:ln w="38100">
+            <a:tailEnd type="triangle"/>
+          </a:ln>
+        </p:spPr>
+        <p:style>
+          <a:lnRef idx="1">
+            <a:schemeClr val="accent1"/>
+          </a:lnRef>
+          <a:fillRef idx="0">
+            <a:schemeClr val="accent1"/>
+          </a:fillRef>
+          <a:effectRef idx="0">
+            <a:schemeClr val="accent1"/>
+          </a:effectRef>
+          <a:fontRef idx="minor">
+            <a:schemeClr val="tx1"/>
+          </a:fontRef>
+        </p:style>
+      </p:cxnSp>
+      <p:sp>
+        <p:nvSpPr>
+          <p:cNvPr id="16" name="CasellaDiTesto 15">
+            <a:extLst>
+              <a:ext uri="{FF2B5EF4-FFF2-40B4-BE49-F238E27FC236}">
+                <a16:creationId xmlns:a16="http://schemas.microsoft.com/office/drawing/2014/main" id="{047742C0-EF52-4AF2-86D6-5B896442E2EC}"/>
+              </a:ext>
+            </a:extLst>
+          </p:cNvPr>
+          <p:cNvSpPr txBox="1"/>
+          <p:nvPr/>
+        </p:nvSpPr>
+        <p:spPr>
+          <a:xfrm>
+            <a:off x="5792519" y="2631989"/>
+            <a:ext cx="3496470" cy="646331"/>
+          </a:xfrm>
+          <a:prstGeom prst="rect">
+            <a:avLst/>
+          </a:prstGeom>
+          <a:noFill/>
+        </p:spPr>
+        <p:txBody>
+          <a:bodyPr wrap="none" rtlCol="0">
+            <a:spAutoFit/>
+          </a:bodyPr>
+          <a:lstStyle/>
+          <a:p>
+            <a:r>
+              <a:rPr lang="it-CH" dirty="0"/>
+              <a:t>Disco rilevato dall’applicazione </a:t>
+            </a:r>
+          </a:p>
+          <a:p>
+            <a:r>
+              <a:rPr lang="it-CH" dirty="0"/>
+              <a:t>con il colore giallo</a:t>
+            </a:r>
+          </a:p>
+        </p:txBody>
+      </p:sp>
+    </p:spTree>
+    <p:extLst>
+      <p:ext uri="{BB962C8B-B14F-4D97-AF65-F5344CB8AC3E}">
+        <p14:creationId xmlns:p14="http://schemas.microsoft.com/office/powerpoint/2010/main" val="2926709922"/>
+      </p:ext>
+    </p:extLst>
+  </p:cSld>
+  <p:clrMapOvr>
+    <a:masterClrMapping/>
+  </p:clrMapOvr>
+  <p:timing>
+    <p:tnLst>
+      <p:par>
+        <p:cTn id="1" dur="indefinite" restart="never" nodeType="tmRoot">
+          <p:childTnLst>
+            <p:seq concurrent="1" nextAc="seek">
+              <p:cTn id="2" dur="indefinite" nodeType="mainSeq">
+                <p:childTnLst>
+                  <p:par>
+                    <p:cTn id="3" fill="hold">
+                      <p:stCondLst>
+                        <p:cond delay="indefinite"/>
+                        <p:cond evt="onBegin" delay="0">
+                          <p:tn val="2"/>
+                        </p:cond>
+                      </p:stCondLst>
+                      <p:childTnLst>
+                        <p:par>
+                          <p:cTn id="4" fill="hold">
+                            <p:stCondLst>
+                              <p:cond delay="0"/>
+                            </p:stCondLst>
+                            <p:childTnLst>
+                              <p:par>
+                                <p:cTn id="5" presetID="2" presetClass="entr" presetSubtype="2" fill="hold" nodeType="withEffect">
+                                  <p:stCondLst>
+                                    <p:cond delay="0"/>
+                                  </p:stCondLst>
+                                  <p:childTnLst>
+                                    <p:set>
+                                      <p:cBhvr>
+                                        <p:cTn id="6" dur="1" fill="hold">
+                                          <p:stCondLst>
+                                            <p:cond delay="0"/>
+                                          </p:stCondLst>
+                                        </p:cTn>
+                                        <p:tgtEl>
+                                          <p:spTgt spid="8"/>
+                                        </p:tgtEl>
+                                        <p:attrNameLst>
+                                          <p:attrName>style.visibility</p:attrName>
+                                        </p:attrNameLst>
+                                      </p:cBhvr>
+                                      <p:to>
+                                        <p:strVal val="visible"/>
+                                      </p:to>
+                                    </p:set>
+                                    <p:anim calcmode="lin" valueType="num">
+                                      <p:cBhvr additive="base">
+                                        <p:cTn id="7" dur="500" fill="hold"/>
+                                        <p:tgtEl>
+                                          <p:spTgt spid="8"/>
+                                        </p:tgtEl>
+                                        <p:attrNameLst>
+                                          <p:attrName>ppt_x</p:attrName>
+                                        </p:attrNameLst>
+                                      </p:cBhvr>
+                                      <p:tavLst>
+                                        <p:tav tm="0">
+                                          <p:val>
+                                            <p:strVal val="1+#ppt_w/2"/>
+                                          </p:val>
+                                        </p:tav>
+                                        <p:tav tm="100000">
+                                          <p:val>
+                                            <p:strVal val="#ppt_x"/>
+                                          </p:val>
+                                        </p:tav>
+                                      </p:tavLst>
+                                    </p:anim>
+                                    <p:anim calcmode="lin" valueType="num">
+                                      <p:cBhvr additive="base">
+                                        <p:cTn id="8" dur="500" fill="hold"/>
+                                        <p:tgtEl>
+                                          <p:spTgt spid="8"/>
+                                        </p:tgtEl>
+                                        <p:attrNameLst>
+                                          <p:attrName>ppt_y</p:attrName>
+                                        </p:attrNameLst>
+                                      </p:cBhvr>
+                                      <p:tavLst>
+                                        <p:tav tm="0">
+                                          <p:val>
+                                            <p:strVal val="#ppt_y"/>
+                                          </p:val>
+                                        </p:tav>
+                                        <p:tav tm="100000">
+                                          <p:val>
+                                            <p:strVal val="#ppt_y"/>
+                                          </p:val>
+                                        </p:tav>
+                                      </p:tavLst>
+                                    </p:anim>
+                                  </p:childTnLst>
+                                </p:cTn>
+                              </p:par>
+                              <p:par>
+                                <p:cTn id="9" presetID="2" presetClass="entr" presetSubtype="2" fill="hold" nodeType="withEffect">
+                                  <p:stCondLst>
+                                    <p:cond delay="0"/>
+                                  </p:stCondLst>
+                                  <p:childTnLst>
+                                    <p:set>
+                                      <p:cBhvr>
+                                        <p:cTn id="10" dur="1" fill="hold">
+                                          <p:stCondLst>
+                                            <p:cond delay="0"/>
+                                          </p:stCondLst>
+                                        </p:cTn>
+                                        <p:tgtEl>
+                                          <p:spTgt spid="12"/>
+                                        </p:tgtEl>
+                                        <p:attrNameLst>
+                                          <p:attrName>style.visibility</p:attrName>
+                                        </p:attrNameLst>
+                                      </p:cBhvr>
+                                      <p:to>
+                                        <p:strVal val="visible"/>
+                                      </p:to>
+                                    </p:set>
+                                    <p:anim calcmode="lin" valueType="num">
+                                      <p:cBhvr additive="base">
+                                        <p:cTn id="11" dur="500" fill="hold"/>
+                                        <p:tgtEl>
+                                          <p:spTgt spid="12"/>
+                                        </p:tgtEl>
+                                        <p:attrNameLst>
+                                          <p:attrName>ppt_x</p:attrName>
+                                        </p:attrNameLst>
+                                      </p:cBhvr>
+                                      <p:tavLst>
+                                        <p:tav tm="0">
+                                          <p:val>
+                                            <p:strVal val="1+#ppt_w/2"/>
+                                          </p:val>
+                                        </p:tav>
+                                        <p:tav tm="100000">
+                                          <p:val>
+                                            <p:strVal val="#ppt_x"/>
+                                          </p:val>
+                                        </p:tav>
+                                      </p:tavLst>
+                                    </p:anim>
+                                    <p:anim calcmode="lin" valueType="num">
+                                      <p:cBhvr additive="base">
+                                        <p:cTn id="12" dur="500" fill="hold"/>
+                                        <p:tgtEl>
+                                          <p:spTgt spid="12"/>
+                                        </p:tgtEl>
+                                        <p:attrNameLst>
+                                          <p:attrName>ppt_y</p:attrName>
+                                        </p:attrNameLst>
+                                      </p:cBhvr>
+                                      <p:tavLst>
+                                        <p:tav tm="0">
+                                          <p:val>
+                                            <p:strVal val="#ppt_y"/>
+                                          </p:val>
+                                        </p:tav>
+                                        <p:tav tm="100000">
+                                          <p:val>
+                                            <p:strVal val="#ppt_y"/>
+                                          </p:val>
+                                        </p:tav>
+                                      </p:tavLst>
+                                    </p:anim>
+                                  </p:childTnLst>
+                                </p:cTn>
+                              </p:par>
+                            </p:childTnLst>
+                          </p:cTn>
+                        </p:par>
+                      </p:childTnLst>
+                    </p:cTn>
+                  </p:par>
+                </p:childTnLst>
+              </p:cTn>
+              <p:prevCondLst>
+                <p:cond evt="onPrev" delay="0">
+                  <p:tgtEl>
+                    <p:sldTgt/>
+                  </p:tgtEl>
+                </p:cond>
+              </p:prevCondLst>
+              <p:nextCondLst>
+                <p:cond evt="onNext" delay="0">
+                  <p:tgtEl>
+                    <p:sldTgt/>
+                  </p:tgtEl>
+                </p:cond>
+              </p:nextCondLst>
+            </p:seq>
+          </p:childTnLst>
+        </p:cTn>
+      </p:par>
+    </p:tnLst>
+  </p:timing>
+</p:sld>
+</file>
+
+<file path=ppt/slides/slide17.xml><?xml version="1.0" encoding="utf-8"?>
+<p:sld xmlns:a="http://schemas.openxmlformats.org/drawingml/2006/main" xmlns:r="http://schemas.openxmlformats.org/officeDocument/2006/relationships" xmlns:p="http://schemas.openxmlformats.org/presentationml/2006/main">
+  <p:cSld>
+    <p:spTree>
+      <p:nvGrpSpPr>
+        <p:cNvPr id="1" name=""/>
+        <p:cNvGrpSpPr/>
+        <p:nvPr/>
+      </p:nvGrpSpPr>
+      <p:grpSpPr>
+        <a:xfrm>
+          <a:off x="0" y="0"/>
+          <a:ext cx="0" cy="0"/>
+          <a:chOff x="0" y="0"/>
+          <a:chExt cx="0" cy="0"/>
+        </a:xfrm>
+      </p:grpSpPr>
+      <p:sp>
+        <p:nvSpPr>
+          <p:cNvPr id="2" name="Titolo 1">
+            <a:extLst>
+              <a:ext uri="{FF2B5EF4-FFF2-40B4-BE49-F238E27FC236}">
+                <a16:creationId xmlns:a16="http://schemas.microsoft.com/office/drawing/2014/main" id="{942C5209-3D8A-40BC-A383-3EDC371462AB}"/>
+              </a:ext>
+            </a:extLst>
+          </p:cNvPr>
+          <p:cNvSpPr>
+            <a:spLocks noGrp="1"/>
+          </p:cNvSpPr>
+          <p:nvPr>
+            <p:ph type="title"/>
+          </p:nvPr>
+        </p:nvSpPr>
+        <p:spPr>
+          <a:xfrm>
+            <a:off x="677334" y="609600"/>
+            <a:ext cx="8596668" cy="1320800"/>
+          </a:xfrm>
+        </p:spPr>
+        <p:txBody>
+          <a:bodyPr/>
+          <a:lstStyle/>
+          <a:p>
+            <a:r>
+              <a:rPr lang="it-CH" dirty="0"/>
+              <a:t>Robot</a:t>
+            </a:r>
+          </a:p>
+        </p:txBody>
+      </p:sp>
+      <p:pic>
+        <p:nvPicPr>
+          <p:cNvPr id="4" name="Immagine 3">
+            <a:extLst>
+              <a:ext uri="{FF2B5EF4-FFF2-40B4-BE49-F238E27FC236}">
+                <a16:creationId xmlns:a16="http://schemas.microsoft.com/office/drawing/2014/main" id="{0C91587A-FCD3-4FAD-B392-0BF22A1C06B5}"/>
+              </a:ext>
+            </a:extLst>
+          </p:cNvPr>
+          <p:cNvPicPr>
+            <a:picLocks noChangeAspect="1"/>
+          </p:cNvPicPr>
+          <p:nvPr/>
+        </p:nvPicPr>
+        <p:blipFill rotWithShape="1">
+          <a:blip r:embed="rId3"/>
+          <a:srcRect l="43277" t="36114" r="49094" b="59165"/>
+          <a:stretch/>
+        </p:blipFill>
+        <p:spPr>
+          <a:xfrm>
+            <a:off x="677334" y="1930399"/>
+            <a:ext cx="2131937" cy="742091"/>
+          </a:xfrm>
+          <a:prstGeom prst="rect">
+            <a:avLst/>
+          </a:prstGeom>
+        </p:spPr>
+      </p:pic>
+      <p:cxnSp>
+        <p:nvCxnSpPr>
+          <p:cNvPr id="5" name="Connettore 2 4">
+            <a:extLst>
+              <a:ext uri="{FF2B5EF4-FFF2-40B4-BE49-F238E27FC236}">
+                <a16:creationId xmlns:a16="http://schemas.microsoft.com/office/drawing/2014/main" id="{5C901243-4575-4B73-AC6E-B567B2C56876}"/>
+              </a:ext>
+            </a:extLst>
+          </p:cNvPr>
+          <p:cNvCxnSpPr/>
+          <p:nvPr/>
+        </p:nvCxnSpPr>
+        <p:spPr>
+          <a:xfrm>
+            <a:off x="2809271" y="2332532"/>
+            <a:ext cx="737937" cy="43261"/>
+          </a:xfrm>
+          <a:prstGeom prst="straightConnector1">
+            <a:avLst/>
+          </a:prstGeom>
+          <a:ln w="38100">
+            <a:tailEnd type="triangle"/>
+          </a:ln>
+        </p:spPr>
+        <p:style>
+          <a:lnRef idx="1">
+            <a:schemeClr val="accent1"/>
+          </a:lnRef>
+          <a:fillRef idx="0">
+            <a:schemeClr val="accent1"/>
+          </a:fillRef>
+          <a:effectRef idx="0">
+            <a:schemeClr val="accent1"/>
+          </a:effectRef>
+          <a:fontRef idx="minor">
+            <a:schemeClr val="tx1"/>
+          </a:fontRef>
+        </p:style>
+      </p:cxnSp>
+      <p:pic>
+        <p:nvPicPr>
+          <p:cNvPr id="6" name="Immagine 5">
+            <a:extLst>
+              <a:ext uri="{FF2B5EF4-FFF2-40B4-BE49-F238E27FC236}">
+                <a16:creationId xmlns:a16="http://schemas.microsoft.com/office/drawing/2014/main" id="{E75E7B5E-EEDF-41F1-9A7B-3294D64E0BC6}"/>
+              </a:ext>
+            </a:extLst>
+          </p:cNvPr>
+          <p:cNvPicPr>
+            <a:picLocks noChangeAspect="1"/>
+          </p:cNvPicPr>
+          <p:nvPr/>
+        </p:nvPicPr>
+        <p:blipFill rotWithShape="1">
+          <a:blip r:embed="rId3"/>
+          <a:srcRect l="43613" t="33334" r="48446" b="63938"/>
+          <a:stretch/>
+        </p:blipFill>
+        <p:spPr>
+          <a:xfrm>
+            <a:off x="720119" y="3196144"/>
+            <a:ext cx="2224950" cy="428780"/>
+          </a:xfrm>
+          <a:prstGeom prst="rect">
+            <a:avLst/>
+          </a:prstGeom>
+        </p:spPr>
+      </p:pic>
+      <p:pic>
+        <p:nvPicPr>
+          <p:cNvPr id="7" name="Immagine 6">
+            <a:extLst>
+              <a:ext uri="{FF2B5EF4-FFF2-40B4-BE49-F238E27FC236}">
+                <a16:creationId xmlns:a16="http://schemas.microsoft.com/office/drawing/2014/main" id="{2CB69A5C-47B0-49FC-8238-16A271D76F1F}"/>
+              </a:ext>
+            </a:extLst>
+          </p:cNvPr>
+          <p:cNvPicPr>
+            <a:picLocks noChangeAspect="1"/>
+          </p:cNvPicPr>
+          <p:nvPr/>
+        </p:nvPicPr>
+        <p:blipFill rotWithShape="1">
+          <a:blip r:embed="rId3"/>
+          <a:srcRect l="43728" t="41254" r="48311" b="48308"/>
+          <a:stretch/>
+        </p:blipFill>
+        <p:spPr>
+          <a:xfrm>
+            <a:off x="765385" y="3661856"/>
+            <a:ext cx="2224950" cy="1640704"/>
+          </a:xfrm>
+          <a:prstGeom prst="rect">
+            <a:avLst/>
+          </a:prstGeom>
+        </p:spPr>
+      </p:pic>
+      <p:sp>
+        <p:nvSpPr>
+          <p:cNvPr id="8" name="CasellaDiTesto 7">
+            <a:extLst>
+              <a:ext uri="{FF2B5EF4-FFF2-40B4-BE49-F238E27FC236}">
+                <a16:creationId xmlns:a16="http://schemas.microsoft.com/office/drawing/2014/main" id="{E8422C2F-064F-4FFA-A390-308839785207}"/>
+              </a:ext>
+            </a:extLst>
+          </p:cNvPr>
+          <p:cNvSpPr txBox="1"/>
+          <p:nvPr/>
+        </p:nvSpPr>
+        <p:spPr>
+          <a:xfrm>
+            <a:off x="3547208" y="2191127"/>
+            <a:ext cx="5259773" cy="369332"/>
+          </a:xfrm>
+          <a:prstGeom prst="rect">
+            <a:avLst/>
+          </a:prstGeom>
+          <a:noFill/>
+        </p:spPr>
+        <p:txBody>
+          <a:bodyPr wrap="none" rtlCol="0">
+            <a:spAutoFit/>
+          </a:bodyPr>
+          <a:lstStyle/>
+          <a:p>
+            <a:r>
+              <a:rPr lang="it-CH" dirty="0"/>
+              <a:t>Definizioni delle variabili e configurazioni iniziali</a:t>
+            </a:r>
+          </a:p>
+        </p:txBody>
+      </p:sp>
+      <p:cxnSp>
+        <p:nvCxnSpPr>
+          <p:cNvPr id="9" name="Connettore 2 8">
+            <a:extLst>
+              <a:ext uri="{FF2B5EF4-FFF2-40B4-BE49-F238E27FC236}">
+                <a16:creationId xmlns:a16="http://schemas.microsoft.com/office/drawing/2014/main" id="{A94B77DA-B3F6-40A3-A8FB-0229B4A918D0}"/>
+              </a:ext>
+            </a:extLst>
+          </p:cNvPr>
+          <p:cNvCxnSpPr/>
+          <p:nvPr/>
+        </p:nvCxnSpPr>
+        <p:spPr>
+          <a:xfrm>
+            <a:off x="2990335" y="3447803"/>
+            <a:ext cx="737937" cy="43261"/>
+          </a:xfrm>
+          <a:prstGeom prst="straightConnector1">
+            <a:avLst/>
+          </a:prstGeom>
+          <a:ln w="38100">
+            <a:tailEnd type="triangle"/>
+          </a:ln>
+        </p:spPr>
+        <p:style>
+          <a:lnRef idx="1">
+            <a:schemeClr val="accent1"/>
+          </a:lnRef>
+          <a:fillRef idx="0">
+            <a:schemeClr val="accent1"/>
+          </a:fillRef>
+          <a:effectRef idx="0">
+            <a:schemeClr val="accent1"/>
+          </a:effectRef>
+          <a:fontRef idx="minor">
+            <a:schemeClr val="tx1"/>
+          </a:fontRef>
+        </p:style>
+      </p:cxnSp>
+      <p:sp>
+        <p:nvSpPr>
+          <p:cNvPr id="10" name="CasellaDiTesto 9">
+            <a:extLst>
+              <a:ext uri="{FF2B5EF4-FFF2-40B4-BE49-F238E27FC236}">
+                <a16:creationId xmlns:a16="http://schemas.microsoft.com/office/drawing/2014/main" id="{E8A628CF-EF41-42B1-BEA2-FBEDC249F632}"/>
+              </a:ext>
+            </a:extLst>
+          </p:cNvPr>
+          <p:cNvSpPr txBox="1"/>
+          <p:nvPr/>
+        </p:nvSpPr>
+        <p:spPr>
+          <a:xfrm>
+            <a:off x="3818805" y="3357116"/>
+            <a:ext cx="1996059" cy="369332"/>
+          </a:xfrm>
+          <a:prstGeom prst="rect">
+            <a:avLst/>
+          </a:prstGeom>
+          <a:noFill/>
+        </p:spPr>
+        <p:txBody>
+          <a:bodyPr wrap="none" rtlCol="0">
+            <a:spAutoFit/>
+          </a:bodyPr>
+          <a:lstStyle/>
+          <a:p>
+            <a:r>
+              <a:rPr lang="it-CH" dirty="0"/>
+              <a:t>Classe principale</a:t>
+            </a:r>
+          </a:p>
+        </p:txBody>
+      </p:sp>
+      <p:cxnSp>
+        <p:nvCxnSpPr>
+          <p:cNvPr id="11" name="Connettore 2 10">
+            <a:extLst>
+              <a:ext uri="{FF2B5EF4-FFF2-40B4-BE49-F238E27FC236}">
+                <a16:creationId xmlns:a16="http://schemas.microsoft.com/office/drawing/2014/main" id="{8F3E7577-18B1-4AB4-BF21-3124CDDBB4E8}"/>
+              </a:ext>
+            </a:extLst>
+          </p:cNvPr>
+          <p:cNvCxnSpPr/>
+          <p:nvPr/>
+        </p:nvCxnSpPr>
+        <p:spPr>
+          <a:xfrm>
+            <a:off x="2963940" y="3888248"/>
+            <a:ext cx="737937" cy="43261"/>
+          </a:xfrm>
+          <a:prstGeom prst="straightConnector1">
+            <a:avLst/>
+          </a:prstGeom>
+          <a:ln w="38100">
+            <a:tailEnd type="triangle"/>
+          </a:ln>
+        </p:spPr>
+        <p:style>
+          <a:lnRef idx="1">
+            <a:schemeClr val="accent1"/>
+          </a:lnRef>
+          <a:fillRef idx="0">
+            <a:schemeClr val="accent1"/>
+          </a:fillRef>
+          <a:effectRef idx="0">
+            <a:schemeClr val="accent1"/>
+          </a:effectRef>
+          <a:fontRef idx="minor">
+            <a:schemeClr val="tx1"/>
+          </a:fontRef>
+        </p:style>
+      </p:cxnSp>
+      <p:sp>
+        <p:nvSpPr>
+          <p:cNvPr id="12" name="CasellaDiTesto 11">
+            <a:extLst>
+              <a:ext uri="{FF2B5EF4-FFF2-40B4-BE49-F238E27FC236}">
+                <a16:creationId xmlns:a16="http://schemas.microsoft.com/office/drawing/2014/main" id="{4DEE5662-11D3-41DA-A4A9-13BB799DB42C}"/>
+              </a:ext>
+            </a:extLst>
+          </p:cNvPr>
+          <p:cNvSpPr txBox="1"/>
+          <p:nvPr/>
+        </p:nvSpPr>
+        <p:spPr>
+          <a:xfrm>
+            <a:off x="3818804" y="3783156"/>
+            <a:ext cx="4968027" cy="369332"/>
+          </a:xfrm>
+          <a:prstGeom prst="rect">
+            <a:avLst/>
+          </a:prstGeom>
+          <a:noFill/>
+        </p:spPr>
+        <p:txBody>
+          <a:bodyPr wrap="none" rtlCol="0">
+            <a:spAutoFit/>
+          </a:bodyPr>
+          <a:lstStyle/>
+          <a:p>
+            <a:r>
+              <a:rPr lang="it-CH" dirty="0"/>
+              <a:t>Classe che si occupa della connessione all’</a:t>
+            </a:r>
+            <a:r>
+              <a:rPr lang="it-CH" dirty="0" err="1"/>
+              <a:t>app</a:t>
+            </a:r>
+            <a:endParaRPr lang="it-CH" dirty="0"/>
+          </a:p>
+        </p:txBody>
+      </p:sp>
+      <p:cxnSp>
+        <p:nvCxnSpPr>
+          <p:cNvPr id="13" name="Connettore 2 12">
+            <a:extLst>
+              <a:ext uri="{FF2B5EF4-FFF2-40B4-BE49-F238E27FC236}">
+                <a16:creationId xmlns:a16="http://schemas.microsoft.com/office/drawing/2014/main" id="{8366DC5D-03E6-4D2B-8382-566EE2E3B461}"/>
+              </a:ext>
+            </a:extLst>
+          </p:cNvPr>
+          <p:cNvCxnSpPr/>
+          <p:nvPr/>
+        </p:nvCxnSpPr>
+        <p:spPr>
+          <a:xfrm>
+            <a:off x="2937545" y="4335147"/>
+            <a:ext cx="737937" cy="43261"/>
+          </a:xfrm>
+          <a:prstGeom prst="straightConnector1">
+            <a:avLst/>
+          </a:prstGeom>
+          <a:ln w="38100">
+            <a:tailEnd type="triangle"/>
+          </a:ln>
+        </p:spPr>
+        <p:style>
+          <a:lnRef idx="1">
+            <a:schemeClr val="accent1"/>
+          </a:lnRef>
+          <a:fillRef idx="0">
+            <a:schemeClr val="accent1"/>
+          </a:fillRef>
+          <a:effectRef idx="0">
+            <a:schemeClr val="accent1"/>
+          </a:effectRef>
+          <a:fontRef idx="minor">
+            <a:schemeClr val="tx1"/>
+          </a:fontRef>
+        </p:style>
+      </p:cxnSp>
+      <p:sp>
+        <p:nvSpPr>
+          <p:cNvPr id="15" name="CasellaDiTesto 14">
+            <a:extLst>
+              <a:ext uri="{FF2B5EF4-FFF2-40B4-BE49-F238E27FC236}">
+                <a16:creationId xmlns:a16="http://schemas.microsoft.com/office/drawing/2014/main" id="{1AE5A0ED-B9D0-474E-BBC3-7CCB3679B380}"/>
+              </a:ext>
+            </a:extLst>
+          </p:cNvPr>
+          <p:cNvSpPr txBox="1"/>
+          <p:nvPr/>
+        </p:nvSpPr>
+        <p:spPr>
+          <a:xfrm>
+            <a:off x="3818804" y="4203298"/>
+            <a:ext cx="4342856" cy="369332"/>
+          </a:xfrm>
+          <a:prstGeom prst="rect">
+            <a:avLst/>
+          </a:prstGeom>
+          <a:noFill/>
+        </p:spPr>
+        <p:txBody>
+          <a:bodyPr wrap="none" rtlCol="0">
+            <a:spAutoFit/>
+          </a:bodyPr>
+          <a:lstStyle/>
+          <a:p>
+            <a:r>
+              <a:rPr lang="it-CH" dirty="0"/>
+              <a:t>Classe che si occupa di muovere il robot</a:t>
+            </a:r>
+          </a:p>
+        </p:txBody>
+      </p:sp>
+      <p:cxnSp>
+        <p:nvCxnSpPr>
+          <p:cNvPr id="16" name="Connettore 2 15">
+            <a:extLst>
+              <a:ext uri="{FF2B5EF4-FFF2-40B4-BE49-F238E27FC236}">
+                <a16:creationId xmlns:a16="http://schemas.microsoft.com/office/drawing/2014/main" id="{B21057E3-2A5F-4AC7-BE03-F5848BDD5F73}"/>
+              </a:ext>
+            </a:extLst>
+          </p:cNvPr>
+          <p:cNvCxnSpPr/>
+          <p:nvPr/>
+        </p:nvCxnSpPr>
+        <p:spPr>
+          <a:xfrm>
+            <a:off x="2932447" y="4718215"/>
+            <a:ext cx="737937" cy="43261"/>
+          </a:xfrm>
+          <a:prstGeom prst="straightConnector1">
+            <a:avLst/>
+          </a:prstGeom>
+          <a:ln w="38100">
+            <a:tailEnd type="triangle"/>
+          </a:ln>
+        </p:spPr>
+        <p:style>
+          <a:lnRef idx="1">
+            <a:schemeClr val="accent1"/>
+          </a:lnRef>
+          <a:fillRef idx="0">
+            <a:schemeClr val="accent1"/>
+          </a:fillRef>
+          <a:effectRef idx="0">
+            <a:schemeClr val="accent1"/>
+          </a:effectRef>
+          <a:fontRef idx="minor">
+            <a:schemeClr val="tx1"/>
+          </a:fontRef>
+        </p:style>
+      </p:cxnSp>
+      <p:sp>
+        <p:nvSpPr>
+          <p:cNvPr id="17" name="CasellaDiTesto 16">
+            <a:extLst>
+              <a:ext uri="{FF2B5EF4-FFF2-40B4-BE49-F238E27FC236}">
+                <a16:creationId xmlns:a16="http://schemas.microsoft.com/office/drawing/2014/main" id="{EB2678FD-DE2D-42B3-8058-82BC72DEC35E}"/>
+              </a:ext>
+            </a:extLst>
+          </p:cNvPr>
+          <p:cNvSpPr txBox="1"/>
+          <p:nvPr/>
+        </p:nvSpPr>
+        <p:spPr>
+          <a:xfrm>
+            <a:off x="3818804" y="4623440"/>
+            <a:ext cx="4984057" cy="369332"/>
+          </a:xfrm>
+          <a:prstGeom prst="rect">
+            <a:avLst/>
+          </a:prstGeom>
+          <a:noFill/>
+        </p:spPr>
+        <p:txBody>
+          <a:bodyPr wrap="none" rtlCol="0">
+            <a:spAutoFit/>
+          </a:bodyPr>
+          <a:lstStyle/>
+          <a:p>
+            <a:r>
+              <a:rPr lang="it-CH" dirty="0"/>
+              <a:t>Classe che si occupa delle posizioni dei motori</a:t>
+            </a:r>
+          </a:p>
+        </p:txBody>
+      </p:sp>
+      <p:cxnSp>
+        <p:nvCxnSpPr>
+          <p:cNvPr id="18" name="Connettore 2 17">
+            <a:extLst>
+              <a:ext uri="{FF2B5EF4-FFF2-40B4-BE49-F238E27FC236}">
+                <a16:creationId xmlns:a16="http://schemas.microsoft.com/office/drawing/2014/main" id="{813870D7-04CE-48F4-80EF-73F900D6AB57}"/>
+              </a:ext>
+            </a:extLst>
+          </p:cNvPr>
+          <p:cNvCxnSpPr/>
+          <p:nvPr/>
+        </p:nvCxnSpPr>
+        <p:spPr>
+          <a:xfrm>
+            <a:off x="2932447" y="5155109"/>
+            <a:ext cx="737937" cy="43261"/>
+          </a:xfrm>
+          <a:prstGeom prst="straightConnector1">
+            <a:avLst/>
+          </a:prstGeom>
+          <a:ln w="38100">
+            <a:tailEnd type="triangle"/>
+          </a:ln>
+        </p:spPr>
+        <p:style>
+          <a:lnRef idx="1">
+            <a:schemeClr val="accent1"/>
+          </a:lnRef>
+          <a:fillRef idx="0">
+            <a:schemeClr val="accent1"/>
+          </a:fillRef>
+          <a:effectRef idx="0">
+            <a:schemeClr val="accent1"/>
+          </a:effectRef>
+          <a:fontRef idx="minor">
+            <a:schemeClr val="tx1"/>
+          </a:fontRef>
+        </p:style>
+      </p:cxnSp>
+      <p:sp>
+        <p:nvSpPr>
+          <p:cNvPr id="19" name="CasellaDiTesto 18">
+            <a:extLst>
+              <a:ext uri="{FF2B5EF4-FFF2-40B4-BE49-F238E27FC236}">
+                <a16:creationId xmlns:a16="http://schemas.microsoft.com/office/drawing/2014/main" id="{68FB1896-926D-469C-A8B6-997662A781E4}"/>
+              </a:ext>
+            </a:extLst>
+          </p:cNvPr>
+          <p:cNvSpPr txBox="1"/>
+          <p:nvPr/>
+        </p:nvSpPr>
+        <p:spPr>
+          <a:xfrm>
+            <a:off x="3841387" y="5037684"/>
+            <a:ext cx="4985660" cy="369332"/>
+          </a:xfrm>
+          <a:prstGeom prst="rect">
+            <a:avLst/>
+          </a:prstGeom>
+          <a:noFill/>
+        </p:spPr>
+        <p:txBody>
+          <a:bodyPr wrap="none" rtlCol="0">
+            <a:spAutoFit/>
+          </a:bodyPr>
+          <a:lstStyle/>
+          <a:p>
+            <a:r>
+              <a:rPr lang="it-CH" dirty="0"/>
+              <a:t>Classe che si occupa delle traiettorie del disco</a:t>
+            </a:r>
+          </a:p>
+        </p:txBody>
+      </p:sp>
+      <p:sp>
+        <p:nvSpPr>
+          <p:cNvPr id="20" name="Segnaposto contenuto 2">
+            <a:extLst>
+              <a:ext uri="{FF2B5EF4-FFF2-40B4-BE49-F238E27FC236}">
+                <a16:creationId xmlns:a16="http://schemas.microsoft.com/office/drawing/2014/main" id="{DE30BE5C-D0FB-4FA9-AB50-47E18B6A3371}"/>
+              </a:ext>
+            </a:extLst>
+          </p:cNvPr>
+          <p:cNvSpPr>
+            <a:spLocks noGrp="1"/>
+          </p:cNvSpPr>
+          <p:nvPr>
+            <p:ph idx="1"/>
+          </p:nvPr>
+        </p:nvSpPr>
+        <p:spPr>
+          <a:xfrm>
+            <a:off x="765385" y="1334546"/>
+            <a:ext cx="1522170" cy="441787"/>
+          </a:xfrm>
+        </p:spPr>
+        <p:txBody>
+          <a:bodyPr>
+            <a:normAutofit/>
+          </a:bodyPr>
+          <a:lstStyle/>
+          <a:p>
+            <a:pPr marL="0" indent="0">
+              <a:buNone/>
+            </a:pPr>
+            <a:r>
+              <a:rPr lang="it-CH" dirty="0"/>
+              <a:t>Codice</a:t>
+            </a:r>
+          </a:p>
+        </p:txBody>
+      </p:sp>
+    </p:spTree>
+    <p:extLst>
+      <p:ext uri="{BB962C8B-B14F-4D97-AF65-F5344CB8AC3E}">
+        <p14:creationId xmlns:p14="http://schemas.microsoft.com/office/powerpoint/2010/main" val="1420836854"/>
+      </p:ext>
+    </p:extLst>
+  </p:cSld>
+  <p:clrMapOvr>
+    <a:masterClrMapping/>
+  </p:clrMapOvr>
+  <p:timing>
+    <p:tnLst>
+      <p:par>
+        <p:cTn id="1" dur="indefinite" restart="never" nodeType="tmRoot">
+          <p:childTnLst>
+            <p:seq concurrent="1" nextAc="seek">
+              <p:cTn id="2" dur="indefinite" nodeType="mainSeq">
+                <p:childTnLst>
+                  <p:par>
+                    <p:cTn id="3" fill="hold">
+                      <p:stCondLst>
+                        <p:cond delay="indefinite"/>
+                        <p:cond evt="onBegin" delay="0">
+                          <p:tn val="2"/>
+                        </p:cond>
+                      </p:stCondLst>
+                      <p:childTnLst>
+                        <p:par>
+                          <p:cTn id="4" fill="hold">
+                            <p:stCondLst>
+                              <p:cond delay="0"/>
+                            </p:stCondLst>
+                            <p:childTnLst>
+                              <p:par>
+                                <p:cTn id="5" presetID="2" presetClass="entr" presetSubtype="2" fill="hold" nodeType="withEffect">
+                                  <p:stCondLst>
+                                    <p:cond delay="0"/>
+                                  </p:stCondLst>
+                                  <p:childTnLst>
+                                    <p:set>
+                                      <p:cBhvr>
+                                        <p:cTn id="6" dur="1" fill="hold">
+                                          <p:stCondLst>
+                                            <p:cond delay="0"/>
+                                          </p:stCondLst>
+                                        </p:cTn>
+                                        <p:tgtEl>
+                                          <p:spTgt spid="5"/>
+                                        </p:tgtEl>
+                                        <p:attrNameLst>
+                                          <p:attrName>style.visibility</p:attrName>
+                                        </p:attrNameLst>
+                                      </p:cBhvr>
+                                      <p:to>
+                                        <p:strVal val="visible"/>
+                                      </p:to>
+                                    </p:set>
+                                    <p:anim calcmode="lin" valueType="num">
+                                      <p:cBhvr additive="base">
+                                        <p:cTn id="7" dur="500" fill="hold"/>
+                                        <p:tgtEl>
+                                          <p:spTgt spid="5"/>
+                                        </p:tgtEl>
+                                        <p:attrNameLst>
+                                          <p:attrName>ppt_x</p:attrName>
+                                        </p:attrNameLst>
+                                      </p:cBhvr>
+                                      <p:tavLst>
+                                        <p:tav tm="0">
+                                          <p:val>
+                                            <p:strVal val="1+#ppt_w/2"/>
+                                          </p:val>
+                                        </p:tav>
+                                        <p:tav tm="100000">
+                                          <p:val>
+                                            <p:strVal val="#ppt_x"/>
+                                          </p:val>
+                                        </p:tav>
+                                      </p:tavLst>
+                                    </p:anim>
+                                    <p:anim calcmode="lin" valueType="num">
+                                      <p:cBhvr additive="base">
+                                        <p:cTn id="8" dur="500" fill="hold"/>
+                                        <p:tgtEl>
+                                          <p:spTgt spid="5"/>
+                                        </p:tgtEl>
+                                        <p:attrNameLst>
+                                          <p:attrName>ppt_y</p:attrName>
+                                        </p:attrNameLst>
+                                      </p:cBhvr>
+                                      <p:tavLst>
+                                        <p:tav tm="0">
+                                          <p:val>
+                                            <p:strVal val="#ppt_y"/>
+                                          </p:val>
+                                        </p:tav>
+                                        <p:tav tm="100000">
+                                          <p:val>
+                                            <p:strVal val="#ppt_y"/>
+                                          </p:val>
+                                        </p:tav>
+                                      </p:tavLst>
+                                    </p:anim>
+                                  </p:childTnLst>
+                                </p:cTn>
+                              </p:par>
+                              <p:par>
+                                <p:cTn id="9" presetID="2" presetClass="entr" presetSubtype="2" fill="hold" nodeType="withEffect">
+                                  <p:stCondLst>
+                                    <p:cond delay="0"/>
+                                  </p:stCondLst>
+                                  <p:childTnLst>
+                                    <p:set>
+                                      <p:cBhvr>
+                                        <p:cTn id="10" dur="1" fill="hold">
+                                          <p:stCondLst>
+                                            <p:cond delay="0"/>
+                                          </p:stCondLst>
+                                        </p:cTn>
+                                        <p:tgtEl>
+                                          <p:spTgt spid="9"/>
+                                        </p:tgtEl>
+                                        <p:attrNameLst>
+                                          <p:attrName>style.visibility</p:attrName>
+                                        </p:attrNameLst>
+                                      </p:cBhvr>
+                                      <p:to>
+                                        <p:strVal val="visible"/>
+                                      </p:to>
+                                    </p:set>
+                                    <p:anim calcmode="lin" valueType="num">
+                                      <p:cBhvr additive="base">
+                                        <p:cTn id="11" dur="500" fill="hold"/>
+                                        <p:tgtEl>
+                                          <p:spTgt spid="9"/>
+                                        </p:tgtEl>
+                                        <p:attrNameLst>
+                                          <p:attrName>ppt_x</p:attrName>
+                                        </p:attrNameLst>
+                                      </p:cBhvr>
+                                      <p:tavLst>
+                                        <p:tav tm="0">
+                                          <p:val>
+                                            <p:strVal val="1+#ppt_w/2"/>
+                                          </p:val>
+                                        </p:tav>
+                                        <p:tav tm="100000">
+                                          <p:val>
+                                            <p:strVal val="#ppt_x"/>
+                                          </p:val>
+                                        </p:tav>
+                                      </p:tavLst>
+                                    </p:anim>
+                                    <p:anim calcmode="lin" valueType="num">
+                                      <p:cBhvr additive="base">
+                                        <p:cTn id="12" dur="500" fill="hold"/>
+                                        <p:tgtEl>
+                                          <p:spTgt spid="9"/>
+                                        </p:tgtEl>
+                                        <p:attrNameLst>
+                                          <p:attrName>ppt_y</p:attrName>
+                                        </p:attrNameLst>
+                                      </p:cBhvr>
+                                      <p:tavLst>
+                                        <p:tav tm="0">
+                                          <p:val>
+                                            <p:strVal val="#ppt_y"/>
+                                          </p:val>
+                                        </p:tav>
+                                        <p:tav tm="100000">
+                                          <p:val>
+                                            <p:strVal val="#ppt_y"/>
+                                          </p:val>
+                                        </p:tav>
+                                      </p:tavLst>
+                                    </p:anim>
+                                  </p:childTnLst>
+                                </p:cTn>
+                              </p:par>
+                              <p:par>
+                                <p:cTn id="13" presetID="2" presetClass="entr" presetSubtype="2" fill="hold" nodeType="withEffect">
+                                  <p:stCondLst>
+                                    <p:cond delay="0"/>
+                                  </p:stCondLst>
+                                  <p:childTnLst>
+                                    <p:set>
+                                      <p:cBhvr>
+                                        <p:cTn id="14" dur="1" fill="hold">
+                                          <p:stCondLst>
+                                            <p:cond delay="0"/>
+                                          </p:stCondLst>
+                                        </p:cTn>
+                                        <p:tgtEl>
+                                          <p:spTgt spid="11"/>
+                                        </p:tgtEl>
+                                        <p:attrNameLst>
+                                          <p:attrName>style.visibility</p:attrName>
+                                        </p:attrNameLst>
+                                      </p:cBhvr>
+                                      <p:to>
+                                        <p:strVal val="visible"/>
+                                      </p:to>
+                                    </p:set>
+                                    <p:anim calcmode="lin" valueType="num">
+                                      <p:cBhvr additive="base">
+                                        <p:cTn id="15" dur="500" fill="hold"/>
+                                        <p:tgtEl>
+                                          <p:spTgt spid="11"/>
+                                        </p:tgtEl>
+                                        <p:attrNameLst>
+                                          <p:attrName>ppt_x</p:attrName>
+                                        </p:attrNameLst>
+                                      </p:cBhvr>
+                                      <p:tavLst>
+                                        <p:tav tm="0">
+                                          <p:val>
+                                            <p:strVal val="1+#ppt_w/2"/>
+                                          </p:val>
+                                        </p:tav>
+                                        <p:tav tm="100000">
+                                          <p:val>
+                                            <p:strVal val="#ppt_x"/>
+                                          </p:val>
+                                        </p:tav>
+                                      </p:tavLst>
+                                    </p:anim>
+                                    <p:anim calcmode="lin" valueType="num">
+                                      <p:cBhvr additive="base">
+                                        <p:cTn id="16" dur="500" fill="hold"/>
+                                        <p:tgtEl>
+                                          <p:spTgt spid="11"/>
+                                        </p:tgtEl>
+                                        <p:attrNameLst>
+                                          <p:attrName>ppt_y</p:attrName>
+                                        </p:attrNameLst>
+                                      </p:cBhvr>
+                                      <p:tavLst>
+                                        <p:tav tm="0">
+                                          <p:val>
+                                            <p:strVal val="#ppt_y"/>
+                                          </p:val>
+                                        </p:tav>
+                                        <p:tav tm="100000">
+                                          <p:val>
+                                            <p:strVal val="#ppt_y"/>
+                                          </p:val>
+                                        </p:tav>
+                                      </p:tavLst>
+                                    </p:anim>
+                                  </p:childTnLst>
+                                </p:cTn>
+                              </p:par>
+                              <p:par>
+                                <p:cTn id="17" presetID="2" presetClass="entr" presetSubtype="2" fill="hold" nodeType="withEffect">
+                                  <p:stCondLst>
+                                    <p:cond delay="0"/>
+                                  </p:stCondLst>
+                                  <p:childTnLst>
+                                    <p:set>
+                                      <p:cBhvr>
+                                        <p:cTn id="18" dur="1" fill="hold">
+                                          <p:stCondLst>
+                                            <p:cond delay="0"/>
+                                          </p:stCondLst>
+                                        </p:cTn>
+                                        <p:tgtEl>
+                                          <p:spTgt spid="13"/>
+                                        </p:tgtEl>
+                                        <p:attrNameLst>
+                                          <p:attrName>style.visibility</p:attrName>
+                                        </p:attrNameLst>
+                                      </p:cBhvr>
+                                      <p:to>
+                                        <p:strVal val="visible"/>
+                                      </p:to>
+                                    </p:set>
+                                    <p:anim calcmode="lin" valueType="num">
+                                      <p:cBhvr additive="base">
+                                        <p:cTn id="19" dur="500" fill="hold"/>
+                                        <p:tgtEl>
+                                          <p:spTgt spid="13"/>
+                                        </p:tgtEl>
+                                        <p:attrNameLst>
+                                          <p:attrName>ppt_x</p:attrName>
+                                        </p:attrNameLst>
+                                      </p:cBhvr>
+                                      <p:tavLst>
+                                        <p:tav tm="0">
+                                          <p:val>
+                                            <p:strVal val="1+#ppt_w/2"/>
+                                          </p:val>
+                                        </p:tav>
+                                        <p:tav tm="100000">
+                                          <p:val>
+                                            <p:strVal val="#ppt_x"/>
+                                          </p:val>
+                                        </p:tav>
+                                      </p:tavLst>
+                                    </p:anim>
+                                    <p:anim calcmode="lin" valueType="num">
+                                      <p:cBhvr additive="base">
+                                        <p:cTn id="20" dur="500" fill="hold"/>
+                                        <p:tgtEl>
+                                          <p:spTgt spid="13"/>
+                                        </p:tgtEl>
+                                        <p:attrNameLst>
+                                          <p:attrName>ppt_y</p:attrName>
+                                        </p:attrNameLst>
+                                      </p:cBhvr>
+                                      <p:tavLst>
+                                        <p:tav tm="0">
+                                          <p:val>
+                                            <p:strVal val="#ppt_y"/>
+                                          </p:val>
+                                        </p:tav>
+                                        <p:tav tm="100000">
+                                          <p:val>
+                                            <p:strVal val="#ppt_y"/>
+                                          </p:val>
+                                        </p:tav>
+                                      </p:tavLst>
+                                    </p:anim>
+                                  </p:childTnLst>
+                                </p:cTn>
+                              </p:par>
+                              <p:par>
+                                <p:cTn id="21" presetID="2" presetClass="entr" presetSubtype="2" fill="hold" nodeType="withEffect">
+                                  <p:stCondLst>
+                                    <p:cond delay="0"/>
+                                  </p:stCondLst>
+                                  <p:childTnLst>
+                                    <p:set>
+                                      <p:cBhvr>
+                                        <p:cTn id="22" dur="1" fill="hold">
+                                          <p:stCondLst>
+                                            <p:cond delay="0"/>
+                                          </p:stCondLst>
+                                        </p:cTn>
+                                        <p:tgtEl>
+                                          <p:spTgt spid="16"/>
+                                        </p:tgtEl>
+                                        <p:attrNameLst>
+                                          <p:attrName>style.visibility</p:attrName>
+                                        </p:attrNameLst>
+                                      </p:cBhvr>
+                                      <p:to>
+                                        <p:strVal val="visible"/>
+                                      </p:to>
+                                    </p:set>
+                                    <p:anim calcmode="lin" valueType="num">
+                                      <p:cBhvr additive="base">
+                                        <p:cTn id="23" dur="500" fill="hold"/>
+                                        <p:tgtEl>
+                                          <p:spTgt spid="16"/>
+                                        </p:tgtEl>
+                                        <p:attrNameLst>
+                                          <p:attrName>ppt_x</p:attrName>
+                                        </p:attrNameLst>
+                                      </p:cBhvr>
+                                      <p:tavLst>
+                                        <p:tav tm="0">
+                                          <p:val>
+                                            <p:strVal val="1+#ppt_w/2"/>
+                                          </p:val>
+                                        </p:tav>
+                                        <p:tav tm="100000">
+                                          <p:val>
+                                            <p:strVal val="#ppt_x"/>
+                                          </p:val>
+                                        </p:tav>
+                                      </p:tavLst>
+                                    </p:anim>
+                                    <p:anim calcmode="lin" valueType="num">
+                                      <p:cBhvr additive="base">
+                                        <p:cTn id="24" dur="500" fill="hold"/>
+                                        <p:tgtEl>
+                                          <p:spTgt spid="16"/>
+                                        </p:tgtEl>
+                                        <p:attrNameLst>
+                                          <p:attrName>ppt_y</p:attrName>
+                                        </p:attrNameLst>
+                                      </p:cBhvr>
+                                      <p:tavLst>
+                                        <p:tav tm="0">
+                                          <p:val>
+                                            <p:strVal val="#ppt_y"/>
+                                          </p:val>
+                                        </p:tav>
+                                        <p:tav tm="100000">
+                                          <p:val>
+                                            <p:strVal val="#ppt_y"/>
+                                          </p:val>
+                                        </p:tav>
+                                      </p:tavLst>
+                                    </p:anim>
+                                  </p:childTnLst>
+                                </p:cTn>
+                              </p:par>
+                              <p:par>
+                                <p:cTn id="25" presetID="2" presetClass="entr" presetSubtype="2" fill="hold" nodeType="withEffect">
+                                  <p:stCondLst>
+                                    <p:cond delay="0"/>
+                                  </p:stCondLst>
+                                  <p:childTnLst>
+                                    <p:set>
+                                      <p:cBhvr>
+                                        <p:cTn id="26" dur="1" fill="hold">
+                                          <p:stCondLst>
+                                            <p:cond delay="0"/>
+                                          </p:stCondLst>
+                                        </p:cTn>
+                                        <p:tgtEl>
+                                          <p:spTgt spid="18"/>
+                                        </p:tgtEl>
+                                        <p:attrNameLst>
+                                          <p:attrName>style.visibility</p:attrName>
+                                        </p:attrNameLst>
+                                      </p:cBhvr>
+                                      <p:to>
+                                        <p:strVal val="visible"/>
+                                      </p:to>
+                                    </p:set>
+                                    <p:anim calcmode="lin" valueType="num">
+                                      <p:cBhvr additive="base">
+                                        <p:cTn id="27" dur="500" fill="hold"/>
+                                        <p:tgtEl>
+                                          <p:spTgt spid="18"/>
+                                        </p:tgtEl>
+                                        <p:attrNameLst>
+                                          <p:attrName>ppt_x</p:attrName>
+                                        </p:attrNameLst>
+                                      </p:cBhvr>
+                                      <p:tavLst>
+                                        <p:tav tm="0">
+                                          <p:val>
+                                            <p:strVal val="1+#ppt_w/2"/>
+                                          </p:val>
+                                        </p:tav>
+                                        <p:tav tm="100000">
+                                          <p:val>
+                                            <p:strVal val="#ppt_x"/>
+                                          </p:val>
+                                        </p:tav>
+                                      </p:tavLst>
+                                    </p:anim>
+                                    <p:anim calcmode="lin" valueType="num">
+                                      <p:cBhvr additive="base">
+                                        <p:cTn id="28" dur="500" fill="hold"/>
+                                        <p:tgtEl>
+                                          <p:spTgt spid="18"/>
+                                        </p:tgtEl>
+                                        <p:attrNameLst>
+                                          <p:attrName>ppt_y</p:attrName>
+                                        </p:attrNameLst>
+                                      </p:cBhvr>
+                                      <p:tavLst>
+                                        <p:tav tm="0">
+                                          <p:val>
+                                            <p:strVal val="#ppt_y"/>
+                                          </p:val>
+                                        </p:tav>
+                                        <p:tav tm="100000">
+                                          <p:val>
+                                            <p:strVal val="#ppt_y"/>
+                                          </p:val>
+                                        </p:tav>
+                                      </p:tavLst>
+                                    </p:anim>
+                                  </p:childTnLst>
+                                </p:cTn>
+                              </p:par>
+                            </p:childTnLst>
+                          </p:cTn>
+                        </p:par>
+                      </p:childTnLst>
+                    </p:cTn>
+                  </p:par>
+                </p:childTnLst>
+              </p:cTn>
+              <p:prevCondLst>
+                <p:cond evt="onPrev" delay="0">
+                  <p:tgtEl>
+                    <p:sldTgt/>
+                  </p:tgtEl>
+                </p:cond>
+              </p:prevCondLst>
+              <p:nextCondLst>
+                <p:cond evt="onNext" delay="0">
+                  <p:tgtEl>
+                    <p:sldTgt/>
+                  </p:tgtEl>
+                </p:cond>
+              </p:nextCondLst>
+            </p:seq>
+          </p:childTnLst>
+        </p:cTn>
+      </p:par>
+    </p:tnLst>
+  </p:timing>
+</p:sld>
+</file>
+
+<file path=ppt/slides/slide18.xml><?xml version="1.0" encoding="utf-8"?>
+<p:sld xmlns:a="http://schemas.openxmlformats.org/drawingml/2006/main" xmlns:r="http://schemas.openxmlformats.org/officeDocument/2006/relationships" xmlns:p="http://schemas.openxmlformats.org/presentationml/2006/main">
+  <p:cSld>
+    <p:spTree>
+      <p:nvGrpSpPr>
+        <p:cNvPr id="1" name=""/>
+        <p:cNvGrpSpPr/>
+        <p:nvPr/>
+      </p:nvGrpSpPr>
+      <p:grpSpPr>
+        <a:xfrm>
+          <a:off x="0" y="0"/>
+          <a:ext cx="0" cy="0"/>
+          <a:chOff x="0" y="0"/>
+          <a:chExt cx="0" cy="0"/>
+        </a:xfrm>
+      </p:grpSpPr>
+      <p:sp>
+        <p:nvSpPr>
+          <p:cNvPr id="2" name="Titolo 1"/>
+          <p:cNvSpPr>
+            <a:spLocks noGrp="1"/>
+          </p:cNvSpPr>
+          <p:nvPr>
+            <p:ph type="title"/>
+          </p:nvPr>
+        </p:nvSpPr>
+        <p:spPr>
+          <a:xfrm>
+            <a:off x="529191" y="509609"/>
+            <a:ext cx="4321565" cy="1090863"/>
+          </a:xfrm>
+        </p:spPr>
+        <p:txBody>
+          <a:bodyPr>
+            <a:noAutofit/>
+          </a:bodyPr>
+          <a:lstStyle/>
+          <a:p>
+            <a:r>
+              <a:rPr lang="it-CH" sz="6000" dirty="0"/>
+              <a:t>Conclusione</a:t>
+            </a:r>
+          </a:p>
+        </p:txBody>
+      </p:sp>
+    </p:spTree>
+    <p:extLst>
+      <p:ext uri="{BB962C8B-B14F-4D97-AF65-F5344CB8AC3E}">
+        <p14:creationId xmlns:p14="http://schemas.microsoft.com/office/powerpoint/2010/main" val="4236013410"/>
+      </p:ext>
+    </p:extLst>
+  </p:cSld>
+  <p:clrMapOvr>
+    <a:masterClrMapping/>
+  </p:clrMapOvr>
+  <p:transition spd="med">
+    <p:pull/>
+  </p:transition>
+</p:sld>
+</file>
+
+<file path=ppt/slides/slide19.xml><?xml version="1.0" encoding="utf-8"?>
+<p:sld xmlns:a="http://schemas.openxmlformats.org/drawingml/2006/main" xmlns:r="http://schemas.openxmlformats.org/officeDocument/2006/relationships" xmlns:p="http://schemas.openxmlformats.org/presentationml/2006/main">
+  <p:cSld>
+    <p:spTree>
+      <p:nvGrpSpPr>
+        <p:cNvPr id="1" name=""/>
+        <p:cNvGrpSpPr/>
+        <p:nvPr/>
+      </p:nvGrpSpPr>
+      <p:grpSpPr>
+        <a:xfrm>
+          <a:off x="0" y="0"/>
+          <a:ext cx="0" cy="0"/>
+          <a:chOff x="0" y="0"/>
+          <a:chExt cx="0" cy="0"/>
+        </a:xfrm>
+      </p:grpSpPr>
+      <p:sp>
+        <p:nvSpPr>
           <p:cNvPr id="2" name="Titolo 1"/>
           <p:cNvSpPr>
             <a:spLocks noGrp="1"/>
@@ -7124,10 +11307,9 @@
           <a:lstStyle/>
           <a:p>
             <a:r>
-              <a:rPr lang="it-CH" dirty="0" smtClean="0"/>
+              <a:rPr lang="it-CH" dirty="0"/>
               <a:t>Domande?</a:t>
             </a:r>
-            <a:endParaRPr lang="it-CH" dirty="0"/>
           </a:p>
         </p:txBody>
       </p:sp>
@@ -7147,10 +11329,9 @@
           <a:lstStyle/>
           <a:p>
             <a:r>
-              <a:rPr lang="it-CH" dirty="0" smtClean="0"/>
+              <a:rPr lang="it-CH" dirty="0"/>
               <a:t>Grazie per l’attenzione</a:t>
             </a:r>
-            <a:endParaRPr lang="it-CH" dirty="0"/>
           </a:p>
         </p:txBody>
       </p:sp>
@@ -7167,13 +11348,6 @@
   <p:transition spd="slow">
     <p:cover/>
   </p:transition>
-  <p:timing>
-    <p:tnLst>
-      <p:par>
-        <p:cTn id="1" dur="indefinite" restart="never" nodeType="tmRoot"/>
-      </p:par>
-    </p:tnLst>
-  </p:timing>
 </p:sld>
 </file>
 
@@ -7218,10 +11392,9 @@
           <a:lstStyle/>
           <a:p>
             <a:r>
-              <a:rPr lang="it-CH" dirty="0" smtClean="0"/>
+              <a:rPr lang="it-CH" dirty="0"/>
               <a:t>Argomenti trattati</a:t>
             </a:r>
-            <a:endParaRPr lang="it-CH" dirty="0"/>
           </a:p>
         </p:txBody>
       </p:sp>
@@ -7243,43 +11416,42 @@
           <a:lstStyle/>
           <a:p>
             <a:r>
-              <a:rPr lang="it-CH" sz="2400" dirty="0" smtClean="0"/>
+              <a:rPr lang="it-CH" sz="2400" dirty="0"/>
               <a:t>Obbiettivo del progetto (QDC)</a:t>
             </a:r>
           </a:p>
           <a:p>
             <a:r>
-              <a:rPr lang="it-CH" sz="2400" dirty="0" smtClean="0"/>
+              <a:rPr lang="it-CH" sz="2400" dirty="0"/>
               <a:t>GANNT iniziale</a:t>
             </a:r>
           </a:p>
           <a:p>
             <a:r>
-              <a:rPr lang="it-CH" sz="2400" dirty="0" smtClean="0"/>
+              <a:rPr lang="it-CH" sz="2400" dirty="0"/>
               <a:t>Requisiti</a:t>
             </a:r>
           </a:p>
           <a:p>
             <a:r>
-              <a:rPr lang="it-CH" sz="2400" dirty="0" err="1" smtClean="0"/>
+              <a:rPr lang="it-CH" sz="2400" dirty="0" err="1"/>
               <a:t>ImplementazioneTest</a:t>
             </a:r>
-            <a:endParaRPr lang="it-CH" sz="2400" dirty="0" smtClean="0"/>
-          </a:p>
-          <a:p>
-            <a:r>
-              <a:rPr lang="it-CH" sz="2400" dirty="0" smtClean="0"/>
+            <a:endParaRPr lang="it-CH" sz="2400" dirty="0"/>
+          </a:p>
+          <a:p>
+            <a:r>
+              <a:rPr lang="it-CH" sz="2400" dirty="0"/>
               <a:t>Conclusione (GANNT finale)</a:t>
             </a:r>
-            <a:endParaRPr lang="it-CH" sz="2400" dirty="0"/>
           </a:p>
           <a:p>
             <a:pPr lvl="1"/>
-            <a:endParaRPr lang="it-CH" sz="2000" dirty="0" smtClean="0"/>
+            <a:endParaRPr lang="it-CH" sz="2000" dirty="0"/>
           </a:p>
           <a:p>
             <a:pPr lvl="1"/>
-            <a:endParaRPr lang="it-CH" sz="2000" dirty="0" smtClean="0"/>
+            <a:endParaRPr lang="it-CH" sz="2000" dirty="0"/>
           </a:p>
         </p:txBody>
       </p:sp>
@@ -7847,10 +12019,9 @@
           <a:lstStyle/>
           <a:p>
             <a:r>
-              <a:rPr lang="it-CH" dirty="0" smtClean="0"/>
+              <a:rPr lang="it-CH" dirty="0"/>
               <a:t>Obbiettivo del progetto (QDC)</a:t>
             </a:r>
-            <a:endParaRPr lang="it-CH" dirty="0"/>
           </a:p>
         </p:txBody>
       </p:sp>
@@ -7877,31 +12048,31 @@
           <a:lstStyle/>
           <a:p>
             <a:r>
-              <a:rPr lang="it-CH" sz="2400" dirty="0" smtClean="0"/>
+              <a:rPr lang="it-CH" sz="2400" dirty="0"/>
               <a:t>Fare campo da Air </a:t>
             </a:r>
             <a:r>
-              <a:rPr lang="it-CH" sz="2400" dirty="0" err="1" smtClean="0"/>
+              <a:rPr lang="it-CH" sz="2400" dirty="0" err="1"/>
               <a:t>Ice</a:t>
             </a:r>
             <a:r>
-              <a:rPr lang="it-CH" sz="2400" dirty="0" smtClean="0"/>
+              <a:rPr lang="it-CH" sz="2400" dirty="0"/>
               <a:t> Hockey</a:t>
             </a:r>
           </a:p>
           <a:p>
             <a:r>
-              <a:rPr lang="it-CH" sz="2400" dirty="0" smtClean="0"/>
+              <a:rPr lang="it-CH" sz="2400" dirty="0"/>
               <a:t>L’avversario è un sistema robotizzato</a:t>
             </a:r>
           </a:p>
           <a:p>
             <a:r>
-              <a:rPr lang="it-CH" sz="2400" dirty="0" smtClean="0"/>
+              <a:rPr lang="it-CH" sz="2400" dirty="0"/>
               <a:t>Programmazione tramite </a:t>
             </a:r>
             <a:r>
-              <a:rPr lang="it-CH" sz="2400" dirty="0" err="1" smtClean="0"/>
+              <a:rPr lang="it-CH" sz="2400" dirty="0" err="1"/>
               <a:t>arduino</a:t>
             </a:r>
             <a:endParaRPr lang="it-CH" sz="2400" dirty="0"/>
@@ -8330,10 +12501,9 @@
           <a:lstStyle/>
           <a:p>
             <a:r>
-              <a:rPr lang="it-CH" dirty="0" smtClean="0"/>
+              <a:rPr lang="it-CH" dirty="0"/>
               <a:t>GANNT iniziale</a:t>
             </a:r>
-            <a:endParaRPr lang="it-CH" dirty="0"/>
           </a:p>
         </p:txBody>
       </p:sp>
@@ -8376,13 +12546,6 @@
   <p:transition spd="med">
     <p:pull/>
   </p:transition>
-  <p:timing>
-    <p:tnLst>
-      <p:par>
-        <p:cTn id="1" dur="indefinite" restart="never" nodeType="tmRoot"/>
-      </p:par>
-    </p:tnLst>
-  </p:timing>
 </p:sld>
 </file>
 
@@ -8424,10 +12587,9 @@
           <a:lstStyle/>
           <a:p>
             <a:r>
-              <a:rPr lang="it-CH" dirty="0" smtClean="0"/>
+              <a:rPr lang="it-CH" dirty="0"/>
               <a:t>Requisiti</a:t>
             </a:r>
-            <a:endParaRPr lang="it-CH" dirty="0"/>
           </a:p>
         </p:txBody>
       </p:sp>
@@ -8475,13 +12637,6 @@
   <p:transition spd="slow">
     <p:push dir="u"/>
   </p:transition>
-  <p:timing>
-    <p:tnLst>
-      <p:par>
-        <p:cTn id="1" dur="indefinite" restart="never" nodeType="tmRoot"/>
-      </p:par>
-    </p:tnLst>
-  </p:timing>
 </p:sld>
 </file>
 
@@ -8525,10 +12680,9 @@
           <a:lstStyle/>
           <a:p>
             <a:r>
-              <a:rPr lang="it-CH" sz="5400" dirty="0" smtClean="0"/>
+              <a:rPr lang="it-CH" sz="5400" dirty="0"/>
               <a:t>Implementazione - Codice</a:t>
             </a:r>
-            <a:endParaRPr lang="it-CH" sz="5400" dirty="0"/>
           </a:p>
         </p:txBody>
       </p:sp>
@@ -8545,13 +12699,6 @@
   <p:transition spd="med">
     <p:pull/>
   </p:transition>
-  <p:timing>
-    <p:tnLst>
-      <p:par>
-        <p:cTn id="1" dur="indefinite" restart="never" nodeType="tmRoot"/>
-      </p:par>
-    </p:tnLst>
-  </p:timing>
 </p:sld>
 </file>
 
@@ -8588,10 +12735,9 @@
           <a:lstStyle/>
           <a:p>
             <a:r>
-              <a:rPr lang="it-CH" dirty="0" smtClean="0"/>
+              <a:rPr lang="it-CH" dirty="0"/>
               <a:t>Algoritmo di timer</a:t>
             </a:r>
-            <a:endParaRPr lang="it-CH" dirty="0"/>
           </a:p>
         </p:txBody>
       </p:sp>
@@ -8614,49 +12760,41 @@
               <a:buNone/>
             </a:pPr>
             <a:r>
-              <a:rPr lang="it-CH" dirty="0" smtClean="0"/>
+              <a:rPr lang="it-CH" dirty="0"/>
               <a:t>Componenti utilizzati:</a:t>
             </a:r>
           </a:p>
           <a:p>
             <a:r>
-              <a:rPr lang="it-CH" dirty="0" smtClean="0"/>
+              <a:rPr lang="it-CH" dirty="0"/>
               <a:t>1 - Arduino UNO</a:t>
             </a:r>
           </a:p>
           <a:p>
             <a:r>
-              <a:rPr lang="it-CH" dirty="0" smtClean="0"/>
+              <a:rPr lang="it-CH" dirty="0"/>
               <a:t>1 – Bottone</a:t>
             </a:r>
           </a:p>
           <a:p>
             <a:r>
-              <a:rPr lang="it-CH" dirty="0" smtClean="0"/>
+              <a:rPr lang="it-CH" dirty="0"/>
               <a:t>1 – Led blu</a:t>
             </a:r>
           </a:p>
           <a:p>
             <a:r>
               <a:rPr lang="it-CH" dirty="0"/>
-              <a:t>2</a:t>
-            </a:r>
-            <a:r>
-              <a:rPr lang="it-CH" dirty="0" smtClean="0"/>
-              <a:t> – Resistenze</a:t>
+              <a:t>2 – Resistenze</a:t>
             </a:r>
           </a:p>
           <a:p>
             <a:r>
               <a:rPr lang="it-CH" dirty="0"/>
-              <a:t>1 - 7 </a:t>
-            </a:r>
-            <a:r>
-              <a:rPr lang="it-CH" dirty="0" smtClean="0"/>
-              <a:t>segmenti </a:t>
-            </a:r>
-            <a:r>
-              <a:rPr lang="it-CH" dirty="0" err="1" smtClean="0"/>
+              <a:t>1 - 7 segmenti </a:t>
+            </a:r>
+            <a:r>
+              <a:rPr lang="it-CH" dirty="0" err="1"/>
               <a:t>Adafruit</a:t>
             </a:r>
             <a:endParaRPr lang="it-CH" dirty="0"/>
@@ -8676,13 +12814,6 @@
   <p:transition spd="med">
     <p:pull/>
   </p:transition>
-  <p:timing>
-    <p:tnLst>
-      <p:par>
-        <p:cTn id="1" dur="indefinite" restart="never" nodeType="tmRoot"/>
-      </p:par>
-    </p:tnLst>
-  </p:timing>
 </p:sld>
 </file>
 
@@ -8719,10 +12850,9 @@
           <a:lstStyle/>
           <a:p>
             <a:r>
-              <a:rPr lang="it-CH" dirty="0" smtClean="0"/>
+              <a:rPr lang="it-CH" dirty="0"/>
               <a:t>Algoritmo di timer</a:t>
             </a:r>
-            <a:endParaRPr lang="it-CH" dirty="0"/>
           </a:p>
         </p:txBody>
       </p:sp>
@@ -8820,24 +12950,23 @@
           <a:lstStyle/>
           <a:p>
             <a:r>
-              <a:rPr lang="it-CH" dirty="0" smtClean="0"/>
+              <a:rPr lang="it-CH" dirty="0"/>
               <a:t>Importo pacchetti </a:t>
             </a:r>
             <a:r>
-              <a:rPr lang="it-CH" dirty="0" err="1" smtClean="0"/>
+              <a:rPr lang="it-CH" dirty="0" err="1"/>
               <a:t>Adafruit</a:t>
             </a:r>
             <a:r>
-              <a:rPr lang="it-CH" dirty="0" smtClean="0"/>
+              <a:rPr lang="it-CH" dirty="0"/>
               <a:t> </a:t>
             </a:r>
           </a:p>
           <a:p>
             <a:r>
-              <a:rPr lang="it-CH" dirty="0" smtClean="0"/>
+              <a:rPr lang="it-CH" dirty="0"/>
               <a:t>e inizializzo la 7 segmenti</a:t>
             </a:r>
-            <a:endParaRPr lang="it-CH" dirty="0"/>
           </a:p>
         </p:txBody>
       </p:sp>
@@ -8936,21 +13065,21 @@
           <a:lstStyle/>
           <a:p>
             <a:r>
-              <a:rPr lang="it-CH" u="sng" dirty="0" smtClean="0"/>
+              <a:rPr lang="it-CH" u="sng" dirty="0"/>
               <a:t>m</a:t>
             </a:r>
             <a:r>
-              <a:rPr lang="it-CH" dirty="0" smtClean="0"/>
+              <a:rPr lang="it-CH" dirty="0"/>
               <a:t> rappresenta i minuti</a:t>
             </a:r>
           </a:p>
           <a:p>
             <a:r>
-              <a:rPr lang="it-CH" u="sng" dirty="0" smtClean="0"/>
+              <a:rPr lang="it-CH" u="sng" dirty="0"/>
               <a:t>t</a:t>
             </a:r>
             <a:r>
-              <a:rPr lang="it-CH" dirty="0" smtClean="0"/>
+              <a:rPr lang="it-CH" dirty="0"/>
               <a:t> rappresenta i secondi totali</a:t>
             </a:r>
           </a:p>
@@ -9020,22 +13149,21 @@
           <a:lstStyle/>
           <a:p>
             <a:r>
-              <a:rPr lang="it-CH" dirty="0" err="1" smtClean="0"/>
+              <a:rPr lang="it-CH" dirty="0" err="1"/>
               <a:t>matrix.drawColon</a:t>
             </a:r>
             <a:r>
-              <a:rPr lang="it-CH" dirty="0" smtClean="0"/>
+              <a:rPr lang="it-CH" dirty="0"/>
               <a:t>(</a:t>
             </a:r>
             <a:r>
-              <a:rPr lang="it-CH" dirty="0" err="1" smtClean="0"/>
+              <a:rPr lang="it-CH" dirty="0" err="1"/>
               <a:t>duePunti</a:t>
             </a:r>
             <a:r>
-              <a:rPr lang="it-CH" dirty="0" smtClean="0"/>
+              <a:rPr lang="it-CH" dirty="0"/>
               <a:t>)</a:t>
             </a:r>
-            <a:endParaRPr lang="it-CH" dirty="0"/>
           </a:p>
         </p:txBody>
       </p:sp>
@@ -9103,14 +13231,13 @@
           <a:lstStyle/>
           <a:p>
             <a:r>
-              <a:rPr lang="it-CH" dirty="0" err="1" smtClean="0"/>
+              <a:rPr lang="it-CH" dirty="0" err="1"/>
               <a:t>matrix.writeDigitNum</a:t>
             </a:r>
             <a:r>
-              <a:rPr lang="it-CH" dirty="0" smtClean="0"/>
+              <a:rPr lang="it-CH" dirty="0"/>
               <a:t>(colonna, valore, punto)</a:t>
             </a:r>
-            <a:endParaRPr lang="it-CH" dirty="0"/>
           </a:p>
         </p:txBody>
       </p:sp>
@@ -10097,7 +14224,7 @@
           <a:lstStyle/>
           <a:p>
             <a:r>
-              <a:rPr lang="it-CH" dirty="0" smtClean="0"/>
+              <a:rPr lang="it-CH" dirty="0"/>
               <a:t>MIN_SEC_MINUTE = 0;	</a:t>
             </a:r>
           </a:p>
@@ -10106,10 +14233,9 @@
           </a:p>
           <a:p>
             <a:r>
-              <a:rPr lang="it-CH" dirty="0" smtClean="0"/>
+              <a:rPr lang="it-CH" dirty="0"/>
               <a:t>Valore minimo dei secondi e minuti. </a:t>
             </a:r>
-            <a:endParaRPr lang="it-CH" dirty="0"/>
           </a:p>
         </p:txBody>
       </p:sp>
@@ -10174,35 +14300,31 @@
           <a:lstStyle/>
           <a:p>
             <a:r>
-              <a:rPr lang="it-CH" u="sng" dirty="0" smtClean="0"/>
+              <a:rPr lang="it-CH" u="sng" dirty="0"/>
               <a:t>m</a:t>
             </a:r>
             <a:r>
-              <a:rPr lang="it-CH" dirty="0" smtClean="0"/>
+              <a:rPr lang="it-CH" dirty="0"/>
               <a:t> rappresenta i minuti</a:t>
             </a:r>
           </a:p>
           <a:p>
             <a:r>
-              <a:rPr lang="it-CH" u="sng" dirty="0" smtClean="0"/>
+              <a:rPr lang="it-CH" u="sng" dirty="0"/>
               <a:t>s1</a:t>
             </a:r>
             <a:r>
-              <a:rPr lang="it-CH" dirty="0" smtClean="0"/>
+              <a:rPr lang="it-CH" dirty="0"/>
               <a:t> rappresenta le decine dei secondi</a:t>
             </a:r>
           </a:p>
           <a:p>
             <a:r>
               <a:rPr lang="it-CH" u="sng" dirty="0"/>
-              <a:t>s</a:t>
-            </a:r>
-            <a:r>
-              <a:rPr lang="it-CH" u="sng" dirty="0" smtClean="0"/>
-              <a:t>2</a:t>
-            </a:r>
-            <a:r>
-              <a:rPr lang="it-CH" dirty="0" smtClean="0"/>
+              <a:t>s2</a:t>
+            </a:r>
+            <a:r>
+              <a:rPr lang="it-CH" dirty="0"/>
               <a:t> rappresenta le unità dei secondi</a:t>
             </a:r>
             <a:endParaRPr lang="it-CH" u="sng" dirty="0"/>
@@ -10272,10 +14394,9 @@
           <a:lstStyle/>
           <a:p>
             <a:r>
-              <a:rPr lang="it-CH" dirty="0" smtClean="0"/>
+              <a:rPr lang="it-CH" dirty="0"/>
               <a:t>Si blocca il conteggio</a:t>
             </a:r>
-            <a:endParaRPr lang="it-CH" dirty="0"/>
           </a:p>
         </p:txBody>
       </p:sp>
@@ -10338,10 +14459,9 @@
           <a:lstStyle/>
           <a:p>
             <a:r>
-              <a:rPr lang="it-CH" dirty="0" smtClean="0"/>
+              <a:rPr lang="it-CH" dirty="0"/>
               <a:t>Algoritmo di timer</a:t>
             </a:r>
-            <a:endParaRPr lang="it-CH" dirty="0"/>
           </a:p>
         </p:txBody>
       </p:sp>

--- a/Presentazione.pptx
+++ b/Presentazione.pptx
@@ -5,7 +5,7 @@
     <p:sldMasterId id="2147483695" r:id="rId1"/>
   </p:sldMasterIdLst>
   <p:notesMasterIdLst>
-    <p:notesMasterId r:id="rId21"/>
+    <p:notesMasterId r:id="rId24"/>
   </p:notesMasterIdLst>
   <p:sldIdLst>
     <p:sldId id="256" r:id="rId2"/>
@@ -14,19 +14,22 @@
     <p:sldId id="276" r:id="rId5"/>
     <p:sldId id="267" r:id="rId6"/>
     <p:sldId id="262" r:id="rId7"/>
-    <p:sldId id="277" r:id="rId8"/>
-    <p:sldId id="278" r:id="rId9"/>
-    <p:sldId id="279" r:id="rId10"/>
-    <p:sldId id="280" r:id="rId11"/>
-    <p:sldId id="281" r:id="rId12"/>
-    <p:sldId id="282" r:id="rId13"/>
-    <p:sldId id="283" r:id="rId14"/>
-    <p:sldId id="286" r:id="rId15"/>
-    <p:sldId id="288" r:id="rId16"/>
-    <p:sldId id="287" r:id="rId17"/>
-    <p:sldId id="284" r:id="rId18"/>
-    <p:sldId id="274" r:id="rId19"/>
-    <p:sldId id="261" r:id="rId20"/>
+    <p:sldId id="290" r:id="rId8"/>
+    <p:sldId id="291" r:id="rId9"/>
+    <p:sldId id="277" r:id="rId10"/>
+    <p:sldId id="278" r:id="rId11"/>
+    <p:sldId id="279" r:id="rId12"/>
+    <p:sldId id="280" r:id="rId13"/>
+    <p:sldId id="281" r:id="rId14"/>
+    <p:sldId id="282" r:id="rId15"/>
+    <p:sldId id="283" r:id="rId16"/>
+    <p:sldId id="286" r:id="rId17"/>
+    <p:sldId id="288" r:id="rId18"/>
+    <p:sldId id="287" r:id="rId19"/>
+    <p:sldId id="284" r:id="rId20"/>
+    <p:sldId id="274" r:id="rId21"/>
+    <p:sldId id="289" r:id="rId22"/>
+    <p:sldId id="261" r:id="rId23"/>
   </p:sldIdLst>
   <p:sldSz cx="12192000" cy="6858000"/>
   <p:notesSz cx="6858000" cy="9144000"/>
@@ -582,6 +585,90 @@
 </p:notes>
 </file>
 
+<file path=ppt/notesSlides/notesSlide10.xml><?xml version="1.0" encoding="utf-8"?>
+<p:notes xmlns:a="http://schemas.openxmlformats.org/drawingml/2006/main" xmlns:r="http://schemas.openxmlformats.org/officeDocument/2006/relationships" xmlns:p="http://schemas.openxmlformats.org/presentationml/2006/main">
+  <p:cSld>
+    <p:spTree>
+      <p:nvGrpSpPr>
+        <p:cNvPr id="1" name=""/>
+        <p:cNvGrpSpPr/>
+        <p:nvPr/>
+      </p:nvGrpSpPr>
+      <p:grpSpPr>
+        <a:xfrm>
+          <a:off x="0" y="0"/>
+          <a:ext cx="0" cy="0"/>
+          <a:chOff x="0" y="0"/>
+          <a:chExt cx="0" cy="0"/>
+        </a:xfrm>
+      </p:grpSpPr>
+      <p:sp>
+        <p:nvSpPr>
+          <p:cNvPr id="2" name="Segnaposto immagine diapositiva 1"/>
+          <p:cNvSpPr>
+            <a:spLocks noGrp="1" noRot="1" noChangeAspect="1"/>
+          </p:cNvSpPr>
+          <p:nvPr>
+            <p:ph type="sldImg"/>
+          </p:nvPr>
+        </p:nvSpPr>
+        <p:spPr/>
+      </p:sp>
+      <p:sp>
+        <p:nvSpPr>
+          <p:cNvPr id="3" name="Segnaposto note 2"/>
+          <p:cNvSpPr>
+            <a:spLocks noGrp="1"/>
+          </p:cNvSpPr>
+          <p:nvPr>
+            <p:ph type="body" idx="1"/>
+          </p:nvPr>
+        </p:nvSpPr>
+        <p:spPr/>
+        <p:txBody>
+          <a:bodyPr/>
+          <a:lstStyle/>
+          <a:p>
+            <a:endParaRPr lang="it-CH" dirty="0"/>
+          </a:p>
+        </p:txBody>
+      </p:sp>
+      <p:sp>
+        <p:nvSpPr>
+          <p:cNvPr id="4" name="Segnaposto numero diapositiva 3"/>
+          <p:cNvSpPr>
+            <a:spLocks noGrp="1"/>
+          </p:cNvSpPr>
+          <p:nvPr>
+            <p:ph type="sldNum" sz="quarter" idx="10"/>
+          </p:nvPr>
+        </p:nvSpPr>
+        <p:spPr/>
+        <p:txBody>
+          <a:bodyPr/>
+          <a:lstStyle/>
+          <a:p>
+            <a:fld id="{62E71006-93ED-417B-8D1C-79E5B3A3D052}" type="slidenum">
+              <a:rPr lang="it-CH" smtClean="0"/>
+              <a:t>20</a:t>
+            </a:fld>
+            <a:endParaRPr lang="it-CH"/>
+          </a:p>
+        </p:txBody>
+      </p:sp>
+    </p:spTree>
+    <p:extLst>
+      <p:ext uri="{BB962C8B-B14F-4D97-AF65-F5344CB8AC3E}">
+        <p14:creationId xmlns:p14="http://schemas.microsoft.com/office/powerpoint/2010/main" val="4072357178"/>
+      </p:ext>
+    </p:extLst>
+  </p:cSld>
+  <p:clrMapOvr>
+    <a:masterClrMapping/>
+  </p:clrMapOvr>
+</p:notes>
+</file>
+
 <file path=ppt/notesSlides/notesSlide2.xml><?xml version="1.0" encoding="utf-8"?>
 <p:notes xmlns:a="http://schemas.openxmlformats.org/drawingml/2006/main" xmlns:r="http://schemas.openxmlformats.org/officeDocument/2006/relationships" xmlns:p="http://schemas.openxmlformats.org/presentationml/2006/main">
   <p:cSld>
@@ -865,7 +952,7 @@
     </p:spTree>
     <p:extLst>
       <p:ext uri="{BB962C8B-B14F-4D97-AF65-F5344CB8AC3E}">
-        <p14:creationId xmlns:p14="http://schemas.microsoft.com/office/powerpoint/2010/main" val="4049943444"/>
+        <p14:creationId xmlns:p14="http://schemas.microsoft.com/office/powerpoint/2010/main" val="199258456"/>
       </p:ext>
     </p:extLst>
   </p:cSld>
@@ -949,7 +1036,7 @@
     </p:spTree>
     <p:extLst>
       <p:ext uri="{BB962C8B-B14F-4D97-AF65-F5344CB8AC3E}">
-        <p14:creationId xmlns:p14="http://schemas.microsoft.com/office/powerpoint/2010/main" val="807921109"/>
+        <p14:creationId xmlns:p14="http://schemas.microsoft.com/office/powerpoint/2010/main" val="637687278"/>
       </p:ext>
     </p:extLst>
   </p:cSld>
@@ -1024,7 +1111,7 @@
           <a:p>
             <a:fld id="{62E71006-93ED-417B-8D1C-79E5B3A3D052}" type="slidenum">
               <a:rPr lang="it-CH" smtClean="0"/>
-              <a:t>12</a:t>
+              <a:t>9</a:t>
             </a:fld>
             <a:endParaRPr lang="it-CH"/>
           </a:p>
@@ -1033,7 +1120,7 @@
     </p:spTree>
     <p:extLst>
       <p:ext uri="{BB962C8B-B14F-4D97-AF65-F5344CB8AC3E}">
-        <p14:creationId xmlns:p14="http://schemas.microsoft.com/office/powerpoint/2010/main" val="705124290"/>
+        <p14:creationId xmlns:p14="http://schemas.microsoft.com/office/powerpoint/2010/main" val="4049943444"/>
       </p:ext>
     </p:extLst>
   </p:cSld>
@@ -1108,7 +1195,7 @@
           <a:p>
             <a:fld id="{62E71006-93ED-417B-8D1C-79E5B3A3D052}" type="slidenum">
               <a:rPr lang="it-CH" smtClean="0"/>
-              <a:t>17</a:t>
+              <a:t>10</a:t>
             </a:fld>
             <a:endParaRPr lang="it-CH"/>
           </a:p>
@@ -1117,7 +1204,7 @@
     </p:spTree>
     <p:extLst>
       <p:ext uri="{BB962C8B-B14F-4D97-AF65-F5344CB8AC3E}">
-        <p14:creationId xmlns:p14="http://schemas.microsoft.com/office/powerpoint/2010/main" val="1564669901"/>
+        <p14:creationId xmlns:p14="http://schemas.microsoft.com/office/powerpoint/2010/main" val="807921109"/>
       </p:ext>
     </p:extLst>
   </p:cSld>
@@ -1192,7 +1279,7 @@
           <a:p>
             <a:fld id="{62E71006-93ED-417B-8D1C-79E5B3A3D052}" type="slidenum">
               <a:rPr lang="it-CH" smtClean="0"/>
-              <a:t>18</a:t>
+              <a:t>14</a:t>
             </a:fld>
             <a:endParaRPr lang="it-CH"/>
           </a:p>
@@ -1201,7 +1288,91 @@
     </p:spTree>
     <p:extLst>
       <p:ext uri="{BB962C8B-B14F-4D97-AF65-F5344CB8AC3E}">
-        <p14:creationId xmlns:p14="http://schemas.microsoft.com/office/powerpoint/2010/main" val="4072357178"/>
+        <p14:creationId xmlns:p14="http://schemas.microsoft.com/office/powerpoint/2010/main" val="705124290"/>
+      </p:ext>
+    </p:extLst>
+  </p:cSld>
+  <p:clrMapOvr>
+    <a:masterClrMapping/>
+  </p:clrMapOvr>
+</p:notes>
+</file>
+
+<file path=ppt/notesSlides/notesSlide9.xml><?xml version="1.0" encoding="utf-8"?>
+<p:notes xmlns:a="http://schemas.openxmlformats.org/drawingml/2006/main" xmlns:r="http://schemas.openxmlformats.org/officeDocument/2006/relationships" xmlns:p="http://schemas.openxmlformats.org/presentationml/2006/main">
+  <p:cSld>
+    <p:spTree>
+      <p:nvGrpSpPr>
+        <p:cNvPr id="1" name=""/>
+        <p:cNvGrpSpPr/>
+        <p:nvPr/>
+      </p:nvGrpSpPr>
+      <p:grpSpPr>
+        <a:xfrm>
+          <a:off x="0" y="0"/>
+          <a:ext cx="0" cy="0"/>
+          <a:chOff x="0" y="0"/>
+          <a:chExt cx="0" cy="0"/>
+        </a:xfrm>
+      </p:grpSpPr>
+      <p:sp>
+        <p:nvSpPr>
+          <p:cNvPr id="2" name="Segnaposto immagine diapositiva 1"/>
+          <p:cNvSpPr>
+            <a:spLocks noGrp="1" noRot="1" noChangeAspect="1"/>
+          </p:cNvSpPr>
+          <p:nvPr>
+            <p:ph type="sldImg"/>
+          </p:nvPr>
+        </p:nvSpPr>
+        <p:spPr/>
+      </p:sp>
+      <p:sp>
+        <p:nvSpPr>
+          <p:cNvPr id="3" name="Segnaposto note 2"/>
+          <p:cNvSpPr>
+            <a:spLocks noGrp="1"/>
+          </p:cNvSpPr>
+          <p:nvPr>
+            <p:ph type="body" idx="1"/>
+          </p:nvPr>
+        </p:nvSpPr>
+        <p:spPr/>
+        <p:txBody>
+          <a:bodyPr/>
+          <a:lstStyle/>
+          <a:p>
+            <a:endParaRPr lang="it-CH" dirty="0"/>
+          </a:p>
+        </p:txBody>
+      </p:sp>
+      <p:sp>
+        <p:nvSpPr>
+          <p:cNvPr id="4" name="Segnaposto numero diapositiva 3"/>
+          <p:cNvSpPr>
+            <a:spLocks noGrp="1"/>
+          </p:cNvSpPr>
+          <p:nvPr>
+            <p:ph type="sldNum" sz="quarter" idx="10"/>
+          </p:nvPr>
+        </p:nvSpPr>
+        <p:spPr/>
+        <p:txBody>
+          <a:bodyPr/>
+          <a:lstStyle/>
+          <a:p>
+            <a:fld id="{62E71006-93ED-417B-8D1C-79E5B3A3D052}" type="slidenum">
+              <a:rPr lang="it-CH" smtClean="0"/>
+              <a:t>19</a:t>
+            </a:fld>
+            <a:endParaRPr lang="it-CH"/>
+          </a:p>
+        </p:txBody>
+      </p:sp>
+    </p:spTree>
+    <p:extLst>
+      <p:ext uri="{BB962C8B-B14F-4D97-AF65-F5344CB8AC3E}">
+        <p14:creationId xmlns:p14="http://schemas.microsoft.com/office/powerpoint/2010/main" val="1564669901"/>
       </p:ext>
     </p:extLst>
   </p:cSld>
@@ -7016,10 +7187,2187 @@
   <p:clrMapOvr>
     <a:masterClrMapping/>
   </p:clrMapOvr>
+  <p:timing>
+    <p:tnLst>
+      <p:par>
+        <p:cTn id="1" dur="indefinite" restart="never" nodeType="tmRoot"/>
+      </p:par>
+    </p:tnLst>
+  </p:timing>
 </p:sld>
 </file>
 
 <file path=ppt/slides/slide10.xml><?xml version="1.0" encoding="utf-8"?>
+<p:sld xmlns:a="http://schemas.openxmlformats.org/drawingml/2006/main" xmlns:r="http://schemas.openxmlformats.org/officeDocument/2006/relationships" xmlns:p="http://schemas.openxmlformats.org/presentationml/2006/main">
+  <p:cSld>
+    <p:spTree>
+      <p:nvGrpSpPr>
+        <p:cNvPr id="1" name=""/>
+        <p:cNvGrpSpPr/>
+        <p:nvPr/>
+      </p:nvGrpSpPr>
+      <p:grpSpPr>
+        <a:xfrm>
+          <a:off x="0" y="0"/>
+          <a:ext cx="0" cy="0"/>
+          <a:chOff x="0" y="0"/>
+          <a:chExt cx="0" cy="0"/>
+        </a:xfrm>
+      </p:grpSpPr>
+      <p:sp>
+        <p:nvSpPr>
+          <p:cNvPr id="2" name="Titolo 1"/>
+          <p:cNvSpPr>
+            <a:spLocks noGrp="1"/>
+          </p:cNvSpPr>
+          <p:nvPr>
+            <p:ph type="title"/>
+          </p:nvPr>
+        </p:nvSpPr>
+        <p:spPr/>
+        <p:txBody>
+          <a:bodyPr/>
+          <a:lstStyle/>
+          <a:p>
+            <a:r>
+              <a:rPr lang="it-CH" dirty="0"/>
+              <a:t>Algoritmo di timer</a:t>
+            </a:r>
+          </a:p>
+        </p:txBody>
+      </p:sp>
+      <p:pic>
+        <p:nvPicPr>
+          <p:cNvPr id="3" name="Segnaposto contenuto 2"/>
+          <p:cNvPicPr>
+            <a:picLocks noGrp="1" noChangeAspect="1"/>
+          </p:cNvPicPr>
+          <p:nvPr>
+            <p:ph idx="1"/>
+          </p:nvPr>
+        </p:nvPicPr>
+        <p:blipFill>
+          <a:blip r:embed="rId3"/>
+          <a:stretch>
+            <a:fillRect/>
+          </a:stretch>
+        </p:blipFill>
+        <p:spPr>
+          <a:xfrm>
+            <a:off x="677334" y="1930400"/>
+            <a:ext cx="5418666" cy="1339167"/>
+          </a:xfrm>
+          <a:prstGeom prst="rect">
+            <a:avLst/>
+          </a:prstGeom>
+          <a:ln w="38100">
+            <a:solidFill>
+              <a:schemeClr val="accent1"/>
+            </a:solidFill>
+          </a:ln>
+        </p:spPr>
+      </p:pic>
+      <p:cxnSp>
+        <p:nvCxnSpPr>
+          <p:cNvPr id="7" name="Connettore 2 6"/>
+          <p:cNvCxnSpPr>
+            <a:stCxn id="3" idx="3"/>
+          </p:cNvCxnSpPr>
+          <p:nvPr/>
+        </p:nvCxnSpPr>
+        <p:spPr>
+          <a:xfrm flipV="1">
+            <a:off x="6096000" y="2586789"/>
+            <a:ext cx="737937" cy="13195"/>
+          </a:xfrm>
+          <a:prstGeom prst="straightConnector1">
+            <a:avLst/>
+          </a:prstGeom>
+          <a:ln w="38100">
+            <a:tailEnd type="triangle"/>
+          </a:ln>
+        </p:spPr>
+        <p:style>
+          <a:lnRef idx="1">
+            <a:schemeClr val="accent1"/>
+          </a:lnRef>
+          <a:fillRef idx="0">
+            <a:schemeClr val="accent1"/>
+          </a:fillRef>
+          <a:effectRef idx="0">
+            <a:schemeClr val="accent1"/>
+          </a:effectRef>
+          <a:fontRef idx="minor">
+            <a:schemeClr val="tx1"/>
+          </a:fontRef>
+        </p:style>
+      </p:cxnSp>
+      <p:sp>
+        <p:nvSpPr>
+          <p:cNvPr id="8" name="CasellaDiTesto 7"/>
+          <p:cNvSpPr txBox="1"/>
+          <p:nvPr/>
+        </p:nvSpPr>
+        <p:spPr>
+          <a:xfrm>
+            <a:off x="6833936" y="2276818"/>
+            <a:ext cx="3441032" cy="646331"/>
+          </a:xfrm>
+          <a:prstGeom prst="rect">
+            <a:avLst/>
+          </a:prstGeom>
+          <a:noFill/>
+          <a:ln w="38100">
+            <a:solidFill>
+              <a:schemeClr val="accent1"/>
+            </a:solidFill>
+          </a:ln>
+        </p:spPr>
+        <p:txBody>
+          <a:bodyPr wrap="square" rtlCol="0">
+            <a:spAutoFit/>
+          </a:bodyPr>
+          <a:lstStyle/>
+          <a:p>
+            <a:r>
+              <a:rPr lang="it-CH" dirty="0"/>
+              <a:t>Importo pacchetti </a:t>
+            </a:r>
+            <a:r>
+              <a:rPr lang="it-CH" dirty="0" err="1"/>
+              <a:t>Adafruit</a:t>
+            </a:r>
+            <a:r>
+              <a:rPr lang="it-CH" dirty="0"/>
+              <a:t> </a:t>
+            </a:r>
+          </a:p>
+          <a:p>
+            <a:r>
+              <a:rPr lang="it-CH" dirty="0"/>
+              <a:t>e inizializzo la 7 segmenti</a:t>
+            </a:r>
+          </a:p>
+        </p:txBody>
+      </p:sp>
+      <p:pic>
+        <p:nvPicPr>
+          <p:cNvPr id="16" name="Immagine 15"/>
+          <p:cNvPicPr>
+            <a:picLocks noChangeAspect="1"/>
+          </p:cNvPicPr>
+          <p:nvPr/>
+        </p:nvPicPr>
+        <p:blipFill rotWithShape="1">
+          <a:blip r:embed="rId4"/>
+          <a:srcRect b="61619"/>
+          <a:stretch/>
+        </p:blipFill>
+        <p:spPr>
+          <a:xfrm>
+            <a:off x="677334" y="3561347"/>
+            <a:ext cx="5418666" cy="2909993"/>
+          </a:xfrm>
+          <a:prstGeom prst="rect">
+            <a:avLst/>
+          </a:prstGeom>
+          <a:ln w="38100">
+            <a:solidFill>
+              <a:schemeClr val="accent3">
+                <a:lumMod val="60000"/>
+                <a:lumOff val="40000"/>
+              </a:schemeClr>
+            </a:solidFill>
+          </a:ln>
+        </p:spPr>
+      </p:pic>
+      <p:cxnSp>
+        <p:nvCxnSpPr>
+          <p:cNvPr id="17" name="Connettore 2 16"/>
+          <p:cNvCxnSpPr>
+            <a:stCxn id="16" idx="3"/>
+            <a:endCxn id="18" idx="1"/>
+          </p:cNvCxnSpPr>
+          <p:nvPr/>
+        </p:nvCxnSpPr>
+        <p:spPr>
+          <a:xfrm flipV="1">
+            <a:off x="6096000" y="4054981"/>
+            <a:ext cx="737936" cy="961363"/>
+          </a:xfrm>
+          <a:prstGeom prst="straightConnector1">
+            <a:avLst/>
+          </a:prstGeom>
+          <a:ln w="38100">
+            <a:tailEnd type="triangle"/>
+          </a:ln>
+        </p:spPr>
+        <p:style>
+          <a:lnRef idx="1">
+            <a:schemeClr val="accent1"/>
+          </a:lnRef>
+          <a:fillRef idx="0">
+            <a:schemeClr val="accent1"/>
+          </a:fillRef>
+          <a:effectRef idx="0">
+            <a:schemeClr val="accent1"/>
+          </a:effectRef>
+          <a:fontRef idx="minor">
+            <a:schemeClr val="tx1"/>
+          </a:fontRef>
+        </p:style>
+      </p:cxnSp>
+      <p:sp>
+        <p:nvSpPr>
+          <p:cNvPr id="18" name="CasellaDiTesto 17"/>
+          <p:cNvSpPr txBox="1"/>
+          <p:nvPr/>
+        </p:nvSpPr>
+        <p:spPr>
+          <a:xfrm>
+            <a:off x="6833936" y="3731815"/>
+            <a:ext cx="3441031" cy="646331"/>
+          </a:xfrm>
+          <a:prstGeom prst="rect">
+            <a:avLst/>
+          </a:prstGeom>
+          <a:noFill/>
+          <a:ln w="38100">
+            <a:solidFill>
+              <a:schemeClr val="accent1"/>
+            </a:solidFill>
+          </a:ln>
+        </p:spPr>
+        <p:txBody>
+          <a:bodyPr wrap="square" rtlCol="0">
+            <a:spAutoFit/>
+          </a:bodyPr>
+          <a:lstStyle/>
+          <a:p>
+            <a:r>
+              <a:rPr lang="it-CH" u="sng" dirty="0"/>
+              <a:t>m</a:t>
+            </a:r>
+            <a:r>
+              <a:rPr lang="it-CH" dirty="0"/>
+              <a:t> rappresenta i minuti</a:t>
+            </a:r>
+          </a:p>
+          <a:p>
+            <a:r>
+              <a:rPr lang="it-CH" u="sng" dirty="0"/>
+              <a:t>t</a:t>
+            </a:r>
+            <a:r>
+              <a:rPr lang="it-CH" dirty="0"/>
+              <a:t> rappresenta i secondi totali</a:t>
+            </a:r>
+          </a:p>
+        </p:txBody>
+      </p:sp>
+      <p:cxnSp>
+        <p:nvCxnSpPr>
+          <p:cNvPr id="21" name="Connettore 2 20"/>
+          <p:cNvCxnSpPr>
+            <a:stCxn id="16" idx="3"/>
+            <a:endCxn id="22" idx="1"/>
+          </p:cNvCxnSpPr>
+          <p:nvPr/>
+        </p:nvCxnSpPr>
+        <p:spPr>
+          <a:xfrm flipV="1">
+            <a:off x="6096000" y="5011262"/>
+            <a:ext cx="737936" cy="5082"/>
+          </a:xfrm>
+          <a:prstGeom prst="straightConnector1">
+            <a:avLst/>
+          </a:prstGeom>
+          <a:ln w="38100">
+            <a:tailEnd type="triangle"/>
+          </a:ln>
+        </p:spPr>
+        <p:style>
+          <a:lnRef idx="1">
+            <a:schemeClr val="accent1"/>
+          </a:lnRef>
+          <a:fillRef idx="0">
+            <a:schemeClr val="accent1"/>
+          </a:fillRef>
+          <a:effectRef idx="0">
+            <a:schemeClr val="accent1"/>
+          </a:effectRef>
+          <a:fontRef idx="minor">
+            <a:schemeClr val="tx1"/>
+          </a:fontRef>
+        </p:style>
+      </p:cxnSp>
+      <p:sp>
+        <p:nvSpPr>
+          <p:cNvPr id="22" name="CasellaDiTesto 21"/>
+          <p:cNvSpPr txBox="1"/>
+          <p:nvPr/>
+        </p:nvSpPr>
+        <p:spPr>
+          <a:xfrm>
+            <a:off x="6833936" y="4826596"/>
+            <a:ext cx="3441031" cy="369332"/>
+          </a:xfrm>
+          <a:prstGeom prst="rect">
+            <a:avLst/>
+          </a:prstGeom>
+          <a:noFill/>
+          <a:ln w="38100">
+            <a:solidFill>
+              <a:schemeClr val="accent1"/>
+            </a:solidFill>
+          </a:ln>
+        </p:spPr>
+        <p:txBody>
+          <a:bodyPr wrap="square" rtlCol="0">
+            <a:spAutoFit/>
+          </a:bodyPr>
+          <a:lstStyle/>
+          <a:p>
+            <a:r>
+              <a:rPr lang="it-CH" dirty="0" err="1"/>
+              <a:t>matrix.drawColon</a:t>
+            </a:r>
+            <a:r>
+              <a:rPr lang="it-CH" dirty="0"/>
+              <a:t>(</a:t>
+            </a:r>
+            <a:r>
+              <a:rPr lang="it-CH" dirty="0" err="1"/>
+              <a:t>duePunti</a:t>
+            </a:r>
+            <a:r>
+              <a:rPr lang="it-CH" dirty="0"/>
+              <a:t>)</a:t>
+            </a:r>
+          </a:p>
+        </p:txBody>
+      </p:sp>
+      <p:cxnSp>
+        <p:nvCxnSpPr>
+          <p:cNvPr id="29" name="Connettore 2 28"/>
+          <p:cNvCxnSpPr>
+            <a:stCxn id="16" idx="3"/>
+            <a:endCxn id="30" idx="1"/>
+          </p:cNvCxnSpPr>
+          <p:nvPr/>
+        </p:nvCxnSpPr>
+        <p:spPr>
+          <a:xfrm>
+            <a:off x="6096000" y="5016344"/>
+            <a:ext cx="737936" cy="950087"/>
+          </a:xfrm>
+          <a:prstGeom prst="straightConnector1">
+            <a:avLst/>
+          </a:prstGeom>
+          <a:ln w="38100">
+            <a:tailEnd type="triangle"/>
+          </a:ln>
+        </p:spPr>
+        <p:style>
+          <a:lnRef idx="1">
+            <a:schemeClr val="accent1"/>
+          </a:lnRef>
+          <a:fillRef idx="0">
+            <a:schemeClr val="accent1"/>
+          </a:fillRef>
+          <a:effectRef idx="0">
+            <a:schemeClr val="accent1"/>
+          </a:effectRef>
+          <a:fontRef idx="minor">
+            <a:schemeClr val="tx1"/>
+          </a:fontRef>
+        </p:style>
+      </p:cxnSp>
+      <p:sp>
+        <p:nvSpPr>
+          <p:cNvPr id="30" name="CasellaDiTesto 29"/>
+          <p:cNvSpPr txBox="1"/>
+          <p:nvPr/>
+        </p:nvSpPr>
+        <p:spPr>
+          <a:xfrm>
+            <a:off x="6833936" y="5643265"/>
+            <a:ext cx="3441032" cy="646331"/>
+          </a:xfrm>
+          <a:prstGeom prst="rect">
+            <a:avLst/>
+          </a:prstGeom>
+          <a:noFill/>
+          <a:ln w="38100">
+            <a:solidFill>
+              <a:schemeClr val="accent1"/>
+            </a:solidFill>
+          </a:ln>
+        </p:spPr>
+        <p:txBody>
+          <a:bodyPr wrap="square" rtlCol="0">
+            <a:spAutoFit/>
+          </a:bodyPr>
+          <a:lstStyle/>
+          <a:p>
+            <a:r>
+              <a:rPr lang="it-CH" dirty="0" err="1"/>
+              <a:t>matrix.writeDigitNum</a:t>
+            </a:r>
+            <a:r>
+              <a:rPr lang="it-CH" dirty="0"/>
+              <a:t>(colonna, valore, punto)</a:t>
+            </a:r>
+          </a:p>
+        </p:txBody>
+      </p:sp>
+    </p:spTree>
+    <p:extLst>
+      <p:ext uri="{BB962C8B-B14F-4D97-AF65-F5344CB8AC3E}">
+        <p14:creationId xmlns:p14="http://schemas.microsoft.com/office/powerpoint/2010/main" val="1979014917"/>
+      </p:ext>
+    </p:extLst>
+  </p:cSld>
+  <p:clrMapOvr>
+    <a:masterClrMapping/>
+  </p:clrMapOvr>
+  <p:transition spd="med">
+    <p:pull/>
+  </p:transition>
+  <p:timing>
+    <p:tnLst>
+      <p:par>
+        <p:cTn id="1" dur="indefinite" restart="never" nodeType="tmRoot">
+          <p:childTnLst>
+            <p:seq concurrent="1" nextAc="seek">
+              <p:cTn id="2" dur="indefinite" nodeType="mainSeq">
+                <p:childTnLst>
+                  <p:par>
+                    <p:cTn id="3" fill="hold">
+                      <p:stCondLst>
+                        <p:cond delay="indefinite"/>
+                      </p:stCondLst>
+                      <p:childTnLst>
+                        <p:par>
+                          <p:cTn id="4" fill="hold">
+                            <p:stCondLst>
+                              <p:cond delay="0"/>
+                            </p:stCondLst>
+                            <p:childTnLst>
+                              <p:par>
+                                <p:cTn id="5" presetID="2" presetClass="entr" presetSubtype="2" fill="hold" grpId="0" nodeType="clickEffect">
+                                  <p:stCondLst>
+                                    <p:cond delay="0"/>
+                                  </p:stCondLst>
+                                  <p:childTnLst>
+                                    <p:set>
+                                      <p:cBhvr>
+                                        <p:cTn id="6" dur="1" fill="hold">
+                                          <p:stCondLst>
+                                            <p:cond delay="0"/>
+                                          </p:stCondLst>
+                                        </p:cTn>
+                                        <p:tgtEl>
+                                          <p:spTgt spid="8"/>
+                                        </p:tgtEl>
+                                        <p:attrNameLst>
+                                          <p:attrName>style.visibility</p:attrName>
+                                        </p:attrNameLst>
+                                      </p:cBhvr>
+                                      <p:to>
+                                        <p:strVal val="visible"/>
+                                      </p:to>
+                                    </p:set>
+                                    <p:anim calcmode="lin" valueType="num">
+                                      <p:cBhvr additive="base">
+                                        <p:cTn id="7" dur="500" fill="hold"/>
+                                        <p:tgtEl>
+                                          <p:spTgt spid="8"/>
+                                        </p:tgtEl>
+                                        <p:attrNameLst>
+                                          <p:attrName>ppt_x</p:attrName>
+                                        </p:attrNameLst>
+                                      </p:cBhvr>
+                                      <p:tavLst>
+                                        <p:tav tm="0">
+                                          <p:val>
+                                            <p:strVal val="1+#ppt_w/2"/>
+                                          </p:val>
+                                        </p:tav>
+                                        <p:tav tm="100000">
+                                          <p:val>
+                                            <p:strVal val="#ppt_x"/>
+                                          </p:val>
+                                        </p:tav>
+                                      </p:tavLst>
+                                    </p:anim>
+                                    <p:anim calcmode="lin" valueType="num">
+                                      <p:cBhvr additive="base">
+                                        <p:cTn id="8" dur="500" fill="hold"/>
+                                        <p:tgtEl>
+                                          <p:spTgt spid="8"/>
+                                        </p:tgtEl>
+                                        <p:attrNameLst>
+                                          <p:attrName>ppt_y</p:attrName>
+                                        </p:attrNameLst>
+                                      </p:cBhvr>
+                                      <p:tavLst>
+                                        <p:tav tm="0">
+                                          <p:val>
+                                            <p:strVal val="#ppt_y"/>
+                                          </p:val>
+                                        </p:tav>
+                                        <p:tav tm="100000">
+                                          <p:val>
+                                            <p:strVal val="#ppt_y"/>
+                                          </p:val>
+                                        </p:tav>
+                                      </p:tavLst>
+                                    </p:anim>
+                                  </p:childTnLst>
+                                </p:cTn>
+                              </p:par>
+                              <p:par>
+                                <p:cTn id="9" presetID="2" presetClass="entr" presetSubtype="2" fill="hold" nodeType="withEffect">
+                                  <p:stCondLst>
+                                    <p:cond delay="0"/>
+                                  </p:stCondLst>
+                                  <p:childTnLst>
+                                    <p:set>
+                                      <p:cBhvr>
+                                        <p:cTn id="10" dur="1" fill="hold">
+                                          <p:stCondLst>
+                                            <p:cond delay="0"/>
+                                          </p:stCondLst>
+                                        </p:cTn>
+                                        <p:tgtEl>
+                                          <p:spTgt spid="7"/>
+                                        </p:tgtEl>
+                                        <p:attrNameLst>
+                                          <p:attrName>style.visibility</p:attrName>
+                                        </p:attrNameLst>
+                                      </p:cBhvr>
+                                      <p:to>
+                                        <p:strVal val="visible"/>
+                                      </p:to>
+                                    </p:set>
+                                    <p:anim calcmode="lin" valueType="num">
+                                      <p:cBhvr additive="base">
+                                        <p:cTn id="11" dur="500" fill="hold"/>
+                                        <p:tgtEl>
+                                          <p:spTgt spid="7"/>
+                                        </p:tgtEl>
+                                        <p:attrNameLst>
+                                          <p:attrName>ppt_x</p:attrName>
+                                        </p:attrNameLst>
+                                      </p:cBhvr>
+                                      <p:tavLst>
+                                        <p:tav tm="0">
+                                          <p:val>
+                                            <p:strVal val="1+#ppt_w/2"/>
+                                          </p:val>
+                                        </p:tav>
+                                        <p:tav tm="100000">
+                                          <p:val>
+                                            <p:strVal val="#ppt_x"/>
+                                          </p:val>
+                                        </p:tav>
+                                      </p:tavLst>
+                                    </p:anim>
+                                    <p:anim calcmode="lin" valueType="num">
+                                      <p:cBhvr additive="base">
+                                        <p:cTn id="12" dur="500" fill="hold"/>
+                                        <p:tgtEl>
+                                          <p:spTgt spid="7"/>
+                                        </p:tgtEl>
+                                        <p:attrNameLst>
+                                          <p:attrName>ppt_y</p:attrName>
+                                        </p:attrNameLst>
+                                      </p:cBhvr>
+                                      <p:tavLst>
+                                        <p:tav tm="0">
+                                          <p:val>
+                                            <p:strVal val="#ppt_y"/>
+                                          </p:val>
+                                        </p:tav>
+                                        <p:tav tm="100000">
+                                          <p:val>
+                                            <p:strVal val="#ppt_y"/>
+                                          </p:val>
+                                        </p:tav>
+                                      </p:tavLst>
+                                    </p:anim>
+                                  </p:childTnLst>
+                                </p:cTn>
+                              </p:par>
+                              <p:par>
+                                <p:cTn id="13" presetID="2" presetClass="entr" presetSubtype="2" fill="hold" nodeType="withEffect">
+                                  <p:stCondLst>
+                                    <p:cond delay="0"/>
+                                  </p:stCondLst>
+                                  <p:childTnLst>
+                                    <p:set>
+                                      <p:cBhvr>
+                                        <p:cTn id="14" dur="1" fill="hold">
+                                          <p:stCondLst>
+                                            <p:cond delay="0"/>
+                                          </p:stCondLst>
+                                        </p:cTn>
+                                        <p:tgtEl>
+                                          <p:spTgt spid="3"/>
+                                        </p:tgtEl>
+                                        <p:attrNameLst>
+                                          <p:attrName>style.visibility</p:attrName>
+                                        </p:attrNameLst>
+                                      </p:cBhvr>
+                                      <p:to>
+                                        <p:strVal val="visible"/>
+                                      </p:to>
+                                    </p:set>
+                                    <p:anim calcmode="lin" valueType="num">
+                                      <p:cBhvr additive="base">
+                                        <p:cTn id="15" dur="500" fill="hold"/>
+                                        <p:tgtEl>
+                                          <p:spTgt spid="3"/>
+                                        </p:tgtEl>
+                                        <p:attrNameLst>
+                                          <p:attrName>ppt_x</p:attrName>
+                                        </p:attrNameLst>
+                                      </p:cBhvr>
+                                      <p:tavLst>
+                                        <p:tav tm="0">
+                                          <p:val>
+                                            <p:strVal val="1+#ppt_w/2"/>
+                                          </p:val>
+                                        </p:tav>
+                                        <p:tav tm="100000">
+                                          <p:val>
+                                            <p:strVal val="#ppt_x"/>
+                                          </p:val>
+                                        </p:tav>
+                                      </p:tavLst>
+                                    </p:anim>
+                                    <p:anim calcmode="lin" valueType="num">
+                                      <p:cBhvr additive="base">
+                                        <p:cTn id="16" dur="500" fill="hold"/>
+                                        <p:tgtEl>
+                                          <p:spTgt spid="3"/>
+                                        </p:tgtEl>
+                                        <p:attrNameLst>
+                                          <p:attrName>ppt_y</p:attrName>
+                                        </p:attrNameLst>
+                                      </p:cBhvr>
+                                      <p:tavLst>
+                                        <p:tav tm="0">
+                                          <p:val>
+                                            <p:strVal val="#ppt_y"/>
+                                          </p:val>
+                                        </p:tav>
+                                        <p:tav tm="100000">
+                                          <p:val>
+                                            <p:strVal val="#ppt_y"/>
+                                          </p:val>
+                                        </p:tav>
+                                      </p:tavLst>
+                                    </p:anim>
+                                  </p:childTnLst>
+                                </p:cTn>
+                              </p:par>
+                            </p:childTnLst>
+                          </p:cTn>
+                        </p:par>
+                      </p:childTnLst>
+                    </p:cTn>
+                  </p:par>
+                  <p:par>
+                    <p:cTn id="17" fill="hold">
+                      <p:stCondLst>
+                        <p:cond delay="indefinite"/>
+                      </p:stCondLst>
+                      <p:childTnLst>
+                        <p:par>
+                          <p:cTn id="18" fill="hold">
+                            <p:stCondLst>
+                              <p:cond delay="0"/>
+                            </p:stCondLst>
+                            <p:childTnLst>
+                              <p:par>
+                                <p:cTn id="19" presetID="2" presetClass="entr" presetSubtype="4" fill="hold" nodeType="clickEffect">
+                                  <p:stCondLst>
+                                    <p:cond delay="0"/>
+                                  </p:stCondLst>
+                                  <p:childTnLst>
+                                    <p:set>
+                                      <p:cBhvr>
+                                        <p:cTn id="20" dur="1" fill="hold">
+                                          <p:stCondLst>
+                                            <p:cond delay="0"/>
+                                          </p:stCondLst>
+                                        </p:cTn>
+                                        <p:tgtEl>
+                                          <p:spTgt spid="16"/>
+                                        </p:tgtEl>
+                                        <p:attrNameLst>
+                                          <p:attrName>style.visibility</p:attrName>
+                                        </p:attrNameLst>
+                                      </p:cBhvr>
+                                      <p:to>
+                                        <p:strVal val="visible"/>
+                                      </p:to>
+                                    </p:set>
+                                    <p:anim calcmode="lin" valueType="num">
+                                      <p:cBhvr additive="base">
+                                        <p:cTn id="21" dur="500" fill="hold"/>
+                                        <p:tgtEl>
+                                          <p:spTgt spid="16"/>
+                                        </p:tgtEl>
+                                        <p:attrNameLst>
+                                          <p:attrName>ppt_x</p:attrName>
+                                        </p:attrNameLst>
+                                      </p:cBhvr>
+                                      <p:tavLst>
+                                        <p:tav tm="0">
+                                          <p:val>
+                                            <p:strVal val="#ppt_x"/>
+                                          </p:val>
+                                        </p:tav>
+                                        <p:tav tm="100000">
+                                          <p:val>
+                                            <p:strVal val="#ppt_x"/>
+                                          </p:val>
+                                        </p:tav>
+                                      </p:tavLst>
+                                    </p:anim>
+                                    <p:anim calcmode="lin" valueType="num">
+                                      <p:cBhvr additive="base">
+                                        <p:cTn id="22" dur="500" fill="hold"/>
+                                        <p:tgtEl>
+                                          <p:spTgt spid="16"/>
+                                        </p:tgtEl>
+                                        <p:attrNameLst>
+                                          <p:attrName>ppt_y</p:attrName>
+                                        </p:attrNameLst>
+                                      </p:cBhvr>
+                                      <p:tavLst>
+                                        <p:tav tm="0">
+                                          <p:val>
+                                            <p:strVal val="1+#ppt_h/2"/>
+                                          </p:val>
+                                        </p:tav>
+                                        <p:tav tm="100000">
+                                          <p:val>
+                                            <p:strVal val="#ppt_y"/>
+                                          </p:val>
+                                        </p:tav>
+                                      </p:tavLst>
+                                    </p:anim>
+                                  </p:childTnLst>
+                                </p:cTn>
+                              </p:par>
+                            </p:childTnLst>
+                          </p:cTn>
+                        </p:par>
+                      </p:childTnLst>
+                    </p:cTn>
+                  </p:par>
+                  <p:par>
+                    <p:cTn id="23" fill="hold">
+                      <p:stCondLst>
+                        <p:cond delay="indefinite"/>
+                      </p:stCondLst>
+                      <p:childTnLst>
+                        <p:par>
+                          <p:cTn id="24" fill="hold">
+                            <p:stCondLst>
+                              <p:cond delay="0"/>
+                            </p:stCondLst>
+                            <p:childTnLst>
+                              <p:par>
+                                <p:cTn id="25" presetID="2" presetClass="entr" presetSubtype="2" fill="hold" grpId="0" nodeType="clickEffect">
+                                  <p:stCondLst>
+                                    <p:cond delay="0"/>
+                                  </p:stCondLst>
+                                  <p:childTnLst>
+                                    <p:set>
+                                      <p:cBhvr>
+                                        <p:cTn id="26" dur="1" fill="hold">
+                                          <p:stCondLst>
+                                            <p:cond delay="0"/>
+                                          </p:stCondLst>
+                                        </p:cTn>
+                                        <p:tgtEl>
+                                          <p:spTgt spid="18"/>
+                                        </p:tgtEl>
+                                        <p:attrNameLst>
+                                          <p:attrName>style.visibility</p:attrName>
+                                        </p:attrNameLst>
+                                      </p:cBhvr>
+                                      <p:to>
+                                        <p:strVal val="visible"/>
+                                      </p:to>
+                                    </p:set>
+                                    <p:anim calcmode="lin" valueType="num">
+                                      <p:cBhvr additive="base">
+                                        <p:cTn id="27" dur="500" fill="hold"/>
+                                        <p:tgtEl>
+                                          <p:spTgt spid="18"/>
+                                        </p:tgtEl>
+                                        <p:attrNameLst>
+                                          <p:attrName>ppt_x</p:attrName>
+                                        </p:attrNameLst>
+                                      </p:cBhvr>
+                                      <p:tavLst>
+                                        <p:tav tm="0">
+                                          <p:val>
+                                            <p:strVal val="1+#ppt_w/2"/>
+                                          </p:val>
+                                        </p:tav>
+                                        <p:tav tm="100000">
+                                          <p:val>
+                                            <p:strVal val="#ppt_x"/>
+                                          </p:val>
+                                        </p:tav>
+                                      </p:tavLst>
+                                    </p:anim>
+                                    <p:anim calcmode="lin" valueType="num">
+                                      <p:cBhvr additive="base">
+                                        <p:cTn id="28" dur="500" fill="hold"/>
+                                        <p:tgtEl>
+                                          <p:spTgt spid="18"/>
+                                        </p:tgtEl>
+                                        <p:attrNameLst>
+                                          <p:attrName>ppt_y</p:attrName>
+                                        </p:attrNameLst>
+                                      </p:cBhvr>
+                                      <p:tavLst>
+                                        <p:tav tm="0">
+                                          <p:val>
+                                            <p:strVal val="#ppt_y"/>
+                                          </p:val>
+                                        </p:tav>
+                                        <p:tav tm="100000">
+                                          <p:val>
+                                            <p:strVal val="#ppt_y"/>
+                                          </p:val>
+                                        </p:tav>
+                                      </p:tavLst>
+                                    </p:anim>
+                                  </p:childTnLst>
+                                </p:cTn>
+                              </p:par>
+                              <p:par>
+                                <p:cTn id="29" presetID="2" presetClass="entr" presetSubtype="2" fill="hold" nodeType="withEffect">
+                                  <p:stCondLst>
+                                    <p:cond delay="0"/>
+                                  </p:stCondLst>
+                                  <p:childTnLst>
+                                    <p:set>
+                                      <p:cBhvr>
+                                        <p:cTn id="30" dur="1" fill="hold">
+                                          <p:stCondLst>
+                                            <p:cond delay="0"/>
+                                          </p:stCondLst>
+                                        </p:cTn>
+                                        <p:tgtEl>
+                                          <p:spTgt spid="17"/>
+                                        </p:tgtEl>
+                                        <p:attrNameLst>
+                                          <p:attrName>style.visibility</p:attrName>
+                                        </p:attrNameLst>
+                                      </p:cBhvr>
+                                      <p:to>
+                                        <p:strVal val="visible"/>
+                                      </p:to>
+                                    </p:set>
+                                    <p:anim calcmode="lin" valueType="num">
+                                      <p:cBhvr additive="base">
+                                        <p:cTn id="31" dur="500" fill="hold"/>
+                                        <p:tgtEl>
+                                          <p:spTgt spid="17"/>
+                                        </p:tgtEl>
+                                        <p:attrNameLst>
+                                          <p:attrName>ppt_x</p:attrName>
+                                        </p:attrNameLst>
+                                      </p:cBhvr>
+                                      <p:tavLst>
+                                        <p:tav tm="0">
+                                          <p:val>
+                                            <p:strVal val="1+#ppt_w/2"/>
+                                          </p:val>
+                                        </p:tav>
+                                        <p:tav tm="100000">
+                                          <p:val>
+                                            <p:strVal val="#ppt_x"/>
+                                          </p:val>
+                                        </p:tav>
+                                      </p:tavLst>
+                                    </p:anim>
+                                    <p:anim calcmode="lin" valueType="num">
+                                      <p:cBhvr additive="base">
+                                        <p:cTn id="32" dur="500" fill="hold"/>
+                                        <p:tgtEl>
+                                          <p:spTgt spid="17"/>
+                                        </p:tgtEl>
+                                        <p:attrNameLst>
+                                          <p:attrName>ppt_y</p:attrName>
+                                        </p:attrNameLst>
+                                      </p:cBhvr>
+                                      <p:tavLst>
+                                        <p:tav tm="0">
+                                          <p:val>
+                                            <p:strVal val="#ppt_y"/>
+                                          </p:val>
+                                        </p:tav>
+                                        <p:tav tm="100000">
+                                          <p:val>
+                                            <p:strVal val="#ppt_y"/>
+                                          </p:val>
+                                        </p:tav>
+                                      </p:tavLst>
+                                    </p:anim>
+                                  </p:childTnLst>
+                                </p:cTn>
+                              </p:par>
+                            </p:childTnLst>
+                          </p:cTn>
+                        </p:par>
+                      </p:childTnLst>
+                    </p:cTn>
+                  </p:par>
+                  <p:par>
+                    <p:cTn id="33" fill="hold">
+                      <p:stCondLst>
+                        <p:cond delay="indefinite"/>
+                      </p:stCondLst>
+                      <p:childTnLst>
+                        <p:par>
+                          <p:cTn id="34" fill="hold">
+                            <p:stCondLst>
+                              <p:cond delay="0"/>
+                            </p:stCondLst>
+                            <p:childTnLst>
+                              <p:par>
+                                <p:cTn id="35" presetID="2" presetClass="entr" presetSubtype="2" fill="hold" nodeType="clickEffect">
+                                  <p:stCondLst>
+                                    <p:cond delay="0"/>
+                                  </p:stCondLst>
+                                  <p:childTnLst>
+                                    <p:set>
+                                      <p:cBhvr>
+                                        <p:cTn id="36" dur="1" fill="hold">
+                                          <p:stCondLst>
+                                            <p:cond delay="0"/>
+                                          </p:stCondLst>
+                                        </p:cTn>
+                                        <p:tgtEl>
+                                          <p:spTgt spid="21"/>
+                                        </p:tgtEl>
+                                        <p:attrNameLst>
+                                          <p:attrName>style.visibility</p:attrName>
+                                        </p:attrNameLst>
+                                      </p:cBhvr>
+                                      <p:to>
+                                        <p:strVal val="visible"/>
+                                      </p:to>
+                                    </p:set>
+                                    <p:anim calcmode="lin" valueType="num">
+                                      <p:cBhvr additive="base">
+                                        <p:cTn id="37" dur="500" fill="hold"/>
+                                        <p:tgtEl>
+                                          <p:spTgt spid="21"/>
+                                        </p:tgtEl>
+                                        <p:attrNameLst>
+                                          <p:attrName>ppt_x</p:attrName>
+                                        </p:attrNameLst>
+                                      </p:cBhvr>
+                                      <p:tavLst>
+                                        <p:tav tm="0">
+                                          <p:val>
+                                            <p:strVal val="1+#ppt_w/2"/>
+                                          </p:val>
+                                        </p:tav>
+                                        <p:tav tm="100000">
+                                          <p:val>
+                                            <p:strVal val="#ppt_x"/>
+                                          </p:val>
+                                        </p:tav>
+                                      </p:tavLst>
+                                    </p:anim>
+                                    <p:anim calcmode="lin" valueType="num">
+                                      <p:cBhvr additive="base">
+                                        <p:cTn id="38" dur="500" fill="hold"/>
+                                        <p:tgtEl>
+                                          <p:spTgt spid="21"/>
+                                        </p:tgtEl>
+                                        <p:attrNameLst>
+                                          <p:attrName>ppt_y</p:attrName>
+                                        </p:attrNameLst>
+                                      </p:cBhvr>
+                                      <p:tavLst>
+                                        <p:tav tm="0">
+                                          <p:val>
+                                            <p:strVal val="#ppt_y"/>
+                                          </p:val>
+                                        </p:tav>
+                                        <p:tav tm="100000">
+                                          <p:val>
+                                            <p:strVal val="#ppt_y"/>
+                                          </p:val>
+                                        </p:tav>
+                                      </p:tavLst>
+                                    </p:anim>
+                                  </p:childTnLst>
+                                </p:cTn>
+                              </p:par>
+                              <p:par>
+                                <p:cTn id="39" presetID="2" presetClass="entr" presetSubtype="2" fill="hold" grpId="0" nodeType="withEffect">
+                                  <p:stCondLst>
+                                    <p:cond delay="0"/>
+                                  </p:stCondLst>
+                                  <p:childTnLst>
+                                    <p:set>
+                                      <p:cBhvr>
+                                        <p:cTn id="40" dur="1" fill="hold">
+                                          <p:stCondLst>
+                                            <p:cond delay="0"/>
+                                          </p:stCondLst>
+                                        </p:cTn>
+                                        <p:tgtEl>
+                                          <p:spTgt spid="22"/>
+                                        </p:tgtEl>
+                                        <p:attrNameLst>
+                                          <p:attrName>style.visibility</p:attrName>
+                                        </p:attrNameLst>
+                                      </p:cBhvr>
+                                      <p:to>
+                                        <p:strVal val="visible"/>
+                                      </p:to>
+                                    </p:set>
+                                    <p:anim calcmode="lin" valueType="num">
+                                      <p:cBhvr additive="base">
+                                        <p:cTn id="41" dur="500" fill="hold"/>
+                                        <p:tgtEl>
+                                          <p:spTgt spid="22"/>
+                                        </p:tgtEl>
+                                        <p:attrNameLst>
+                                          <p:attrName>ppt_x</p:attrName>
+                                        </p:attrNameLst>
+                                      </p:cBhvr>
+                                      <p:tavLst>
+                                        <p:tav tm="0">
+                                          <p:val>
+                                            <p:strVal val="1+#ppt_w/2"/>
+                                          </p:val>
+                                        </p:tav>
+                                        <p:tav tm="100000">
+                                          <p:val>
+                                            <p:strVal val="#ppt_x"/>
+                                          </p:val>
+                                        </p:tav>
+                                      </p:tavLst>
+                                    </p:anim>
+                                    <p:anim calcmode="lin" valueType="num">
+                                      <p:cBhvr additive="base">
+                                        <p:cTn id="42" dur="500" fill="hold"/>
+                                        <p:tgtEl>
+                                          <p:spTgt spid="22"/>
+                                        </p:tgtEl>
+                                        <p:attrNameLst>
+                                          <p:attrName>ppt_y</p:attrName>
+                                        </p:attrNameLst>
+                                      </p:cBhvr>
+                                      <p:tavLst>
+                                        <p:tav tm="0">
+                                          <p:val>
+                                            <p:strVal val="#ppt_y"/>
+                                          </p:val>
+                                        </p:tav>
+                                        <p:tav tm="100000">
+                                          <p:val>
+                                            <p:strVal val="#ppt_y"/>
+                                          </p:val>
+                                        </p:tav>
+                                      </p:tavLst>
+                                    </p:anim>
+                                  </p:childTnLst>
+                                </p:cTn>
+                              </p:par>
+                            </p:childTnLst>
+                          </p:cTn>
+                        </p:par>
+                      </p:childTnLst>
+                    </p:cTn>
+                  </p:par>
+                  <p:par>
+                    <p:cTn id="43" fill="hold">
+                      <p:stCondLst>
+                        <p:cond delay="indefinite"/>
+                      </p:stCondLst>
+                      <p:childTnLst>
+                        <p:par>
+                          <p:cTn id="44" fill="hold">
+                            <p:stCondLst>
+                              <p:cond delay="0"/>
+                            </p:stCondLst>
+                            <p:childTnLst>
+                              <p:par>
+                                <p:cTn id="45" presetID="2" presetClass="entr" presetSubtype="2" fill="hold" grpId="0" nodeType="clickEffect">
+                                  <p:stCondLst>
+                                    <p:cond delay="0"/>
+                                  </p:stCondLst>
+                                  <p:childTnLst>
+                                    <p:set>
+                                      <p:cBhvr>
+                                        <p:cTn id="46" dur="1" fill="hold">
+                                          <p:stCondLst>
+                                            <p:cond delay="0"/>
+                                          </p:stCondLst>
+                                        </p:cTn>
+                                        <p:tgtEl>
+                                          <p:spTgt spid="30"/>
+                                        </p:tgtEl>
+                                        <p:attrNameLst>
+                                          <p:attrName>style.visibility</p:attrName>
+                                        </p:attrNameLst>
+                                      </p:cBhvr>
+                                      <p:to>
+                                        <p:strVal val="visible"/>
+                                      </p:to>
+                                    </p:set>
+                                    <p:anim calcmode="lin" valueType="num">
+                                      <p:cBhvr additive="base">
+                                        <p:cTn id="47" dur="500" fill="hold"/>
+                                        <p:tgtEl>
+                                          <p:spTgt spid="30"/>
+                                        </p:tgtEl>
+                                        <p:attrNameLst>
+                                          <p:attrName>ppt_x</p:attrName>
+                                        </p:attrNameLst>
+                                      </p:cBhvr>
+                                      <p:tavLst>
+                                        <p:tav tm="0">
+                                          <p:val>
+                                            <p:strVal val="1+#ppt_w/2"/>
+                                          </p:val>
+                                        </p:tav>
+                                        <p:tav tm="100000">
+                                          <p:val>
+                                            <p:strVal val="#ppt_x"/>
+                                          </p:val>
+                                        </p:tav>
+                                      </p:tavLst>
+                                    </p:anim>
+                                    <p:anim calcmode="lin" valueType="num">
+                                      <p:cBhvr additive="base">
+                                        <p:cTn id="48" dur="500" fill="hold"/>
+                                        <p:tgtEl>
+                                          <p:spTgt spid="30"/>
+                                        </p:tgtEl>
+                                        <p:attrNameLst>
+                                          <p:attrName>ppt_y</p:attrName>
+                                        </p:attrNameLst>
+                                      </p:cBhvr>
+                                      <p:tavLst>
+                                        <p:tav tm="0">
+                                          <p:val>
+                                            <p:strVal val="#ppt_y"/>
+                                          </p:val>
+                                        </p:tav>
+                                        <p:tav tm="100000">
+                                          <p:val>
+                                            <p:strVal val="#ppt_y"/>
+                                          </p:val>
+                                        </p:tav>
+                                      </p:tavLst>
+                                    </p:anim>
+                                  </p:childTnLst>
+                                </p:cTn>
+                              </p:par>
+                              <p:par>
+                                <p:cTn id="49" presetID="2" presetClass="entr" presetSubtype="2" fill="hold" nodeType="withEffect">
+                                  <p:stCondLst>
+                                    <p:cond delay="0"/>
+                                  </p:stCondLst>
+                                  <p:childTnLst>
+                                    <p:set>
+                                      <p:cBhvr>
+                                        <p:cTn id="50" dur="1" fill="hold">
+                                          <p:stCondLst>
+                                            <p:cond delay="0"/>
+                                          </p:stCondLst>
+                                        </p:cTn>
+                                        <p:tgtEl>
+                                          <p:spTgt spid="29"/>
+                                        </p:tgtEl>
+                                        <p:attrNameLst>
+                                          <p:attrName>style.visibility</p:attrName>
+                                        </p:attrNameLst>
+                                      </p:cBhvr>
+                                      <p:to>
+                                        <p:strVal val="visible"/>
+                                      </p:to>
+                                    </p:set>
+                                    <p:anim calcmode="lin" valueType="num">
+                                      <p:cBhvr additive="base">
+                                        <p:cTn id="51" dur="500" fill="hold"/>
+                                        <p:tgtEl>
+                                          <p:spTgt spid="29"/>
+                                        </p:tgtEl>
+                                        <p:attrNameLst>
+                                          <p:attrName>ppt_x</p:attrName>
+                                        </p:attrNameLst>
+                                      </p:cBhvr>
+                                      <p:tavLst>
+                                        <p:tav tm="0">
+                                          <p:val>
+                                            <p:strVal val="1+#ppt_w/2"/>
+                                          </p:val>
+                                        </p:tav>
+                                        <p:tav tm="100000">
+                                          <p:val>
+                                            <p:strVal val="#ppt_x"/>
+                                          </p:val>
+                                        </p:tav>
+                                      </p:tavLst>
+                                    </p:anim>
+                                    <p:anim calcmode="lin" valueType="num">
+                                      <p:cBhvr additive="base">
+                                        <p:cTn id="52" dur="500" fill="hold"/>
+                                        <p:tgtEl>
+                                          <p:spTgt spid="29"/>
+                                        </p:tgtEl>
+                                        <p:attrNameLst>
+                                          <p:attrName>ppt_y</p:attrName>
+                                        </p:attrNameLst>
+                                      </p:cBhvr>
+                                      <p:tavLst>
+                                        <p:tav tm="0">
+                                          <p:val>
+                                            <p:strVal val="#ppt_y"/>
+                                          </p:val>
+                                        </p:tav>
+                                        <p:tav tm="100000">
+                                          <p:val>
+                                            <p:strVal val="#ppt_y"/>
+                                          </p:val>
+                                        </p:tav>
+                                      </p:tavLst>
+                                    </p:anim>
+                                  </p:childTnLst>
+                                </p:cTn>
+                              </p:par>
+                            </p:childTnLst>
+                          </p:cTn>
+                        </p:par>
+                      </p:childTnLst>
+                    </p:cTn>
+                  </p:par>
+                </p:childTnLst>
+              </p:cTn>
+              <p:prevCondLst>
+                <p:cond evt="onPrev" delay="0">
+                  <p:tgtEl>
+                    <p:sldTgt/>
+                  </p:tgtEl>
+                </p:cond>
+              </p:prevCondLst>
+              <p:nextCondLst>
+                <p:cond evt="onNext" delay="0">
+                  <p:tgtEl>
+                    <p:sldTgt/>
+                  </p:tgtEl>
+                </p:cond>
+              </p:nextCondLst>
+            </p:seq>
+          </p:childTnLst>
+        </p:cTn>
+      </p:par>
+    </p:tnLst>
+    <p:bldLst>
+      <p:bldP spid="8" grpId="0" animBg="1"/>
+      <p:bldP spid="18" grpId="0" animBg="1"/>
+      <p:bldP spid="22" grpId="0" animBg="1"/>
+      <p:bldP spid="30" grpId="0" animBg="1"/>
+    </p:bldLst>
+  </p:timing>
+</p:sld>
+</file>
+
+<file path=ppt/slides/slide11.xml><?xml version="1.0" encoding="utf-8"?>
+<p:sld xmlns:a="http://schemas.openxmlformats.org/drawingml/2006/main" xmlns:r="http://schemas.openxmlformats.org/officeDocument/2006/relationships" xmlns:p="http://schemas.openxmlformats.org/presentationml/2006/main">
+  <p:cSld>
+    <p:spTree>
+      <p:nvGrpSpPr>
+        <p:cNvPr id="1" name=""/>
+        <p:cNvGrpSpPr/>
+        <p:nvPr/>
+      </p:nvGrpSpPr>
+      <p:grpSpPr>
+        <a:xfrm>
+          <a:off x="0" y="0"/>
+          <a:ext cx="0" cy="0"/>
+          <a:chOff x="0" y="0"/>
+          <a:chExt cx="0" cy="0"/>
+        </a:xfrm>
+      </p:grpSpPr>
+      <p:pic>
+        <p:nvPicPr>
+          <p:cNvPr id="9" name="Immagine 8"/>
+          <p:cNvPicPr>
+            <a:picLocks noChangeAspect="1"/>
+          </p:cNvPicPr>
+          <p:nvPr/>
+        </p:nvPicPr>
+        <p:blipFill rotWithShape="1">
+          <a:blip r:embed="rId2"/>
+          <a:srcRect t="39428" b="2910"/>
+          <a:stretch/>
+        </p:blipFill>
+        <p:spPr>
+          <a:xfrm>
+            <a:off x="469482" y="1628463"/>
+            <a:ext cx="5626518" cy="4539516"/>
+          </a:xfrm>
+          <a:prstGeom prst="rect">
+            <a:avLst/>
+          </a:prstGeom>
+          <a:ln w="38100">
+            <a:solidFill>
+              <a:schemeClr val="accent3">
+                <a:lumMod val="60000"/>
+                <a:lumOff val="40000"/>
+              </a:schemeClr>
+            </a:solidFill>
+          </a:ln>
+        </p:spPr>
+      </p:pic>
+      <p:cxnSp>
+        <p:nvCxnSpPr>
+          <p:cNvPr id="10" name="Connettore 2 9"/>
+          <p:cNvCxnSpPr>
+            <a:endCxn id="11" idx="1"/>
+          </p:cNvCxnSpPr>
+          <p:nvPr/>
+        </p:nvCxnSpPr>
+        <p:spPr>
+          <a:xfrm flipV="1">
+            <a:off x="6096000" y="2076935"/>
+            <a:ext cx="737937" cy="1174956"/>
+          </a:xfrm>
+          <a:prstGeom prst="straightConnector1">
+            <a:avLst/>
+          </a:prstGeom>
+          <a:ln w="38100">
+            <a:tailEnd type="triangle"/>
+          </a:ln>
+        </p:spPr>
+        <p:style>
+          <a:lnRef idx="1">
+            <a:schemeClr val="accent1"/>
+          </a:lnRef>
+          <a:fillRef idx="0">
+            <a:schemeClr val="accent1"/>
+          </a:fillRef>
+          <a:effectRef idx="0">
+            <a:schemeClr val="accent1"/>
+          </a:effectRef>
+          <a:fontRef idx="minor">
+            <a:schemeClr val="tx1"/>
+          </a:fontRef>
+        </p:style>
+      </p:cxnSp>
+      <p:sp>
+        <p:nvSpPr>
+          <p:cNvPr id="11" name="CasellaDiTesto 10"/>
+          <p:cNvSpPr txBox="1"/>
+          <p:nvPr/>
+        </p:nvSpPr>
+        <p:spPr>
+          <a:xfrm>
+            <a:off x="6833937" y="1615270"/>
+            <a:ext cx="3910263" cy="923330"/>
+          </a:xfrm>
+          <a:prstGeom prst="rect">
+            <a:avLst/>
+          </a:prstGeom>
+          <a:noFill/>
+          <a:ln w="38100">
+            <a:solidFill>
+              <a:schemeClr val="accent1"/>
+            </a:solidFill>
+          </a:ln>
+        </p:spPr>
+        <p:txBody>
+          <a:bodyPr wrap="square" rtlCol="0">
+            <a:spAutoFit/>
+          </a:bodyPr>
+          <a:lstStyle/>
+          <a:p>
+            <a:r>
+              <a:rPr lang="it-CH" dirty="0"/>
+              <a:t>MIN_SEC_MINUTE = 0;	</a:t>
+            </a:r>
+          </a:p>
+          <a:p>
+            <a:endParaRPr lang="it-CH" dirty="0"/>
+          </a:p>
+          <a:p>
+            <a:r>
+              <a:rPr lang="it-CH" dirty="0"/>
+              <a:t>Valore minimo dei secondi e minuti. </a:t>
+            </a:r>
+          </a:p>
+        </p:txBody>
+      </p:sp>
+      <p:cxnSp>
+        <p:nvCxnSpPr>
+          <p:cNvPr id="13" name="Connettore 2 12"/>
+          <p:cNvCxnSpPr/>
+          <p:nvPr/>
+        </p:nvCxnSpPr>
+        <p:spPr>
+          <a:xfrm>
+            <a:off x="6096000" y="3251891"/>
+            <a:ext cx="737937" cy="633137"/>
+          </a:xfrm>
+          <a:prstGeom prst="straightConnector1">
+            <a:avLst/>
+          </a:prstGeom>
+          <a:ln w="38100">
+            <a:tailEnd type="triangle"/>
+          </a:ln>
+        </p:spPr>
+        <p:style>
+          <a:lnRef idx="1">
+            <a:schemeClr val="accent1"/>
+          </a:lnRef>
+          <a:fillRef idx="0">
+            <a:schemeClr val="accent1"/>
+          </a:fillRef>
+          <a:effectRef idx="0">
+            <a:schemeClr val="accent1"/>
+          </a:effectRef>
+          <a:fontRef idx="minor">
+            <a:schemeClr val="tx1"/>
+          </a:fontRef>
+        </p:style>
+      </p:cxnSp>
+      <p:sp>
+        <p:nvSpPr>
+          <p:cNvPr id="14" name="CasellaDiTesto 13"/>
+          <p:cNvSpPr txBox="1"/>
+          <p:nvPr/>
+        </p:nvSpPr>
+        <p:spPr>
+          <a:xfrm>
+            <a:off x="6833937" y="3436557"/>
+            <a:ext cx="4042610" cy="923330"/>
+          </a:xfrm>
+          <a:prstGeom prst="rect">
+            <a:avLst/>
+          </a:prstGeom>
+          <a:noFill/>
+          <a:ln w="38100">
+            <a:solidFill>
+              <a:schemeClr val="accent1"/>
+            </a:solidFill>
+          </a:ln>
+        </p:spPr>
+        <p:txBody>
+          <a:bodyPr wrap="square" rtlCol="0">
+            <a:spAutoFit/>
+          </a:bodyPr>
+          <a:lstStyle/>
+          <a:p>
+            <a:r>
+              <a:rPr lang="it-CH" u="sng" dirty="0"/>
+              <a:t>m</a:t>
+            </a:r>
+            <a:r>
+              <a:rPr lang="it-CH" dirty="0"/>
+              <a:t> rappresenta i minuti</a:t>
+            </a:r>
+          </a:p>
+          <a:p>
+            <a:r>
+              <a:rPr lang="it-CH" u="sng" dirty="0"/>
+              <a:t>s1</a:t>
+            </a:r>
+            <a:r>
+              <a:rPr lang="it-CH" dirty="0"/>
+              <a:t> rappresenta le decine dei secondi</a:t>
+            </a:r>
+          </a:p>
+          <a:p>
+            <a:r>
+              <a:rPr lang="it-CH" u="sng" dirty="0"/>
+              <a:t>s2</a:t>
+            </a:r>
+            <a:r>
+              <a:rPr lang="it-CH" dirty="0"/>
+              <a:t> rappresenta le unità dei secondi</a:t>
+            </a:r>
+            <a:endParaRPr lang="it-CH" u="sng" dirty="0"/>
+          </a:p>
+        </p:txBody>
+      </p:sp>
+      <p:cxnSp>
+        <p:nvCxnSpPr>
+          <p:cNvPr id="16" name="Connettore 2 15"/>
+          <p:cNvCxnSpPr>
+            <a:endCxn id="17" idx="1"/>
+          </p:cNvCxnSpPr>
+          <p:nvPr/>
+        </p:nvCxnSpPr>
+        <p:spPr>
+          <a:xfrm>
+            <a:off x="6096000" y="5334145"/>
+            <a:ext cx="737937" cy="43261"/>
+          </a:xfrm>
+          <a:prstGeom prst="straightConnector1">
+            <a:avLst/>
+          </a:prstGeom>
+          <a:ln w="38100">
+            <a:tailEnd type="triangle"/>
+          </a:ln>
+        </p:spPr>
+        <p:style>
+          <a:lnRef idx="1">
+            <a:schemeClr val="accent1"/>
+          </a:lnRef>
+          <a:fillRef idx="0">
+            <a:schemeClr val="accent1"/>
+          </a:fillRef>
+          <a:effectRef idx="0">
+            <a:schemeClr val="accent1"/>
+          </a:effectRef>
+          <a:fontRef idx="minor">
+            <a:schemeClr val="tx1"/>
+          </a:fontRef>
+        </p:style>
+      </p:cxnSp>
+      <p:sp>
+        <p:nvSpPr>
+          <p:cNvPr id="17" name="CasellaDiTesto 16"/>
+          <p:cNvSpPr txBox="1"/>
+          <p:nvPr/>
+        </p:nvSpPr>
+        <p:spPr>
+          <a:xfrm>
+            <a:off x="6833937" y="5192740"/>
+            <a:ext cx="3910263" cy="369332"/>
+          </a:xfrm>
+          <a:prstGeom prst="rect">
+            <a:avLst/>
+          </a:prstGeom>
+          <a:noFill/>
+          <a:ln w="38100">
+            <a:solidFill>
+              <a:schemeClr val="accent1"/>
+            </a:solidFill>
+          </a:ln>
+        </p:spPr>
+        <p:txBody>
+          <a:bodyPr wrap="square" rtlCol="0">
+            <a:spAutoFit/>
+          </a:bodyPr>
+          <a:lstStyle/>
+          <a:p>
+            <a:r>
+              <a:rPr lang="it-CH" dirty="0"/>
+              <a:t>Si blocca il conteggio</a:t>
+            </a:r>
+          </a:p>
+        </p:txBody>
+      </p:sp>
+      <p:cxnSp>
+        <p:nvCxnSpPr>
+          <p:cNvPr id="23" name="Connettore 1 22"/>
+          <p:cNvCxnSpPr/>
+          <p:nvPr/>
+        </p:nvCxnSpPr>
+        <p:spPr>
+          <a:xfrm>
+            <a:off x="469482" y="4347845"/>
+            <a:ext cx="5626518" cy="0"/>
+          </a:xfrm>
+          <a:prstGeom prst="line">
+            <a:avLst/>
+          </a:prstGeom>
+          <a:ln w="76200">
+            <a:solidFill>
+              <a:schemeClr val="accent3">
+                <a:lumMod val="60000"/>
+                <a:lumOff val="40000"/>
+              </a:schemeClr>
+            </a:solidFill>
+          </a:ln>
+        </p:spPr>
+        <p:style>
+          <a:lnRef idx="1">
+            <a:schemeClr val="accent1"/>
+          </a:lnRef>
+          <a:fillRef idx="0">
+            <a:schemeClr val="accent1"/>
+          </a:fillRef>
+          <a:effectRef idx="0">
+            <a:schemeClr val="accent1"/>
+          </a:effectRef>
+          <a:fontRef idx="minor">
+            <a:schemeClr val="tx1"/>
+          </a:fontRef>
+        </p:style>
+      </p:cxnSp>
+      <p:sp>
+        <p:nvSpPr>
+          <p:cNvPr id="12" name="Titolo 1"/>
+          <p:cNvSpPr>
+            <a:spLocks noGrp="1"/>
+          </p:cNvSpPr>
+          <p:nvPr>
+            <p:ph type="title"/>
+          </p:nvPr>
+        </p:nvSpPr>
+        <p:spPr>
+          <a:xfrm>
+            <a:off x="677334" y="609600"/>
+            <a:ext cx="8596668" cy="1320800"/>
+          </a:xfrm>
+        </p:spPr>
+        <p:txBody>
+          <a:bodyPr/>
+          <a:lstStyle/>
+          <a:p>
+            <a:r>
+              <a:rPr lang="it-CH" dirty="0"/>
+              <a:t>Algoritmo di timer</a:t>
+            </a:r>
+          </a:p>
+        </p:txBody>
+      </p:sp>
+    </p:spTree>
+    <p:extLst>
+      <p:ext uri="{BB962C8B-B14F-4D97-AF65-F5344CB8AC3E}">
+        <p14:creationId xmlns:p14="http://schemas.microsoft.com/office/powerpoint/2010/main" val="3330829743"/>
+      </p:ext>
+    </p:extLst>
+  </p:cSld>
+  <p:clrMapOvr>
+    <a:masterClrMapping/>
+  </p:clrMapOvr>
+  <p:timing>
+    <p:tnLst>
+      <p:par>
+        <p:cTn id="1" dur="indefinite" restart="never" nodeType="tmRoot">
+          <p:childTnLst>
+            <p:seq concurrent="1" nextAc="seek">
+              <p:cTn id="2" dur="indefinite" nodeType="mainSeq">
+                <p:childTnLst>
+                  <p:par>
+                    <p:cTn id="3" fill="hold">
+                      <p:stCondLst>
+                        <p:cond delay="indefinite"/>
+                      </p:stCondLst>
+                      <p:childTnLst>
+                        <p:par>
+                          <p:cTn id="4" fill="hold">
+                            <p:stCondLst>
+                              <p:cond delay="0"/>
+                            </p:stCondLst>
+                            <p:childTnLst>
+                              <p:par>
+                                <p:cTn id="5" presetID="2" presetClass="entr" presetSubtype="2" fill="hold" grpId="0" nodeType="clickEffect">
+                                  <p:stCondLst>
+                                    <p:cond delay="0"/>
+                                  </p:stCondLst>
+                                  <p:childTnLst>
+                                    <p:set>
+                                      <p:cBhvr>
+                                        <p:cTn id="6" dur="1" fill="hold">
+                                          <p:stCondLst>
+                                            <p:cond delay="0"/>
+                                          </p:stCondLst>
+                                        </p:cTn>
+                                        <p:tgtEl>
+                                          <p:spTgt spid="11"/>
+                                        </p:tgtEl>
+                                        <p:attrNameLst>
+                                          <p:attrName>style.visibility</p:attrName>
+                                        </p:attrNameLst>
+                                      </p:cBhvr>
+                                      <p:to>
+                                        <p:strVal val="visible"/>
+                                      </p:to>
+                                    </p:set>
+                                    <p:anim calcmode="lin" valueType="num">
+                                      <p:cBhvr additive="base">
+                                        <p:cTn id="7" dur="500" fill="hold"/>
+                                        <p:tgtEl>
+                                          <p:spTgt spid="11"/>
+                                        </p:tgtEl>
+                                        <p:attrNameLst>
+                                          <p:attrName>ppt_x</p:attrName>
+                                        </p:attrNameLst>
+                                      </p:cBhvr>
+                                      <p:tavLst>
+                                        <p:tav tm="0">
+                                          <p:val>
+                                            <p:strVal val="1+#ppt_w/2"/>
+                                          </p:val>
+                                        </p:tav>
+                                        <p:tav tm="100000">
+                                          <p:val>
+                                            <p:strVal val="#ppt_x"/>
+                                          </p:val>
+                                        </p:tav>
+                                      </p:tavLst>
+                                    </p:anim>
+                                    <p:anim calcmode="lin" valueType="num">
+                                      <p:cBhvr additive="base">
+                                        <p:cTn id="8" dur="500" fill="hold"/>
+                                        <p:tgtEl>
+                                          <p:spTgt spid="11"/>
+                                        </p:tgtEl>
+                                        <p:attrNameLst>
+                                          <p:attrName>ppt_y</p:attrName>
+                                        </p:attrNameLst>
+                                      </p:cBhvr>
+                                      <p:tavLst>
+                                        <p:tav tm="0">
+                                          <p:val>
+                                            <p:strVal val="#ppt_y"/>
+                                          </p:val>
+                                        </p:tav>
+                                        <p:tav tm="100000">
+                                          <p:val>
+                                            <p:strVal val="#ppt_y"/>
+                                          </p:val>
+                                        </p:tav>
+                                      </p:tavLst>
+                                    </p:anim>
+                                  </p:childTnLst>
+                                </p:cTn>
+                              </p:par>
+                              <p:par>
+                                <p:cTn id="9" presetID="2" presetClass="entr" presetSubtype="2" fill="hold" nodeType="withEffect">
+                                  <p:stCondLst>
+                                    <p:cond delay="0"/>
+                                  </p:stCondLst>
+                                  <p:childTnLst>
+                                    <p:set>
+                                      <p:cBhvr>
+                                        <p:cTn id="10" dur="1" fill="hold">
+                                          <p:stCondLst>
+                                            <p:cond delay="0"/>
+                                          </p:stCondLst>
+                                        </p:cTn>
+                                        <p:tgtEl>
+                                          <p:spTgt spid="10"/>
+                                        </p:tgtEl>
+                                        <p:attrNameLst>
+                                          <p:attrName>style.visibility</p:attrName>
+                                        </p:attrNameLst>
+                                      </p:cBhvr>
+                                      <p:to>
+                                        <p:strVal val="visible"/>
+                                      </p:to>
+                                    </p:set>
+                                    <p:anim calcmode="lin" valueType="num">
+                                      <p:cBhvr additive="base">
+                                        <p:cTn id="11" dur="500" fill="hold"/>
+                                        <p:tgtEl>
+                                          <p:spTgt spid="10"/>
+                                        </p:tgtEl>
+                                        <p:attrNameLst>
+                                          <p:attrName>ppt_x</p:attrName>
+                                        </p:attrNameLst>
+                                      </p:cBhvr>
+                                      <p:tavLst>
+                                        <p:tav tm="0">
+                                          <p:val>
+                                            <p:strVal val="1+#ppt_w/2"/>
+                                          </p:val>
+                                        </p:tav>
+                                        <p:tav tm="100000">
+                                          <p:val>
+                                            <p:strVal val="#ppt_x"/>
+                                          </p:val>
+                                        </p:tav>
+                                      </p:tavLst>
+                                    </p:anim>
+                                    <p:anim calcmode="lin" valueType="num">
+                                      <p:cBhvr additive="base">
+                                        <p:cTn id="12" dur="500" fill="hold"/>
+                                        <p:tgtEl>
+                                          <p:spTgt spid="10"/>
+                                        </p:tgtEl>
+                                        <p:attrNameLst>
+                                          <p:attrName>ppt_y</p:attrName>
+                                        </p:attrNameLst>
+                                      </p:cBhvr>
+                                      <p:tavLst>
+                                        <p:tav tm="0">
+                                          <p:val>
+                                            <p:strVal val="#ppt_y"/>
+                                          </p:val>
+                                        </p:tav>
+                                        <p:tav tm="100000">
+                                          <p:val>
+                                            <p:strVal val="#ppt_y"/>
+                                          </p:val>
+                                        </p:tav>
+                                      </p:tavLst>
+                                    </p:anim>
+                                  </p:childTnLst>
+                                </p:cTn>
+                              </p:par>
+                              <p:par>
+                                <p:cTn id="13" presetID="2" presetClass="entr" presetSubtype="2" fill="hold" nodeType="withEffect">
+                                  <p:stCondLst>
+                                    <p:cond delay="0"/>
+                                  </p:stCondLst>
+                                  <p:childTnLst>
+                                    <p:set>
+                                      <p:cBhvr>
+                                        <p:cTn id="14" dur="1" fill="hold">
+                                          <p:stCondLst>
+                                            <p:cond delay="0"/>
+                                          </p:stCondLst>
+                                        </p:cTn>
+                                        <p:tgtEl>
+                                          <p:spTgt spid="13"/>
+                                        </p:tgtEl>
+                                        <p:attrNameLst>
+                                          <p:attrName>style.visibility</p:attrName>
+                                        </p:attrNameLst>
+                                      </p:cBhvr>
+                                      <p:to>
+                                        <p:strVal val="visible"/>
+                                      </p:to>
+                                    </p:set>
+                                    <p:anim calcmode="lin" valueType="num">
+                                      <p:cBhvr additive="base">
+                                        <p:cTn id="15" dur="500" fill="hold"/>
+                                        <p:tgtEl>
+                                          <p:spTgt spid="13"/>
+                                        </p:tgtEl>
+                                        <p:attrNameLst>
+                                          <p:attrName>ppt_x</p:attrName>
+                                        </p:attrNameLst>
+                                      </p:cBhvr>
+                                      <p:tavLst>
+                                        <p:tav tm="0">
+                                          <p:val>
+                                            <p:strVal val="1+#ppt_w/2"/>
+                                          </p:val>
+                                        </p:tav>
+                                        <p:tav tm="100000">
+                                          <p:val>
+                                            <p:strVal val="#ppt_x"/>
+                                          </p:val>
+                                        </p:tav>
+                                      </p:tavLst>
+                                    </p:anim>
+                                    <p:anim calcmode="lin" valueType="num">
+                                      <p:cBhvr additive="base">
+                                        <p:cTn id="16" dur="500" fill="hold"/>
+                                        <p:tgtEl>
+                                          <p:spTgt spid="13"/>
+                                        </p:tgtEl>
+                                        <p:attrNameLst>
+                                          <p:attrName>ppt_y</p:attrName>
+                                        </p:attrNameLst>
+                                      </p:cBhvr>
+                                      <p:tavLst>
+                                        <p:tav tm="0">
+                                          <p:val>
+                                            <p:strVal val="#ppt_y"/>
+                                          </p:val>
+                                        </p:tav>
+                                        <p:tav tm="100000">
+                                          <p:val>
+                                            <p:strVal val="#ppt_y"/>
+                                          </p:val>
+                                        </p:tav>
+                                      </p:tavLst>
+                                    </p:anim>
+                                  </p:childTnLst>
+                                </p:cTn>
+                              </p:par>
+                              <p:par>
+                                <p:cTn id="17" presetID="2" presetClass="entr" presetSubtype="2" fill="hold" grpId="0" nodeType="withEffect">
+                                  <p:stCondLst>
+                                    <p:cond delay="0"/>
+                                  </p:stCondLst>
+                                  <p:childTnLst>
+                                    <p:set>
+                                      <p:cBhvr>
+                                        <p:cTn id="18" dur="1" fill="hold">
+                                          <p:stCondLst>
+                                            <p:cond delay="0"/>
+                                          </p:stCondLst>
+                                        </p:cTn>
+                                        <p:tgtEl>
+                                          <p:spTgt spid="14"/>
+                                        </p:tgtEl>
+                                        <p:attrNameLst>
+                                          <p:attrName>style.visibility</p:attrName>
+                                        </p:attrNameLst>
+                                      </p:cBhvr>
+                                      <p:to>
+                                        <p:strVal val="visible"/>
+                                      </p:to>
+                                    </p:set>
+                                    <p:anim calcmode="lin" valueType="num">
+                                      <p:cBhvr additive="base">
+                                        <p:cTn id="19" dur="500" fill="hold"/>
+                                        <p:tgtEl>
+                                          <p:spTgt spid="14"/>
+                                        </p:tgtEl>
+                                        <p:attrNameLst>
+                                          <p:attrName>ppt_x</p:attrName>
+                                        </p:attrNameLst>
+                                      </p:cBhvr>
+                                      <p:tavLst>
+                                        <p:tav tm="0">
+                                          <p:val>
+                                            <p:strVal val="1+#ppt_w/2"/>
+                                          </p:val>
+                                        </p:tav>
+                                        <p:tav tm="100000">
+                                          <p:val>
+                                            <p:strVal val="#ppt_x"/>
+                                          </p:val>
+                                        </p:tav>
+                                      </p:tavLst>
+                                    </p:anim>
+                                    <p:anim calcmode="lin" valueType="num">
+                                      <p:cBhvr additive="base">
+                                        <p:cTn id="20" dur="500" fill="hold"/>
+                                        <p:tgtEl>
+                                          <p:spTgt spid="14"/>
+                                        </p:tgtEl>
+                                        <p:attrNameLst>
+                                          <p:attrName>ppt_y</p:attrName>
+                                        </p:attrNameLst>
+                                      </p:cBhvr>
+                                      <p:tavLst>
+                                        <p:tav tm="0">
+                                          <p:val>
+                                            <p:strVal val="#ppt_y"/>
+                                          </p:val>
+                                        </p:tav>
+                                        <p:tav tm="100000">
+                                          <p:val>
+                                            <p:strVal val="#ppt_y"/>
+                                          </p:val>
+                                        </p:tav>
+                                      </p:tavLst>
+                                    </p:anim>
+                                  </p:childTnLst>
+                                </p:cTn>
+                              </p:par>
+                            </p:childTnLst>
+                          </p:cTn>
+                        </p:par>
+                      </p:childTnLst>
+                    </p:cTn>
+                  </p:par>
+                  <p:par>
+                    <p:cTn id="21" fill="hold">
+                      <p:stCondLst>
+                        <p:cond delay="indefinite"/>
+                      </p:stCondLst>
+                      <p:childTnLst>
+                        <p:par>
+                          <p:cTn id="22" fill="hold">
+                            <p:stCondLst>
+                              <p:cond delay="0"/>
+                            </p:stCondLst>
+                            <p:childTnLst>
+                              <p:par>
+                                <p:cTn id="23" presetID="2" presetClass="entr" presetSubtype="2" fill="hold" grpId="0" nodeType="clickEffect">
+                                  <p:stCondLst>
+                                    <p:cond delay="0"/>
+                                  </p:stCondLst>
+                                  <p:childTnLst>
+                                    <p:set>
+                                      <p:cBhvr>
+                                        <p:cTn id="24" dur="1" fill="hold">
+                                          <p:stCondLst>
+                                            <p:cond delay="0"/>
+                                          </p:stCondLst>
+                                        </p:cTn>
+                                        <p:tgtEl>
+                                          <p:spTgt spid="17"/>
+                                        </p:tgtEl>
+                                        <p:attrNameLst>
+                                          <p:attrName>style.visibility</p:attrName>
+                                        </p:attrNameLst>
+                                      </p:cBhvr>
+                                      <p:to>
+                                        <p:strVal val="visible"/>
+                                      </p:to>
+                                    </p:set>
+                                    <p:anim calcmode="lin" valueType="num">
+                                      <p:cBhvr additive="base">
+                                        <p:cTn id="25" dur="500" fill="hold"/>
+                                        <p:tgtEl>
+                                          <p:spTgt spid="17"/>
+                                        </p:tgtEl>
+                                        <p:attrNameLst>
+                                          <p:attrName>ppt_x</p:attrName>
+                                        </p:attrNameLst>
+                                      </p:cBhvr>
+                                      <p:tavLst>
+                                        <p:tav tm="0">
+                                          <p:val>
+                                            <p:strVal val="1+#ppt_w/2"/>
+                                          </p:val>
+                                        </p:tav>
+                                        <p:tav tm="100000">
+                                          <p:val>
+                                            <p:strVal val="#ppt_x"/>
+                                          </p:val>
+                                        </p:tav>
+                                      </p:tavLst>
+                                    </p:anim>
+                                    <p:anim calcmode="lin" valueType="num">
+                                      <p:cBhvr additive="base">
+                                        <p:cTn id="26" dur="500" fill="hold"/>
+                                        <p:tgtEl>
+                                          <p:spTgt spid="17"/>
+                                        </p:tgtEl>
+                                        <p:attrNameLst>
+                                          <p:attrName>ppt_y</p:attrName>
+                                        </p:attrNameLst>
+                                      </p:cBhvr>
+                                      <p:tavLst>
+                                        <p:tav tm="0">
+                                          <p:val>
+                                            <p:strVal val="#ppt_y"/>
+                                          </p:val>
+                                        </p:tav>
+                                        <p:tav tm="100000">
+                                          <p:val>
+                                            <p:strVal val="#ppt_y"/>
+                                          </p:val>
+                                        </p:tav>
+                                      </p:tavLst>
+                                    </p:anim>
+                                  </p:childTnLst>
+                                </p:cTn>
+                              </p:par>
+                              <p:par>
+                                <p:cTn id="27" presetID="2" presetClass="entr" presetSubtype="2" fill="hold" nodeType="withEffect">
+                                  <p:stCondLst>
+                                    <p:cond delay="0"/>
+                                  </p:stCondLst>
+                                  <p:childTnLst>
+                                    <p:set>
+                                      <p:cBhvr>
+                                        <p:cTn id="28" dur="1" fill="hold">
+                                          <p:stCondLst>
+                                            <p:cond delay="0"/>
+                                          </p:stCondLst>
+                                        </p:cTn>
+                                        <p:tgtEl>
+                                          <p:spTgt spid="16"/>
+                                        </p:tgtEl>
+                                        <p:attrNameLst>
+                                          <p:attrName>style.visibility</p:attrName>
+                                        </p:attrNameLst>
+                                      </p:cBhvr>
+                                      <p:to>
+                                        <p:strVal val="visible"/>
+                                      </p:to>
+                                    </p:set>
+                                    <p:anim calcmode="lin" valueType="num">
+                                      <p:cBhvr additive="base">
+                                        <p:cTn id="29" dur="500" fill="hold"/>
+                                        <p:tgtEl>
+                                          <p:spTgt spid="16"/>
+                                        </p:tgtEl>
+                                        <p:attrNameLst>
+                                          <p:attrName>ppt_x</p:attrName>
+                                        </p:attrNameLst>
+                                      </p:cBhvr>
+                                      <p:tavLst>
+                                        <p:tav tm="0">
+                                          <p:val>
+                                            <p:strVal val="1+#ppt_w/2"/>
+                                          </p:val>
+                                        </p:tav>
+                                        <p:tav tm="100000">
+                                          <p:val>
+                                            <p:strVal val="#ppt_x"/>
+                                          </p:val>
+                                        </p:tav>
+                                      </p:tavLst>
+                                    </p:anim>
+                                    <p:anim calcmode="lin" valueType="num">
+                                      <p:cBhvr additive="base">
+                                        <p:cTn id="30" dur="500" fill="hold"/>
+                                        <p:tgtEl>
+                                          <p:spTgt spid="16"/>
+                                        </p:tgtEl>
+                                        <p:attrNameLst>
+                                          <p:attrName>ppt_y</p:attrName>
+                                        </p:attrNameLst>
+                                      </p:cBhvr>
+                                      <p:tavLst>
+                                        <p:tav tm="0">
+                                          <p:val>
+                                            <p:strVal val="#ppt_y"/>
+                                          </p:val>
+                                        </p:tav>
+                                        <p:tav tm="100000">
+                                          <p:val>
+                                            <p:strVal val="#ppt_y"/>
+                                          </p:val>
+                                        </p:tav>
+                                      </p:tavLst>
+                                    </p:anim>
+                                  </p:childTnLst>
+                                </p:cTn>
+                              </p:par>
+                            </p:childTnLst>
+                          </p:cTn>
+                        </p:par>
+                      </p:childTnLst>
+                    </p:cTn>
+                  </p:par>
+                </p:childTnLst>
+              </p:cTn>
+              <p:prevCondLst>
+                <p:cond evt="onPrev" delay="0">
+                  <p:tgtEl>
+                    <p:sldTgt/>
+                  </p:tgtEl>
+                </p:cond>
+              </p:prevCondLst>
+              <p:nextCondLst>
+                <p:cond evt="onNext" delay="0">
+                  <p:tgtEl>
+                    <p:sldTgt/>
+                  </p:tgtEl>
+                </p:cond>
+              </p:nextCondLst>
+            </p:seq>
+          </p:childTnLst>
+        </p:cTn>
+      </p:par>
+    </p:tnLst>
+    <p:bldLst>
+      <p:bldP spid="11" grpId="0" animBg="1"/>
+      <p:bldP spid="14" grpId="0" animBg="1"/>
+      <p:bldP spid="17" grpId="0" animBg="1"/>
+    </p:bldLst>
+  </p:timing>
+</p:sld>
+</file>
+
+<file path=ppt/slides/slide12.xml><?xml version="1.0" encoding="utf-8"?>
 <p:sld xmlns:a="http://schemas.openxmlformats.org/drawingml/2006/main" xmlns:r="http://schemas.openxmlformats.org/officeDocument/2006/relationships" xmlns:p="http://schemas.openxmlformats.org/presentationml/2006/main">
   <p:cSld>
     <p:spTree>
@@ -7099,10 +9447,17 @@
   <p:clrMapOvr>
     <a:masterClrMapping/>
   </p:clrMapOvr>
+  <p:timing>
+    <p:tnLst>
+      <p:par>
+        <p:cTn id="1" dur="indefinite" restart="never" nodeType="tmRoot"/>
+      </p:par>
+    </p:tnLst>
+  </p:timing>
 </p:sld>
 </file>
 
-<file path=ppt/slides/slide11.xml><?xml version="1.0" encoding="utf-8"?>
+<file path=ppt/slides/slide13.xml><?xml version="1.0" encoding="utf-8"?>
 <p:sld xmlns:a="http://schemas.openxmlformats.org/drawingml/2006/main" xmlns:r="http://schemas.openxmlformats.org/officeDocument/2006/relationships" xmlns:p="http://schemas.openxmlformats.org/presentationml/2006/main">
   <p:cSld>
     <p:spTree>
@@ -7204,10 +9559,17 @@
   <p:clrMapOvr>
     <a:masterClrMapping/>
   </p:clrMapOvr>
+  <p:timing>
+    <p:tnLst>
+      <p:par>
+        <p:cTn id="1" dur="indefinite" restart="never" nodeType="tmRoot"/>
+      </p:par>
+    </p:tnLst>
+  </p:timing>
 </p:sld>
 </file>
 
-<file path=ppt/slides/slide12.xml><?xml version="1.0" encoding="utf-8"?>
+<file path=ppt/slides/slide14.xml><?xml version="1.0" encoding="utf-8"?>
 <p:sld xmlns:a="http://schemas.openxmlformats.org/drawingml/2006/main" xmlns:r="http://schemas.openxmlformats.org/officeDocument/2006/relationships" xmlns:p="http://schemas.openxmlformats.org/presentationml/2006/main">
   <p:cSld>
     <p:spTree>
@@ -7229,7 +9591,7 @@
           <p:cNvPr id="2" name="Titolo 1">
             <a:extLst>
               <a:ext uri="{FF2B5EF4-FFF2-40B4-BE49-F238E27FC236}">
-                <a16:creationId xmlns:a16="http://schemas.microsoft.com/office/drawing/2014/main" id="{93C0CEE5-07ED-4D90-9BE5-15F88A506D27}"/>
+                <a16:creationId xmlns:a16="http://schemas.microsoft.com/office/drawing/2014/main" xmlns="" id="{93C0CEE5-07ED-4D90-9BE5-15F88A506D27}"/>
               </a:ext>
             </a:extLst>
           </p:cNvPr>
@@ -7257,7 +9619,7 @@
           <p:cNvPr id="4" name="Immagine 3">
             <a:extLst>
               <a:ext uri="{FF2B5EF4-FFF2-40B4-BE49-F238E27FC236}">
-                <a16:creationId xmlns:a16="http://schemas.microsoft.com/office/drawing/2014/main" id="{6439B916-5DB3-40F4-BB50-6D3FCB1ACF8E}"/>
+                <a16:creationId xmlns:a16="http://schemas.microsoft.com/office/drawing/2014/main" xmlns="" id="{6439B916-5DB3-40F4-BB50-6D3FCB1ACF8E}"/>
               </a:ext>
             </a:extLst>
           </p:cNvPr>
@@ -7286,7 +9648,7 @@
           <p:cNvPr id="5" name="Connettore 2 4">
             <a:extLst>
               <a:ext uri="{FF2B5EF4-FFF2-40B4-BE49-F238E27FC236}">
-                <a16:creationId xmlns:a16="http://schemas.microsoft.com/office/drawing/2014/main" id="{718362A6-1C32-41F0-9480-BC81F2C1C65D}"/>
+                <a16:creationId xmlns:a16="http://schemas.microsoft.com/office/drawing/2014/main" xmlns="" id="{718362A6-1C32-41F0-9480-BC81F2C1C65D}"/>
               </a:ext>
             </a:extLst>
           </p:cNvPr>
@@ -7325,7 +9687,7 @@
           <p:cNvPr id="6" name="CasellaDiTesto 5">
             <a:extLst>
               <a:ext uri="{FF2B5EF4-FFF2-40B4-BE49-F238E27FC236}">
-                <a16:creationId xmlns:a16="http://schemas.microsoft.com/office/drawing/2014/main" id="{7DBABBDD-FE7E-4C2F-B0A8-3F06D3E6A65B}"/>
+                <a16:creationId xmlns:a16="http://schemas.microsoft.com/office/drawing/2014/main" xmlns="" id="{7DBABBDD-FE7E-4C2F-B0A8-3F06D3E6A65B}"/>
               </a:ext>
             </a:extLst>
           </p:cNvPr>
@@ -7360,7 +9722,7 @@
           <p:cNvPr id="7" name="Connettore 2 6">
             <a:extLst>
               <a:ext uri="{FF2B5EF4-FFF2-40B4-BE49-F238E27FC236}">
-                <a16:creationId xmlns:a16="http://schemas.microsoft.com/office/drawing/2014/main" id="{F5C5E8CF-EFBE-40AD-81E4-8C5C05E0FB88}"/>
+                <a16:creationId xmlns:a16="http://schemas.microsoft.com/office/drawing/2014/main" xmlns="" id="{F5C5E8CF-EFBE-40AD-81E4-8C5C05E0FB88}"/>
               </a:ext>
             </a:extLst>
           </p:cNvPr>
@@ -7399,7 +9761,7 @@
           <p:cNvPr id="8" name="Connettore 2 7">
             <a:extLst>
               <a:ext uri="{FF2B5EF4-FFF2-40B4-BE49-F238E27FC236}">
-                <a16:creationId xmlns:a16="http://schemas.microsoft.com/office/drawing/2014/main" id="{1BE37A25-A1D9-4DEA-B327-47CDD8901574}"/>
+                <a16:creationId xmlns:a16="http://schemas.microsoft.com/office/drawing/2014/main" xmlns="" id="{1BE37A25-A1D9-4DEA-B327-47CDD8901574}"/>
               </a:ext>
             </a:extLst>
           </p:cNvPr>
@@ -7438,7 +9800,7 @@
           <p:cNvPr id="10" name="CasellaDiTesto 9">
             <a:extLst>
               <a:ext uri="{FF2B5EF4-FFF2-40B4-BE49-F238E27FC236}">
-                <a16:creationId xmlns:a16="http://schemas.microsoft.com/office/drawing/2014/main" id="{F8B018FB-05E7-4ECC-98A3-9113397C7FCC}"/>
+                <a16:creationId xmlns:a16="http://schemas.microsoft.com/office/drawing/2014/main" xmlns="" id="{F8B018FB-05E7-4ECC-98A3-9113397C7FCC}"/>
               </a:ext>
             </a:extLst>
           </p:cNvPr>
@@ -7473,7 +9835,7 @@
           <p:cNvPr id="11" name="CasellaDiTesto 10">
             <a:extLst>
               <a:ext uri="{FF2B5EF4-FFF2-40B4-BE49-F238E27FC236}">
-                <a16:creationId xmlns:a16="http://schemas.microsoft.com/office/drawing/2014/main" id="{FB9FCF71-915C-466C-88A9-20452C6BFB3E}"/>
+                <a16:creationId xmlns:a16="http://schemas.microsoft.com/office/drawing/2014/main" xmlns="" id="{FB9FCF71-915C-466C-88A9-20452C6BFB3E}"/>
               </a:ext>
             </a:extLst>
           </p:cNvPr>
@@ -7786,7 +10148,7 @@
 </p:sld>
 </file>
 
-<file path=ppt/slides/slide13.xml><?xml version="1.0" encoding="utf-8"?>
+<file path=ppt/slides/slide15.xml><?xml version="1.0" encoding="utf-8"?>
 <p:sld xmlns:a="http://schemas.openxmlformats.org/drawingml/2006/main" xmlns:r="http://schemas.openxmlformats.org/officeDocument/2006/relationships" xmlns:p="http://schemas.openxmlformats.org/presentationml/2006/main">
   <p:cSld>
     <p:spTree>
@@ -7808,7 +10170,7 @@
           <p:cNvPr id="2" name="Titolo 1">
             <a:extLst>
               <a:ext uri="{FF2B5EF4-FFF2-40B4-BE49-F238E27FC236}">
-                <a16:creationId xmlns:a16="http://schemas.microsoft.com/office/drawing/2014/main" id="{EA779CA8-FF97-4D2D-973D-AE2F06265F65}"/>
+                <a16:creationId xmlns:a16="http://schemas.microsoft.com/office/drawing/2014/main" xmlns="" id="{EA779CA8-FF97-4D2D-973D-AE2F06265F65}"/>
               </a:ext>
             </a:extLst>
           </p:cNvPr>
@@ -7836,7 +10198,7 @@
           <p:cNvPr id="3" name="Segnaposto contenuto 2">
             <a:extLst>
               <a:ext uri="{FF2B5EF4-FFF2-40B4-BE49-F238E27FC236}">
-                <a16:creationId xmlns:a16="http://schemas.microsoft.com/office/drawing/2014/main" id="{59D3ADF8-83DB-4D51-8D1C-EDA5C9A09A7D}"/>
+                <a16:creationId xmlns:a16="http://schemas.microsoft.com/office/drawing/2014/main" xmlns="" id="{59D3ADF8-83DB-4D51-8D1C-EDA5C9A09A7D}"/>
               </a:ext>
             </a:extLst>
           </p:cNvPr>
@@ -7949,10 +10311,17 @@
   <p:clrMapOvr>
     <a:masterClrMapping/>
   </p:clrMapOvr>
+  <p:timing>
+    <p:tnLst>
+      <p:par>
+        <p:cTn id="1" dur="indefinite" restart="never" nodeType="tmRoot"/>
+      </p:par>
+    </p:tnLst>
+  </p:timing>
 </p:sld>
 </file>
 
-<file path=ppt/slides/slide14.xml><?xml version="1.0" encoding="utf-8"?>
+<file path=ppt/slides/slide16.xml><?xml version="1.0" encoding="utf-8"?>
 <p:sld xmlns:a="http://schemas.openxmlformats.org/drawingml/2006/main" xmlns:r="http://schemas.openxmlformats.org/officeDocument/2006/relationships" xmlns:p="http://schemas.openxmlformats.org/presentationml/2006/main">
   <p:cSld>
     <p:spTree>
@@ -7974,7 +10343,7 @@
           <p:cNvPr id="2" name="Titolo 1">
             <a:extLst>
               <a:ext uri="{FF2B5EF4-FFF2-40B4-BE49-F238E27FC236}">
-                <a16:creationId xmlns:a16="http://schemas.microsoft.com/office/drawing/2014/main" id="{D5E3F679-6E0E-4926-8A3B-FE085CD1B767}"/>
+                <a16:creationId xmlns:a16="http://schemas.microsoft.com/office/drawing/2014/main" xmlns="" id="{D5E3F679-6E0E-4926-8A3B-FE085CD1B767}"/>
               </a:ext>
             </a:extLst>
           </p:cNvPr>
@@ -8002,7 +10371,7 @@
           <p:cNvPr id="3" name="Segnaposto contenuto 2">
             <a:extLst>
               <a:ext uri="{FF2B5EF4-FFF2-40B4-BE49-F238E27FC236}">
-                <a16:creationId xmlns:a16="http://schemas.microsoft.com/office/drawing/2014/main" id="{DA8E0FA7-4816-4693-BE4A-9D1AA5743E7F}"/>
+                <a16:creationId xmlns:a16="http://schemas.microsoft.com/office/drawing/2014/main" xmlns="" id="{DA8E0FA7-4816-4693-BE4A-9D1AA5743E7F}"/>
               </a:ext>
             </a:extLst>
           </p:cNvPr>
@@ -8038,7 +10407,7 @@
           <p:cNvPr id="5" name="Immagine 4">
             <a:extLst>
               <a:ext uri="{FF2B5EF4-FFF2-40B4-BE49-F238E27FC236}">
-                <a16:creationId xmlns:a16="http://schemas.microsoft.com/office/drawing/2014/main" id="{47E50C2D-8922-4072-B54C-6DBC100825FC}"/>
+                <a16:creationId xmlns:a16="http://schemas.microsoft.com/office/drawing/2014/main" xmlns="" id="{47E50C2D-8922-4072-B54C-6DBC100825FC}"/>
               </a:ext>
             </a:extLst>
           </p:cNvPr>
@@ -8073,7 +10442,7 @@
           <p:cNvPr id="6" name="Rettangolo 5">
             <a:extLst>
               <a:ext uri="{FF2B5EF4-FFF2-40B4-BE49-F238E27FC236}">
-                <a16:creationId xmlns:a16="http://schemas.microsoft.com/office/drawing/2014/main" id="{B0528231-C731-41D1-A2A8-F58316EBE086}"/>
+                <a16:creationId xmlns:a16="http://schemas.microsoft.com/office/drawing/2014/main" xmlns="" id="{B0528231-C731-41D1-A2A8-F58316EBE086}"/>
               </a:ext>
             </a:extLst>
           </p:cNvPr>
@@ -8125,7 +10494,7 @@
           <p:cNvPr id="7" name="Connettore 2 6">
             <a:extLst>
               <a:ext uri="{FF2B5EF4-FFF2-40B4-BE49-F238E27FC236}">
-                <a16:creationId xmlns:a16="http://schemas.microsoft.com/office/drawing/2014/main" id="{83896790-7DCD-4C57-895B-963E358859F3}"/>
+                <a16:creationId xmlns:a16="http://schemas.microsoft.com/office/drawing/2014/main" xmlns="" id="{83896790-7DCD-4C57-895B-963E358859F3}"/>
               </a:ext>
             </a:extLst>
           </p:cNvPr>
@@ -8166,7 +10535,7 @@
           <p:cNvPr id="9" name="CasellaDiTesto 8">
             <a:extLst>
               <a:ext uri="{FF2B5EF4-FFF2-40B4-BE49-F238E27FC236}">
-                <a16:creationId xmlns:a16="http://schemas.microsoft.com/office/drawing/2014/main" id="{8BCEE407-72EF-48B0-90D0-A7BC74CA4844}"/>
+                <a16:creationId xmlns:a16="http://schemas.microsoft.com/office/drawing/2014/main" xmlns="" id="{8BCEE407-72EF-48B0-90D0-A7BC74CA4844}"/>
               </a:ext>
             </a:extLst>
           </p:cNvPr>
@@ -8206,7 +10575,7 @@
           <p:cNvPr id="10" name="Rettangolo 9">
             <a:extLst>
               <a:ext uri="{FF2B5EF4-FFF2-40B4-BE49-F238E27FC236}">
-                <a16:creationId xmlns:a16="http://schemas.microsoft.com/office/drawing/2014/main" id="{1431CA28-A271-40D2-9CF5-33519B6F672D}"/>
+                <a16:creationId xmlns:a16="http://schemas.microsoft.com/office/drawing/2014/main" xmlns="" id="{1431CA28-A271-40D2-9CF5-33519B6F672D}"/>
               </a:ext>
             </a:extLst>
           </p:cNvPr>
@@ -8258,7 +10627,7 @@
           <p:cNvPr id="11" name="Rettangolo 10">
             <a:extLst>
               <a:ext uri="{FF2B5EF4-FFF2-40B4-BE49-F238E27FC236}">
-                <a16:creationId xmlns:a16="http://schemas.microsoft.com/office/drawing/2014/main" id="{B2CFF234-AE5C-4C7F-B19C-DE07B0201BFA}"/>
+                <a16:creationId xmlns:a16="http://schemas.microsoft.com/office/drawing/2014/main" xmlns="" id="{B2CFF234-AE5C-4C7F-B19C-DE07B0201BFA}"/>
               </a:ext>
             </a:extLst>
           </p:cNvPr>
@@ -8310,7 +10679,7 @@
           <p:cNvPr id="12" name="Connettore 2 11">
             <a:extLst>
               <a:ext uri="{FF2B5EF4-FFF2-40B4-BE49-F238E27FC236}">
-                <a16:creationId xmlns:a16="http://schemas.microsoft.com/office/drawing/2014/main" id="{8E4361CF-8410-4E1E-A351-16FABD3DCB08}"/>
+                <a16:creationId xmlns:a16="http://schemas.microsoft.com/office/drawing/2014/main" xmlns="" id="{8E4361CF-8410-4E1E-A351-16FABD3DCB08}"/>
               </a:ext>
             </a:extLst>
           </p:cNvPr>
@@ -8351,7 +10720,7 @@
           <p:cNvPr id="14" name="Connettore 2 13">
             <a:extLst>
               <a:ext uri="{FF2B5EF4-FFF2-40B4-BE49-F238E27FC236}">
-                <a16:creationId xmlns:a16="http://schemas.microsoft.com/office/drawing/2014/main" id="{F64DEF49-7C1F-42DD-93CC-0614CCA0B62E}"/>
+                <a16:creationId xmlns:a16="http://schemas.microsoft.com/office/drawing/2014/main" xmlns="" id="{F64DEF49-7C1F-42DD-93CC-0614CCA0B62E}"/>
               </a:ext>
             </a:extLst>
           </p:cNvPr>
@@ -8392,7 +10761,7 @@
           <p:cNvPr id="16" name="CasellaDiTesto 15">
             <a:extLst>
               <a:ext uri="{FF2B5EF4-FFF2-40B4-BE49-F238E27FC236}">
-                <a16:creationId xmlns:a16="http://schemas.microsoft.com/office/drawing/2014/main" id="{2636E835-1F5D-491D-98A2-CD92194A7838}"/>
+                <a16:creationId xmlns:a16="http://schemas.microsoft.com/office/drawing/2014/main" xmlns="" id="{2636E835-1F5D-491D-98A2-CD92194A7838}"/>
               </a:ext>
             </a:extLst>
           </p:cNvPr>
@@ -8705,7 +11074,7 @@
 </p:sld>
 </file>
 
-<file path=ppt/slides/slide15.xml><?xml version="1.0" encoding="utf-8"?>
+<file path=ppt/slides/slide17.xml><?xml version="1.0" encoding="utf-8"?>
 <p:sld xmlns:a="http://schemas.openxmlformats.org/drawingml/2006/main" xmlns:r="http://schemas.openxmlformats.org/officeDocument/2006/relationships" xmlns:p="http://schemas.openxmlformats.org/presentationml/2006/main">
   <p:cSld>
     <p:spTree>
@@ -8727,7 +11096,7 @@
           <p:cNvPr id="2" name="Titolo 1">
             <a:extLst>
               <a:ext uri="{FF2B5EF4-FFF2-40B4-BE49-F238E27FC236}">
-                <a16:creationId xmlns:a16="http://schemas.microsoft.com/office/drawing/2014/main" id="{45DE9337-D241-41EB-AA80-283109BB2E05}"/>
+                <a16:creationId xmlns:a16="http://schemas.microsoft.com/office/drawing/2014/main" xmlns="" id="{45DE9337-D241-41EB-AA80-283109BB2E05}"/>
               </a:ext>
             </a:extLst>
           </p:cNvPr>
@@ -8755,7 +11124,7 @@
           <p:cNvPr id="4" name="Segnaposto contenuto 2">
             <a:extLst>
               <a:ext uri="{FF2B5EF4-FFF2-40B4-BE49-F238E27FC236}">
-                <a16:creationId xmlns:a16="http://schemas.microsoft.com/office/drawing/2014/main" id="{CE092209-4239-453E-B076-3A3DFFCA5EAD}"/>
+                <a16:creationId xmlns:a16="http://schemas.microsoft.com/office/drawing/2014/main" xmlns="" id="{CE092209-4239-453E-B076-3A3DFFCA5EAD}"/>
               </a:ext>
             </a:extLst>
           </p:cNvPr>
@@ -8793,7 +11162,7 @@
           <p:cNvPr id="5" name="Immagine 4">
             <a:extLst>
               <a:ext uri="{FF2B5EF4-FFF2-40B4-BE49-F238E27FC236}">
-                <a16:creationId xmlns:a16="http://schemas.microsoft.com/office/drawing/2014/main" id="{E2348BF5-29BC-4B4A-82CE-B2EBCC8CE841}"/>
+                <a16:creationId xmlns:a16="http://schemas.microsoft.com/office/drawing/2014/main" xmlns="" id="{E2348BF5-29BC-4B4A-82CE-B2EBCC8CE841}"/>
               </a:ext>
             </a:extLst>
           </p:cNvPr>
@@ -8828,7 +11197,7 @@
           <p:cNvPr id="6" name="Connettore 2 5">
             <a:extLst>
               <a:ext uri="{FF2B5EF4-FFF2-40B4-BE49-F238E27FC236}">
-                <a16:creationId xmlns:a16="http://schemas.microsoft.com/office/drawing/2014/main" id="{FA0B3EDB-2580-4103-8F09-D7240A96ADCE}"/>
+                <a16:creationId xmlns:a16="http://schemas.microsoft.com/office/drawing/2014/main" xmlns="" id="{FA0B3EDB-2580-4103-8F09-D7240A96ADCE}"/>
               </a:ext>
             </a:extLst>
           </p:cNvPr>
@@ -8869,7 +11238,7 @@
           <p:cNvPr id="8" name="CasellaDiTesto 7">
             <a:extLst>
               <a:ext uri="{FF2B5EF4-FFF2-40B4-BE49-F238E27FC236}">
-                <a16:creationId xmlns:a16="http://schemas.microsoft.com/office/drawing/2014/main" id="{A7CECAB1-36DA-4081-BFF8-405ED768D151}"/>
+                <a16:creationId xmlns:a16="http://schemas.microsoft.com/office/drawing/2014/main" xmlns="" id="{A7CECAB1-36DA-4081-BFF8-405ED768D151}"/>
               </a:ext>
             </a:extLst>
           </p:cNvPr>
@@ -8904,7 +11273,7 @@
           <p:cNvPr id="9" name="Connettore 2 8">
             <a:extLst>
               <a:ext uri="{FF2B5EF4-FFF2-40B4-BE49-F238E27FC236}">
-                <a16:creationId xmlns:a16="http://schemas.microsoft.com/office/drawing/2014/main" id="{7B8F8F3D-EAE5-4A40-8E36-424DD0DF8101}"/>
+                <a16:creationId xmlns:a16="http://schemas.microsoft.com/office/drawing/2014/main" xmlns="" id="{7B8F8F3D-EAE5-4A40-8E36-424DD0DF8101}"/>
               </a:ext>
             </a:extLst>
           </p:cNvPr>
@@ -8945,7 +11314,7 @@
           <p:cNvPr id="13" name="CasellaDiTesto 12">
             <a:extLst>
               <a:ext uri="{FF2B5EF4-FFF2-40B4-BE49-F238E27FC236}">
-                <a16:creationId xmlns:a16="http://schemas.microsoft.com/office/drawing/2014/main" id="{925456C1-80AE-417F-A422-904EE09F9A6C}"/>
+                <a16:creationId xmlns:a16="http://schemas.microsoft.com/office/drawing/2014/main" xmlns="" id="{925456C1-80AE-417F-A422-904EE09F9A6C}"/>
               </a:ext>
             </a:extLst>
           </p:cNvPr>
@@ -8980,7 +11349,7 @@
           <p:cNvPr id="14" name="Connettore 2 13">
             <a:extLst>
               <a:ext uri="{FF2B5EF4-FFF2-40B4-BE49-F238E27FC236}">
-                <a16:creationId xmlns:a16="http://schemas.microsoft.com/office/drawing/2014/main" id="{02FA271C-AA02-494A-9B13-48E23AE778D5}"/>
+                <a16:creationId xmlns:a16="http://schemas.microsoft.com/office/drawing/2014/main" xmlns="" id="{02FA271C-AA02-494A-9B13-48E23AE778D5}"/>
               </a:ext>
             </a:extLst>
           </p:cNvPr>
@@ -9022,7 +11391,7 @@
           <p:cNvPr id="16" name="CasellaDiTesto 15">
             <a:extLst>
               <a:ext uri="{FF2B5EF4-FFF2-40B4-BE49-F238E27FC236}">
-                <a16:creationId xmlns:a16="http://schemas.microsoft.com/office/drawing/2014/main" id="{2513885F-BD49-4E06-852D-D19B0173656B}"/>
+                <a16:creationId xmlns:a16="http://schemas.microsoft.com/office/drawing/2014/main" xmlns="" id="{2513885F-BD49-4E06-852D-D19B0173656B}"/>
               </a:ext>
             </a:extLst>
           </p:cNvPr>
@@ -9057,7 +11426,7 @@
           <p:cNvPr id="19" name="Connettore 2 18">
             <a:extLst>
               <a:ext uri="{FF2B5EF4-FFF2-40B4-BE49-F238E27FC236}">
-                <a16:creationId xmlns:a16="http://schemas.microsoft.com/office/drawing/2014/main" id="{4D99E6F7-C324-4B7B-8995-971E91687256}"/>
+                <a16:creationId xmlns:a16="http://schemas.microsoft.com/office/drawing/2014/main" xmlns="" id="{4D99E6F7-C324-4B7B-8995-971E91687256}"/>
               </a:ext>
             </a:extLst>
           </p:cNvPr>
@@ -9098,7 +11467,7 @@
           <p:cNvPr id="21" name="CasellaDiTesto 20">
             <a:extLst>
               <a:ext uri="{FF2B5EF4-FFF2-40B4-BE49-F238E27FC236}">
-                <a16:creationId xmlns:a16="http://schemas.microsoft.com/office/drawing/2014/main" id="{87D55D6A-1624-47D6-B396-10E3064CD289}"/>
+                <a16:creationId xmlns:a16="http://schemas.microsoft.com/office/drawing/2014/main" xmlns="" id="{87D55D6A-1624-47D6-B396-10E3064CD289}"/>
               </a:ext>
             </a:extLst>
           </p:cNvPr>
@@ -9484,7 +11853,7 @@
 </p:sld>
 </file>
 
-<file path=ppt/slides/slide16.xml><?xml version="1.0" encoding="utf-8"?>
+<file path=ppt/slides/slide18.xml><?xml version="1.0" encoding="utf-8"?>
 <p:sld xmlns:a="http://schemas.openxmlformats.org/drawingml/2006/main" xmlns:r="http://schemas.openxmlformats.org/officeDocument/2006/relationships" xmlns:p="http://schemas.openxmlformats.org/presentationml/2006/main">
   <p:cSld>
     <p:spTree>
@@ -9506,7 +11875,7 @@
           <p:cNvPr id="2" name="Titolo 1">
             <a:extLst>
               <a:ext uri="{FF2B5EF4-FFF2-40B4-BE49-F238E27FC236}">
-                <a16:creationId xmlns:a16="http://schemas.microsoft.com/office/drawing/2014/main" id="{A492A880-01B4-4BE3-959B-42BFC1AE492C}"/>
+                <a16:creationId xmlns:a16="http://schemas.microsoft.com/office/drawing/2014/main" xmlns="" id="{A492A880-01B4-4BE3-959B-42BFC1AE492C}"/>
               </a:ext>
             </a:extLst>
           </p:cNvPr>
@@ -9534,7 +11903,7 @@
           <p:cNvPr id="4" name="Segnaposto contenuto 2">
             <a:extLst>
               <a:ext uri="{FF2B5EF4-FFF2-40B4-BE49-F238E27FC236}">
-                <a16:creationId xmlns:a16="http://schemas.microsoft.com/office/drawing/2014/main" id="{6B58BABC-53E4-4D75-A524-44B6AA5D0E98}"/>
+                <a16:creationId xmlns:a16="http://schemas.microsoft.com/office/drawing/2014/main" xmlns="" id="{6B58BABC-53E4-4D75-A524-44B6AA5D0E98}"/>
               </a:ext>
             </a:extLst>
           </p:cNvPr>
@@ -9572,7 +11941,7 @@
           <p:cNvPr id="6" name="Immagine 5">
             <a:extLst>
               <a:ext uri="{FF2B5EF4-FFF2-40B4-BE49-F238E27FC236}">
-                <a16:creationId xmlns:a16="http://schemas.microsoft.com/office/drawing/2014/main" id="{4EEC1BF7-6A5A-4ED3-9739-63424A4A3DD0}"/>
+                <a16:creationId xmlns:a16="http://schemas.microsoft.com/office/drawing/2014/main" xmlns="" id="{4EEC1BF7-6A5A-4ED3-9739-63424A4A3DD0}"/>
               </a:ext>
             </a:extLst>
           </p:cNvPr>
@@ -9607,7 +11976,7 @@
           <p:cNvPr id="7" name="Rettangolo 6">
             <a:extLst>
               <a:ext uri="{FF2B5EF4-FFF2-40B4-BE49-F238E27FC236}">
-                <a16:creationId xmlns:a16="http://schemas.microsoft.com/office/drawing/2014/main" id="{11D6DDC8-12F4-4B2C-BF2C-C03C23F1F39E}"/>
+                <a16:creationId xmlns:a16="http://schemas.microsoft.com/office/drawing/2014/main" xmlns="" id="{11D6DDC8-12F4-4B2C-BF2C-C03C23F1F39E}"/>
               </a:ext>
             </a:extLst>
           </p:cNvPr>
@@ -9659,7 +12028,7 @@
           <p:cNvPr id="8" name="Connettore 2 7">
             <a:extLst>
               <a:ext uri="{FF2B5EF4-FFF2-40B4-BE49-F238E27FC236}">
-                <a16:creationId xmlns:a16="http://schemas.microsoft.com/office/drawing/2014/main" id="{830C2001-0A24-4765-B38C-46C4F6BAB690}"/>
+                <a16:creationId xmlns:a16="http://schemas.microsoft.com/office/drawing/2014/main" xmlns="" id="{830C2001-0A24-4765-B38C-46C4F6BAB690}"/>
               </a:ext>
             </a:extLst>
           </p:cNvPr>
@@ -9700,7 +12069,7 @@
           <p:cNvPr id="10" name="CasellaDiTesto 9">
             <a:extLst>
               <a:ext uri="{FF2B5EF4-FFF2-40B4-BE49-F238E27FC236}">
-                <a16:creationId xmlns:a16="http://schemas.microsoft.com/office/drawing/2014/main" id="{68E7E879-EDB4-4BF5-B64F-8188220A59A0}"/>
+                <a16:creationId xmlns:a16="http://schemas.microsoft.com/office/drawing/2014/main" xmlns="" id="{68E7E879-EDB4-4BF5-B64F-8188220A59A0}"/>
               </a:ext>
             </a:extLst>
           </p:cNvPr>
@@ -9747,7 +12116,7 @@
           <p:cNvPr id="11" name="Rettangolo 10">
             <a:extLst>
               <a:ext uri="{FF2B5EF4-FFF2-40B4-BE49-F238E27FC236}">
-                <a16:creationId xmlns:a16="http://schemas.microsoft.com/office/drawing/2014/main" id="{03761E93-6680-4299-9EFC-9E1DCE1E373C}"/>
+                <a16:creationId xmlns:a16="http://schemas.microsoft.com/office/drawing/2014/main" xmlns="" id="{03761E93-6680-4299-9EFC-9E1DCE1E373C}"/>
               </a:ext>
             </a:extLst>
           </p:cNvPr>
@@ -9799,7 +12168,7 @@
           <p:cNvPr id="12" name="Connettore 2 11">
             <a:extLst>
               <a:ext uri="{FF2B5EF4-FFF2-40B4-BE49-F238E27FC236}">
-                <a16:creationId xmlns:a16="http://schemas.microsoft.com/office/drawing/2014/main" id="{4F3625F5-935A-4C48-A887-37B28F90491E}"/>
+                <a16:creationId xmlns:a16="http://schemas.microsoft.com/office/drawing/2014/main" xmlns="" id="{4F3625F5-935A-4C48-A887-37B28F90491E}"/>
               </a:ext>
             </a:extLst>
           </p:cNvPr>
@@ -9840,7 +12209,7 @@
           <p:cNvPr id="16" name="CasellaDiTesto 15">
             <a:extLst>
               <a:ext uri="{FF2B5EF4-FFF2-40B4-BE49-F238E27FC236}">
-                <a16:creationId xmlns:a16="http://schemas.microsoft.com/office/drawing/2014/main" id="{047742C0-EF52-4AF2-86D6-5B896442E2EC}"/>
+                <a16:creationId xmlns:a16="http://schemas.microsoft.com/office/drawing/2014/main" xmlns="" id="{047742C0-EF52-4AF2-86D6-5B896442E2EC}"/>
               </a:ext>
             </a:extLst>
           </p:cNvPr>
@@ -10086,7 +12455,7 @@
 </p:sld>
 </file>
 
-<file path=ppt/slides/slide17.xml><?xml version="1.0" encoding="utf-8"?>
+<file path=ppt/slides/slide19.xml><?xml version="1.0" encoding="utf-8"?>
 <p:sld xmlns:a="http://schemas.openxmlformats.org/drawingml/2006/main" xmlns:r="http://schemas.openxmlformats.org/officeDocument/2006/relationships" xmlns:p="http://schemas.openxmlformats.org/presentationml/2006/main">
   <p:cSld>
     <p:spTree>
@@ -10108,7 +12477,7 @@
           <p:cNvPr id="2" name="Titolo 1">
             <a:extLst>
               <a:ext uri="{FF2B5EF4-FFF2-40B4-BE49-F238E27FC236}">
-                <a16:creationId xmlns:a16="http://schemas.microsoft.com/office/drawing/2014/main" id="{942C5209-3D8A-40BC-A383-3EDC371462AB}"/>
+                <a16:creationId xmlns:a16="http://schemas.microsoft.com/office/drawing/2014/main" xmlns="" id="{942C5209-3D8A-40BC-A383-3EDC371462AB}"/>
               </a:ext>
             </a:extLst>
           </p:cNvPr>
@@ -10141,7 +12510,7 @@
           <p:cNvPr id="4" name="Immagine 3">
             <a:extLst>
               <a:ext uri="{FF2B5EF4-FFF2-40B4-BE49-F238E27FC236}">
-                <a16:creationId xmlns:a16="http://schemas.microsoft.com/office/drawing/2014/main" id="{0C91587A-FCD3-4FAD-B392-0BF22A1C06B5}"/>
+                <a16:creationId xmlns:a16="http://schemas.microsoft.com/office/drawing/2014/main" xmlns="" id="{0C91587A-FCD3-4FAD-B392-0BF22A1C06B5}"/>
               </a:ext>
             </a:extLst>
           </p:cNvPr>
@@ -10170,7 +12539,7 @@
           <p:cNvPr id="5" name="Connettore 2 4">
             <a:extLst>
               <a:ext uri="{FF2B5EF4-FFF2-40B4-BE49-F238E27FC236}">
-                <a16:creationId xmlns:a16="http://schemas.microsoft.com/office/drawing/2014/main" id="{5C901243-4575-4B73-AC6E-B567B2C56876}"/>
+                <a16:creationId xmlns:a16="http://schemas.microsoft.com/office/drawing/2014/main" xmlns="" id="{5C901243-4575-4B73-AC6E-B567B2C56876}"/>
               </a:ext>
             </a:extLst>
           </p:cNvPr>
@@ -10209,7 +12578,7 @@
           <p:cNvPr id="6" name="Immagine 5">
             <a:extLst>
               <a:ext uri="{FF2B5EF4-FFF2-40B4-BE49-F238E27FC236}">
-                <a16:creationId xmlns:a16="http://schemas.microsoft.com/office/drawing/2014/main" id="{E75E7B5E-EEDF-41F1-9A7B-3294D64E0BC6}"/>
+                <a16:creationId xmlns:a16="http://schemas.microsoft.com/office/drawing/2014/main" xmlns="" id="{E75E7B5E-EEDF-41F1-9A7B-3294D64E0BC6}"/>
               </a:ext>
             </a:extLst>
           </p:cNvPr>
@@ -10238,7 +12607,7 @@
           <p:cNvPr id="7" name="Immagine 6">
             <a:extLst>
               <a:ext uri="{FF2B5EF4-FFF2-40B4-BE49-F238E27FC236}">
-                <a16:creationId xmlns:a16="http://schemas.microsoft.com/office/drawing/2014/main" id="{2CB69A5C-47B0-49FC-8238-16A271D76F1F}"/>
+                <a16:creationId xmlns:a16="http://schemas.microsoft.com/office/drawing/2014/main" xmlns="" id="{2CB69A5C-47B0-49FC-8238-16A271D76F1F}"/>
               </a:ext>
             </a:extLst>
           </p:cNvPr>
@@ -10267,7 +12636,7 @@
           <p:cNvPr id="8" name="CasellaDiTesto 7">
             <a:extLst>
               <a:ext uri="{FF2B5EF4-FFF2-40B4-BE49-F238E27FC236}">
-                <a16:creationId xmlns:a16="http://schemas.microsoft.com/office/drawing/2014/main" id="{E8422C2F-064F-4FFA-A390-308839785207}"/>
+                <a16:creationId xmlns:a16="http://schemas.microsoft.com/office/drawing/2014/main" xmlns="" id="{E8422C2F-064F-4FFA-A390-308839785207}"/>
               </a:ext>
             </a:extLst>
           </p:cNvPr>
@@ -10302,7 +12671,7 @@
           <p:cNvPr id="9" name="Connettore 2 8">
             <a:extLst>
               <a:ext uri="{FF2B5EF4-FFF2-40B4-BE49-F238E27FC236}">
-                <a16:creationId xmlns:a16="http://schemas.microsoft.com/office/drawing/2014/main" id="{A94B77DA-B3F6-40A3-A8FB-0229B4A918D0}"/>
+                <a16:creationId xmlns:a16="http://schemas.microsoft.com/office/drawing/2014/main" xmlns="" id="{A94B77DA-B3F6-40A3-A8FB-0229B4A918D0}"/>
               </a:ext>
             </a:extLst>
           </p:cNvPr>
@@ -10341,7 +12710,7 @@
           <p:cNvPr id="10" name="CasellaDiTesto 9">
             <a:extLst>
               <a:ext uri="{FF2B5EF4-FFF2-40B4-BE49-F238E27FC236}">
-                <a16:creationId xmlns:a16="http://schemas.microsoft.com/office/drawing/2014/main" id="{E8A628CF-EF41-42B1-BEA2-FBEDC249F632}"/>
+                <a16:creationId xmlns:a16="http://schemas.microsoft.com/office/drawing/2014/main" xmlns="" id="{E8A628CF-EF41-42B1-BEA2-FBEDC249F632}"/>
               </a:ext>
             </a:extLst>
           </p:cNvPr>
@@ -10376,7 +12745,7 @@
           <p:cNvPr id="11" name="Connettore 2 10">
             <a:extLst>
               <a:ext uri="{FF2B5EF4-FFF2-40B4-BE49-F238E27FC236}">
-                <a16:creationId xmlns:a16="http://schemas.microsoft.com/office/drawing/2014/main" id="{8F3E7577-18B1-4AB4-BF21-3124CDDBB4E8}"/>
+                <a16:creationId xmlns:a16="http://schemas.microsoft.com/office/drawing/2014/main" xmlns="" id="{8F3E7577-18B1-4AB4-BF21-3124CDDBB4E8}"/>
               </a:ext>
             </a:extLst>
           </p:cNvPr>
@@ -10415,7 +12784,7 @@
           <p:cNvPr id="12" name="CasellaDiTesto 11">
             <a:extLst>
               <a:ext uri="{FF2B5EF4-FFF2-40B4-BE49-F238E27FC236}">
-                <a16:creationId xmlns:a16="http://schemas.microsoft.com/office/drawing/2014/main" id="{4DEE5662-11D3-41DA-A4A9-13BB799DB42C}"/>
+                <a16:creationId xmlns:a16="http://schemas.microsoft.com/office/drawing/2014/main" xmlns="" id="{4DEE5662-11D3-41DA-A4A9-13BB799DB42C}"/>
               </a:ext>
             </a:extLst>
           </p:cNvPr>
@@ -10455,7 +12824,7 @@
           <p:cNvPr id="13" name="Connettore 2 12">
             <a:extLst>
               <a:ext uri="{FF2B5EF4-FFF2-40B4-BE49-F238E27FC236}">
-                <a16:creationId xmlns:a16="http://schemas.microsoft.com/office/drawing/2014/main" id="{8366DC5D-03E6-4D2B-8382-566EE2E3B461}"/>
+                <a16:creationId xmlns:a16="http://schemas.microsoft.com/office/drawing/2014/main" xmlns="" id="{8366DC5D-03E6-4D2B-8382-566EE2E3B461}"/>
               </a:ext>
             </a:extLst>
           </p:cNvPr>
@@ -10494,7 +12863,7 @@
           <p:cNvPr id="15" name="CasellaDiTesto 14">
             <a:extLst>
               <a:ext uri="{FF2B5EF4-FFF2-40B4-BE49-F238E27FC236}">
-                <a16:creationId xmlns:a16="http://schemas.microsoft.com/office/drawing/2014/main" id="{1AE5A0ED-B9D0-474E-BBC3-7CCB3679B380}"/>
+                <a16:creationId xmlns:a16="http://schemas.microsoft.com/office/drawing/2014/main" xmlns="" id="{1AE5A0ED-B9D0-474E-BBC3-7CCB3679B380}"/>
               </a:ext>
             </a:extLst>
           </p:cNvPr>
@@ -10529,7 +12898,7 @@
           <p:cNvPr id="16" name="Connettore 2 15">
             <a:extLst>
               <a:ext uri="{FF2B5EF4-FFF2-40B4-BE49-F238E27FC236}">
-                <a16:creationId xmlns:a16="http://schemas.microsoft.com/office/drawing/2014/main" id="{B21057E3-2A5F-4AC7-BE03-F5848BDD5F73}"/>
+                <a16:creationId xmlns:a16="http://schemas.microsoft.com/office/drawing/2014/main" xmlns="" id="{B21057E3-2A5F-4AC7-BE03-F5848BDD5F73}"/>
               </a:ext>
             </a:extLst>
           </p:cNvPr>
@@ -10568,7 +12937,7 @@
           <p:cNvPr id="17" name="CasellaDiTesto 16">
             <a:extLst>
               <a:ext uri="{FF2B5EF4-FFF2-40B4-BE49-F238E27FC236}">
-                <a16:creationId xmlns:a16="http://schemas.microsoft.com/office/drawing/2014/main" id="{EB2678FD-DE2D-42B3-8058-82BC72DEC35E}"/>
+                <a16:creationId xmlns:a16="http://schemas.microsoft.com/office/drawing/2014/main" xmlns="" id="{EB2678FD-DE2D-42B3-8058-82BC72DEC35E}"/>
               </a:ext>
             </a:extLst>
           </p:cNvPr>
@@ -10603,7 +12972,7 @@
           <p:cNvPr id="18" name="Connettore 2 17">
             <a:extLst>
               <a:ext uri="{FF2B5EF4-FFF2-40B4-BE49-F238E27FC236}">
-                <a16:creationId xmlns:a16="http://schemas.microsoft.com/office/drawing/2014/main" id="{813870D7-04CE-48F4-80EF-73F900D6AB57}"/>
+                <a16:creationId xmlns:a16="http://schemas.microsoft.com/office/drawing/2014/main" xmlns="" id="{813870D7-04CE-48F4-80EF-73F900D6AB57}"/>
               </a:ext>
             </a:extLst>
           </p:cNvPr>
@@ -10642,7 +13011,7 @@
           <p:cNvPr id="19" name="CasellaDiTesto 18">
             <a:extLst>
               <a:ext uri="{FF2B5EF4-FFF2-40B4-BE49-F238E27FC236}">
-                <a16:creationId xmlns:a16="http://schemas.microsoft.com/office/drawing/2014/main" id="{68FB1896-926D-469C-A8B6-997662A781E4}"/>
+                <a16:creationId xmlns:a16="http://schemas.microsoft.com/office/drawing/2014/main" xmlns="" id="{68FB1896-926D-469C-A8B6-997662A781E4}"/>
               </a:ext>
             </a:extLst>
           </p:cNvPr>
@@ -10677,7 +13046,7 @@
           <p:cNvPr id="20" name="Segnaposto contenuto 2">
             <a:extLst>
               <a:ext uri="{FF2B5EF4-FFF2-40B4-BE49-F238E27FC236}">
-                <a16:creationId xmlns:a16="http://schemas.microsoft.com/office/drawing/2014/main" id="{DE30BE5C-D0FB-4FA9-AB50-47E18B6A3371}"/>
+                <a16:creationId xmlns:a16="http://schemas.microsoft.com/office/drawing/2014/main" xmlns="" id="{DE30BE5C-D0FB-4FA9-AB50-47E18B6A3371}"/>
               </a:ext>
             </a:extLst>
           </p:cNvPr>
@@ -11209,145 +13578,6 @@
       </p:par>
     </p:tnLst>
   </p:timing>
-</p:sld>
-</file>
-
-<file path=ppt/slides/slide18.xml><?xml version="1.0" encoding="utf-8"?>
-<p:sld xmlns:a="http://schemas.openxmlformats.org/drawingml/2006/main" xmlns:r="http://schemas.openxmlformats.org/officeDocument/2006/relationships" xmlns:p="http://schemas.openxmlformats.org/presentationml/2006/main">
-  <p:cSld>
-    <p:spTree>
-      <p:nvGrpSpPr>
-        <p:cNvPr id="1" name=""/>
-        <p:cNvGrpSpPr/>
-        <p:nvPr/>
-      </p:nvGrpSpPr>
-      <p:grpSpPr>
-        <a:xfrm>
-          <a:off x="0" y="0"/>
-          <a:ext cx="0" cy="0"/>
-          <a:chOff x="0" y="0"/>
-          <a:chExt cx="0" cy="0"/>
-        </a:xfrm>
-      </p:grpSpPr>
-      <p:sp>
-        <p:nvSpPr>
-          <p:cNvPr id="2" name="Titolo 1"/>
-          <p:cNvSpPr>
-            <a:spLocks noGrp="1"/>
-          </p:cNvSpPr>
-          <p:nvPr>
-            <p:ph type="title"/>
-          </p:nvPr>
-        </p:nvSpPr>
-        <p:spPr>
-          <a:xfrm>
-            <a:off x="529191" y="509609"/>
-            <a:ext cx="4321565" cy="1090863"/>
-          </a:xfrm>
-        </p:spPr>
-        <p:txBody>
-          <a:bodyPr>
-            <a:noAutofit/>
-          </a:bodyPr>
-          <a:lstStyle/>
-          <a:p>
-            <a:r>
-              <a:rPr lang="it-CH" sz="6000" dirty="0"/>
-              <a:t>Conclusione</a:t>
-            </a:r>
-          </a:p>
-        </p:txBody>
-      </p:sp>
-    </p:spTree>
-    <p:extLst>
-      <p:ext uri="{BB962C8B-B14F-4D97-AF65-F5344CB8AC3E}">
-        <p14:creationId xmlns:p14="http://schemas.microsoft.com/office/powerpoint/2010/main" val="4236013410"/>
-      </p:ext>
-    </p:extLst>
-  </p:cSld>
-  <p:clrMapOvr>
-    <a:masterClrMapping/>
-  </p:clrMapOvr>
-  <p:transition spd="med">
-    <p:pull/>
-  </p:transition>
-</p:sld>
-</file>
-
-<file path=ppt/slides/slide19.xml><?xml version="1.0" encoding="utf-8"?>
-<p:sld xmlns:a="http://schemas.openxmlformats.org/drawingml/2006/main" xmlns:r="http://schemas.openxmlformats.org/officeDocument/2006/relationships" xmlns:p="http://schemas.openxmlformats.org/presentationml/2006/main">
-  <p:cSld>
-    <p:spTree>
-      <p:nvGrpSpPr>
-        <p:cNvPr id="1" name=""/>
-        <p:cNvGrpSpPr/>
-        <p:nvPr/>
-      </p:nvGrpSpPr>
-      <p:grpSpPr>
-        <a:xfrm>
-          <a:off x="0" y="0"/>
-          <a:ext cx="0" cy="0"/>
-          <a:chOff x="0" y="0"/>
-          <a:chExt cx="0" cy="0"/>
-        </a:xfrm>
-      </p:grpSpPr>
-      <p:sp>
-        <p:nvSpPr>
-          <p:cNvPr id="2" name="Titolo 1"/>
-          <p:cNvSpPr>
-            <a:spLocks noGrp="1"/>
-          </p:cNvSpPr>
-          <p:nvPr>
-            <p:ph type="ctrTitle"/>
-          </p:nvPr>
-        </p:nvSpPr>
-        <p:spPr/>
-        <p:txBody>
-          <a:bodyPr/>
-          <a:lstStyle/>
-          <a:p>
-            <a:r>
-              <a:rPr lang="it-CH" dirty="0"/>
-              <a:t>Domande?</a:t>
-            </a:r>
-          </a:p>
-        </p:txBody>
-      </p:sp>
-      <p:sp>
-        <p:nvSpPr>
-          <p:cNvPr id="3" name="Sottotitolo 2"/>
-          <p:cNvSpPr>
-            <a:spLocks noGrp="1"/>
-          </p:cNvSpPr>
-          <p:nvPr>
-            <p:ph type="subTitle" idx="1"/>
-          </p:nvPr>
-        </p:nvSpPr>
-        <p:spPr/>
-        <p:txBody>
-          <a:bodyPr/>
-          <a:lstStyle/>
-          <a:p>
-            <a:r>
-              <a:rPr lang="it-CH" dirty="0"/>
-              <a:t>Grazie per l’attenzione</a:t>
-            </a:r>
-          </a:p>
-        </p:txBody>
-      </p:sp>
-    </p:spTree>
-    <p:extLst>
-      <p:ext uri="{BB962C8B-B14F-4D97-AF65-F5344CB8AC3E}">
-        <p14:creationId xmlns:p14="http://schemas.microsoft.com/office/powerpoint/2010/main" val="3388456518"/>
-      </p:ext>
-    </p:extLst>
-  </p:cSld>
-  <p:clrMapOvr>
-    <a:masterClrMapping/>
-  </p:clrMapOvr>
-  <p:transition spd="slow">
-    <p:cover/>
-  </p:transition>
 </p:sld>
 </file>
 
@@ -11982,6 +14212,360 @@
     <p:bldLst>
       <p:bldP spid="3" grpId="0" uiExpand="1" build="p"/>
     </p:bldLst>
+  </p:timing>
+</p:sld>
+</file>
+
+<file path=ppt/slides/slide20.xml><?xml version="1.0" encoding="utf-8"?>
+<p:sld xmlns:a="http://schemas.openxmlformats.org/drawingml/2006/main" xmlns:r="http://schemas.openxmlformats.org/officeDocument/2006/relationships" xmlns:p="http://schemas.openxmlformats.org/presentationml/2006/main">
+  <p:cSld>
+    <p:spTree>
+      <p:nvGrpSpPr>
+        <p:cNvPr id="1" name=""/>
+        <p:cNvGrpSpPr/>
+        <p:nvPr/>
+      </p:nvGrpSpPr>
+      <p:grpSpPr>
+        <a:xfrm>
+          <a:off x="0" y="0"/>
+          <a:ext cx="0" cy="0"/>
+          <a:chOff x="0" y="0"/>
+          <a:chExt cx="0" cy="0"/>
+        </a:xfrm>
+      </p:grpSpPr>
+      <p:sp>
+        <p:nvSpPr>
+          <p:cNvPr id="2" name="Titolo 1"/>
+          <p:cNvSpPr>
+            <a:spLocks noGrp="1"/>
+          </p:cNvSpPr>
+          <p:nvPr>
+            <p:ph type="title"/>
+          </p:nvPr>
+        </p:nvSpPr>
+        <p:spPr>
+          <a:xfrm>
+            <a:off x="3935217" y="2883568"/>
+            <a:ext cx="4321565" cy="1090863"/>
+          </a:xfrm>
+        </p:spPr>
+        <p:txBody>
+          <a:bodyPr>
+            <a:noAutofit/>
+          </a:bodyPr>
+          <a:lstStyle/>
+          <a:p>
+            <a:r>
+              <a:rPr lang="it-CH" sz="6000" dirty="0"/>
+              <a:t>Conclusione</a:t>
+            </a:r>
+          </a:p>
+        </p:txBody>
+      </p:sp>
+    </p:spTree>
+    <p:extLst>
+      <p:ext uri="{BB962C8B-B14F-4D97-AF65-F5344CB8AC3E}">
+        <p14:creationId xmlns:p14="http://schemas.microsoft.com/office/powerpoint/2010/main" val="4236013410"/>
+      </p:ext>
+    </p:extLst>
+  </p:cSld>
+  <p:clrMapOvr>
+    <a:masterClrMapping/>
+  </p:clrMapOvr>
+  <p:transition spd="med">
+    <p:pull/>
+  </p:transition>
+  <p:timing>
+    <p:tnLst>
+      <p:par>
+        <p:cTn id="1" dur="indefinite" restart="never" nodeType="tmRoot"/>
+      </p:par>
+    </p:tnLst>
+  </p:timing>
+</p:sld>
+</file>
+
+<file path=ppt/slides/slide21.xml><?xml version="1.0" encoding="utf-8"?>
+<p:sld xmlns:a="http://schemas.openxmlformats.org/drawingml/2006/main" xmlns:r="http://schemas.openxmlformats.org/officeDocument/2006/relationships" xmlns:p="http://schemas.openxmlformats.org/presentationml/2006/main">
+  <p:cSld>
+    <p:spTree>
+      <p:nvGrpSpPr>
+        <p:cNvPr id="1" name=""/>
+        <p:cNvGrpSpPr/>
+        <p:nvPr/>
+      </p:nvGrpSpPr>
+      <p:grpSpPr>
+        <a:xfrm>
+          <a:off x="0" y="0"/>
+          <a:ext cx="0" cy="0"/>
+          <a:chOff x="0" y="0"/>
+          <a:chExt cx="0" cy="0"/>
+        </a:xfrm>
+      </p:grpSpPr>
+      <p:pic>
+        <p:nvPicPr>
+          <p:cNvPr id="4" name="Segnaposto contenuto 2"/>
+          <p:cNvPicPr>
+            <a:picLocks noGrp="1" noChangeAspect="1"/>
+          </p:cNvPicPr>
+          <p:nvPr>
+            <p:ph idx="1"/>
+          </p:nvPr>
+        </p:nvPicPr>
+        <p:blipFill>
+          <a:blip r:embed="rId2"/>
+          <a:stretch>
+            <a:fillRect/>
+          </a:stretch>
+        </p:blipFill>
+        <p:spPr>
+          <a:xfrm>
+            <a:off x="1179970" y="1191126"/>
+            <a:ext cx="9828229" cy="4447861"/>
+          </a:xfrm>
+          <a:prstGeom prst="rect">
+            <a:avLst/>
+          </a:prstGeom>
+        </p:spPr>
+      </p:pic>
+      <p:pic>
+        <p:nvPicPr>
+          <p:cNvPr id="5" name="Immagine 4"/>
+          <p:cNvPicPr>
+            <a:picLocks noChangeAspect="1"/>
+          </p:cNvPicPr>
+          <p:nvPr/>
+        </p:nvPicPr>
+        <p:blipFill>
+          <a:blip r:embed="rId3"/>
+          <a:stretch>
+            <a:fillRect/>
+          </a:stretch>
+        </p:blipFill>
+        <p:spPr>
+          <a:xfrm>
+            <a:off x="1183801" y="1191126"/>
+            <a:ext cx="9824398" cy="4419974"/>
+          </a:xfrm>
+          <a:prstGeom prst="rect">
+            <a:avLst/>
+          </a:prstGeom>
+        </p:spPr>
+      </p:pic>
+    </p:spTree>
+    <p:extLst>
+      <p:ext uri="{BB962C8B-B14F-4D97-AF65-F5344CB8AC3E}">
+        <p14:creationId xmlns:p14="http://schemas.microsoft.com/office/powerpoint/2010/main" val="2411853243"/>
+      </p:ext>
+    </p:extLst>
+  </p:cSld>
+  <p:clrMapOvr>
+    <a:masterClrMapping/>
+  </p:clrMapOvr>
+  <p:timing>
+    <p:tnLst>
+      <p:par>
+        <p:cTn id="1" dur="indefinite" restart="never" nodeType="tmRoot">
+          <p:childTnLst>
+            <p:seq concurrent="1" nextAc="seek">
+              <p:cTn id="2" dur="indefinite" nodeType="mainSeq">
+                <p:childTnLst>
+                  <p:par>
+                    <p:cTn id="3" fill="hold">
+                      <p:stCondLst>
+                        <p:cond delay="indefinite"/>
+                      </p:stCondLst>
+                      <p:childTnLst>
+                        <p:par>
+                          <p:cTn id="4" fill="hold">
+                            <p:stCondLst>
+                              <p:cond delay="0"/>
+                            </p:stCondLst>
+                            <p:childTnLst>
+                              <p:par>
+                                <p:cTn id="5" presetID="2" presetClass="entr" presetSubtype="4" fill="hold" nodeType="clickEffect">
+                                  <p:stCondLst>
+                                    <p:cond delay="0"/>
+                                  </p:stCondLst>
+                                  <p:childTnLst>
+                                    <p:set>
+                                      <p:cBhvr>
+                                        <p:cTn id="6" dur="1" fill="hold">
+                                          <p:stCondLst>
+                                            <p:cond delay="0"/>
+                                          </p:stCondLst>
+                                        </p:cTn>
+                                        <p:tgtEl>
+                                          <p:spTgt spid="5"/>
+                                        </p:tgtEl>
+                                        <p:attrNameLst>
+                                          <p:attrName>style.visibility</p:attrName>
+                                        </p:attrNameLst>
+                                      </p:cBhvr>
+                                      <p:to>
+                                        <p:strVal val="visible"/>
+                                      </p:to>
+                                    </p:set>
+                                    <p:anim calcmode="lin" valueType="num">
+                                      <p:cBhvr additive="base">
+                                        <p:cTn id="7" dur="500" fill="hold"/>
+                                        <p:tgtEl>
+                                          <p:spTgt spid="5"/>
+                                        </p:tgtEl>
+                                        <p:attrNameLst>
+                                          <p:attrName>ppt_x</p:attrName>
+                                        </p:attrNameLst>
+                                      </p:cBhvr>
+                                      <p:tavLst>
+                                        <p:tav tm="0">
+                                          <p:val>
+                                            <p:strVal val="#ppt_x"/>
+                                          </p:val>
+                                        </p:tav>
+                                        <p:tav tm="100000">
+                                          <p:val>
+                                            <p:strVal val="#ppt_x"/>
+                                          </p:val>
+                                        </p:tav>
+                                      </p:tavLst>
+                                    </p:anim>
+                                    <p:anim calcmode="lin" valueType="num">
+                                      <p:cBhvr additive="base">
+                                        <p:cTn id="8" dur="500" fill="hold"/>
+                                        <p:tgtEl>
+                                          <p:spTgt spid="5"/>
+                                        </p:tgtEl>
+                                        <p:attrNameLst>
+                                          <p:attrName>ppt_y</p:attrName>
+                                        </p:attrNameLst>
+                                      </p:cBhvr>
+                                      <p:tavLst>
+                                        <p:tav tm="0">
+                                          <p:val>
+                                            <p:strVal val="1+#ppt_h/2"/>
+                                          </p:val>
+                                        </p:tav>
+                                        <p:tav tm="100000">
+                                          <p:val>
+                                            <p:strVal val="#ppt_y"/>
+                                          </p:val>
+                                        </p:tav>
+                                      </p:tavLst>
+                                    </p:anim>
+                                  </p:childTnLst>
+                                </p:cTn>
+                              </p:par>
+                            </p:childTnLst>
+                          </p:cTn>
+                        </p:par>
+                      </p:childTnLst>
+                    </p:cTn>
+                  </p:par>
+                </p:childTnLst>
+              </p:cTn>
+              <p:prevCondLst>
+                <p:cond evt="onPrev" delay="0">
+                  <p:tgtEl>
+                    <p:sldTgt/>
+                  </p:tgtEl>
+                </p:cond>
+              </p:prevCondLst>
+              <p:nextCondLst>
+                <p:cond evt="onNext" delay="0">
+                  <p:tgtEl>
+                    <p:sldTgt/>
+                  </p:tgtEl>
+                </p:cond>
+              </p:nextCondLst>
+            </p:seq>
+          </p:childTnLst>
+        </p:cTn>
+      </p:par>
+    </p:tnLst>
+  </p:timing>
+</p:sld>
+</file>
+
+<file path=ppt/slides/slide22.xml><?xml version="1.0" encoding="utf-8"?>
+<p:sld xmlns:a="http://schemas.openxmlformats.org/drawingml/2006/main" xmlns:r="http://schemas.openxmlformats.org/officeDocument/2006/relationships" xmlns:p="http://schemas.openxmlformats.org/presentationml/2006/main">
+  <p:cSld>
+    <p:spTree>
+      <p:nvGrpSpPr>
+        <p:cNvPr id="1" name=""/>
+        <p:cNvGrpSpPr/>
+        <p:nvPr/>
+      </p:nvGrpSpPr>
+      <p:grpSpPr>
+        <a:xfrm>
+          <a:off x="0" y="0"/>
+          <a:ext cx="0" cy="0"/>
+          <a:chOff x="0" y="0"/>
+          <a:chExt cx="0" cy="0"/>
+        </a:xfrm>
+      </p:grpSpPr>
+      <p:sp>
+        <p:nvSpPr>
+          <p:cNvPr id="2" name="Titolo 1"/>
+          <p:cNvSpPr>
+            <a:spLocks noGrp="1"/>
+          </p:cNvSpPr>
+          <p:nvPr>
+            <p:ph type="ctrTitle"/>
+          </p:nvPr>
+        </p:nvSpPr>
+        <p:spPr/>
+        <p:txBody>
+          <a:bodyPr/>
+          <a:lstStyle/>
+          <a:p>
+            <a:r>
+              <a:rPr lang="it-CH" dirty="0"/>
+              <a:t>Domande?</a:t>
+            </a:r>
+          </a:p>
+        </p:txBody>
+      </p:sp>
+      <p:sp>
+        <p:nvSpPr>
+          <p:cNvPr id="3" name="Sottotitolo 2"/>
+          <p:cNvSpPr>
+            <a:spLocks noGrp="1"/>
+          </p:cNvSpPr>
+          <p:nvPr>
+            <p:ph type="subTitle" idx="1"/>
+          </p:nvPr>
+        </p:nvSpPr>
+        <p:spPr/>
+        <p:txBody>
+          <a:bodyPr/>
+          <a:lstStyle/>
+          <a:p>
+            <a:r>
+              <a:rPr lang="it-CH" dirty="0"/>
+              <a:t>Grazie per l’attenzione</a:t>
+            </a:r>
+          </a:p>
+        </p:txBody>
+      </p:sp>
+    </p:spTree>
+    <p:extLst>
+      <p:ext uri="{BB962C8B-B14F-4D97-AF65-F5344CB8AC3E}">
+        <p14:creationId xmlns:p14="http://schemas.microsoft.com/office/powerpoint/2010/main" val="3388456518"/>
+      </p:ext>
+    </p:extLst>
+  </p:cSld>
+  <p:clrMapOvr>
+    <a:masterClrMapping/>
+  </p:clrMapOvr>
+  <p:transition spd="slow">
+    <p:cover/>
+  </p:transition>
+  <p:timing>
+    <p:tnLst>
+      <p:par>
+        <p:cTn id="1" dur="indefinite" restart="never" nodeType="tmRoot"/>
+      </p:par>
+    </p:tnLst>
   </p:timing>
 </p:sld>
 </file>
@@ -12546,6 +15130,13 @@
   <p:transition spd="med">
     <p:pull/>
   </p:transition>
+  <p:timing>
+    <p:tnLst>
+      <p:par>
+        <p:cTn id="1" dur="indefinite" restart="never" nodeType="tmRoot"/>
+      </p:par>
+    </p:tnLst>
+  </p:timing>
 </p:sld>
 </file>
 
@@ -12637,6 +15228,13 @@
   <p:transition spd="slow">
     <p:push dir="u"/>
   </p:transition>
+  <p:timing>
+    <p:tnLst>
+      <p:par>
+        <p:cTn id="1" dur="indefinite" restart="never" nodeType="tmRoot"/>
+      </p:par>
+    </p:tnLst>
+  </p:timing>
 </p:sld>
 </file>
 
@@ -12680,9 +15278,10 @@
           <a:lstStyle/>
           <a:p>
             <a:r>
-              <a:rPr lang="it-CH" sz="5400" dirty="0"/>
-              <a:t>Implementazione - Codice</a:t>
-            </a:r>
+              <a:rPr lang="it-CH" sz="5400" dirty="0" smtClean="0"/>
+              <a:t>Tavolo da gioco</a:t>
+            </a:r>
+            <a:endParaRPr lang="it-CH" sz="5400" dirty="0"/>
           </a:p>
         </p:txBody>
       </p:sp>
@@ -12699,6 +15298,13 @@
   <p:transition spd="med">
     <p:pull/>
   </p:transition>
+  <p:timing>
+    <p:tnLst>
+      <p:par>
+        <p:cTn id="1" dur="indefinite" restart="never" nodeType="tmRoot"/>
+      </p:par>
+    </p:tnLst>
+  </p:timing>
 </p:sld>
 </file>
 
@@ -12719,101 +15325,127 @@
           <a:chExt cx="0" cy="0"/>
         </a:xfrm>
       </p:grpSpPr>
-      <p:sp>
-        <p:nvSpPr>
-          <p:cNvPr id="2" name="Titolo 1"/>
-          <p:cNvSpPr>
-            <a:spLocks noGrp="1"/>
-          </p:cNvSpPr>
-          <p:nvPr>
-            <p:ph type="title"/>
-          </p:nvPr>
-        </p:nvSpPr>
-        <p:spPr/>
-        <p:txBody>
-          <a:bodyPr/>
-          <a:lstStyle/>
-          <a:p>
-            <a:r>
-              <a:rPr lang="it-CH" dirty="0"/>
-              <a:t>Algoritmo di timer</a:t>
-            </a:r>
-          </a:p>
-        </p:txBody>
-      </p:sp>
-      <p:sp>
-        <p:nvSpPr>
-          <p:cNvPr id="6" name="Segnaposto contenuto 5"/>
-          <p:cNvSpPr>
-            <a:spLocks noGrp="1"/>
-          </p:cNvSpPr>
-          <p:nvPr>
-            <p:ph idx="1"/>
-          </p:nvPr>
-        </p:nvSpPr>
-        <p:spPr/>
-        <p:txBody>
-          <a:bodyPr/>
-          <a:lstStyle/>
-          <a:p>
-            <a:pPr marL="0" indent="0">
-              <a:buNone/>
-            </a:pPr>
-            <a:r>
-              <a:rPr lang="it-CH" dirty="0"/>
-              <a:t>Componenti utilizzati:</a:t>
-            </a:r>
-          </a:p>
-          <a:p>
-            <a:r>
-              <a:rPr lang="it-CH" dirty="0"/>
-              <a:t>1 - Arduino UNO</a:t>
-            </a:r>
-          </a:p>
-          <a:p>
-            <a:r>
-              <a:rPr lang="it-CH" dirty="0"/>
-              <a:t>1 – Bottone</a:t>
-            </a:r>
-          </a:p>
-          <a:p>
-            <a:r>
-              <a:rPr lang="it-CH" dirty="0"/>
-              <a:t>1 – Led blu</a:t>
-            </a:r>
-          </a:p>
-          <a:p>
-            <a:r>
-              <a:rPr lang="it-CH" dirty="0"/>
-              <a:t>2 – Resistenze</a:t>
-            </a:r>
-          </a:p>
-          <a:p>
-            <a:r>
-              <a:rPr lang="it-CH" dirty="0"/>
-              <a:t>1 - 7 segmenti </a:t>
-            </a:r>
-            <a:r>
-              <a:rPr lang="it-CH" dirty="0" err="1"/>
-              <a:t>Adafruit</a:t>
-            </a:r>
-            <a:endParaRPr lang="it-CH" dirty="0"/>
-          </a:p>
-        </p:txBody>
-      </p:sp>
+      <p:pic>
+        <p:nvPicPr>
+          <p:cNvPr id="5" name="Immagine 4">
+            <a:extLst>
+              <a:ext uri="{FF2B5EF4-FFF2-40B4-BE49-F238E27FC236}">
+                <a16:creationId xmlns:a16="http://schemas.microsoft.com/office/drawing/2014/main" xmlns="" id="{7F3290DE-7FAF-431F-836B-235F407D35A6}"/>
+              </a:ext>
+            </a:extLst>
+          </p:cNvPr>
+          <p:cNvPicPr>
+            <a:picLocks noChangeAspect="1"/>
+          </p:cNvPicPr>
+          <p:nvPr/>
+        </p:nvPicPr>
+        <p:blipFill rotWithShape="1">
+          <a:blip r:embed="rId3">
+            <a:extLst>
+              <a:ext uri="{28A0092B-C50C-407E-A947-70E740481C1C}">
+                <a14:useLocalDpi xmlns:a14="http://schemas.microsoft.com/office/drawing/2010/main" val="0"/>
+              </a:ext>
+            </a:extLst>
+          </a:blip>
+          <a:srcRect b="38522"/>
+          <a:stretch/>
+        </p:blipFill>
+        <p:spPr>
+          <a:xfrm>
+            <a:off x="360502" y="1078297"/>
+            <a:ext cx="5735498" cy="4701405"/>
+          </a:xfrm>
+          <a:prstGeom prst="rect">
+            <a:avLst/>
+          </a:prstGeom>
+        </p:spPr>
+      </p:pic>
+      <p:pic>
+        <p:nvPicPr>
+          <p:cNvPr id="9" name="Immagine 8">
+            <a:extLst>
+              <a:ext uri="{FF2B5EF4-FFF2-40B4-BE49-F238E27FC236}">
+                <a16:creationId xmlns:a16="http://schemas.microsoft.com/office/drawing/2014/main" xmlns="" id="{C5B87206-EFC1-4A15-9090-BC444BC8AB92}"/>
+              </a:ext>
+            </a:extLst>
+          </p:cNvPr>
+          <p:cNvPicPr>
+            <a:picLocks noChangeAspect="1"/>
+          </p:cNvPicPr>
+          <p:nvPr/>
+        </p:nvPicPr>
+        <p:blipFill>
+          <a:blip r:embed="rId4">
+            <a:extLst>
+              <a:ext uri="{28A0092B-C50C-407E-A947-70E740481C1C}">
+                <a14:useLocalDpi xmlns:a14="http://schemas.microsoft.com/office/drawing/2010/main" val="0"/>
+              </a:ext>
+            </a:extLst>
+          </a:blip>
+          <a:stretch>
+            <a:fillRect/>
+          </a:stretch>
+        </p:blipFill>
+        <p:spPr>
+          <a:xfrm>
+            <a:off x="5458114" y="217170"/>
+            <a:ext cx="3714718" cy="2512060"/>
+          </a:xfrm>
+          <a:prstGeom prst="rect">
+            <a:avLst/>
+          </a:prstGeom>
+        </p:spPr>
+      </p:pic>
+      <p:pic>
+        <p:nvPicPr>
+          <p:cNvPr id="10" name="Immagine 9">
+            <a:extLst>
+              <a:ext uri="{FF2B5EF4-FFF2-40B4-BE49-F238E27FC236}">
+                <a16:creationId xmlns:a16="http://schemas.microsoft.com/office/drawing/2014/main" xmlns="" id="{FE4D885D-2EBA-4C2B-8218-6F38BF185A6A}"/>
+              </a:ext>
+            </a:extLst>
+          </p:cNvPr>
+          <p:cNvPicPr>
+            <a:picLocks noChangeAspect="1"/>
+          </p:cNvPicPr>
+          <p:nvPr/>
+        </p:nvPicPr>
+        <p:blipFill>
+          <a:blip r:embed="rId5"/>
+          <a:stretch>
+            <a:fillRect/>
+          </a:stretch>
+        </p:blipFill>
+        <p:spPr>
+          <a:xfrm>
+            <a:off x="6778799" y="2906629"/>
+            <a:ext cx="3705225" cy="3257550"/>
+          </a:xfrm>
+          <a:prstGeom prst="rect">
+            <a:avLst/>
+          </a:prstGeom>
+        </p:spPr>
+      </p:pic>
     </p:spTree>
     <p:extLst>
       <p:ext uri="{BB962C8B-B14F-4D97-AF65-F5344CB8AC3E}">
-        <p14:creationId xmlns:p14="http://schemas.microsoft.com/office/powerpoint/2010/main" val="182796701"/>
+        <p14:creationId xmlns:p14="http://schemas.microsoft.com/office/powerpoint/2010/main" val="2615941356"/>
       </p:ext>
     </p:extLst>
   </p:cSld>
   <p:clrMapOvr>
     <a:masterClrMapping/>
   </p:clrMapOvr>
-  <p:transition spd="med">
-    <p:pull/>
+  <p:transition spd="slow">
+    <p:push/>
   </p:transition>
+  <p:timing>
+    <p:tnLst>
+      <p:par>
+        <p:cTn id="1" dur="indefinite" restart="never" nodeType="tmRoot"/>
+      </p:par>
+    </p:tnLst>
+  </p:timing>
 </p:sld>
 </file>
 
@@ -12844,407 +15476,30 @@
             <p:ph type="title"/>
           </p:nvPr>
         </p:nvSpPr>
-        <p:spPr/>
-        <p:txBody>
-          <a:bodyPr/>
-          <a:lstStyle/>
-          <a:p>
-            <a:r>
-              <a:rPr lang="it-CH" dirty="0"/>
-              <a:t>Algoritmo di timer</a:t>
-            </a:r>
-          </a:p>
-        </p:txBody>
-      </p:sp>
-      <p:pic>
-        <p:nvPicPr>
-          <p:cNvPr id="3" name="Segnaposto contenuto 2"/>
-          <p:cNvPicPr>
-            <a:picLocks noGrp="1" noChangeAspect="1"/>
-          </p:cNvPicPr>
-          <p:nvPr>
-            <p:ph idx="1"/>
-          </p:nvPr>
-        </p:nvPicPr>
-        <p:blipFill>
-          <a:blip r:embed="rId3"/>
-          <a:stretch>
-            <a:fillRect/>
-          </a:stretch>
-        </p:blipFill>
         <p:spPr>
           <a:xfrm>
-            <a:off x="677334" y="1930400"/>
-            <a:ext cx="5418666" cy="1339167"/>
+            <a:off x="445168" y="2768600"/>
+            <a:ext cx="9949166" cy="1320800"/>
           </a:xfrm>
-          <a:prstGeom prst="rect">
-            <a:avLst/>
-          </a:prstGeom>
-          <a:ln w="38100">
-            <a:solidFill>
-              <a:schemeClr val="accent1"/>
-            </a:solidFill>
-          </a:ln>
         </p:spPr>
-      </p:pic>
-      <p:cxnSp>
-        <p:nvCxnSpPr>
-          <p:cNvPr id="7" name="Connettore 2 6"/>
-          <p:cNvCxnSpPr>
-            <a:stCxn id="3" idx="3"/>
-          </p:cNvCxnSpPr>
-          <p:nvPr/>
-        </p:nvCxnSpPr>
-        <p:spPr>
-          <a:xfrm flipV="1">
-            <a:off x="6096000" y="2586789"/>
-            <a:ext cx="737937" cy="13195"/>
-          </a:xfrm>
-          <a:prstGeom prst="straightConnector1">
-            <a:avLst/>
-          </a:prstGeom>
-          <a:ln w="38100">
-            <a:tailEnd type="triangle"/>
-          </a:ln>
-        </p:spPr>
-        <p:style>
-          <a:lnRef idx="1">
-            <a:schemeClr val="accent1"/>
-          </a:lnRef>
-          <a:fillRef idx="0">
-            <a:schemeClr val="accent1"/>
-          </a:fillRef>
-          <a:effectRef idx="0">
-            <a:schemeClr val="accent1"/>
-          </a:effectRef>
-          <a:fontRef idx="minor">
-            <a:schemeClr val="tx1"/>
-          </a:fontRef>
-        </p:style>
-      </p:cxnSp>
-      <p:sp>
-        <p:nvSpPr>
-          <p:cNvPr id="8" name="CasellaDiTesto 7"/>
-          <p:cNvSpPr txBox="1"/>
-          <p:nvPr/>
-        </p:nvSpPr>
-        <p:spPr>
-          <a:xfrm>
-            <a:off x="6833936" y="2276818"/>
-            <a:ext cx="3441032" cy="646331"/>
-          </a:xfrm>
-          <a:prstGeom prst="rect">
-            <a:avLst/>
-          </a:prstGeom>
-          <a:noFill/>
-          <a:ln w="38100">
-            <a:solidFill>
-              <a:schemeClr val="accent1"/>
-            </a:solidFill>
-          </a:ln>
-        </p:spPr>
-        <p:txBody>
-          <a:bodyPr wrap="square" rtlCol="0">
-            <a:spAutoFit/>
+        <p:txBody>
+          <a:bodyPr anchor="ctr">
+            <a:noAutofit/>
           </a:bodyPr>
           <a:lstStyle/>
           <a:p>
             <a:r>
-              <a:rPr lang="it-CH" dirty="0"/>
-              <a:t>Importo pacchetti </a:t>
-            </a:r>
-            <a:r>
-              <a:rPr lang="it-CH" dirty="0" err="1"/>
-              <a:t>Adafruit</a:t>
-            </a:r>
-            <a:r>
-              <a:rPr lang="it-CH" dirty="0"/>
-              <a:t> </a:t>
-            </a:r>
-          </a:p>
-          <a:p>
-            <a:r>
-              <a:rPr lang="it-CH" dirty="0"/>
-              <a:t>e inizializzo la 7 segmenti</a:t>
-            </a:r>
-          </a:p>
-        </p:txBody>
-      </p:sp>
-      <p:pic>
-        <p:nvPicPr>
-          <p:cNvPr id="16" name="Immagine 15"/>
-          <p:cNvPicPr>
-            <a:picLocks noChangeAspect="1"/>
-          </p:cNvPicPr>
-          <p:nvPr/>
-        </p:nvPicPr>
-        <p:blipFill rotWithShape="1">
-          <a:blip r:embed="rId4"/>
-          <a:srcRect b="61619"/>
-          <a:stretch/>
-        </p:blipFill>
-        <p:spPr>
-          <a:xfrm>
-            <a:off x="677334" y="3561347"/>
-            <a:ext cx="5418666" cy="2909993"/>
-          </a:xfrm>
-          <a:prstGeom prst="rect">
-            <a:avLst/>
-          </a:prstGeom>
-          <a:ln w="38100">
-            <a:solidFill>
-              <a:schemeClr val="accent3">
-                <a:lumMod val="60000"/>
-                <a:lumOff val="40000"/>
-              </a:schemeClr>
-            </a:solidFill>
-          </a:ln>
-        </p:spPr>
-      </p:pic>
-      <p:cxnSp>
-        <p:nvCxnSpPr>
-          <p:cNvPr id="17" name="Connettore 2 16"/>
-          <p:cNvCxnSpPr>
-            <a:stCxn id="16" idx="3"/>
-            <a:endCxn id="18" idx="1"/>
-          </p:cNvCxnSpPr>
-          <p:nvPr/>
-        </p:nvCxnSpPr>
-        <p:spPr>
-          <a:xfrm flipV="1">
-            <a:off x="6096000" y="4054981"/>
-            <a:ext cx="737936" cy="961363"/>
-          </a:xfrm>
-          <a:prstGeom prst="straightConnector1">
-            <a:avLst/>
-          </a:prstGeom>
-          <a:ln w="38100">
-            <a:tailEnd type="triangle"/>
-          </a:ln>
-        </p:spPr>
-        <p:style>
-          <a:lnRef idx="1">
-            <a:schemeClr val="accent1"/>
-          </a:lnRef>
-          <a:fillRef idx="0">
-            <a:schemeClr val="accent1"/>
-          </a:fillRef>
-          <a:effectRef idx="0">
-            <a:schemeClr val="accent1"/>
-          </a:effectRef>
-          <a:fontRef idx="minor">
-            <a:schemeClr val="tx1"/>
-          </a:fontRef>
-        </p:style>
-      </p:cxnSp>
-      <p:sp>
-        <p:nvSpPr>
-          <p:cNvPr id="18" name="CasellaDiTesto 17"/>
-          <p:cNvSpPr txBox="1"/>
-          <p:nvPr/>
-        </p:nvSpPr>
-        <p:spPr>
-          <a:xfrm>
-            <a:off x="6833936" y="3731815"/>
-            <a:ext cx="3441031" cy="646331"/>
-          </a:xfrm>
-          <a:prstGeom prst="rect">
-            <a:avLst/>
-          </a:prstGeom>
-          <a:noFill/>
-          <a:ln w="38100">
-            <a:solidFill>
-              <a:schemeClr val="accent1"/>
-            </a:solidFill>
-          </a:ln>
-        </p:spPr>
-        <p:txBody>
-          <a:bodyPr wrap="square" rtlCol="0">
-            <a:spAutoFit/>
-          </a:bodyPr>
-          <a:lstStyle/>
-          <a:p>
-            <a:r>
-              <a:rPr lang="it-CH" u="sng" dirty="0"/>
-              <a:t>m</a:t>
-            </a:r>
-            <a:r>
-              <a:rPr lang="it-CH" dirty="0"/>
-              <a:t> rappresenta i minuti</a:t>
-            </a:r>
-          </a:p>
-          <a:p>
-            <a:r>
-              <a:rPr lang="it-CH" u="sng" dirty="0"/>
-              <a:t>t</a:t>
-            </a:r>
-            <a:r>
-              <a:rPr lang="it-CH" dirty="0"/>
-              <a:t> rappresenta i secondi totali</a:t>
-            </a:r>
-          </a:p>
-        </p:txBody>
-      </p:sp>
-      <p:cxnSp>
-        <p:nvCxnSpPr>
-          <p:cNvPr id="21" name="Connettore 2 20"/>
-          <p:cNvCxnSpPr>
-            <a:stCxn id="16" idx="3"/>
-            <a:endCxn id="22" idx="1"/>
-          </p:cNvCxnSpPr>
-          <p:nvPr/>
-        </p:nvCxnSpPr>
-        <p:spPr>
-          <a:xfrm flipV="1">
-            <a:off x="6096000" y="5011262"/>
-            <a:ext cx="737936" cy="5082"/>
-          </a:xfrm>
-          <a:prstGeom prst="straightConnector1">
-            <a:avLst/>
-          </a:prstGeom>
-          <a:ln w="38100">
-            <a:tailEnd type="triangle"/>
-          </a:ln>
-        </p:spPr>
-        <p:style>
-          <a:lnRef idx="1">
-            <a:schemeClr val="accent1"/>
-          </a:lnRef>
-          <a:fillRef idx="0">
-            <a:schemeClr val="accent1"/>
-          </a:fillRef>
-          <a:effectRef idx="0">
-            <a:schemeClr val="accent1"/>
-          </a:effectRef>
-          <a:fontRef idx="minor">
-            <a:schemeClr val="tx1"/>
-          </a:fontRef>
-        </p:style>
-      </p:cxnSp>
-      <p:sp>
-        <p:nvSpPr>
-          <p:cNvPr id="22" name="CasellaDiTesto 21"/>
-          <p:cNvSpPr txBox="1"/>
-          <p:nvPr/>
-        </p:nvSpPr>
-        <p:spPr>
-          <a:xfrm>
-            <a:off x="6833936" y="4826596"/>
-            <a:ext cx="3441031" cy="369332"/>
-          </a:xfrm>
-          <a:prstGeom prst="rect">
-            <a:avLst/>
-          </a:prstGeom>
-          <a:noFill/>
-          <a:ln w="38100">
-            <a:solidFill>
-              <a:schemeClr val="accent1"/>
-            </a:solidFill>
-          </a:ln>
-        </p:spPr>
-        <p:txBody>
-          <a:bodyPr wrap="square" rtlCol="0">
-            <a:spAutoFit/>
-          </a:bodyPr>
-          <a:lstStyle/>
-          <a:p>
-            <a:r>
-              <a:rPr lang="it-CH" dirty="0" err="1"/>
-              <a:t>matrix.drawColon</a:t>
-            </a:r>
-            <a:r>
-              <a:rPr lang="it-CH" dirty="0"/>
-              <a:t>(</a:t>
-            </a:r>
-            <a:r>
-              <a:rPr lang="it-CH" dirty="0" err="1"/>
-              <a:t>duePunti</a:t>
-            </a:r>
-            <a:r>
-              <a:rPr lang="it-CH" dirty="0"/>
-              <a:t>)</a:t>
-            </a:r>
-          </a:p>
-        </p:txBody>
-      </p:sp>
-      <p:cxnSp>
-        <p:nvCxnSpPr>
-          <p:cNvPr id="29" name="Connettore 2 28"/>
-          <p:cNvCxnSpPr>
-            <a:stCxn id="16" idx="3"/>
-            <a:endCxn id="30" idx="1"/>
-          </p:cNvCxnSpPr>
-          <p:nvPr/>
-        </p:nvCxnSpPr>
-        <p:spPr>
-          <a:xfrm>
-            <a:off x="6096000" y="5016344"/>
-            <a:ext cx="737936" cy="950087"/>
-          </a:xfrm>
-          <a:prstGeom prst="straightConnector1">
-            <a:avLst/>
-          </a:prstGeom>
-          <a:ln w="38100">
-            <a:tailEnd type="triangle"/>
-          </a:ln>
-        </p:spPr>
-        <p:style>
-          <a:lnRef idx="1">
-            <a:schemeClr val="accent1"/>
-          </a:lnRef>
-          <a:fillRef idx="0">
-            <a:schemeClr val="accent1"/>
-          </a:fillRef>
-          <a:effectRef idx="0">
-            <a:schemeClr val="accent1"/>
-          </a:effectRef>
-          <a:fontRef idx="minor">
-            <a:schemeClr val="tx1"/>
-          </a:fontRef>
-        </p:style>
-      </p:cxnSp>
-      <p:sp>
-        <p:nvSpPr>
-          <p:cNvPr id="30" name="CasellaDiTesto 29"/>
-          <p:cNvSpPr txBox="1"/>
-          <p:nvPr/>
-        </p:nvSpPr>
-        <p:spPr>
-          <a:xfrm>
-            <a:off x="6833936" y="5643265"/>
-            <a:ext cx="3441032" cy="646331"/>
-          </a:xfrm>
-          <a:prstGeom prst="rect">
-            <a:avLst/>
-          </a:prstGeom>
-          <a:noFill/>
-          <a:ln w="38100">
-            <a:solidFill>
-              <a:schemeClr val="accent1"/>
-            </a:solidFill>
-          </a:ln>
-        </p:spPr>
-        <p:txBody>
-          <a:bodyPr wrap="square" rtlCol="0">
-            <a:spAutoFit/>
-          </a:bodyPr>
-          <a:lstStyle/>
-          <a:p>
-            <a:r>
-              <a:rPr lang="it-CH" dirty="0" err="1"/>
-              <a:t>matrix.writeDigitNum</a:t>
-            </a:r>
-            <a:r>
-              <a:rPr lang="it-CH" dirty="0"/>
-              <a:t>(colonna, valore, punto)</a:t>
-            </a:r>
+              <a:rPr lang="it-CH" sz="5400" dirty="0" smtClean="0"/>
+              <a:t>Implementazione</a:t>
+            </a:r>
+            <a:endParaRPr lang="it-CH" sz="5400" dirty="0"/>
           </a:p>
         </p:txBody>
       </p:sp>
     </p:spTree>
     <p:extLst>
       <p:ext uri="{BB962C8B-B14F-4D97-AF65-F5344CB8AC3E}">
-        <p14:creationId xmlns:p14="http://schemas.microsoft.com/office/powerpoint/2010/main" val="1979014917"/>
+        <p14:creationId xmlns:p14="http://schemas.microsoft.com/office/powerpoint/2010/main" val="92564947"/>
       </p:ext>
     </p:extLst>
   </p:cSld>
@@ -13257,858 +15512,9 @@
   <p:timing>
     <p:tnLst>
       <p:par>
-        <p:cTn id="1" dur="indefinite" restart="never" nodeType="tmRoot">
-          <p:childTnLst>
-            <p:seq concurrent="1" nextAc="seek">
-              <p:cTn id="2" dur="indefinite" nodeType="mainSeq">
-                <p:childTnLst>
-                  <p:par>
-                    <p:cTn id="3" fill="hold">
-                      <p:stCondLst>
-                        <p:cond delay="indefinite"/>
-                      </p:stCondLst>
-                      <p:childTnLst>
-                        <p:par>
-                          <p:cTn id="4" fill="hold">
-                            <p:stCondLst>
-                              <p:cond delay="0"/>
-                            </p:stCondLst>
-                            <p:childTnLst>
-                              <p:par>
-                                <p:cTn id="5" presetID="2" presetClass="entr" presetSubtype="2" fill="hold" grpId="0" nodeType="clickEffect">
-                                  <p:stCondLst>
-                                    <p:cond delay="0"/>
-                                  </p:stCondLst>
-                                  <p:childTnLst>
-                                    <p:set>
-                                      <p:cBhvr>
-                                        <p:cTn id="6" dur="1" fill="hold">
-                                          <p:stCondLst>
-                                            <p:cond delay="0"/>
-                                          </p:stCondLst>
-                                        </p:cTn>
-                                        <p:tgtEl>
-                                          <p:spTgt spid="8"/>
-                                        </p:tgtEl>
-                                        <p:attrNameLst>
-                                          <p:attrName>style.visibility</p:attrName>
-                                        </p:attrNameLst>
-                                      </p:cBhvr>
-                                      <p:to>
-                                        <p:strVal val="visible"/>
-                                      </p:to>
-                                    </p:set>
-                                    <p:anim calcmode="lin" valueType="num">
-                                      <p:cBhvr additive="base">
-                                        <p:cTn id="7" dur="500" fill="hold"/>
-                                        <p:tgtEl>
-                                          <p:spTgt spid="8"/>
-                                        </p:tgtEl>
-                                        <p:attrNameLst>
-                                          <p:attrName>ppt_x</p:attrName>
-                                        </p:attrNameLst>
-                                      </p:cBhvr>
-                                      <p:tavLst>
-                                        <p:tav tm="0">
-                                          <p:val>
-                                            <p:strVal val="1+#ppt_w/2"/>
-                                          </p:val>
-                                        </p:tav>
-                                        <p:tav tm="100000">
-                                          <p:val>
-                                            <p:strVal val="#ppt_x"/>
-                                          </p:val>
-                                        </p:tav>
-                                      </p:tavLst>
-                                    </p:anim>
-                                    <p:anim calcmode="lin" valueType="num">
-                                      <p:cBhvr additive="base">
-                                        <p:cTn id="8" dur="500" fill="hold"/>
-                                        <p:tgtEl>
-                                          <p:spTgt spid="8"/>
-                                        </p:tgtEl>
-                                        <p:attrNameLst>
-                                          <p:attrName>ppt_y</p:attrName>
-                                        </p:attrNameLst>
-                                      </p:cBhvr>
-                                      <p:tavLst>
-                                        <p:tav tm="0">
-                                          <p:val>
-                                            <p:strVal val="#ppt_y"/>
-                                          </p:val>
-                                        </p:tav>
-                                        <p:tav tm="100000">
-                                          <p:val>
-                                            <p:strVal val="#ppt_y"/>
-                                          </p:val>
-                                        </p:tav>
-                                      </p:tavLst>
-                                    </p:anim>
-                                  </p:childTnLst>
-                                </p:cTn>
-                              </p:par>
-                              <p:par>
-                                <p:cTn id="9" presetID="2" presetClass="entr" presetSubtype="2" fill="hold" nodeType="withEffect">
-                                  <p:stCondLst>
-                                    <p:cond delay="0"/>
-                                  </p:stCondLst>
-                                  <p:childTnLst>
-                                    <p:set>
-                                      <p:cBhvr>
-                                        <p:cTn id="10" dur="1" fill="hold">
-                                          <p:stCondLst>
-                                            <p:cond delay="0"/>
-                                          </p:stCondLst>
-                                        </p:cTn>
-                                        <p:tgtEl>
-                                          <p:spTgt spid="7"/>
-                                        </p:tgtEl>
-                                        <p:attrNameLst>
-                                          <p:attrName>style.visibility</p:attrName>
-                                        </p:attrNameLst>
-                                      </p:cBhvr>
-                                      <p:to>
-                                        <p:strVal val="visible"/>
-                                      </p:to>
-                                    </p:set>
-                                    <p:anim calcmode="lin" valueType="num">
-                                      <p:cBhvr additive="base">
-                                        <p:cTn id="11" dur="500" fill="hold"/>
-                                        <p:tgtEl>
-                                          <p:spTgt spid="7"/>
-                                        </p:tgtEl>
-                                        <p:attrNameLst>
-                                          <p:attrName>ppt_x</p:attrName>
-                                        </p:attrNameLst>
-                                      </p:cBhvr>
-                                      <p:tavLst>
-                                        <p:tav tm="0">
-                                          <p:val>
-                                            <p:strVal val="1+#ppt_w/2"/>
-                                          </p:val>
-                                        </p:tav>
-                                        <p:tav tm="100000">
-                                          <p:val>
-                                            <p:strVal val="#ppt_x"/>
-                                          </p:val>
-                                        </p:tav>
-                                      </p:tavLst>
-                                    </p:anim>
-                                    <p:anim calcmode="lin" valueType="num">
-                                      <p:cBhvr additive="base">
-                                        <p:cTn id="12" dur="500" fill="hold"/>
-                                        <p:tgtEl>
-                                          <p:spTgt spid="7"/>
-                                        </p:tgtEl>
-                                        <p:attrNameLst>
-                                          <p:attrName>ppt_y</p:attrName>
-                                        </p:attrNameLst>
-                                      </p:cBhvr>
-                                      <p:tavLst>
-                                        <p:tav tm="0">
-                                          <p:val>
-                                            <p:strVal val="#ppt_y"/>
-                                          </p:val>
-                                        </p:tav>
-                                        <p:tav tm="100000">
-                                          <p:val>
-                                            <p:strVal val="#ppt_y"/>
-                                          </p:val>
-                                        </p:tav>
-                                      </p:tavLst>
-                                    </p:anim>
-                                  </p:childTnLst>
-                                </p:cTn>
-                              </p:par>
-                              <p:par>
-                                <p:cTn id="13" presetID="2" presetClass="entr" presetSubtype="2" fill="hold" nodeType="withEffect">
-                                  <p:stCondLst>
-                                    <p:cond delay="0"/>
-                                  </p:stCondLst>
-                                  <p:childTnLst>
-                                    <p:set>
-                                      <p:cBhvr>
-                                        <p:cTn id="14" dur="1" fill="hold">
-                                          <p:stCondLst>
-                                            <p:cond delay="0"/>
-                                          </p:stCondLst>
-                                        </p:cTn>
-                                        <p:tgtEl>
-                                          <p:spTgt spid="3"/>
-                                        </p:tgtEl>
-                                        <p:attrNameLst>
-                                          <p:attrName>style.visibility</p:attrName>
-                                        </p:attrNameLst>
-                                      </p:cBhvr>
-                                      <p:to>
-                                        <p:strVal val="visible"/>
-                                      </p:to>
-                                    </p:set>
-                                    <p:anim calcmode="lin" valueType="num">
-                                      <p:cBhvr additive="base">
-                                        <p:cTn id="15" dur="500" fill="hold"/>
-                                        <p:tgtEl>
-                                          <p:spTgt spid="3"/>
-                                        </p:tgtEl>
-                                        <p:attrNameLst>
-                                          <p:attrName>ppt_x</p:attrName>
-                                        </p:attrNameLst>
-                                      </p:cBhvr>
-                                      <p:tavLst>
-                                        <p:tav tm="0">
-                                          <p:val>
-                                            <p:strVal val="1+#ppt_w/2"/>
-                                          </p:val>
-                                        </p:tav>
-                                        <p:tav tm="100000">
-                                          <p:val>
-                                            <p:strVal val="#ppt_x"/>
-                                          </p:val>
-                                        </p:tav>
-                                      </p:tavLst>
-                                    </p:anim>
-                                    <p:anim calcmode="lin" valueType="num">
-                                      <p:cBhvr additive="base">
-                                        <p:cTn id="16" dur="500" fill="hold"/>
-                                        <p:tgtEl>
-                                          <p:spTgt spid="3"/>
-                                        </p:tgtEl>
-                                        <p:attrNameLst>
-                                          <p:attrName>ppt_y</p:attrName>
-                                        </p:attrNameLst>
-                                      </p:cBhvr>
-                                      <p:tavLst>
-                                        <p:tav tm="0">
-                                          <p:val>
-                                            <p:strVal val="#ppt_y"/>
-                                          </p:val>
-                                        </p:tav>
-                                        <p:tav tm="100000">
-                                          <p:val>
-                                            <p:strVal val="#ppt_y"/>
-                                          </p:val>
-                                        </p:tav>
-                                      </p:tavLst>
-                                    </p:anim>
-                                  </p:childTnLst>
-                                </p:cTn>
-                              </p:par>
-                            </p:childTnLst>
-                          </p:cTn>
-                        </p:par>
-                      </p:childTnLst>
-                    </p:cTn>
-                  </p:par>
-                  <p:par>
-                    <p:cTn id="17" fill="hold">
-                      <p:stCondLst>
-                        <p:cond delay="indefinite"/>
-                      </p:stCondLst>
-                      <p:childTnLst>
-                        <p:par>
-                          <p:cTn id="18" fill="hold">
-                            <p:stCondLst>
-                              <p:cond delay="0"/>
-                            </p:stCondLst>
-                            <p:childTnLst>
-                              <p:par>
-                                <p:cTn id="19" presetID="2" presetClass="entr" presetSubtype="4" fill="hold" nodeType="clickEffect">
-                                  <p:stCondLst>
-                                    <p:cond delay="0"/>
-                                  </p:stCondLst>
-                                  <p:childTnLst>
-                                    <p:set>
-                                      <p:cBhvr>
-                                        <p:cTn id="20" dur="1" fill="hold">
-                                          <p:stCondLst>
-                                            <p:cond delay="0"/>
-                                          </p:stCondLst>
-                                        </p:cTn>
-                                        <p:tgtEl>
-                                          <p:spTgt spid="16"/>
-                                        </p:tgtEl>
-                                        <p:attrNameLst>
-                                          <p:attrName>style.visibility</p:attrName>
-                                        </p:attrNameLst>
-                                      </p:cBhvr>
-                                      <p:to>
-                                        <p:strVal val="visible"/>
-                                      </p:to>
-                                    </p:set>
-                                    <p:anim calcmode="lin" valueType="num">
-                                      <p:cBhvr additive="base">
-                                        <p:cTn id="21" dur="500" fill="hold"/>
-                                        <p:tgtEl>
-                                          <p:spTgt spid="16"/>
-                                        </p:tgtEl>
-                                        <p:attrNameLst>
-                                          <p:attrName>ppt_x</p:attrName>
-                                        </p:attrNameLst>
-                                      </p:cBhvr>
-                                      <p:tavLst>
-                                        <p:tav tm="0">
-                                          <p:val>
-                                            <p:strVal val="#ppt_x"/>
-                                          </p:val>
-                                        </p:tav>
-                                        <p:tav tm="100000">
-                                          <p:val>
-                                            <p:strVal val="#ppt_x"/>
-                                          </p:val>
-                                        </p:tav>
-                                      </p:tavLst>
-                                    </p:anim>
-                                    <p:anim calcmode="lin" valueType="num">
-                                      <p:cBhvr additive="base">
-                                        <p:cTn id="22" dur="500" fill="hold"/>
-                                        <p:tgtEl>
-                                          <p:spTgt spid="16"/>
-                                        </p:tgtEl>
-                                        <p:attrNameLst>
-                                          <p:attrName>ppt_y</p:attrName>
-                                        </p:attrNameLst>
-                                      </p:cBhvr>
-                                      <p:tavLst>
-                                        <p:tav tm="0">
-                                          <p:val>
-                                            <p:strVal val="1+#ppt_h/2"/>
-                                          </p:val>
-                                        </p:tav>
-                                        <p:tav tm="100000">
-                                          <p:val>
-                                            <p:strVal val="#ppt_y"/>
-                                          </p:val>
-                                        </p:tav>
-                                      </p:tavLst>
-                                    </p:anim>
-                                  </p:childTnLst>
-                                </p:cTn>
-                              </p:par>
-                            </p:childTnLst>
-                          </p:cTn>
-                        </p:par>
-                      </p:childTnLst>
-                    </p:cTn>
-                  </p:par>
-                  <p:par>
-                    <p:cTn id="23" fill="hold">
-                      <p:stCondLst>
-                        <p:cond delay="indefinite"/>
-                      </p:stCondLst>
-                      <p:childTnLst>
-                        <p:par>
-                          <p:cTn id="24" fill="hold">
-                            <p:stCondLst>
-                              <p:cond delay="0"/>
-                            </p:stCondLst>
-                            <p:childTnLst>
-                              <p:par>
-                                <p:cTn id="25" presetID="2" presetClass="entr" presetSubtype="2" fill="hold" grpId="0" nodeType="clickEffect">
-                                  <p:stCondLst>
-                                    <p:cond delay="0"/>
-                                  </p:stCondLst>
-                                  <p:childTnLst>
-                                    <p:set>
-                                      <p:cBhvr>
-                                        <p:cTn id="26" dur="1" fill="hold">
-                                          <p:stCondLst>
-                                            <p:cond delay="0"/>
-                                          </p:stCondLst>
-                                        </p:cTn>
-                                        <p:tgtEl>
-                                          <p:spTgt spid="18"/>
-                                        </p:tgtEl>
-                                        <p:attrNameLst>
-                                          <p:attrName>style.visibility</p:attrName>
-                                        </p:attrNameLst>
-                                      </p:cBhvr>
-                                      <p:to>
-                                        <p:strVal val="visible"/>
-                                      </p:to>
-                                    </p:set>
-                                    <p:anim calcmode="lin" valueType="num">
-                                      <p:cBhvr additive="base">
-                                        <p:cTn id="27" dur="500" fill="hold"/>
-                                        <p:tgtEl>
-                                          <p:spTgt spid="18"/>
-                                        </p:tgtEl>
-                                        <p:attrNameLst>
-                                          <p:attrName>ppt_x</p:attrName>
-                                        </p:attrNameLst>
-                                      </p:cBhvr>
-                                      <p:tavLst>
-                                        <p:tav tm="0">
-                                          <p:val>
-                                            <p:strVal val="1+#ppt_w/2"/>
-                                          </p:val>
-                                        </p:tav>
-                                        <p:tav tm="100000">
-                                          <p:val>
-                                            <p:strVal val="#ppt_x"/>
-                                          </p:val>
-                                        </p:tav>
-                                      </p:tavLst>
-                                    </p:anim>
-                                    <p:anim calcmode="lin" valueType="num">
-                                      <p:cBhvr additive="base">
-                                        <p:cTn id="28" dur="500" fill="hold"/>
-                                        <p:tgtEl>
-                                          <p:spTgt spid="18"/>
-                                        </p:tgtEl>
-                                        <p:attrNameLst>
-                                          <p:attrName>ppt_y</p:attrName>
-                                        </p:attrNameLst>
-                                      </p:cBhvr>
-                                      <p:tavLst>
-                                        <p:tav tm="0">
-                                          <p:val>
-                                            <p:strVal val="#ppt_y"/>
-                                          </p:val>
-                                        </p:tav>
-                                        <p:tav tm="100000">
-                                          <p:val>
-                                            <p:strVal val="#ppt_y"/>
-                                          </p:val>
-                                        </p:tav>
-                                      </p:tavLst>
-                                    </p:anim>
-                                  </p:childTnLst>
-                                </p:cTn>
-                              </p:par>
-                              <p:par>
-                                <p:cTn id="29" presetID="2" presetClass="entr" presetSubtype="2" fill="hold" nodeType="withEffect">
-                                  <p:stCondLst>
-                                    <p:cond delay="0"/>
-                                  </p:stCondLst>
-                                  <p:childTnLst>
-                                    <p:set>
-                                      <p:cBhvr>
-                                        <p:cTn id="30" dur="1" fill="hold">
-                                          <p:stCondLst>
-                                            <p:cond delay="0"/>
-                                          </p:stCondLst>
-                                        </p:cTn>
-                                        <p:tgtEl>
-                                          <p:spTgt spid="17"/>
-                                        </p:tgtEl>
-                                        <p:attrNameLst>
-                                          <p:attrName>style.visibility</p:attrName>
-                                        </p:attrNameLst>
-                                      </p:cBhvr>
-                                      <p:to>
-                                        <p:strVal val="visible"/>
-                                      </p:to>
-                                    </p:set>
-                                    <p:anim calcmode="lin" valueType="num">
-                                      <p:cBhvr additive="base">
-                                        <p:cTn id="31" dur="500" fill="hold"/>
-                                        <p:tgtEl>
-                                          <p:spTgt spid="17"/>
-                                        </p:tgtEl>
-                                        <p:attrNameLst>
-                                          <p:attrName>ppt_x</p:attrName>
-                                        </p:attrNameLst>
-                                      </p:cBhvr>
-                                      <p:tavLst>
-                                        <p:tav tm="0">
-                                          <p:val>
-                                            <p:strVal val="1+#ppt_w/2"/>
-                                          </p:val>
-                                        </p:tav>
-                                        <p:tav tm="100000">
-                                          <p:val>
-                                            <p:strVal val="#ppt_x"/>
-                                          </p:val>
-                                        </p:tav>
-                                      </p:tavLst>
-                                    </p:anim>
-                                    <p:anim calcmode="lin" valueType="num">
-                                      <p:cBhvr additive="base">
-                                        <p:cTn id="32" dur="500" fill="hold"/>
-                                        <p:tgtEl>
-                                          <p:spTgt spid="17"/>
-                                        </p:tgtEl>
-                                        <p:attrNameLst>
-                                          <p:attrName>ppt_y</p:attrName>
-                                        </p:attrNameLst>
-                                      </p:cBhvr>
-                                      <p:tavLst>
-                                        <p:tav tm="0">
-                                          <p:val>
-                                            <p:strVal val="#ppt_y"/>
-                                          </p:val>
-                                        </p:tav>
-                                        <p:tav tm="100000">
-                                          <p:val>
-                                            <p:strVal val="#ppt_y"/>
-                                          </p:val>
-                                        </p:tav>
-                                      </p:tavLst>
-                                    </p:anim>
-                                  </p:childTnLst>
-                                </p:cTn>
-                              </p:par>
-                            </p:childTnLst>
-                          </p:cTn>
-                        </p:par>
-                      </p:childTnLst>
-                    </p:cTn>
-                  </p:par>
-                  <p:par>
-                    <p:cTn id="33" fill="hold">
-                      <p:stCondLst>
-                        <p:cond delay="indefinite"/>
-                      </p:stCondLst>
-                      <p:childTnLst>
-                        <p:par>
-                          <p:cTn id="34" fill="hold">
-                            <p:stCondLst>
-                              <p:cond delay="0"/>
-                            </p:stCondLst>
-                            <p:childTnLst>
-                              <p:par>
-                                <p:cTn id="35" presetID="2" presetClass="entr" presetSubtype="2" fill="hold" nodeType="clickEffect">
-                                  <p:stCondLst>
-                                    <p:cond delay="0"/>
-                                  </p:stCondLst>
-                                  <p:childTnLst>
-                                    <p:set>
-                                      <p:cBhvr>
-                                        <p:cTn id="36" dur="1" fill="hold">
-                                          <p:stCondLst>
-                                            <p:cond delay="0"/>
-                                          </p:stCondLst>
-                                        </p:cTn>
-                                        <p:tgtEl>
-                                          <p:spTgt spid="21"/>
-                                        </p:tgtEl>
-                                        <p:attrNameLst>
-                                          <p:attrName>style.visibility</p:attrName>
-                                        </p:attrNameLst>
-                                      </p:cBhvr>
-                                      <p:to>
-                                        <p:strVal val="visible"/>
-                                      </p:to>
-                                    </p:set>
-                                    <p:anim calcmode="lin" valueType="num">
-                                      <p:cBhvr additive="base">
-                                        <p:cTn id="37" dur="500" fill="hold"/>
-                                        <p:tgtEl>
-                                          <p:spTgt spid="21"/>
-                                        </p:tgtEl>
-                                        <p:attrNameLst>
-                                          <p:attrName>ppt_x</p:attrName>
-                                        </p:attrNameLst>
-                                      </p:cBhvr>
-                                      <p:tavLst>
-                                        <p:tav tm="0">
-                                          <p:val>
-                                            <p:strVal val="1+#ppt_w/2"/>
-                                          </p:val>
-                                        </p:tav>
-                                        <p:tav tm="100000">
-                                          <p:val>
-                                            <p:strVal val="#ppt_x"/>
-                                          </p:val>
-                                        </p:tav>
-                                      </p:tavLst>
-                                    </p:anim>
-                                    <p:anim calcmode="lin" valueType="num">
-                                      <p:cBhvr additive="base">
-                                        <p:cTn id="38" dur="500" fill="hold"/>
-                                        <p:tgtEl>
-                                          <p:spTgt spid="21"/>
-                                        </p:tgtEl>
-                                        <p:attrNameLst>
-                                          <p:attrName>ppt_y</p:attrName>
-                                        </p:attrNameLst>
-                                      </p:cBhvr>
-                                      <p:tavLst>
-                                        <p:tav tm="0">
-                                          <p:val>
-                                            <p:strVal val="#ppt_y"/>
-                                          </p:val>
-                                        </p:tav>
-                                        <p:tav tm="100000">
-                                          <p:val>
-                                            <p:strVal val="#ppt_y"/>
-                                          </p:val>
-                                        </p:tav>
-                                      </p:tavLst>
-                                    </p:anim>
-                                  </p:childTnLst>
-                                </p:cTn>
-                              </p:par>
-                              <p:par>
-                                <p:cTn id="39" presetID="2" presetClass="entr" presetSubtype="2" fill="hold" grpId="0" nodeType="withEffect">
-                                  <p:stCondLst>
-                                    <p:cond delay="0"/>
-                                  </p:stCondLst>
-                                  <p:childTnLst>
-                                    <p:set>
-                                      <p:cBhvr>
-                                        <p:cTn id="40" dur="1" fill="hold">
-                                          <p:stCondLst>
-                                            <p:cond delay="0"/>
-                                          </p:stCondLst>
-                                        </p:cTn>
-                                        <p:tgtEl>
-                                          <p:spTgt spid="22"/>
-                                        </p:tgtEl>
-                                        <p:attrNameLst>
-                                          <p:attrName>style.visibility</p:attrName>
-                                        </p:attrNameLst>
-                                      </p:cBhvr>
-                                      <p:to>
-                                        <p:strVal val="visible"/>
-                                      </p:to>
-                                    </p:set>
-                                    <p:anim calcmode="lin" valueType="num">
-                                      <p:cBhvr additive="base">
-                                        <p:cTn id="41" dur="500" fill="hold"/>
-                                        <p:tgtEl>
-                                          <p:spTgt spid="22"/>
-                                        </p:tgtEl>
-                                        <p:attrNameLst>
-                                          <p:attrName>ppt_x</p:attrName>
-                                        </p:attrNameLst>
-                                      </p:cBhvr>
-                                      <p:tavLst>
-                                        <p:tav tm="0">
-                                          <p:val>
-                                            <p:strVal val="1+#ppt_w/2"/>
-                                          </p:val>
-                                        </p:tav>
-                                        <p:tav tm="100000">
-                                          <p:val>
-                                            <p:strVal val="#ppt_x"/>
-                                          </p:val>
-                                        </p:tav>
-                                      </p:tavLst>
-                                    </p:anim>
-                                    <p:anim calcmode="lin" valueType="num">
-                                      <p:cBhvr additive="base">
-                                        <p:cTn id="42" dur="500" fill="hold"/>
-                                        <p:tgtEl>
-                                          <p:spTgt spid="22"/>
-                                        </p:tgtEl>
-                                        <p:attrNameLst>
-                                          <p:attrName>ppt_y</p:attrName>
-                                        </p:attrNameLst>
-                                      </p:cBhvr>
-                                      <p:tavLst>
-                                        <p:tav tm="0">
-                                          <p:val>
-                                            <p:strVal val="#ppt_y"/>
-                                          </p:val>
-                                        </p:tav>
-                                        <p:tav tm="100000">
-                                          <p:val>
-                                            <p:strVal val="#ppt_y"/>
-                                          </p:val>
-                                        </p:tav>
-                                      </p:tavLst>
-                                    </p:anim>
-                                  </p:childTnLst>
-                                </p:cTn>
-                              </p:par>
-                            </p:childTnLst>
-                          </p:cTn>
-                        </p:par>
-                      </p:childTnLst>
-                    </p:cTn>
-                  </p:par>
-                  <p:par>
-                    <p:cTn id="43" fill="hold">
-                      <p:stCondLst>
-                        <p:cond delay="indefinite"/>
-                      </p:stCondLst>
-                      <p:childTnLst>
-                        <p:par>
-                          <p:cTn id="44" fill="hold">
-                            <p:stCondLst>
-                              <p:cond delay="0"/>
-                            </p:stCondLst>
-                            <p:childTnLst>
-                              <p:par>
-                                <p:cTn id="45" presetID="2" presetClass="entr" presetSubtype="2" fill="hold" grpId="0" nodeType="clickEffect">
-                                  <p:stCondLst>
-                                    <p:cond delay="0"/>
-                                  </p:stCondLst>
-                                  <p:childTnLst>
-                                    <p:set>
-                                      <p:cBhvr>
-                                        <p:cTn id="46" dur="1" fill="hold">
-                                          <p:stCondLst>
-                                            <p:cond delay="0"/>
-                                          </p:stCondLst>
-                                        </p:cTn>
-                                        <p:tgtEl>
-                                          <p:spTgt spid="30"/>
-                                        </p:tgtEl>
-                                        <p:attrNameLst>
-                                          <p:attrName>style.visibility</p:attrName>
-                                        </p:attrNameLst>
-                                      </p:cBhvr>
-                                      <p:to>
-                                        <p:strVal val="visible"/>
-                                      </p:to>
-                                    </p:set>
-                                    <p:anim calcmode="lin" valueType="num">
-                                      <p:cBhvr additive="base">
-                                        <p:cTn id="47" dur="500" fill="hold"/>
-                                        <p:tgtEl>
-                                          <p:spTgt spid="30"/>
-                                        </p:tgtEl>
-                                        <p:attrNameLst>
-                                          <p:attrName>ppt_x</p:attrName>
-                                        </p:attrNameLst>
-                                      </p:cBhvr>
-                                      <p:tavLst>
-                                        <p:tav tm="0">
-                                          <p:val>
-                                            <p:strVal val="1+#ppt_w/2"/>
-                                          </p:val>
-                                        </p:tav>
-                                        <p:tav tm="100000">
-                                          <p:val>
-                                            <p:strVal val="#ppt_x"/>
-                                          </p:val>
-                                        </p:tav>
-                                      </p:tavLst>
-                                    </p:anim>
-                                    <p:anim calcmode="lin" valueType="num">
-                                      <p:cBhvr additive="base">
-                                        <p:cTn id="48" dur="500" fill="hold"/>
-                                        <p:tgtEl>
-                                          <p:spTgt spid="30"/>
-                                        </p:tgtEl>
-                                        <p:attrNameLst>
-                                          <p:attrName>ppt_y</p:attrName>
-                                        </p:attrNameLst>
-                                      </p:cBhvr>
-                                      <p:tavLst>
-                                        <p:tav tm="0">
-                                          <p:val>
-                                            <p:strVal val="#ppt_y"/>
-                                          </p:val>
-                                        </p:tav>
-                                        <p:tav tm="100000">
-                                          <p:val>
-                                            <p:strVal val="#ppt_y"/>
-                                          </p:val>
-                                        </p:tav>
-                                      </p:tavLst>
-                                    </p:anim>
-                                  </p:childTnLst>
-                                </p:cTn>
-                              </p:par>
-                              <p:par>
-                                <p:cTn id="49" presetID="2" presetClass="entr" presetSubtype="2" fill="hold" nodeType="withEffect">
-                                  <p:stCondLst>
-                                    <p:cond delay="0"/>
-                                  </p:stCondLst>
-                                  <p:childTnLst>
-                                    <p:set>
-                                      <p:cBhvr>
-                                        <p:cTn id="50" dur="1" fill="hold">
-                                          <p:stCondLst>
-                                            <p:cond delay="0"/>
-                                          </p:stCondLst>
-                                        </p:cTn>
-                                        <p:tgtEl>
-                                          <p:spTgt spid="29"/>
-                                        </p:tgtEl>
-                                        <p:attrNameLst>
-                                          <p:attrName>style.visibility</p:attrName>
-                                        </p:attrNameLst>
-                                      </p:cBhvr>
-                                      <p:to>
-                                        <p:strVal val="visible"/>
-                                      </p:to>
-                                    </p:set>
-                                    <p:anim calcmode="lin" valueType="num">
-                                      <p:cBhvr additive="base">
-                                        <p:cTn id="51" dur="500" fill="hold"/>
-                                        <p:tgtEl>
-                                          <p:spTgt spid="29"/>
-                                        </p:tgtEl>
-                                        <p:attrNameLst>
-                                          <p:attrName>ppt_x</p:attrName>
-                                        </p:attrNameLst>
-                                      </p:cBhvr>
-                                      <p:tavLst>
-                                        <p:tav tm="0">
-                                          <p:val>
-                                            <p:strVal val="1+#ppt_w/2"/>
-                                          </p:val>
-                                        </p:tav>
-                                        <p:tav tm="100000">
-                                          <p:val>
-                                            <p:strVal val="#ppt_x"/>
-                                          </p:val>
-                                        </p:tav>
-                                      </p:tavLst>
-                                    </p:anim>
-                                    <p:anim calcmode="lin" valueType="num">
-                                      <p:cBhvr additive="base">
-                                        <p:cTn id="52" dur="500" fill="hold"/>
-                                        <p:tgtEl>
-                                          <p:spTgt spid="29"/>
-                                        </p:tgtEl>
-                                        <p:attrNameLst>
-                                          <p:attrName>ppt_y</p:attrName>
-                                        </p:attrNameLst>
-                                      </p:cBhvr>
-                                      <p:tavLst>
-                                        <p:tav tm="0">
-                                          <p:val>
-                                            <p:strVal val="#ppt_y"/>
-                                          </p:val>
-                                        </p:tav>
-                                        <p:tav tm="100000">
-                                          <p:val>
-                                            <p:strVal val="#ppt_y"/>
-                                          </p:val>
-                                        </p:tav>
-                                      </p:tavLst>
-                                    </p:anim>
-                                  </p:childTnLst>
-                                </p:cTn>
-                              </p:par>
-                            </p:childTnLst>
-                          </p:cTn>
-                        </p:par>
-                      </p:childTnLst>
-                    </p:cTn>
-                  </p:par>
-                </p:childTnLst>
-              </p:cTn>
-              <p:prevCondLst>
-                <p:cond evt="onPrev" delay="0">
-                  <p:tgtEl>
-                    <p:sldTgt/>
-                  </p:tgtEl>
-                </p:cond>
-              </p:prevCondLst>
-              <p:nextCondLst>
-                <p:cond evt="onNext" delay="0">
-                  <p:tgtEl>
-                    <p:sldTgt/>
-                  </p:tgtEl>
-                </p:cond>
-              </p:nextCondLst>
-            </p:seq>
-          </p:childTnLst>
-        </p:cTn>
+        <p:cTn id="1" dur="indefinite" restart="never" nodeType="tmRoot"/>
       </p:par>
     </p:tnLst>
-    <p:bldLst>
-      <p:bldP spid="8" grpId="0" animBg="1"/>
-      <p:bldP spid="18" grpId="0" animBg="1"/>
-      <p:bldP spid="22" grpId="0" animBg="1"/>
-      <p:bldP spid="30" grpId="0" animBg="1"/>
-    </p:bldLst>
   </p:timing>
 </p:sld>
 </file>
@@ -14130,317 +15536,9 @@
           <a:chExt cx="0" cy="0"/>
         </a:xfrm>
       </p:grpSpPr>
-      <p:pic>
-        <p:nvPicPr>
-          <p:cNvPr id="9" name="Immagine 8"/>
-          <p:cNvPicPr>
-            <a:picLocks noChangeAspect="1"/>
-          </p:cNvPicPr>
-          <p:nvPr/>
-        </p:nvPicPr>
-        <p:blipFill rotWithShape="1">
-          <a:blip r:embed="rId2"/>
-          <a:srcRect t="39428" b="2910"/>
-          <a:stretch/>
-        </p:blipFill>
-        <p:spPr>
-          <a:xfrm>
-            <a:off x="469482" y="1628463"/>
-            <a:ext cx="5626518" cy="4539516"/>
-          </a:xfrm>
-          <a:prstGeom prst="rect">
-            <a:avLst/>
-          </a:prstGeom>
-          <a:ln w="38100">
-            <a:solidFill>
-              <a:schemeClr val="accent3">
-                <a:lumMod val="60000"/>
-                <a:lumOff val="40000"/>
-              </a:schemeClr>
-            </a:solidFill>
-          </a:ln>
-        </p:spPr>
-      </p:pic>
-      <p:cxnSp>
-        <p:nvCxnSpPr>
-          <p:cNvPr id="10" name="Connettore 2 9"/>
-          <p:cNvCxnSpPr>
-            <a:endCxn id="11" idx="1"/>
-          </p:cNvCxnSpPr>
-          <p:nvPr/>
-        </p:nvCxnSpPr>
-        <p:spPr>
-          <a:xfrm flipV="1">
-            <a:off x="6096000" y="2076935"/>
-            <a:ext cx="737937" cy="1174956"/>
-          </a:xfrm>
-          <a:prstGeom prst="straightConnector1">
-            <a:avLst/>
-          </a:prstGeom>
-          <a:ln w="38100">
-            <a:tailEnd type="triangle"/>
-          </a:ln>
-        </p:spPr>
-        <p:style>
-          <a:lnRef idx="1">
-            <a:schemeClr val="accent1"/>
-          </a:lnRef>
-          <a:fillRef idx="0">
-            <a:schemeClr val="accent1"/>
-          </a:fillRef>
-          <a:effectRef idx="0">
-            <a:schemeClr val="accent1"/>
-          </a:effectRef>
-          <a:fontRef idx="minor">
-            <a:schemeClr val="tx1"/>
-          </a:fontRef>
-        </p:style>
-      </p:cxnSp>
-      <p:sp>
-        <p:nvSpPr>
-          <p:cNvPr id="11" name="CasellaDiTesto 10"/>
-          <p:cNvSpPr txBox="1"/>
-          <p:nvPr/>
-        </p:nvSpPr>
-        <p:spPr>
-          <a:xfrm>
-            <a:off x="6833937" y="1615270"/>
-            <a:ext cx="3910263" cy="923330"/>
-          </a:xfrm>
-          <a:prstGeom prst="rect">
-            <a:avLst/>
-          </a:prstGeom>
-          <a:noFill/>
-          <a:ln w="38100">
-            <a:solidFill>
-              <a:schemeClr val="accent1"/>
-            </a:solidFill>
-          </a:ln>
-        </p:spPr>
-        <p:txBody>
-          <a:bodyPr wrap="square" rtlCol="0">
-            <a:spAutoFit/>
-          </a:bodyPr>
-          <a:lstStyle/>
-          <a:p>
-            <a:r>
-              <a:rPr lang="it-CH" dirty="0"/>
-              <a:t>MIN_SEC_MINUTE = 0;	</a:t>
-            </a:r>
-          </a:p>
-          <a:p>
-            <a:endParaRPr lang="it-CH" dirty="0"/>
-          </a:p>
-          <a:p>
-            <a:r>
-              <a:rPr lang="it-CH" dirty="0"/>
-              <a:t>Valore minimo dei secondi e minuti. </a:t>
-            </a:r>
-          </a:p>
-        </p:txBody>
-      </p:sp>
-      <p:cxnSp>
-        <p:nvCxnSpPr>
-          <p:cNvPr id="13" name="Connettore 2 12"/>
-          <p:cNvCxnSpPr/>
-          <p:nvPr/>
-        </p:nvCxnSpPr>
-        <p:spPr>
-          <a:xfrm>
-            <a:off x="6096000" y="3251891"/>
-            <a:ext cx="737937" cy="633137"/>
-          </a:xfrm>
-          <a:prstGeom prst="straightConnector1">
-            <a:avLst/>
-          </a:prstGeom>
-          <a:ln w="38100">
-            <a:tailEnd type="triangle"/>
-          </a:ln>
-        </p:spPr>
-        <p:style>
-          <a:lnRef idx="1">
-            <a:schemeClr val="accent1"/>
-          </a:lnRef>
-          <a:fillRef idx="0">
-            <a:schemeClr val="accent1"/>
-          </a:fillRef>
-          <a:effectRef idx="0">
-            <a:schemeClr val="accent1"/>
-          </a:effectRef>
-          <a:fontRef idx="minor">
-            <a:schemeClr val="tx1"/>
-          </a:fontRef>
-        </p:style>
-      </p:cxnSp>
-      <p:sp>
-        <p:nvSpPr>
-          <p:cNvPr id="14" name="CasellaDiTesto 13"/>
-          <p:cNvSpPr txBox="1"/>
-          <p:nvPr/>
-        </p:nvSpPr>
-        <p:spPr>
-          <a:xfrm>
-            <a:off x="6833937" y="3436557"/>
-            <a:ext cx="4042610" cy="923330"/>
-          </a:xfrm>
-          <a:prstGeom prst="rect">
-            <a:avLst/>
-          </a:prstGeom>
-          <a:noFill/>
-          <a:ln w="38100">
-            <a:solidFill>
-              <a:schemeClr val="accent1"/>
-            </a:solidFill>
-          </a:ln>
-        </p:spPr>
-        <p:txBody>
-          <a:bodyPr wrap="square" rtlCol="0">
-            <a:spAutoFit/>
-          </a:bodyPr>
-          <a:lstStyle/>
-          <a:p>
-            <a:r>
-              <a:rPr lang="it-CH" u="sng" dirty="0"/>
-              <a:t>m</a:t>
-            </a:r>
-            <a:r>
-              <a:rPr lang="it-CH" dirty="0"/>
-              <a:t> rappresenta i minuti</a:t>
-            </a:r>
-          </a:p>
-          <a:p>
-            <a:r>
-              <a:rPr lang="it-CH" u="sng" dirty="0"/>
-              <a:t>s1</a:t>
-            </a:r>
-            <a:r>
-              <a:rPr lang="it-CH" dirty="0"/>
-              <a:t> rappresenta le decine dei secondi</a:t>
-            </a:r>
-          </a:p>
-          <a:p>
-            <a:r>
-              <a:rPr lang="it-CH" u="sng" dirty="0"/>
-              <a:t>s2</a:t>
-            </a:r>
-            <a:r>
-              <a:rPr lang="it-CH" dirty="0"/>
-              <a:t> rappresenta le unità dei secondi</a:t>
-            </a:r>
-            <a:endParaRPr lang="it-CH" u="sng" dirty="0"/>
-          </a:p>
-        </p:txBody>
-      </p:sp>
-      <p:cxnSp>
-        <p:nvCxnSpPr>
-          <p:cNvPr id="16" name="Connettore 2 15"/>
-          <p:cNvCxnSpPr>
-            <a:endCxn id="17" idx="1"/>
-          </p:cNvCxnSpPr>
-          <p:nvPr/>
-        </p:nvCxnSpPr>
-        <p:spPr>
-          <a:xfrm>
-            <a:off x="6096000" y="5334145"/>
-            <a:ext cx="737937" cy="43261"/>
-          </a:xfrm>
-          <a:prstGeom prst="straightConnector1">
-            <a:avLst/>
-          </a:prstGeom>
-          <a:ln w="38100">
-            <a:tailEnd type="triangle"/>
-          </a:ln>
-        </p:spPr>
-        <p:style>
-          <a:lnRef idx="1">
-            <a:schemeClr val="accent1"/>
-          </a:lnRef>
-          <a:fillRef idx="0">
-            <a:schemeClr val="accent1"/>
-          </a:fillRef>
-          <a:effectRef idx="0">
-            <a:schemeClr val="accent1"/>
-          </a:effectRef>
-          <a:fontRef idx="minor">
-            <a:schemeClr val="tx1"/>
-          </a:fontRef>
-        </p:style>
-      </p:cxnSp>
-      <p:sp>
-        <p:nvSpPr>
-          <p:cNvPr id="17" name="CasellaDiTesto 16"/>
-          <p:cNvSpPr txBox="1"/>
-          <p:nvPr/>
-        </p:nvSpPr>
-        <p:spPr>
-          <a:xfrm>
-            <a:off x="6833937" y="5192740"/>
-            <a:ext cx="3910263" cy="369332"/>
-          </a:xfrm>
-          <a:prstGeom prst="rect">
-            <a:avLst/>
-          </a:prstGeom>
-          <a:noFill/>
-          <a:ln w="38100">
-            <a:solidFill>
-              <a:schemeClr val="accent1"/>
-            </a:solidFill>
-          </a:ln>
-        </p:spPr>
-        <p:txBody>
-          <a:bodyPr wrap="square" rtlCol="0">
-            <a:spAutoFit/>
-          </a:bodyPr>
-          <a:lstStyle/>
-          <a:p>
-            <a:r>
-              <a:rPr lang="it-CH" dirty="0"/>
-              <a:t>Si blocca il conteggio</a:t>
-            </a:r>
-          </a:p>
-        </p:txBody>
-      </p:sp>
-      <p:cxnSp>
-        <p:nvCxnSpPr>
-          <p:cNvPr id="23" name="Connettore 1 22"/>
-          <p:cNvCxnSpPr/>
-          <p:nvPr/>
-        </p:nvCxnSpPr>
-        <p:spPr>
-          <a:xfrm>
-            <a:off x="469482" y="4347845"/>
-            <a:ext cx="5626518" cy="0"/>
-          </a:xfrm>
-          <a:prstGeom prst="line">
-            <a:avLst/>
-          </a:prstGeom>
-          <a:ln w="76200">
-            <a:solidFill>
-              <a:schemeClr val="accent3">
-                <a:lumMod val="60000"/>
-                <a:lumOff val="40000"/>
-              </a:schemeClr>
-            </a:solidFill>
-          </a:ln>
-        </p:spPr>
-        <p:style>
-          <a:lnRef idx="1">
-            <a:schemeClr val="accent1"/>
-          </a:lnRef>
-          <a:fillRef idx="0">
-            <a:schemeClr val="accent1"/>
-          </a:fillRef>
-          <a:effectRef idx="0">
-            <a:schemeClr val="accent1"/>
-          </a:effectRef>
-          <a:fontRef idx="minor">
-            <a:schemeClr val="tx1"/>
-          </a:fontRef>
-        </p:style>
-      </p:cxnSp>
-      <p:sp>
-        <p:nvSpPr>
-          <p:cNvPr id="12" name="Titolo 1"/>
+      <p:sp>
+        <p:nvSpPr>
+          <p:cNvPr id="2" name="Titolo 1"/>
           <p:cNvSpPr>
             <a:spLocks noGrp="1"/>
           </p:cNvSpPr>
@@ -14448,12 +15546,7 @@
             <p:ph type="title"/>
           </p:nvPr>
         </p:nvSpPr>
-        <p:spPr>
-          <a:xfrm>
-            <a:off x="677334" y="609600"/>
-            <a:ext cx="8596668" cy="1320800"/>
-          </a:xfrm>
-        </p:spPr>
+        <p:spPr/>
         <p:txBody>
           <a:bodyPr/>
           <a:lstStyle/>
@@ -14462,527 +15555,88 @@
               <a:rPr lang="it-CH" dirty="0"/>
               <a:t>Algoritmo di timer</a:t>
             </a:r>
+          </a:p>
+        </p:txBody>
+      </p:sp>
+      <p:sp>
+        <p:nvSpPr>
+          <p:cNvPr id="6" name="Segnaposto contenuto 5"/>
+          <p:cNvSpPr>
+            <a:spLocks noGrp="1"/>
+          </p:cNvSpPr>
+          <p:nvPr>
+            <p:ph idx="1"/>
+          </p:nvPr>
+        </p:nvSpPr>
+        <p:spPr/>
+        <p:txBody>
+          <a:bodyPr/>
+          <a:lstStyle/>
+          <a:p>
+            <a:pPr marL="0" indent="0">
+              <a:buNone/>
+            </a:pPr>
+            <a:r>
+              <a:rPr lang="it-CH" dirty="0"/>
+              <a:t>Componenti utilizzati:</a:t>
+            </a:r>
+          </a:p>
+          <a:p>
+            <a:r>
+              <a:rPr lang="it-CH" dirty="0"/>
+              <a:t>1 - Arduino UNO</a:t>
+            </a:r>
+          </a:p>
+          <a:p>
+            <a:r>
+              <a:rPr lang="it-CH" dirty="0"/>
+              <a:t>1 – Bottone</a:t>
+            </a:r>
+          </a:p>
+          <a:p>
+            <a:r>
+              <a:rPr lang="it-CH" dirty="0"/>
+              <a:t>1 – Led blu</a:t>
+            </a:r>
+          </a:p>
+          <a:p>
+            <a:r>
+              <a:rPr lang="it-CH" dirty="0"/>
+              <a:t>2 – Resistenze</a:t>
+            </a:r>
+          </a:p>
+          <a:p>
+            <a:r>
+              <a:rPr lang="it-CH" dirty="0"/>
+              <a:t>1 - 7 segmenti </a:t>
+            </a:r>
+            <a:r>
+              <a:rPr lang="it-CH" dirty="0" err="1"/>
+              <a:t>Adafruit</a:t>
+            </a:r>
+            <a:endParaRPr lang="it-CH" dirty="0"/>
           </a:p>
         </p:txBody>
       </p:sp>
     </p:spTree>
     <p:extLst>
       <p:ext uri="{BB962C8B-B14F-4D97-AF65-F5344CB8AC3E}">
-        <p14:creationId xmlns:p14="http://schemas.microsoft.com/office/powerpoint/2010/main" val="3330829743"/>
+        <p14:creationId xmlns:p14="http://schemas.microsoft.com/office/powerpoint/2010/main" val="182796701"/>
       </p:ext>
     </p:extLst>
   </p:cSld>
   <p:clrMapOvr>
     <a:masterClrMapping/>
   </p:clrMapOvr>
+  <p:transition spd="med">
+    <p:pull/>
+  </p:transition>
   <p:timing>
     <p:tnLst>
       <p:par>
-        <p:cTn id="1" dur="indefinite" restart="never" nodeType="tmRoot">
-          <p:childTnLst>
-            <p:seq concurrent="1" nextAc="seek">
-              <p:cTn id="2" dur="indefinite" nodeType="mainSeq">
-                <p:childTnLst>
-                  <p:par>
-                    <p:cTn id="3" fill="hold">
-                      <p:stCondLst>
-                        <p:cond delay="indefinite"/>
-                      </p:stCondLst>
-                      <p:childTnLst>
-                        <p:par>
-                          <p:cTn id="4" fill="hold">
-                            <p:stCondLst>
-                              <p:cond delay="0"/>
-                            </p:stCondLst>
-                            <p:childTnLst>
-                              <p:par>
-                                <p:cTn id="5" presetID="2" presetClass="entr" presetSubtype="2" fill="hold" grpId="0" nodeType="clickEffect">
-                                  <p:stCondLst>
-                                    <p:cond delay="0"/>
-                                  </p:stCondLst>
-                                  <p:childTnLst>
-                                    <p:set>
-                                      <p:cBhvr>
-                                        <p:cTn id="6" dur="1" fill="hold">
-                                          <p:stCondLst>
-                                            <p:cond delay="0"/>
-                                          </p:stCondLst>
-                                        </p:cTn>
-                                        <p:tgtEl>
-                                          <p:spTgt spid="11"/>
-                                        </p:tgtEl>
-                                        <p:attrNameLst>
-                                          <p:attrName>style.visibility</p:attrName>
-                                        </p:attrNameLst>
-                                      </p:cBhvr>
-                                      <p:to>
-                                        <p:strVal val="visible"/>
-                                      </p:to>
-                                    </p:set>
-                                    <p:anim calcmode="lin" valueType="num">
-                                      <p:cBhvr additive="base">
-                                        <p:cTn id="7" dur="500" fill="hold"/>
-                                        <p:tgtEl>
-                                          <p:spTgt spid="11"/>
-                                        </p:tgtEl>
-                                        <p:attrNameLst>
-                                          <p:attrName>ppt_x</p:attrName>
-                                        </p:attrNameLst>
-                                      </p:cBhvr>
-                                      <p:tavLst>
-                                        <p:tav tm="0">
-                                          <p:val>
-                                            <p:strVal val="1+#ppt_w/2"/>
-                                          </p:val>
-                                        </p:tav>
-                                        <p:tav tm="100000">
-                                          <p:val>
-                                            <p:strVal val="#ppt_x"/>
-                                          </p:val>
-                                        </p:tav>
-                                      </p:tavLst>
-                                    </p:anim>
-                                    <p:anim calcmode="lin" valueType="num">
-                                      <p:cBhvr additive="base">
-                                        <p:cTn id="8" dur="500" fill="hold"/>
-                                        <p:tgtEl>
-                                          <p:spTgt spid="11"/>
-                                        </p:tgtEl>
-                                        <p:attrNameLst>
-                                          <p:attrName>ppt_y</p:attrName>
-                                        </p:attrNameLst>
-                                      </p:cBhvr>
-                                      <p:tavLst>
-                                        <p:tav tm="0">
-                                          <p:val>
-                                            <p:strVal val="#ppt_y"/>
-                                          </p:val>
-                                        </p:tav>
-                                        <p:tav tm="100000">
-                                          <p:val>
-                                            <p:strVal val="#ppt_y"/>
-                                          </p:val>
-                                        </p:tav>
-                                      </p:tavLst>
-                                    </p:anim>
-                                  </p:childTnLst>
-                                </p:cTn>
-                              </p:par>
-                              <p:par>
-                                <p:cTn id="9" presetID="2" presetClass="entr" presetSubtype="2" fill="hold" nodeType="withEffect">
-                                  <p:stCondLst>
-                                    <p:cond delay="0"/>
-                                  </p:stCondLst>
-                                  <p:childTnLst>
-                                    <p:set>
-                                      <p:cBhvr>
-                                        <p:cTn id="10" dur="1" fill="hold">
-                                          <p:stCondLst>
-                                            <p:cond delay="0"/>
-                                          </p:stCondLst>
-                                        </p:cTn>
-                                        <p:tgtEl>
-                                          <p:spTgt spid="10"/>
-                                        </p:tgtEl>
-                                        <p:attrNameLst>
-                                          <p:attrName>style.visibility</p:attrName>
-                                        </p:attrNameLst>
-                                      </p:cBhvr>
-                                      <p:to>
-                                        <p:strVal val="visible"/>
-                                      </p:to>
-                                    </p:set>
-                                    <p:anim calcmode="lin" valueType="num">
-                                      <p:cBhvr additive="base">
-                                        <p:cTn id="11" dur="500" fill="hold"/>
-                                        <p:tgtEl>
-                                          <p:spTgt spid="10"/>
-                                        </p:tgtEl>
-                                        <p:attrNameLst>
-                                          <p:attrName>ppt_x</p:attrName>
-                                        </p:attrNameLst>
-                                      </p:cBhvr>
-                                      <p:tavLst>
-                                        <p:tav tm="0">
-                                          <p:val>
-                                            <p:strVal val="1+#ppt_w/2"/>
-                                          </p:val>
-                                        </p:tav>
-                                        <p:tav tm="100000">
-                                          <p:val>
-                                            <p:strVal val="#ppt_x"/>
-                                          </p:val>
-                                        </p:tav>
-                                      </p:tavLst>
-                                    </p:anim>
-                                    <p:anim calcmode="lin" valueType="num">
-                                      <p:cBhvr additive="base">
-                                        <p:cTn id="12" dur="500" fill="hold"/>
-                                        <p:tgtEl>
-                                          <p:spTgt spid="10"/>
-                                        </p:tgtEl>
-                                        <p:attrNameLst>
-                                          <p:attrName>ppt_y</p:attrName>
-                                        </p:attrNameLst>
-                                      </p:cBhvr>
-                                      <p:tavLst>
-                                        <p:tav tm="0">
-                                          <p:val>
-                                            <p:strVal val="#ppt_y"/>
-                                          </p:val>
-                                        </p:tav>
-                                        <p:tav tm="100000">
-                                          <p:val>
-                                            <p:strVal val="#ppt_y"/>
-                                          </p:val>
-                                        </p:tav>
-                                      </p:tavLst>
-                                    </p:anim>
-                                  </p:childTnLst>
-                                </p:cTn>
-                              </p:par>
-                              <p:par>
-                                <p:cTn id="13" presetID="2" presetClass="entr" presetSubtype="2" fill="hold" nodeType="withEffect">
-                                  <p:stCondLst>
-                                    <p:cond delay="0"/>
-                                  </p:stCondLst>
-                                  <p:childTnLst>
-                                    <p:set>
-                                      <p:cBhvr>
-                                        <p:cTn id="14" dur="1" fill="hold">
-                                          <p:stCondLst>
-                                            <p:cond delay="0"/>
-                                          </p:stCondLst>
-                                        </p:cTn>
-                                        <p:tgtEl>
-                                          <p:spTgt spid="13"/>
-                                        </p:tgtEl>
-                                        <p:attrNameLst>
-                                          <p:attrName>style.visibility</p:attrName>
-                                        </p:attrNameLst>
-                                      </p:cBhvr>
-                                      <p:to>
-                                        <p:strVal val="visible"/>
-                                      </p:to>
-                                    </p:set>
-                                    <p:anim calcmode="lin" valueType="num">
-                                      <p:cBhvr additive="base">
-                                        <p:cTn id="15" dur="500" fill="hold"/>
-                                        <p:tgtEl>
-                                          <p:spTgt spid="13"/>
-                                        </p:tgtEl>
-                                        <p:attrNameLst>
-                                          <p:attrName>ppt_x</p:attrName>
-                                        </p:attrNameLst>
-                                      </p:cBhvr>
-                                      <p:tavLst>
-                                        <p:tav tm="0">
-                                          <p:val>
-                                            <p:strVal val="1+#ppt_w/2"/>
-                                          </p:val>
-                                        </p:tav>
-                                        <p:tav tm="100000">
-                                          <p:val>
-                                            <p:strVal val="#ppt_x"/>
-                                          </p:val>
-                                        </p:tav>
-                                      </p:tavLst>
-                                    </p:anim>
-                                    <p:anim calcmode="lin" valueType="num">
-                                      <p:cBhvr additive="base">
-                                        <p:cTn id="16" dur="500" fill="hold"/>
-                                        <p:tgtEl>
-                                          <p:spTgt spid="13"/>
-                                        </p:tgtEl>
-                                        <p:attrNameLst>
-                                          <p:attrName>ppt_y</p:attrName>
-                                        </p:attrNameLst>
-                                      </p:cBhvr>
-                                      <p:tavLst>
-                                        <p:tav tm="0">
-                                          <p:val>
-                                            <p:strVal val="#ppt_y"/>
-                                          </p:val>
-                                        </p:tav>
-                                        <p:tav tm="100000">
-                                          <p:val>
-                                            <p:strVal val="#ppt_y"/>
-                                          </p:val>
-                                        </p:tav>
-                                      </p:tavLst>
-                                    </p:anim>
-                                  </p:childTnLst>
-                                </p:cTn>
-                              </p:par>
-                              <p:par>
-                                <p:cTn id="17" presetID="2" presetClass="entr" presetSubtype="2" fill="hold" grpId="0" nodeType="withEffect">
-                                  <p:stCondLst>
-                                    <p:cond delay="0"/>
-                                  </p:stCondLst>
-                                  <p:childTnLst>
-                                    <p:set>
-                                      <p:cBhvr>
-                                        <p:cTn id="18" dur="1" fill="hold">
-                                          <p:stCondLst>
-                                            <p:cond delay="0"/>
-                                          </p:stCondLst>
-                                        </p:cTn>
-                                        <p:tgtEl>
-                                          <p:spTgt spid="14"/>
-                                        </p:tgtEl>
-                                        <p:attrNameLst>
-                                          <p:attrName>style.visibility</p:attrName>
-                                        </p:attrNameLst>
-                                      </p:cBhvr>
-                                      <p:to>
-                                        <p:strVal val="visible"/>
-                                      </p:to>
-                                    </p:set>
-                                    <p:anim calcmode="lin" valueType="num">
-                                      <p:cBhvr additive="base">
-                                        <p:cTn id="19" dur="500" fill="hold"/>
-                                        <p:tgtEl>
-                                          <p:spTgt spid="14"/>
-                                        </p:tgtEl>
-                                        <p:attrNameLst>
-                                          <p:attrName>ppt_x</p:attrName>
-                                        </p:attrNameLst>
-                                      </p:cBhvr>
-                                      <p:tavLst>
-                                        <p:tav tm="0">
-                                          <p:val>
-                                            <p:strVal val="1+#ppt_w/2"/>
-                                          </p:val>
-                                        </p:tav>
-                                        <p:tav tm="100000">
-                                          <p:val>
-                                            <p:strVal val="#ppt_x"/>
-                                          </p:val>
-                                        </p:tav>
-                                      </p:tavLst>
-                                    </p:anim>
-                                    <p:anim calcmode="lin" valueType="num">
-                                      <p:cBhvr additive="base">
-                                        <p:cTn id="20" dur="500" fill="hold"/>
-                                        <p:tgtEl>
-                                          <p:spTgt spid="14"/>
-                                        </p:tgtEl>
-                                        <p:attrNameLst>
-                                          <p:attrName>ppt_y</p:attrName>
-                                        </p:attrNameLst>
-                                      </p:cBhvr>
-                                      <p:tavLst>
-                                        <p:tav tm="0">
-                                          <p:val>
-                                            <p:strVal val="#ppt_y"/>
-                                          </p:val>
-                                        </p:tav>
-                                        <p:tav tm="100000">
-                                          <p:val>
-                                            <p:strVal val="#ppt_y"/>
-                                          </p:val>
-                                        </p:tav>
-                                      </p:tavLst>
-                                    </p:anim>
-                                  </p:childTnLst>
-                                </p:cTn>
-                              </p:par>
-                            </p:childTnLst>
-                          </p:cTn>
-                        </p:par>
-                      </p:childTnLst>
-                    </p:cTn>
-                  </p:par>
-                  <p:par>
-                    <p:cTn id="21" fill="hold">
-                      <p:stCondLst>
-                        <p:cond delay="indefinite"/>
-                      </p:stCondLst>
-                      <p:childTnLst>
-                        <p:par>
-                          <p:cTn id="22" fill="hold">
-                            <p:stCondLst>
-                              <p:cond delay="0"/>
-                            </p:stCondLst>
-                            <p:childTnLst>
-                              <p:par>
-                                <p:cTn id="23" presetID="2" presetClass="entr" presetSubtype="2" fill="hold" grpId="0" nodeType="clickEffect">
-                                  <p:stCondLst>
-                                    <p:cond delay="0"/>
-                                  </p:stCondLst>
-                                  <p:childTnLst>
-                                    <p:set>
-                                      <p:cBhvr>
-                                        <p:cTn id="24" dur="1" fill="hold">
-                                          <p:stCondLst>
-                                            <p:cond delay="0"/>
-                                          </p:stCondLst>
-                                        </p:cTn>
-                                        <p:tgtEl>
-                                          <p:spTgt spid="17"/>
-                                        </p:tgtEl>
-                                        <p:attrNameLst>
-                                          <p:attrName>style.visibility</p:attrName>
-                                        </p:attrNameLst>
-                                      </p:cBhvr>
-                                      <p:to>
-                                        <p:strVal val="visible"/>
-                                      </p:to>
-                                    </p:set>
-                                    <p:anim calcmode="lin" valueType="num">
-                                      <p:cBhvr additive="base">
-                                        <p:cTn id="25" dur="500" fill="hold"/>
-                                        <p:tgtEl>
-                                          <p:spTgt spid="17"/>
-                                        </p:tgtEl>
-                                        <p:attrNameLst>
-                                          <p:attrName>ppt_x</p:attrName>
-                                        </p:attrNameLst>
-                                      </p:cBhvr>
-                                      <p:tavLst>
-                                        <p:tav tm="0">
-                                          <p:val>
-                                            <p:strVal val="1+#ppt_w/2"/>
-                                          </p:val>
-                                        </p:tav>
-                                        <p:tav tm="100000">
-                                          <p:val>
-                                            <p:strVal val="#ppt_x"/>
-                                          </p:val>
-                                        </p:tav>
-                                      </p:tavLst>
-                                    </p:anim>
-                                    <p:anim calcmode="lin" valueType="num">
-                                      <p:cBhvr additive="base">
-                                        <p:cTn id="26" dur="500" fill="hold"/>
-                                        <p:tgtEl>
-                                          <p:spTgt spid="17"/>
-                                        </p:tgtEl>
-                                        <p:attrNameLst>
-                                          <p:attrName>ppt_y</p:attrName>
-                                        </p:attrNameLst>
-                                      </p:cBhvr>
-                                      <p:tavLst>
-                                        <p:tav tm="0">
-                                          <p:val>
-                                            <p:strVal val="#ppt_y"/>
-                                          </p:val>
-                                        </p:tav>
-                                        <p:tav tm="100000">
-                                          <p:val>
-                                            <p:strVal val="#ppt_y"/>
-                                          </p:val>
-                                        </p:tav>
-                                      </p:tavLst>
-                                    </p:anim>
-                                  </p:childTnLst>
-                                </p:cTn>
-                              </p:par>
-                              <p:par>
-                                <p:cTn id="27" presetID="2" presetClass="entr" presetSubtype="2" fill="hold" nodeType="withEffect">
-                                  <p:stCondLst>
-                                    <p:cond delay="0"/>
-                                  </p:stCondLst>
-                                  <p:childTnLst>
-                                    <p:set>
-                                      <p:cBhvr>
-                                        <p:cTn id="28" dur="1" fill="hold">
-                                          <p:stCondLst>
-                                            <p:cond delay="0"/>
-                                          </p:stCondLst>
-                                        </p:cTn>
-                                        <p:tgtEl>
-                                          <p:spTgt spid="16"/>
-                                        </p:tgtEl>
-                                        <p:attrNameLst>
-                                          <p:attrName>style.visibility</p:attrName>
-                                        </p:attrNameLst>
-                                      </p:cBhvr>
-                                      <p:to>
-                                        <p:strVal val="visible"/>
-                                      </p:to>
-                                    </p:set>
-                                    <p:anim calcmode="lin" valueType="num">
-                                      <p:cBhvr additive="base">
-                                        <p:cTn id="29" dur="500" fill="hold"/>
-                                        <p:tgtEl>
-                                          <p:spTgt spid="16"/>
-                                        </p:tgtEl>
-                                        <p:attrNameLst>
-                                          <p:attrName>ppt_x</p:attrName>
-                                        </p:attrNameLst>
-                                      </p:cBhvr>
-                                      <p:tavLst>
-                                        <p:tav tm="0">
-                                          <p:val>
-                                            <p:strVal val="1+#ppt_w/2"/>
-                                          </p:val>
-                                        </p:tav>
-                                        <p:tav tm="100000">
-                                          <p:val>
-                                            <p:strVal val="#ppt_x"/>
-                                          </p:val>
-                                        </p:tav>
-                                      </p:tavLst>
-                                    </p:anim>
-                                    <p:anim calcmode="lin" valueType="num">
-                                      <p:cBhvr additive="base">
-                                        <p:cTn id="30" dur="500" fill="hold"/>
-                                        <p:tgtEl>
-                                          <p:spTgt spid="16"/>
-                                        </p:tgtEl>
-                                        <p:attrNameLst>
-                                          <p:attrName>ppt_y</p:attrName>
-                                        </p:attrNameLst>
-                                      </p:cBhvr>
-                                      <p:tavLst>
-                                        <p:tav tm="0">
-                                          <p:val>
-                                            <p:strVal val="#ppt_y"/>
-                                          </p:val>
-                                        </p:tav>
-                                        <p:tav tm="100000">
-                                          <p:val>
-                                            <p:strVal val="#ppt_y"/>
-                                          </p:val>
-                                        </p:tav>
-                                      </p:tavLst>
-                                    </p:anim>
-                                  </p:childTnLst>
-                                </p:cTn>
-                              </p:par>
-                            </p:childTnLst>
-                          </p:cTn>
-                        </p:par>
-                      </p:childTnLst>
-                    </p:cTn>
-                  </p:par>
-                </p:childTnLst>
-              </p:cTn>
-              <p:prevCondLst>
-                <p:cond evt="onPrev" delay="0">
-                  <p:tgtEl>
-                    <p:sldTgt/>
-                  </p:tgtEl>
-                </p:cond>
-              </p:prevCondLst>
-              <p:nextCondLst>
-                <p:cond evt="onNext" delay="0">
-                  <p:tgtEl>
-                    <p:sldTgt/>
-                  </p:tgtEl>
-                </p:cond>
-              </p:nextCondLst>
-            </p:seq>
-          </p:childTnLst>
-        </p:cTn>
+        <p:cTn id="1" dur="indefinite" restart="never" nodeType="tmRoot"/>
       </p:par>
     </p:tnLst>
-    <p:bldLst>
-      <p:bldP spid="11" grpId="0" animBg="1"/>
-      <p:bldP spid="14" grpId="0" animBg="1"/>
-      <p:bldP spid="17" grpId="0" animBg="1"/>
-    </p:bldLst>
   </p:timing>
 </p:sld>
 </file>

--- a/Presentazione.pptx
+++ b/Presentazione.pptx
@@ -5,7 +5,7 @@
     <p:sldMasterId id="2147483695" r:id="rId1"/>
   </p:sldMasterIdLst>
   <p:notesMasterIdLst>
-    <p:notesMasterId r:id="rId24"/>
+    <p:notesMasterId r:id="rId26"/>
   </p:notesMasterIdLst>
   <p:sldIdLst>
     <p:sldId id="256" r:id="rId2"/>
@@ -22,14 +22,16 @@
     <p:sldId id="280" r:id="rId13"/>
     <p:sldId id="281" r:id="rId14"/>
     <p:sldId id="282" r:id="rId15"/>
-    <p:sldId id="283" r:id="rId16"/>
-    <p:sldId id="286" r:id="rId17"/>
-    <p:sldId id="288" r:id="rId18"/>
-    <p:sldId id="287" r:id="rId19"/>
-    <p:sldId id="284" r:id="rId20"/>
-    <p:sldId id="274" r:id="rId21"/>
-    <p:sldId id="289" r:id="rId22"/>
-    <p:sldId id="261" r:id="rId23"/>
+    <p:sldId id="292" r:id="rId16"/>
+    <p:sldId id="283" r:id="rId17"/>
+    <p:sldId id="286" r:id="rId18"/>
+    <p:sldId id="288" r:id="rId19"/>
+    <p:sldId id="287" r:id="rId20"/>
+    <p:sldId id="284" r:id="rId21"/>
+    <p:sldId id="293" r:id="rId22"/>
+    <p:sldId id="274" r:id="rId23"/>
+    <p:sldId id="289" r:id="rId24"/>
+    <p:sldId id="261" r:id="rId25"/>
   </p:sldIdLst>
   <p:sldSz cx="12192000" cy="6858000"/>
   <p:notesSz cx="6858000" cy="9144000"/>
@@ -650,7 +652,7 @@
           <a:p>
             <a:fld id="{62E71006-93ED-417B-8D1C-79E5B3A3D052}" type="slidenum">
               <a:rPr lang="it-CH" smtClean="0"/>
-              <a:t>20</a:t>
+              <a:t>22</a:t>
             </a:fld>
             <a:endParaRPr lang="it-CH"/>
           </a:p>
@@ -1363,7 +1365,7 @@
           <a:p>
             <a:fld id="{62E71006-93ED-417B-8D1C-79E5B3A3D052}" type="slidenum">
               <a:rPr lang="it-CH" smtClean="0"/>
-              <a:t>19</a:t>
+              <a:t>20</a:t>
             </a:fld>
             <a:endParaRPr lang="it-CH"/>
           </a:p>
@@ -7187,13 +7189,6 @@
   <p:clrMapOvr>
     <a:masterClrMapping/>
   </p:clrMapOvr>
-  <p:timing>
-    <p:tnLst>
-      <p:par>
-        <p:cTn id="1" dur="indefinite" restart="never" nodeType="tmRoot"/>
-      </p:par>
-    </p:tnLst>
-  </p:timing>
 </p:sld>
 </file>
 
@@ -9447,13 +9442,6 @@
   <p:clrMapOvr>
     <a:masterClrMapping/>
   </p:clrMapOvr>
-  <p:timing>
-    <p:tnLst>
-      <p:par>
-        <p:cTn id="1" dur="indefinite" restart="never" nodeType="tmRoot"/>
-      </p:par>
-    </p:tnLst>
-  </p:timing>
 </p:sld>
 </file>
 
@@ -9559,13 +9547,6 @@
   <p:clrMapOvr>
     <a:masterClrMapping/>
   </p:clrMapOvr>
-  <p:timing>
-    <p:tnLst>
-      <p:par>
-        <p:cTn id="1" dur="indefinite" restart="never" nodeType="tmRoot"/>
-      </p:par>
-    </p:tnLst>
-  </p:timing>
 </p:sld>
 </file>
 
@@ -9591,7 +9572,7 @@
           <p:cNvPr id="2" name="Titolo 1">
             <a:extLst>
               <a:ext uri="{FF2B5EF4-FFF2-40B4-BE49-F238E27FC236}">
-                <a16:creationId xmlns:a16="http://schemas.microsoft.com/office/drawing/2014/main" xmlns="" id="{93C0CEE5-07ED-4D90-9BE5-15F88A506D27}"/>
+                <a16:creationId xmlns:a16="http://schemas.microsoft.com/office/drawing/2014/main" id="{93C0CEE5-07ED-4D90-9BE5-15F88A506D27}"/>
               </a:ext>
             </a:extLst>
           </p:cNvPr>
@@ -9619,7 +9600,7 @@
           <p:cNvPr id="4" name="Immagine 3">
             <a:extLst>
               <a:ext uri="{FF2B5EF4-FFF2-40B4-BE49-F238E27FC236}">
-                <a16:creationId xmlns:a16="http://schemas.microsoft.com/office/drawing/2014/main" xmlns="" id="{6439B916-5DB3-40F4-BB50-6D3FCB1ACF8E}"/>
+                <a16:creationId xmlns:a16="http://schemas.microsoft.com/office/drawing/2014/main" id="{6439B916-5DB3-40F4-BB50-6D3FCB1ACF8E}"/>
               </a:ext>
             </a:extLst>
           </p:cNvPr>
@@ -9648,7 +9629,7 @@
           <p:cNvPr id="5" name="Connettore 2 4">
             <a:extLst>
               <a:ext uri="{FF2B5EF4-FFF2-40B4-BE49-F238E27FC236}">
-                <a16:creationId xmlns:a16="http://schemas.microsoft.com/office/drawing/2014/main" xmlns="" id="{718362A6-1C32-41F0-9480-BC81F2C1C65D}"/>
+                <a16:creationId xmlns:a16="http://schemas.microsoft.com/office/drawing/2014/main" id="{718362A6-1C32-41F0-9480-BC81F2C1C65D}"/>
               </a:ext>
             </a:extLst>
           </p:cNvPr>
@@ -9687,7 +9668,7 @@
           <p:cNvPr id="6" name="CasellaDiTesto 5">
             <a:extLst>
               <a:ext uri="{FF2B5EF4-FFF2-40B4-BE49-F238E27FC236}">
-                <a16:creationId xmlns:a16="http://schemas.microsoft.com/office/drawing/2014/main" xmlns="" id="{7DBABBDD-FE7E-4C2F-B0A8-3F06D3E6A65B}"/>
+                <a16:creationId xmlns:a16="http://schemas.microsoft.com/office/drawing/2014/main" id="{7DBABBDD-FE7E-4C2F-B0A8-3F06D3E6A65B}"/>
               </a:ext>
             </a:extLst>
           </p:cNvPr>
@@ -9722,7 +9703,7 @@
           <p:cNvPr id="7" name="Connettore 2 6">
             <a:extLst>
               <a:ext uri="{FF2B5EF4-FFF2-40B4-BE49-F238E27FC236}">
-                <a16:creationId xmlns:a16="http://schemas.microsoft.com/office/drawing/2014/main" xmlns="" id="{F5C5E8CF-EFBE-40AD-81E4-8C5C05E0FB88}"/>
+                <a16:creationId xmlns:a16="http://schemas.microsoft.com/office/drawing/2014/main" id="{F5C5E8CF-EFBE-40AD-81E4-8C5C05E0FB88}"/>
               </a:ext>
             </a:extLst>
           </p:cNvPr>
@@ -9761,7 +9742,7 @@
           <p:cNvPr id="8" name="Connettore 2 7">
             <a:extLst>
               <a:ext uri="{FF2B5EF4-FFF2-40B4-BE49-F238E27FC236}">
-                <a16:creationId xmlns:a16="http://schemas.microsoft.com/office/drawing/2014/main" xmlns="" id="{1BE37A25-A1D9-4DEA-B327-47CDD8901574}"/>
+                <a16:creationId xmlns:a16="http://schemas.microsoft.com/office/drawing/2014/main" id="{1BE37A25-A1D9-4DEA-B327-47CDD8901574}"/>
               </a:ext>
             </a:extLst>
           </p:cNvPr>
@@ -9800,7 +9781,7 @@
           <p:cNvPr id="10" name="CasellaDiTesto 9">
             <a:extLst>
               <a:ext uri="{FF2B5EF4-FFF2-40B4-BE49-F238E27FC236}">
-                <a16:creationId xmlns:a16="http://schemas.microsoft.com/office/drawing/2014/main" xmlns="" id="{F8B018FB-05E7-4ECC-98A3-9113397C7FCC}"/>
+                <a16:creationId xmlns:a16="http://schemas.microsoft.com/office/drawing/2014/main" id="{F8B018FB-05E7-4ECC-98A3-9113397C7FCC}"/>
               </a:ext>
             </a:extLst>
           </p:cNvPr>
@@ -9835,7 +9816,7 @@
           <p:cNvPr id="11" name="CasellaDiTesto 10">
             <a:extLst>
               <a:ext uri="{FF2B5EF4-FFF2-40B4-BE49-F238E27FC236}">
-                <a16:creationId xmlns:a16="http://schemas.microsoft.com/office/drawing/2014/main" xmlns="" id="{FB9FCF71-915C-466C-88A9-20452C6BFB3E}"/>
+                <a16:creationId xmlns:a16="http://schemas.microsoft.com/office/drawing/2014/main" id="{FB9FCF71-915C-466C-88A9-20452C6BFB3E}"/>
               </a:ext>
             </a:extLst>
           </p:cNvPr>
@@ -10170,7 +10151,7 @@
           <p:cNvPr id="2" name="Titolo 1">
             <a:extLst>
               <a:ext uri="{FF2B5EF4-FFF2-40B4-BE49-F238E27FC236}">
-                <a16:creationId xmlns:a16="http://schemas.microsoft.com/office/drawing/2014/main" xmlns="" id="{EA779CA8-FF97-4D2D-973D-AE2F06265F65}"/>
+                <a16:creationId xmlns:a16="http://schemas.microsoft.com/office/drawing/2014/main" id="{FCD84A69-BABE-4A94-95C8-63B1A61FACC7}"/>
               </a:ext>
             </a:extLst>
           </p:cNvPr>
@@ -10183,120 +10164,817 @@
         </p:nvSpPr>
         <p:spPr/>
         <p:txBody>
-          <a:bodyPr/>
+          <a:bodyPr>
+            <a:normAutofit/>
+          </a:bodyPr>
           <a:lstStyle/>
           <a:p>
             <a:r>
-              <a:rPr lang="it-CH" dirty="0"/>
-              <a:t>Robot</a:t>
-            </a:r>
-          </a:p>
-        </p:txBody>
-      </p:sp>
-      <p:sp>
-        <p:nvSpPr>
-          <p:cNvPr id="3" name="Segnaposto contenuto 2">
+              <a:rPr lang="it-IT" dirty="0"/>
+              <a:t>Motori passo-passo</a:t>
+            </a:r>
+            <a:br>
+              <a:rPr lang="it-IT" dirty="0"/>
+            </a:br>
+            <a:r>
+              <a:rPr lang="it-IT" sz="2400" dirty="0"/>
+              <a:t>Movimenti motori con scheda </a:t>
+            </a:r>
+            <a:r>
+              <a:rPr lang="it-IT" sz="2400" dirty="0" err="1"/>
+              <a:t>JJRobots</a:t>
+            </a:r>
+            <a:endParaRPr lang="it-IT" dirty="0"/>
+          </a:p>
+        </p:txBody>
+      </p:sp>
+      <p:pic>
+        <p:nvPicPr>
+          <p:cNvPr id="1026" name="Picture 2">
             <a:extLst>
               <a:ext uri="{FF2B5EF4-FFF2-40B4-BE49-F238E27FC236}">
-                <a16:creationId xmlns:a16="http://schemas.microsoft.com/office/drawing/2014/main" xmlns="" id="{59D3ADF8-83DB-4D51-8D1C-EDA5C9A09A7D}"/>
+                <a16:creationId xmlns:a16="http://schemas.microsoft.com/office/drawing/2014/main" id="{34766FF8-CD84-44CD-B612-38AB46B38D36}"/>
+              </a:ext>
+            </a:extLst>
+          </p:cNvPr>
+          <p:cNvPicPr>
+            <a:picLocks noChangeAspect="1" noChangeArrowheads="1"/>
+          </p:cNvPicPr>
+          <p:nvPr/>
+        </p:nvPicPr>
+        <p:blipFill>
+          <a:blip r:embed="rId2">
+            <a:extLst>
+              <a:ext uri="{28A0092B-C50C-407E-A947-70E740481C1C}">
+                <a14:useLocalDpi xmlns:a14="http://schemas.microsoft.com/office/drawing/2010/main" val="0"/>
+              </a:ext>
+            </a:extLst>
+          </a:blip>
+          <a:srcRect/>
+          <a:stretch>
+            <a:fillRect/>
+          </a:stretch>
+        </p:blipFill>
+        <p:spPr bwMode="auto">
+          <a:xfrm>
+            <a:off x="677334" y="2853380"/>
+            <a:ext cx="4549302" cy="1800713"/>
+          </a:xfrm>
+          <a:prstGeom prst="rect">
+            <a:avLst/>
+          </a:prstGeom>
+          <a:noFill/>
+          <a:extLst>
+            <a:ext uri="{909E8E84-426E-40DD-AFC4-6F175D3DCCD1}">
+              <a14:hiddenFill xmlns:a14="http://schemas.microsoft.com/office/drawing/2010/main">
+                <a:solidFill>
+                  <a:srgbClr val="FFFFFF"/>
+                </a:solidFill>
+              </a14:hiddenFill>
+            </a:ext>
+          </a:extLst>
+        </p:spPr>
+      </p:pic>
+      <p:pic>
+        <p:nvPicPr>
+          <p:cNvPr id="1025" name="Picture 1">
+            <a:extLst>
+              <a:ext uri="{FF2B5EF4-FFF2-40B4-BE49-F238E27FC236}">
+                <a16:creationId xmlns:a16="http://schemas.microsoft.com/office/drawing/2014/main" id="{7CF811D3-A177-40F0-9320-CCD3815F1E2D}"/>
+              </a:ext>
+            </a:extLst>
+          </p:cNvPr>
+          <p:cNvPicPr>
+            <a:picLocks noChangeAspect="1" noChangeArrowheads="1"/>
+          </p:cNvPicPr>
+          <p:nvPr/>
+        </p:nvPicPr>
+        <p:blipFill>
+          <a:blip r:embed="rId3">
+            <a:extLst>
+              <a:ext uri="{28A0092B-C50C-407E-A947-70E740481C1C}">
+                <a14:useLocalDpi xmlns:a14="http://schemas.microsoft.com/office/drawing/2010/main" val="0"/>
+              </a:ext>
+            </a:extLst>
+          </a:blip>
+          <a:srcRect/>
+          <a:stretch>
+            <a:fillRect/>
+          </a:stretch>
+        </p:blipFill>
+        <p:spPr bwMode="auto">
+          <a:xfrm>
+            <a:off x="677335" y="4654094"/>
+            <a:ext cx="3921170" cy="1720202"/>
+          </a:xfrm>
+          <a:prstGeom prst="rect">
+            <a:avLst/>
+          </a:prstGeom>
+          <a:noFill/>
+          <a:extLst>
+            <a:ext uri="{909E8E84-426E-40DD-AFC4-6F175D3DCCD1}">
+              <a14:hiddenFill xmlns:a14="http://schemas.microsoft.com/office/drawing/2010/main">
+                <a:solidFill>
+                  <a:srgbClr val="FFFFFF"/>
+                </a:solidFill>
+              </a14:hiddenFill>
+            </a:ext>
+          </a:extLst>
+        </p:spPr>
+      </p:pic>
+      <p:sp>
+        <p:nvSpPr>
+          <p:cNvPr id="4" name="Rectangle 3">
+            <a:extLst>
+              <a:ext uri="{FF2B5EF4-FFF2-40B4-BE49-F238E27FC236}">
+                <a16:creationId xmlns:a16="http://schemas.microsoft.com/office/drawing/2014/main" id="{491E500D-DFDA-47AB-AADB-552D2E3475A7}"/>
               </a:ext>
             </a:extLst>
           </p:cNvPr>
           <p:cNvSpPr>
-            <a:spLocks noGrp="1"/>
+            <a:spLocks noChangeArrowheads="1"/>
           </p:cNvSpPr>
-          <p:nvPr>
-            <p:ph idx="1"/>
-          </p:nvPr>
-        </p:nvSpPr>
-        <p:spPr/>
-        <p:txBody>
-          <a:bodyPr/>
+          <p:nvPr/>
+        </p:nvSpPr>
+        <p:spPr bwMode="auto">
+          <a:xfrm>
+            <a:off x="677334" y="1797933"/>
+            <a:ext cx="9076266" cy="1200329"/>
+          </a:xfrm>
+          <a:prstGeom prst="rect">
+            <a:avLst/>
+          </a:prstGeom>
+          <a:noFill/>
+          <a:ln>
+            <a:noFill/>
+          </a:ln>
+          <a:effectLst/>
+          <a:extLst>
+            <a:ext uri="{909E8E84-426E-40DD-AFC4-6F175D3DCCD1}">
+              <a14:hiddenFill xmlns:a14="http://schemas.microsoft.com/office/drawing/2010/main">
+                <a:solidFill>
+                  <a:schemeClr val="accent1"/>
+                </a:solidFill>
+              </a14:hiddenFill>
+            </a:ext>
+            <a:ext uri="{91240B29-F687-4F45-9708-019B960494DF}">
+              <a14:hiddenLine xmlns:a14="http://schemas.microsoft.com/office/drawing/2010/main" w="9525">
+                <a:solidFill>
+                  <a:schemeClr val="tx1"/>
+                </a:solidFill>
+                <a:miter lim="800000"/>
+                <a:headEnd/>
+                <a:tailEnd/>
+              </a14:hiddenLine>
+            </a:ext>
+            <a:ext uri="{AF507438-7753-43E0-B8FC-AC1667EBCBE1}">
+              <a14:hiddenEffects xmlns:a14="http://schemas.microsoft.com/office/drawing/2010/main">
+                <a:effectLst>
+                  <a:outerShdw dist="35921" dir="2700000" algn="ctr" rotWithShape="0">
+                    <a:schemeClr val="bg2"/>
+                  </a:outerShdw>
+                </a:effectLst>
+              </a14:hiddenEffects>
+            </a:ext>
+          </a:extLst>
+        </p:spPr>
+        <p:txBody>
+          <a:bodyPr vert="horz" wrap="square" lIns="91440" tIns="45720" rIns="91440" bIns="45720" numCol="1" anchor="ctr" anchorCtr="0" compatLnSpc="1">
+            <a:prstTxWarp prst="textNoShape">
+              <a:avLst/>
+            </a:prstTxWarp>
+            <a:spAutoFit/>
+          </a:bodyPr>
           <a:lstStyle/>
           <a:p>
-            <a:pPr marL="0" indent="0">
+            <a:pPr marL="0" marR="0" lvl="0" indent="0" algn="l" defTabSz="914400" rtl="0" eaLnBrk="0" fontAlgn="base" latinLnBrk="0" hangingPunct="0">
+              <a:lnSpc>
+                <a:spcPct val="100000"/>
+              </a:lnSpc>
+              <a:spcBef>
+                <a:spcPct val="0"/>
+              </a:spcBef>
+              <a:spcAft>
+                <a:spcPct val="0"/>
+              </a:spcAft>
+              <a:buClrTx/>
+              <a:buSzTx/>
+              <a:buFontTx/>
               <a:buNone/>
+              <a:tabLst/>
             </a:pPr>
             <a:r>
-              <a:rPr lang="it-CH" dirty="0"/>
-              <a:t>Componenti utilizzati</a:t>
-            </a:r>
-          </a:p>
-          <a:p>
-            <a:r>
-              <a:rPr lang="it-CH" dirty="0"/>
-              <a:t>1 – Arduino Mega 2560</a:t>
-            </a:r>
-          </a:p>
-          <a:p>
-            <a:r>
-              <a:rPr lang="it-CH" dirty="0"/>
-              <a:t>2 – Motori passo </a:t>
-            </a:r>
-            <a:r>
-              <a:rPr lang="it-CH" dirty="0" err="1"/>
-              <a:t>passo</a:t>
-            </a:r>
-            <a:endParaRPr lang="it-CH" dirty="0"/>
-          </a:p>
-          <a:p>
-            <a:r>
-              <a:rPr lang="it-CH" dirty="0"/>
-              <a:t>1 – Scheda </a:t>
-            </a:r>
-            <a:r>
-              <a:rPr lang="it-CH" dirty="0" err="1"/>
-              <a:t>JJRobots</a:t>
-            </a:r>
-            <a:endParaRPr lang="it-CH" dirty="0"/>
-          </a:p>
-          <a:p>
-            <a:r>
-              <a:rPr lang="it-CH" dirty="0"/>
-              <a:t>2 – </a:t>
-            </a:r>
-            <a:r>
-              <a:rPr lang="it-CH" dirty="0" err="1"/>
-              <a:t>MotorShield</a:t>
-            </a:r>
-            <a:r>
-              <a:rPr lang="it-CH" dirty="0"/>
-              <a:t> + 2 dissipatori</a:t>
-            </a:r>
-          </a:p>
-          <a:p>
-            <a:pPr marL="0" indent="0">
+              <a:rPr kumimoji="0" lang="it-IT" altLang="it-IT" b="0" i="0" u="none" strike="noStrike" cap="none" normalizeH="0" baseline="0" dirty="0" err="1">
+                <a:ln>
+                  <a:noFill/>
+                </a:ln>
+                <a:solidFill>
+                  <a:srgbClr val="FFC000"/>
+                </a:solidFill>
+                <a:effectLst/>
+                <a:latin typeface="Arial" panose="020B0604020202020204" pitchFamily="34" charset="0"/>
+                <a:ea typeface="Times New Roman" panose="02020603050405020304" pitchFamily="18" charset="0"/>
+                <a:cs typeface="Arial" panose="020B0604020202020204" pitchFamily="34" charset="0"/>
+              </a:rPr>
+              <a:t>digitalWrite</a:t>
+            </a:r>
+            <a:r>
+              <a:rPr kumimoji="0" lang="it-IT" altLang="it-IT" b="0" i="0" u="none" strike="noStrike" cap="none" normalizeH="0" baseline="0" dirty="0">
+                <a:ln>
+                  <a:noFill/>
+                </a:ln>
+                <a:solidFill>
+                  <a:schemeClr val="tx1"/>
+                </a:solidFill>
+                <a:effectLst/>
+                <a:latin typeface="Arial" panose="020B0604020202020204" pitchFamily="34" charset="0"/>
+                <a:ea typeface="Times New Roman" panose="02020603050405020304" pitchFamily="18" charset="0"/>
+                <a:cs typeface="Arial" panose="020B0604020202020204" pitchFamily="34" charset="0"/>
+              </a:rPr>
+              <a:t>(dirM1Pin, </a:t>
+            </a:r>
+            <a:r>
+              <a:rPr kumimoji="0" lang="it-IT" altLang="it-IT" b="0" i="0" u="none" strike="noStrike" cap="none" normalizeH="0" baseline="0" dirty="0">
+                <a:ln>
+                  <a:noFill/>
+                </a:ln>
+                <a:solidFill>
+                  <a:srgbClr val="00B0F0"/>
+                </a:solidFill>
+                <a:effectLst/>
+                <a:latin typeface="Arial" panose="020B0604020202020204" pitchFamily="34" charset="0"/>
+                <a:ea typeface="Times New Roman" panose="02020603050405020304" pitchFamily="18" charset="0"/>
+                <a:cs typeface="Arial" panose="020B0604020202020204" pitchFamily="34" charset="0"/>
+              </a:rPr>
+              <a:t>HIGH</a:t>
+            </a:r>
+            <a:r>
+              <a:rPr kumimoji="0" lang="it-IT" altLang="it-IT" b="0" i="0" u="none" strike="noStrike" cap="none" normalizeH="0" baseline="0" dirty="0">
+                <a:ln>
+                  <a:noFill/>
+                </a:ln>
+                <a:solidFill>
+                  <a:schemeClr val="tx1"/>
+                </a:solidFill>
+                <a:effectLst/>
+                <a:latin typeface="Arial" panose="020B0604020202020204" pitchFamily="34" charset="0"/>
+                <a:ea typeface="Times New Roman" panose="02020603050405020304" pitchFamily="18" charset="0"/>
+                <a:cs typeface="Arial" panose="020B0604020202020204" pitchFamily="34" charset="0"/>
+              </a:rPr>
+              <a:t>);  </a:t>
+            </a:r>
+            <a:r>
+              <a:rPr kumimoji="0" lang="it-IT" altLang="it-IT" b="0" i="0" u="none" strike="noStrike" cap="none" normalizeH="0" baseline="0" dirty="0">
+                <a:ln>
+                  <a:noFill/>
+                </a:ln>
+                <a:solidFill>
+                  <a:schemeClr val="tx1"/>
+                </a:solidFill>
+                <a:effectLst/>
+                <a:latin typeface="Arial" panose="020B0604020202020204" pitchFamily="34" charset="0"/>
+                <a:ea typeface="Times New Roman" panose="02020603050405020304" pitchFamily="18" charset="0"/>
+                <a:cs typeface="Arial" panose="020B0604020202020204" pitchFamily="34" charset="0"/>
+                <a:sym typeface="Wingdings" panose="05000000000000000000" pitchFamily="2" charset="2"/>
+              </a:rPr>
+              <a:t>	Inizialmente si abilita la direzione in cui si vogliono 				muovere i </a:t>
+            </a:r>
+            <a:r>
+              <a:rPr kumimoji="0" lang="it-IT" altLang="it-IT" b="0" i="0" u="none" strike="noStrike" cap="none" normalizeH="0" baseline="0" dirty="0" err="1">
+                <a:ln>
+                  <a:noFill/>
+                </a:ln>
+                <a:solidFill>
+                  <a:schemeClr val="tx1"/>
+                </a:solidFill>
+                <a:effectLst/>
+                <a:latin typeface="Arial" panose="020B0604020202020204" pitchFamily="34" charset="0"/>
+                <a:ea typeface="Times New Roman" panose="02020603050405020304" pitchFamily="18" charset="0"/>
+                <a:cs typeface="Arial" panose="020B0604020202020204" pitchFamily="34" charset="0"/>
+                <a:sym typeface="Wingdings" panose="05000000000000000000" pitchFamily="2" charset="2"/>
+              </a:rPr>
+              <a:t>motoricon</a:t>
+            </a:r>
+            <a:r>
+              <a:rPr kumimoji="0" lang="it-IT" altLang="it-IT" b="0" i="0" u="none" strike="noStrike" cap="none" normalizeH="0" baseline="0" dirty="0">
+                <a:ln>
+                  <a:noFill/>
+                </a:ln>
+                <a:solidFill>
+                  <a:schemeClr val="tx1"/>
+                </a:solidFill>
+                <a:effectLst/>
+                <a:latin typeface="Arial" panose="020B0604020202020204" pitchFamily="34" charset="0"/>
+                <a:ea typeface="Times New Roman" panose="02020603050405020304" pitchFamily="18" charset="0"/>
+                <a:cs typeface="Arial" panose="020B0604020202020204" pitchFamily="34" charset="0"/>
+                <a:sym typeface="Wingdings" panose="05000000000000000000" pitchFamily="2" charset="2"/>
+              </a:rPr>
+              <a:t> questo comando: con “HIGH” 				si muove in avanti con “LOW” si muove indietro.</a:t>
+            </a:r>
+            <a:endParaRPr kumimoji="0" lang="it-IT" altLang="it-IT" sz="1400" b="0" i="0" u="none" strike="noStrike" cap="none" normalizeH="0" baseline="0" dirty="0">
+              <a:ln>
+                <a:noFill/>
+              </a:ln>
+              <a:solidFill>
+                <a:schemeClr val="tx1"/>
+              </a:solidFill>
+              <a:effectLst/>
+              <a:sym typeface="Wingdings" panose="05000000000000000000" pitchFamily="2" charset="2"/>
+            </a:endParaRPr>
+          </a:p>
+          <a:p>
+            <a:pPr marL="0" marR="0" lvl="0" indent="0" algn="l" defTabSz="914400" rtl="0" eaLnBrk="0" fontAlgn="base" latinLnBrk="0" hangingPunct="0">
+              <a:lnSpc>
+                <a:spcPct val="100000"/>
+              </a:lnSpc>
+              <a:spcBef>
+                <a:spcPct val="0"/>
+              </a:spcBef>
+              <a:spcAft>
+                <a:spcPct val="0"/>
+              </a:spcAft>
+              <a:buClrTx/>
+              <a:buSzTx/>
+              <a:buFontTx/>
               <a:buNone/>
+              <a:tabLst/>
             </a:pPr>
-            <a:endParaRPr lang="it-CH" dirty="0"/>
-          </a:p>
-          <a:p>
-            <a:pPr marL="0" indent="0">
+            <a:endParaRPr kumimoji="0" lang="it-IT" altLang="it-IT" b="0" i="0" u="none" strike="noStrike" cap="none" normalizeH="0" baseline="0" dirty="0">
+              <a:ln>
+                <a:noFill/>
+              </a:ln>
+              <a:solidFill>
+                <a:schemeClr val="tx1"/>
+              </a:solidFill>
+              <a:effectLst/>
+              <a:latin typeface="Arial" panose="020B0604020202020204" pitchFamily="34" charset="0"/>
+              <a:ea typeface="Times New Roman" panose="02020603050405020304" pitchFamily="18" charset="0"/>
+              <a:cs typeface="Arial" panose="020B0604020202020204" pitchFamily="34" charset="0"/>
+              <a:sym typeface="Wingdings" panose="05000000000000000000" pitchFamily="2" charset="2"/>
+            </a:endParaRPr>
+          </a:p>
+        </p:txBody>
+      </p:sp>
+      <p:sp>
+        <p:nvSpPr>
+          <p:cNvPr id="5" name="Rectangle 4">
+            <a:extLst>
+              <a:ext uri="{FF2B5EF4-FFF2-40B4-BE49-F238E27FC236}">
+                <a16:creationId xmlns:a16="http://schemas.microsoft.com/office/drawing/2014/main" id="{65C8A7D5-5825-44BD-B78A-5D8001B5E4E7}"/>
+              </a:ext>
+            </a:extLst>
+          </p:cNvPr>
+          <p:cNvSpPr>
+            <a:spLocks noChangeArrowheads="1"/>
+          </p:cNvSpPr>
+          <p:nvPr/>
+        </p:nvSpPr>
+        <p:spPr bwMode="auto">
+          <a:xfrm rot="10800000" flipV="1">
+            <a:off x="5347989" y="3153571"/>
+            <a:ext cx="4683907" cy="1200329"/>
+          </a:xfrm>
+          <a:prstGeom prst="rect">
+            <a:avLst/>
+          </a:prstGeom>
+          <a:noFill/>
+          <a:ln>
+            <a:noFill/>
+          </a:ln>
+          <a:effectLst/>
+          <a:extLst>
+            <a:ext uri="{909E8E84-426E-40DD-AFC4-6F175D3DCCD1}">
+              <a14:hiddenFill xmlns:a14="http://schemas.microsoft.com/office/drawing/2010/main">
+                <a:solidFill>
+                  <a:schemeClr val="accent1"/>
+                </a:solidFill>
+              </a14:hiddenFill>
+            </a:ext>
+            <a:ext uri="{91240B29-F687-4F45-9708-019B960494DF}">
+              <a14:hiddenLine xmlns:a14="http://schemas.microsoft.com/office/drawing/2010/main" w="9525">
+                <a:solidFill>
+                  <a:schemeClr val="tx1"/>
+                </a:solidFill>
+                <a:miter lim="800000"/>
+                <a:headEnd/>
+                <a:tailEnd/>
+              </a14:hiddenLine>
+            </a:ext>
+            <a:ext uri="{AF507438-7753-43E0-B8FC-AC1667EBCBE1}">
+              <a14:hiddenEffects xmlns:a14="http://schemas.microsoft.com/office/drawing/2010/main">
+                <a:effectLst>
+                  <a:outerShdw dist="35921" dir="2700000" algn="ctr" rotWithShape="0">
+                    <a:schemeClr val="bg2"/>
+                  </a:outerShdw>
+                </a:effectLst>
+              </a14:hiddenEffects>
+            </a:ext>
+          </a:extLst>
+        </p:spPr>
+        <p:txBody>
+          <a:bodyPr vert="horz" wrap="square" lIns="91440" tIns="45720" rIns="91440" bIns="45720" numCol="1" anchor="ctr" anchorCtr="0" compatLnSpc="1">
+            <a:prstTxWarp prst="textNoShape">
+              <a:avLst/>
+            </a:prstTxWarp>
+            <a:spAutoFit/>
+          </a:bodyPr>
+          <a:lstStyle>
+            <a:lvl1pPr eaLnBrk="0" fontAlgn="base" hangingPunct="0">
+              <a:spcBef>
+                <a:spcPct val="0"/>
+              </a:spcBef>
+              <a:spcAft>
+                <a:spcPct val="0"/>
+              </a:spcAft>
+              <a:defRPr>
+                <a:solidFill>
+                  <a:schemeClr val="tx1"/>
+                </a:solidFill>
+                <a:latin typeface="Arial" panose="020B0604020202020204" pitchFamily="34" charset="0"/>
+              </a:defRPr>
+            </a:lvl1pPr>
+            <a:lvl2pPr eaLnBrk="0" fontAlgn="base" hangingPunct="0">
+              <a:spcBef>
+                <a:spcPct val="0"/>
+              </a:spcBef>
+              <a:spcAft>
+                <a:spcPct val="0"/>
+              </a:spcAft>
+              <a:defRPr>
+                <a:solidFill>
+                  <a:schemeClr val="tx1"/>
+                </a:solidFill>
+                <a:latin typeface="Arial" panose="020B0604020202020204" pitchFamily="34" charset="0"/>
+              </a:defRPr>
+            </a:lvl2pPr>
+            <a:lvl3pPr eaLnBrk="0" fontAlgn="base" hangingPunct="0">
+              <a:spcBef>
+                <a:spcPct val="0"/>
+              </a:spcBef>
+              <a:spcAft>
+                <a:spcPct val="0"/>
+              </a:spcAft>
+              <a:defRPr>
+                <a:solidFill>
+                  <a:schemeClr val="tx1"/>
+                </a:solidFill>
+                <a:latin typeface="Arial" panose="020B0604020202020204" pitchFamily="34" charset="0"/>
+              </a:defRPr>
+            </a:lvl3pPr>
+            <a:lvl4pPr eaLnBrk="0" fontAlgn="base" hangingPunct="0">
+              <a:spcBef>
+                <a:spcPct val="0"/>
+              </a:spcBef>
+              <a:spcAft>
+                <a:spcPct val="0"/>
+              </a:spcAft>
+              <a:defRPr>
+                <a:solidFill>
+                  <a:schemeClr val="tx1"/>
+                </a:solidFill>
+                <a:latin typeface="Arial" panose="020B0604020202020204" pitchFamily="34" charset="0"/>
+              </a:defRPr>
+            </a:lvl4pPr>
+            <a:lvl5pPr eaLnBrk="0" fontAlgn="base" hangingPunct="0">
+              <a:spcBef>
+                <a:spcPct val="0"/>
+              </a:spcBef>
+              <a:spcAft>
+                <a:spcPct val="0"/>
+              </a:spcAft>
+              <a:defRPr>
+                <a:solidFill>
+                  <a:schemeClr val="tx1"/>
+                </a:solidFill>
+                <a:latin typeface="Arial" panose="020B0604020202020204" pitchFamily="34" charset="0"/>
+              </a:defRPr>
+            </a:lvl5pPr>
+            <a:lvl6pPr eaLnBrk="0" fontAlgn="base" hangingPunct="0">
+              <a:spcBef>
+                <a:spcPct val="0"/>
+              </a:spcBef>
+              <a:spcAft>
+                <a:spcPct val="0"/>
+              </a:spcAft>
+              <a:defRPr>
+                <a:solidFill>
+                  <a:schemeClr val="tx1"/>
+                </a:solidFill>
+                <a:latin typeface="Arial" panose="020B0604020202020204" pitchFamily="34" charset="0"/>
+              </a:defRPr>
+            </a:lvl6pPr>
+            <a:lvl7pPr eaLnBrk="0" fontAlgn="base" hangingPunct="0">
+              <a:spcBef>
+                <a:spcPct val="0"/>
+              </a:spcBef>
+              <a:spcAft>
+                <a:spcPct val="0"/>
+              </a:spcAft>
+              <a:defRPr>
+                <a:solidFill>
+                  <a:schemeClr val="tx1"/>
+                </a:solidFill>
+                <a:latin typeface="Arial" panose="020B0604020202020204" pitchFamily="34" charset="0"/>
+              </a:defRPr>
+            </a:lvl7pPr>
+            <a:lvl8pPr eaLnBrk="0" fontAlgn="base" hangingPunct="0">
+              <a:spcBef>
+                <a:spcPct val="0"/>
+              </a:spcBef>
+              <a:spcAft>
+                <a:spcPct val="0"/>
+              </a:spcAft>
+              <a:defRPr>
+                <a:solidFill>
+                  <a:schemeClr val="tx1"/>
+                </a:solidFill>
+                <a:latin typeface="Arial" panose="020B0604020202020204" pitchFamily="34" charset="0"/>
+              </a:defRPr>
+            </a:lvl8pPr>
+            <a:lvl9pPr eaLnBrk="0" fontAlgn="base" hangingPunct="0">
+              <a:spcBef>
+                <a:spcPct val="0"/>
+              </a:spcBef>
+              <a:spcAft>
+                <a:spcPct val="0"/>
+              </a:spcAft>
+              <a:defRPr>
+                <a:solidFill>
+                  <a:schemeClr val="tx1"/>
+                </a:solidFill>
+                <a:latin typeface="Arial" panose="020B0604020202020204" pitchFamily="34" charset="0"/>
+              </a:defRPr>
+            </a:lvl9pPr>
+          </a:lstStyle>
+          <a:p>
+            <a:pPr marL="0" marR="0" lvl="0" indent="0" algn="l" defTabSz="914400" rtl="0" eaLnBrk="0" fontAlgn="base" latinLnBrk="0" hangingPunct="0">
+              <a:lnSpc>
+                <a:spcPct val="100000"/>
+              </a:lnSpc>
+              <a:spcBef>
+                <a:spcPct val="0"/>
+              </a:spcBef>
+              <a:spcAft>
+                <a:spcPct val="0"/>
+              </a:spcAft>
+              <a:buClrTx/>
+              <a:buSzTx/>
+              <a:buFontTx/>
               <a:buNone/>
+              <a:tabLst/>
             </a:pPr>
             <a:r>
-              <a:rPr lang="it-CH" dirty="0"/>
-              <a:t>Software utilizzati</a:t>
-            </a:r>
-          </a:p>
-          <a:p>
-            <a:r>
-              <a:rPr lang="it-CH" dirty="0"/>
-              <a:t>AHR Robot (</a:t>
-            </a:r>
-            <a:r>
-              <a:rPr lang="it-CH" dirty="0" err="1"/>
-              <a:t>JJRobots</a:t>
-            </a:r>
-            <a:r>
-              <a:rPr lang="it-CH" dirty="0"/>
-              <a:t>)</a:t>
-            </a:r>
-          </a:p>
-          <a:p>
-            <a:r>
-              <a:rPr lang="it-CH" dirty="0"/>
-              <a:t>Arduino IDE</a:t>
+              <a:rPr kumimoji="0" lang="it-IT" altLang="it-IT" b="0" i="0" u="none" strike="noStrike" cap="none" normalizeH="0" baseline="0" dirty="0">
+                <a:ln>
+                  <a:noFill/>
+                </a:ln>
+                <a:solidFill>
+                  <a:schemeClr val="tx1"/>
+                </a:solidFill>
+                <a:effectLst/>
+                <a:latin typeface="Arial" panose="020B0604020202020204" pitchFamily="34" charset="0"/>
+                <a:ea typeface="Times New Roman" panose="02020603050405020304" pitchFamily="18" charset="0"/>
+                <a:cs typeface="Arial" panose="020B0604020202020204" pitchFamily="34" charset="0"/>
+                <a:sym typeface="Wingdings" panose="05000000000000000000" pitchFamily="2" charset="2"/>
+              </a:rPr>
+              <a:t>Con il primo </a:t>
+            </a:r>
+            <a:r>
+              <a:rPr kumimoji="0" lang="it-IT" altLang="it-IT" b="0" i="0" u="none" strike="noStrike" cap="none" normalizeH="0" baseline="0" dirty="0" err="1">
+                <a:ln>
+                  <a:noFill/>
+                </a:ln>
+                <a:solidFill>
+                  <a:schemeClr val="tx1"/>
+                </a:solidFill>
+                <a:effectLst/>
+                <a:latin typeface="Arial" panose="020B0604020202020204" pitchFamily="34" charset="0"/>
+                <a:ea typeface="Times New Roman" panose="02020603050405020304" pitchFamily="18" charset="0"/>
+                <a:cs typeface="Arial" panose="020B0604020202020204" pitchFamily="34" charset="0"/>
+                <a:sym typeface="Wingdings" panose="05000000000000000000" pitchFamily="2" charset="2"/>
+              </a:rPr>
+              <a:t>if</a:t>
+            </a:r>
+            <a:r>
+              <a:rPr kumimoji="0" lang="it-IT" altLang="it-IT" b="0" i="0" u="none" strike="noStrike" cap="none" normalizeH="0" baseline="0" dirty="0">
+                <a:ln>
+                  <a:noFill/>
+                </a:ln>
+                <a:solidFill>
+                  <a:schemeClr val="tx1"/>
+                </a:solidFill>
+                <a:effectLst/>
+                <a:latin typeface="Arial" panose="020B0604020202020204" pitchFamily="34" charset="0"/>
+                <a:ea typeface="Times New Roman" panose="02020603050405020304" pitchFamily="18" charset="0"/>
+                <a:cs typeface="Arial" panose="020B0604020202020204" pitchFamily="34" charset="0"/>
+                <a:sym typeface="Wingdings" panose="05000000000000000000" pitchFamily="2" charset="2"/>
+              </a:rPr>
+              <a:t> si dice che quando si preme il bottone i motori devono muoversi anche in avanti.</a:t>
+            </a:r>
+            <a:endParaRPr kumimoji="0" lang="it-IT" altLang="it-IT" b="0" i="0" u="none" strike="noStrike" cap="none" normalizeH="0" baseline="0" dirty="0">
+              <a:ln>
+                <a:noFill/>
+              </a:ln>
+              <a:solidFill>
+                <a:schemeClr val="tx1"/>
+              </a:solidFill>
+              <a:effectLst/>
+              <a:sym typeface="Wingdings" panose="05000000000000000000" pitchFamily="2" charset="2"/>
+            </a:endParaRPr>
+          </a:p>
+          <a:p>
+            <a:pPr marL="0" marR="0" lvl="0" indent="0" algn="l" defTabSz="914400" rtl="0" eaLnBrk="0" fontAlgn="base" latinLnBrk="0" hangingPunct="0">
+              <a:lnSpc>
+                <a:spcPct val="100000"/>
+              </a:lnSpc>
+              <a:spcBef>
+                <a:spcPct val="0"/>
+              </a:spcBef>
+              <a:spcAft>
+                <a:spcPct val="0"/>
+              </a:spcAft>
+              <a:buClrTx/>
+              <a:buSzTx/>
+              <a:buFontTx/>
+              <a:buNone/>
+              <a:tabLst/>
+            </a:pPr>
+            <a:endParaRPr kumimoji="0" lang="it-IT" altLang="it-IT" b="0" i="0" u="none" strike="noStrike" cap="none" normalizeH="0" baseline="0" dirty="0">
+              <a:ln>
+                <a:noFill/>
+              </a:ln>
+              <a:solidFill>
+                <a:schemeClr val="tx1"/>
+              </a:solidFill>
+              <a:effectLst/>
+              <a:latin typeface="Arial" panose="020B0604020202020204" pitchFamily="34" charset="0"/>
+              <a:ea typeface="Times New Roman" panose="02020603050405020304" pitchFamily="18" charset="0"/>
+              <a:cs typeface="Arial" panose="020B0604020202020204" pitchFamily="34" charset="0"/>
+              <a:sym typeface="Wingdings" panose="05000000000000000000" pitchFamily="2" charset="2"/>
+            </a:endParaRPr>
+          </a:p>
+        </p:txBody>
+      </p:sp>
+      <p:sp>
+        <p:nvSpPr>
+          <p:cNvPr id="6" name="Rectangle 5">
+            <a:extLst>
+              <a:ext uri="{FF2B5EF4-FFF2-40B4-BE49-F238E27FC236}">
+                <a16:creationId xmlns:a16="http://schemas.microsoft.com/office/drawing/2014/main" id="{5943EDAD-8214-49FB-B0D2-6E5E6DD98BC7}"/>
+              </a:ext>
+            </a:extLst>
+          </p:cNvPr>
+          <p:cNvSpPr>
+            <a:spLocks noChangeArrowheads="1"/>
+          </p:cNvSpPr>
+          <p:nvPr/>
+        </p:nvSpPr>
+        <p:spPr bwMode="auto">
+          <a:xfrm rot="10800000" flipV="1">
+            <a:off x="5347989" y="4906275"/>
+            <a:ext cx="3630451" cy="923330"/>
+          </a:xfrm>
+          <a:prstGeom prst="rect">
+            <a:avLst/>
+          </a:prstGeom>
+          <a:noFill/>
+          <a:ln>
+            <a:noFill/>
+          </a:ln>
+          <a:effectLst/>
+          <a:extLst>
+            <a:ext uri="{909E8E84-426E-40DD-AFC4-6F175D3DCCD1}">
+              <a14:hiddenFill xmlns:a14="http://schemas.microsoft.com/office/drawing/2010/main">
+                <a:solidFill>
+                  <a:schemeClr val="accent1"/>
+                </a:solidFill>
+              </a14:hiddenFill>
+            </a:ext>
+            <a:ext uri="{91240B29-F687-4F45-9708-019B960494DF}">
+              <a14:hiddenLine xmlns:a14="http://schemas.microsoft.com/office/drawing/2010/main" w="9525">
+                <a:solidFill>
+                  <a:schemeClr val="tx1"/>
+                </a:solidFill>
+                <a:miter lim="800000"/>
+                <a:headEnd/>
+                <a:tailEnd/>
+              </a14:hiddenLine>
+            </a:ext>
+            <a:ext uri="{AF507438-7753-43E0-B8FC-AC1667EBCBE1}">
+              <a14:hiddenEffects xmlns:a14="http://schemas.microsoft.com/office/drawing/2010/main">
+                <a:effectLst>
+                  <a:outerShdw dist="35921" dir="2700000" algn="ctr" rotWithShape="0">
+                    <a:schemeClr val="bg2"/>
+                  </a:outerShdw>
+                </a:effectLst>
+              </a14:hiddenEffects>
+            </a:ext>
+          </a:extLst>
+        </p:spPr>
+        <p:txBody>
+          <a:bodyPr vert="horz" wrap="square" lIns="91440" tIns="45720" rIns="91440" bIns="45720" numCol="1" anchor="ctr" anchorCtr="0" compatLnSpc="1">
+            <a:prstTxWarp prst="textNoShape">
+              <a:avLst/>
+            </a:prstTxWarp>
+            <a:spAutoFit/>
+          </a:bodyPr>
+          <a:lstStyle/>
+          <a:p>
+            <a:pPr marL="0" marR="0" lvl="0" indent="0" algn="l" defTabSz="914400" rtl="0" eaLnBrk="0" fontAlgn="base" latinLnBrk="0" hangingPunct="0">
+              <a:lnSpc>
+                <a:spcPct val="100000"/>
+              </a:lnSpc>
+              <a:spcBef>
+                <a:spcPct val="0"/>
+              </a:spcBef>
+              <a:spcAft>
+                <a:spcPct val="0"/>
+              </a:spcAft>
+              <a:buClrTx/>
+              <a:buSzTx/>
+              <a:buFontTx/>
+              <a:buNone/>
+              <a:tabLst/>
+            </a:pPr>
+            <a:r>
+              <a:rPr kumimoji="0" lang="it-IT" altLang="it-IT" b="0" i="0" u="none" strike="noStrike" cap="none" normalizeH="0" baseline="0" dirty="0">
+                <a:ln>
+                  <a:noFill/>
+                </a:ln>
+                <a:solidFill>
+                  <a:schemeClr val="tx1"/>
+                </a:solidFill>
+                <a:effectLst/>
+                <a:latin typeface="Arial" panose="020B0604020202020204" pitchFamily="34" charset="0"/>
+                <a:ea typeface="Times New Roman" panose="02020603050405020304" pitchFamily="18" charset="0"/>
+                <a:cs typeface="Arial" panose="020B0604020202020204" pitchFamily="34" charset="0"/>
+                <a:sym typeface="Wingdings" panose="05000000000000000000" pitchFamily="2" charset="2"/>
+              </a:rPr>
+              <a:t>In questo for si fa girare il motore per  un </a:t>
+            </a:r>
+            <a:r>
+              <a:rPr kumimoji="0" lang="it-IT" altLang="it-IT" b="0" i="0" u="none" strike="noStrike" cap="none" normalizeH="0" baseline="0" dirty="0" err="1">
+                <a:ln>
+                  <a:noFill/>
+                </a:ln>
+                <a:solidFill>
+                  <a:schemeClr val="tx1"/>
+                </a:solidFill>
+                <a:effectLst/>
+                <a:latin typeface="Arial" panose="020B0604020202020204" pitchFamily="34" charset="0"/>
+                <a:ea typeface="Times New Roman" panose="02020603050405020304" pitchFamily="18" charset="0"/>
+                <a:cs typeface="Arial" panose="020B0604020202020204" pitchFamily="34" charset="0"/>
+                <a:sym typeface="Wingdings" panose="05000000000000000000" pitchFamily="2" charset="2"/>
+              </a:rPr>
+              <a:t>gio</a:t>
+            </a:r>
+            <a:r>
+              <a:rPr kumimoji="0" lang="it-IT" altLang="it-IT" b="0" i="0" u="none" strike="noStrike" cap="none" normalizeH="0" baseline="0" dirty="0">
+                <a:ln>
+                  <a:noFill/>
+                </a:ln>
+                <a:solidFill>
+                  <a:schemeClr val="tx1"/>
+                </a:solidFill>
+                <a:effectLst/>
+                <a:latin typeface="Arial" panose="020B0604020202020204" pitchFamily="34" charset="0"/>
+                <a:ea typeface="Times New Roman" panose="02020603050405020304" pitchFamily="18" charset="0"/>
+                <a:cs typeface="Arial" panose="020B0604020202020204" pitchFamily="34" charset="0"/>
+                <a:sym typeface="Wingdings" panose="05000000000000000000" pitchFamily="2" charset="2"/>
+              </a:rPr>
+              <a:t> </a:t>
+            </a:r>
+            <a:r>
+              <a:rPr kumimoji="0" lang="it-IT" altLang="it-IT" b="0" i="0" u="none" strike="noStrike" cap="none" normalizeH="0" baseline="0" dirty="0" err="1">
+                <a:ln>
+                  <a:noFill/>
+                </a:ln>
+                <a:solidFill>
+                  <a:schemeClr val="tx1"/>
+                </a:solidFill>
+                <a:effectLst/>
+                <a:latin typeface="Arial" panose="020B0604020202020204" pitchFamily="34" charset="0"/>
+                <a:ea typeface="Times New Roman" panose="02020603050405020304" pitchFamily="18" charset="0"/>
+                <a:cs typeface="Arial" panose="020B0604020202020204" pitchFamily="34" charset="0"/>
+                <a:sym typeface="Wingdings" panose="05000000000000000000" pitchFamily="2" charset="2"/>
+              </a:rPr>
+              <a:t>conpleto</a:t>
+            </a:r>
+            <a:r>
+              <a:rPr kumimoji="0" lang="it-IT" altLang="it-IT" b="0" i="0" u="none" strike="noStrike" cap="none" normalizeH="0" baseline="0" dirty="0">
+                <a:ln>
+                  <a:noFill/>
+                </a:ln>
+                <a:solidFill>
+                  <a:schemeClr val="tx1"/>
+                </a:solidFill>
+                <a:effectLst/>
+                <a:latin typeface="Arial" panose="020B0604020202020204" pitchFamily="34" charset="0"/>
+                <a:ea typeface="Times New Roman" panose="02020603050405020304" pitchFamily="18" charset="0"/>
+                <a:cs typeface="Arial" panose="020B0604020202020204" pitchFamily="34" charset="0"/>
+                <a:sym typeface="Wingdings" panose="05000000000000000000" pitchFamily="2" charset="2"/>
+              </a:rPr>
+              <a:t> con 3200 impulsi.</a:t>
             </a:r>
           </a:p>
         </p:txBody>
@@ -10304,20 +10982,13 @@
     </p:spTree>
     <p:extLst>
       <p:ext uri="{BB962C8B-B14F-4D97-AF65-F5344CB8AC3E}">
-        <p14:creationId xmlns:p14="http://schemas.microsoft.com/office/powerpoint/2010/main" val="4260020491"/>
+        <p14:creationId xmlns:p14="http://schemas.microsoft.com/office/powerpoint/2010/main" val="2077339287"/>
       </p:ext>
     </p:extLst>
   </p:cSld>
   <p:clrMapOvr>
     <a:masterClrMapping/>
   </p:clrMapOvr>
-  <p:timing>
-    <p:tnLst>
-      <p:par>
-        <p:cTn id="1" dur="indefinite" restart="never" nodeType="tmRoot"/>
-      </p:par>
-    </p:tnLst>
-  </p:timing>
 </p:sld>
 </file>
 
@@ -10343,7 +11014,7 @@
           <p:cNvPr id="2" name="Titolo 1">
             <a:extLst>
               <a:ext uri="{FF2B5EF4-FFF2-40B4-BE49-F238E27FC236}">
-                <a16:creationId xmlns:a16="http://schemas.microsoft.com/office/drawing/2014/main" xmlns="" id="{D5E3F679-6E0E-4926-8A3B-FE085CD1B767}"/>
+                <a16:creationId xmlns:a16="http://schemas.microsoft.com/office/drawing/2014/main" id="{EA779CA8-FF97-4D2D-973D-AE2F06265F65}"/>
               </a:ext>
             </a:extLst>
           </p:cNvPr>
@@ -10371,7 +11042,7 @@
           <p:cNvPr id="3" name="Segnaposto contenuto 2">
             <a:extLst>
               <a:ext uri="{FF2B5EF4-FFF2-40B4-BE49-F238E27FC236}">
-                <a16:creationId xmlns:a16="http://schemas.microsoft.com/office/drawing/2014/main" xmlns="" id="{DA8E0FA7-4816-4693-BE4A-9D1AA5743E7F}"/>
+                <a16:creationId xmlns:a16="http://schemas.microsoft.com/office/drawing/2014/main" id="{59D3ADF8-83DB-4D51-8D1C-EDA5C9A09A7D}"/>
               </a:ext>
             </a:extLst>
           </p:cNvPr>
@@ -10382,6 +11053,172 @@
             <p:ph idx="1"/>
           </p:nvPr>
         </p:nvSpPr>
+        <p:spPr/>
+        <p:txBody>
+          <a:bodyPr/>
+          <a:lstStyle/>
+          <a:p>
+            <a:pPr marL="0" indent="0">
+              <a:buNone/>
+            </a:pPr>
+            <a:r>
+              <a:rPr lang="it-CH" dirty="0"/>
+              <a:t>Componenti utilizzati</a:t>
+            </a:r>
+          </a:p>
+          <a:p>
+            <a:r>
+              <a:rPr lang="it-CH" dirty="0"/>
+              <a:t>1 – Arduino Mega 2560</a:t>
+            </a:r>
+          </a:p>
+          <a:p>
+            <a:r>
+              <a:rPr lang="it-CH" dirty="0"/>
+              <a:t>2 – Motori passo </a:t>
+            </a:r>
+            <a:r>
+              <a:rPr lang="it-CH" dirty="0" err="1"/>
+              <a:t>passo</a:t>
+            </a:r>
+            <a:endParaRPr lang="it-CH" dirty="0"/>
+          </a:p>
+          <a:p>
+            <a:r>
+              <a:rPr lang="it-CH" dirty="0"/>
+              <a:t>1 – Scheda </a:t>
+            </a:r>
+            <a:r>
+              <a:rPr lang="it-CH" dirty="0" err="1"/>
+              <a:t>JJRobots</a:t>
+            </a:r>
+            <a:endParaRPr lang="it-CH" dirty="0"/>
+          </a:p>
+          <a:p>
+            <a:r>
+              <a:rPr lang="it-CH" dirty="0"/>
+              <a:t>2 – </a:t>
+            </a:r>
+            <a:r>
+              <a:rPr lang="it-CH" dirty="0" err="1"/>
+              <a:t>MotorShield</a:t>
+            </a:r>
+            <a:r>
+              <a:rPr lang="it-CH" dirty="0"/>
+              <a:t> + 2 dissipatori</a:t>
+            </a:r>
+          </a:p>
+          <a:p>
+            <a:pPr marL="0" indent="0">
+              <a:buNone/>
+            </a:pPr>
+            <a:endParaRPr lang="it-CH" dirty="0"/>
+          </a:p>
+          <a:p>
+            <a:pPr marL="0" indent="0">
+              <a:buNone/>
+            </a:pPr>
+            <a:r>
+              <a:rPr lang="it-CH" dirty="0"/>
+              <a:t>Software utilizzati</a:t>
+            </a:r>
+          </a:p>
+          <a:p>
+            <a:r>
+              <a:rPr lang="it-CH" dirty="0"/>
+              <a:t>AHR Robot (</a:t>
+            </a:r>
+            <a:r>
+              <a:rPr lang="it-CH" dirty="0" err="1"/>
+              <a:t>JJRobots</a:t>
+            </a:r>
+            <a:r>
+              <a:rPr lang="it-CH" dirty="0"/>
+              <a:t>)</a:t>
+            </a:r>
+          </a:p>
+          <a:p>
+            <a:r>
+              <a:rPr lang="it-CH" dirty="0"/>
+              <a:t>Arduino IDE</a:t>
+            </a:r>
+          </a:p>
+        </p:txBody>
+      </p:sp>
+    </p:spTree>
+    <p:extLst>
+      <p:ext uri="{BB962C8B-B14F-4D97-AF65-F5344CB8AC3E}">
+        <p14:creationId xmlns:p14="http://schemas.microsoft.com/office/powerpoint/2010/main" val="4260020491"/>
+      </p:ext>
+    </p:extLst>
+  </p:cSld>
+  <p:clrMapOvr>
+    <a:masterClrMapping/>
+  </p:clrMapOvr>
+</p:sld>
+</file>
+
+<file path=ppt/slides/slide17.xml><?xml version="1.0" encoding="utf-8"?>
+<p:sld xmlns:a="http://schemas.openxmlformats.org/drawingml/2006/main" xmlns:r="http://schemas.openxmlformats.org/officeDocument/2006/relationships" xmlns:p="http://schemas.openxmlformats.org/presentationml/2006/main">
+  <p:cSld>
+    <p:spTree>
+      <p:nvGrpSpPr>
+        <p:cNvPr id="1" name=""/>
+        <p:cNvGrpSpPr/>
+        <p:nvPr/>
+      </p:nvGrpSpPr>
+      <p:grpSpPr>
+        <a:xfrm>
+          <a:off x="0" y="0"/>
+          <a:ext cx="0" cy="0"/>
+          <a:chOff x="0" y="0"/>
+          <a:chExt cx="0" cy="0"/>
+        </a:xfrm>
+      </p:grpSpPr>
+      <p:sp>
+        <p:nvSpPr>
+          <p:cNvPr id="2" name="Titolo 1">
+            <a:extLst>
+              <a:ext uri="{FF2B5EF4-FFF2-40B4-BE49-F238E27FC236}">
+                <a16:creationId xmlns:a16="http://schemas.microsoft.com/office/drawing/2014/main" id="{D5E3F679-6E0E-4926-8A3B-FE085CD1B767}"/>
+              </a:ext>
+            </a:extLst>
+          </p:cNvPr>
+          <p:cNvSpPr>
+            <a:spLocks noGrp="1"/>
+          </p:cNvSpPr>
+          <p:nvPr>
+            <p:ph type="title"/>
+          </p:nvPr>
+        </p:nvSpPr>
+        <p:spPr/>
+        <p:txBody>
+          <a:bodyPr/>
+          <a:lstStyle/>
+          <a:p>
+            <a:r>
+              <a:rPr lang="it-CH" dirty="0"/>
+              <a:t>Robot</a:t>
+            </a:r>
+          </a:p>
+        </p:txBody>
+      </p:sp>
+      <p:sp>
+        <p:nvSpPr>
+          <p:cNvPr id="3" name="Segnaposto contenuto 2">
+            <a:extLst>
+              <a:ext uri="{FF2B5EF4-FFF2-40B4-BE49-F238E27FC236}">
+                <a16:creationId xmlns:a16="http://schemas.microsoft.com/office/drawing/2014/main" id="{DA8E0FA7-4816-4693-BE4A-9D1AA5743E7F}"/>
+              </a:ext>
+            </a:extLst>
+          </p:cNvPr>
+          <p:cNvSpPr>
+            <a:spLocks noGrp="1"/>
+          </p:cNvSpPr>
+          <p:nvPr>
+            <p:ph idx="1"/>
+          </p:nvPr>
+        </p:nvSpPr>
         <p:spPr>
           <a:xfrm>
             <a:off x="936825" y="1488613"/>
@@ -10407,7 +11244,7 @@
           <p:cNvPr id="5" name="Immagine 4">
             <a:extLst>
               <a:ext uri="{FF2B5EF4-FFF2-40B4-BE49-F238E27FC236}">
-                <a16:creationId xmlns:a16="http://schemas.microsoft.com/office/drawing/2014/main" xmlns="" id="{47E50C2D-8922-4072-B54C-6DBC100825FC}"/>
+                <a16:creationId xmlns:a16="http://schemas.microsoft.com/office/drawing/2014/main" id="{47E50C2D-8922-4072-B54C-6DBC100825FC}"/>
               </a:ext>
             </a:extLst>
           </p:cNvPr>
@@ -10442,7 +11279,7 @@
           <p:cNvPr id="6" name="Rettangolo 5">
             <a:extLst>
               <a:ext uri="{FF2B5EF4-FFF2-40B4-BE49-F238E27FC236}">
-                <a16:creationId xmlns:a16="http://schemas.microsoft.com/office/drawing/2014/main" xmlns="" id="{B0528231-C731-41D1-A2A8-F58316EBE086}"/>
+                <a16:creationId xmlns:a16="http://schemas.microsoft.com/office/drawing/2014/main" id="{B0528231-C731-41D1-A2A8-F58316EBE086}"/>
               </a:ext>
             </a:extLst>
           </p:cNvPr>
@@ -10494,7 +11331,7 @@
           <p:cNvPr id="7" name="Connettore 2 6">
             <a:extLst>
               <a:ext uri="{FF2B5EF4-FFF2-40B4-BE49-F238E27FC236}">
-                <a16:creationId xmlns:a16="http://schemas.microsoft.com/office/drawing/2014/main" xmlns="" id="{83896790-7DCD-4C57-895B-963E358859F3}"/>
+                <a16:creationId xmlns:a16="http://schemas.microsoft.com/office/drawing/2014/main" id="{83896790-7DCD-4C57-895B-963E358859F3}"/>
               </a:ext>
             </a:extLst>
           </p:cNvPr>
@@ -10535,7 +11372,7 @@
           <p:cNvPr id="9" name="CasellaDiTesto 8">
             <a:extLst>
               <a:ext uri="{FF2B5EF4-FFF2-40B4-BE49-F238E27FC236}">
-                <a16:creationId xmlns:a16="http://schemas.microsoft.com/office/drawing/2014/main" xmlns="" id="{8BCEE407-72EF-48B0-90D0-A7BC74CA4844}"/>
+                <a16:creationId xmlns:a16="http://schemas.microsoft.com/office/drawing/2014/main" id="{8BCEE407-72EF-48B0-90D0-A7BC74CA4844}"/>
               </a:ext>
             </a:extLst>
           </p:cNvPr>
@@ -10575,7 +11412,7 @@
           <p:cNvPr id="10" name="Rettangolo 9">
             <a:extLst>
               <a:ext uri="{FF2B5EF4-FFF2-40B4-BE49-F238E27FC236}">
-                <a16:creationId xmlns:a16="http://schemas.microsoft.com/office/drawing/2014/main" xmlns="" id="{1431CA28-A271-40D2-9CF5-33519B6F672D}"/>
+                <a16:creationId xmlns:a16="http://schemas.microsoft.com/office/drawing/2014/main" id="{1431CA28-A271-40D2-9CF5-33519B6F672D}"/>
               </a:ext>
             </a:extLst>
           </p:cNvPr>
@@ -10627,7 +11464,7 @@
           <p:cNvPr id="11" name="Rettangolo 10">
             <a:extLst>
               <a:ext uri="{FF2B5EF4-FFF2-40B4-BE49-F238E27FC236}">
-                <a16:creationId xmlns:a16="http://schemas.microsoft.com/office/drawing/2014/main" xmlns="" id="{B2CFF234-AE5C-4C7F-B19C-DE07B0201BFA}"/>
+                <a16:creationId xmlns:a16="http://schemas.microsoft.com/office/drawing/2014/main" id="{B2CFF234-AE5C-4C7F-B19C-DE07B0201BFA}"/>
               </a:ext>
             </a:extLst>
           </p:cNvPr>
@@ -10679,7 +11516,7 @@
           <p:cNvPr id="12" name="Connettore 2 11">
             <a:extLst>
               <a:ext uri="{FF2B5EF4-FFF2-40B4-BE49-F238E27FC236}">
-                <a16:creationId xmlns:a16="http://schemas.microsoft.com/office/drawing/2014/main" xmlns="" id="{8E4361CF-8410-4E1E-A351-16FABD3DCB08}"/>
+                <a16:creationId xmlns:a16="http://schemas.microsoft.com/office/drawing/2014/main" id="{8E4361CF-8410-4E1E-A351-16FABD3DCB08}"/>
               </a:ext>
             </a:extLst>
           </p:cNvPr>
@@ -10720,7 +11557,7 @@
           <p:cNvPr id="14" name="Connettore 2 13">
             <a:extLst>
               <a:ext uri="{FF2B5EF4-FFF2-40B4-BE49-F238E27FC236}">
-                <a16:creationId xmlns:a16="http://schemas.microsoft.com/office/drawing/2014/main" xmlns="" id="{F64DEF49-7C1F-42DD-93CC-0614CCA0B62E}"/>
+                <a16:creationId xmlns:a16="http://schemas.microsoft.com/office/drawing/2014/main" id="{F64DEF49-7C1F-42DD-93CC-0614CCA0B62E}"/>
               </a:ext>
             </a:extLst>
           </p:cNvPr>
@@ -10761,7 +11598,7 @@
           <p:cNvPr id="16" name="CasellaDiTesto 15">
             <a:extLst>
               <a:ext uri="{FF2B5EF4-FFF2-40B4-BE49-F238E27FC236}">
-                <a16:creationId xmlns:a16="http://schemas.microsoft.com/office/drawing/2014/main" xmlns="" id="{2636E835-1F5D-491D-98A2-CD92194A7838}"/>
+                <a16:creationId xmlns:a16="http://schemas.microsoft.com/office/drawing/2014/main" id="{2636E835-1F5D-491D-98A2-CD92194A7838}"/>
               </a:ext>
             </a:extLst>
           </p:cNvPr>
@@ -11074,7 +11911,7 @@
 </p:sld>
 </file>
 
-<file path=ppt/slides/slide17.xml><?xml version="1.0" encoding="utf-8"?>
+<file path=ppt/slides/slide18.xml><?xml version="1.0" encoding="utf-8"?>
 <p:sld xmlns:a="http://schemas.openxmlformats.org/drawingml/2006/main" xmlns:r="http://schemas.openxmlformats.org/officeDocument/2006/relationships" xmlns:p="http://schemas.openxmlformats.org/presentationml/2006/main">
   <p:cSld>
     <p:spTree>
@@ -11096,7 +11933,7 @@
           <p:cNvPr id="2" name="Titolo 1">
             <a:extLst>
               <a:ext uri="{FF2B5EF4-FFF2-40B4-BE49-F238E27FC236}">
-                <a16:creationId xmlns:a16="http://schemas.microsoft.com/office/drawing/2014/main" xmlns="" id="{45DE9337-D241-41EB-AA80-283109BB2E05}"/>
+                <a16:creationId xmlns:a16="http://schemas.microsoft.com/office/drawing/2014/main" id="{45DE9337-D241-41EB-AA80-283109BB2E05}"/>
               </a:ext>
             </a:extLst>
           </p:cNvPr>
@@ -11124,7 +11961,7 @@
           <p:cNvPr id="4" name="Segnaposto contenuto 2">
             <a:extLst>
               <a:ext uri="{FF2B5EF4-FFF2-40B4-BE49-F238E27FC236}">
-                <a16:creationId xmlns:a16="http://schemas.microsoft.com/office/drawing/2014/main" xmlns="" id="{CE092209-4239-453E-B076-3A3DFFCA5EAD}"/>
+                <a16:creationId xmlns:a16="http://schemas.microsoft.com/office/drawing/2014/main" id="{CE092209-4239-453E-B076-3A3DFFCA5EAD}"/>
               </a:ext>
             </a:extLst>
           </p:cNvPr>
@@ -11162,7 +11999,7 @@
           <p:cNvPr id="5" name="Immagine 4">
             <a:extLst>
               <a:ext uri="{FF2B5EF4-FFF2-40B4-BE49-F238E27FC236}">
-                <a16:creationId xmlns:a16="http://schemas.microsoft.com/office/drawing/2014/main" xmlns="" id="{E2348BF5-29BC-4B4A-82CE-B2EBCC8CE841}"/>
+                <a16:creationId xmlns:a16="http://schemas.microsoft.com/office/drawing/2014/main" id="{E2348BF5-29BC-4B4A-82CE-B2EBCC8CE841}"/>
               </a:ext>
             </a:extLst>
           </p:cNvPr>
@@ -11197,7 +12034,7 @@
           <p:cNvPr id="6" name="Connettore 2 5">
             <a:extLst>
               <a:ext uri="{FF2B5EF4-FFF2-40B4-BE49-F238E27FC236}">
-                <a16:creationId xmlns:a16="http://schemas.microsoft.com/office/drawing/2014/main" xmlns="" id="{FA0B3EDB-2580-4103-8F09-D7240A96ADCE}"/>
+                <a16:creationId xmlns:a16="http://schemas.microsoft.com/office/drawing/2014/main" id="{FA0B3EDB-2580-4103-8F09-D7240A96ADCE}"/>
               </a:ext>
             </a:extLst>
           </p:cNvPr>
@@ -11238,7 +12075,7 @@
           <p:cNvPr id="8" name="CasellaDiTesto 7">
             <a:extLst>
               <a:ext uri="{FF2B5EF4-FFF2-40B4-BE49-F238E27FC236}">
-                <a16:creationId xmlns:a16="http://schemas.microsoft.com/office/drawing/2014/main" xmlns="" id="{A7CECAB1-36DA-4081-BFF8-405ED768D151}"/>
+                <a16:creationId xmlns:a16="http://schemas.microsoft.com/office/drawing/2014/main" id="{A7CECAB1-36DA-4081-BFF8-405ED768D151}"/>
               </a:ext>
             </a:extLst>
           </p:cNvPr>
@@ -11273,7 +12110,7 @@
           <p:cNvPr id="9" name="Connettore 2 8">
             <a:extLst>
               <a:ext uri="{FF2B5EF4-FFF2-40B4-BE49-F238E27FC236}">
-                <a16:creationId xmlns:a16="http://schemas.microsoft.com/office/drawing/2014/main" xmlns="" id="{7B8F8F3D-EAE5-4A40-8E36-424DD0DF8101}"/>
+                <a16:creationId xmlns:a16="http://schemas.microsoft.com/office/drawing/2014/main" id="{7B8F8F3D-EAE5-4A40-8E36-424DD0DF8101}"/>
               </a:ext>
             </a:extLst>
           </p:cNvPr>
@@ -11314,7 +12151,7 @@
           <p:cNvPr id="13" name="CasellaDiTesto 12">
             <a:extLst>
               <a:ext uri="{FF2B5EF4-FFF2-40B4-BE49-F238E27FC236}">
-                <a16:creationId xmlns:a16="http://schemas.microsoft.com/office/drawing/2014/main" xmlns="" id="{925456C1-80AE-417F-A422-904EE09F9A6C}"/>
+                <a16:creationId xmlns:a16="http://schemas.microsoft.com/office/drawing/2014/main" id="{925456C1-80AE-417F-A422-904EE09F9A6C}"/>
               </a:ext>
             </a:extLst>
           </p:cNvPr>
@@ -11349,7 +12186,7 @@
           <p:cNvPr id="14" name="Connettore 2 13">
             <a:extLst>
               <a:ext uri="{FF2B5EF4-FFF2-40B4-BE49-F238E27FC236}">
-                <a16:creationId xmlns:a16="http://schemas.microsoft.com/office/drawing/2014/main" xmlns="" id="{02FA271C-AA02-494A-9B13-48E23AE778D5}"/>
+                <a16:creationId xmlns:a16="http://schemas.microsoft.com/office/drawing/2014/main" id="{02FA271C-AA02-494A-9B13-48E23AE778D5}"/>
               </a:ext>
             </a:extLst>
           </p:cNvPr>
@@ -11391,7 +12228,7 @@
           <p:cNvPr id="16" name="CasellaDiTesto 15">
             <a:extLst>
               <a:ext uri="{FF2B5EF4-FFF2-40B4-BE49-F238E27FC236}">
-                <a16:creationId xmlns:a16="http://schemas.microsoft.com/office/drawing/2014/main" xmlns="" id="{2513885F-BD49-4E06-852D-D19B0173656B}"/>
+                <a16:creationId xmlns:a16="http://schemas.microsoft.com/office/drawing/2014/main" id="{2513885F-BD49-4E06-852D-D19B0173656B}"/>
               </a:ext>
             </a:extLst>
           </p:cNvPr>
@@ -11426,7 +12263,7 @@
           <p:cNvPr id="19" name="Connettore 2 18">
             <a:extLst>
               <a:ext uri="{FF2B5EF4-FFF2-40B4-BE49-F238E27FC236}">
-                <a16:creationId xmlns:a16="http://schemas.microsoft.com/office/drawing/2014/main" xmlns="" id="{4D99E6F7-C324-4B7B-8995-971E91687256}"/>
+                <a16:creationId xmlns:a16="http://schemas.microsoft.com/office/drawing/2014/main" id="{4D99E6F7-C324-4B7B-8995-971E91687256}"/>
               </a:ext>
             </a:extLst>
           </p:cNvPr>
@@ -11467,7 +12304,7 @@
           <p:cNvPr id="21" name="CasellaDiTesto 20">
             <a:extLst>
               <a:ext uri="{FF2B5EF4-FFF2-40B4-BE49-F238E27FC236}">
-                <a16:creationId xmlns:a16="http://schemas.microsoft.com/office/drawing/2014/main" xmlns="" id="{87D55D6A-1624-47D6-B396-10E3064CD289}"/>
+                <a16:creationId xmlns:a16="http://schemas.microsoft.com/office/drawing/2014/main" id="{87D55D6A-1624-47D6-B396-10E3064CD289}"/>
               </a:ext>
             </a:extLst>
           </p:cNvPr>
@@ -11853,7 +12690,7 @@
 </p:sld>
 </file>
 
-<file path=ppt/slides/slide18.xml><?xml version="1.0" encoding="utf-8"?>
+<file path=ppt/slides/slide19.xml><?xml version="1.0" encoding="utf-8"?>
 <p:sld xmlns:a="http://schemas.openxmlformats.org/drawingml/2006/main" xmlns:r="http://schemas.openxmlformats.org/officeDocument/2006/relationships" xmlns:p="http://schemas.openxmlformats.org/presentationml/2006/main">
   <p:cSld>
     <p:spTree>
@@ -11875,7 +12712,7 @@
           <p:cNvPr id="2" name="Titolo 1">
             <a:extLst>
               <a:ext uri="{FF2B5EF4-FFF2-40B4-BE49-F238E27FC236}">
-                <a16:creationId xmlns:a16="http://schemas.microsoft.com/office/drawing/2014/main" xmlns="" id="{A492A880-01B4-4BE3-959B-42BFC1AE492C}"/>
+                <a16:creationId xmlns:a16="http://schemas.microsoft.com/office/drawing/2014/main" id="{A492A880-01B4-4BE3-959B-42BFC1AE492C}"/>
               </a:ext>
             </a:extLst>
           </p:cNvPr>
@@ -11903,7 +12740,7 @@
           <p:cNvPr id="4" name="Segnaposto contenuto 2">
             <a:extLst>
               <a:ext uri="{FF2B5EF4-FFF2-40B4-BE49-F238E27FC236}">
-                <a16:creationId xmlns:a16="http://schemas.microsoft.com/office/drawing/2014/main" xmlns="" id="{6B58BABC-53E4-4D75-A524-44B6AA5D0E98}"/>
+                <a16:creationId xmlns:a16="http://schemas.microsoft.com/office/drawing/2014/main" id="{6B58BABC-53E4-4D75-A524-44B6AA5D0E98}"/>
               </a:ext>
             </a:extLst>
           </p:cNvPr>
@@ -11941,7 +12778,7 @@
           <p:cNvPr id="6" name="Immagine 5">
             <a:extLst>
               <a:ext uri="{FF2B5EF4-FFF2-40B4-BE49-F238E27FC236}">
-                <a16:creationId xmlns:a16="http://schemas.microsoft.com/office/drawing/2014/main" xmlns="" id="{4EEC1BF7-6A5A-4ED3-9739-63424A4A3DD0}"/>
+                <a16:creationId xmlns:a16="http://schemas.microsoft.com/office/drawing/2014/main" id="{4EEC1BF7-6A5A-4ED3-9739-63424A4A3DD0}"/>
               </a:ext>
             </a:extLst>
           </p:cNvPr>
@@ -11976,7 +12813,7 @@
           <p:cNvPr id="7" name="Rettangolo 6">
             <a:extLst>
               <a:ext uri="{FF2B5EF4-FFF2-40B4-BE49-F238E27FC236}">
-                <a16:creationId xmlns:a16="http://schemas.microsoft.com/office/drawing/2014/main" xmlns="" id="{11D6DDC8-12F4-4B2C-BF2C-C03C23F1F39E}"/>
+                <a16:creationId xmlns:a16="http://schemas.microsoft.com/office/drawing/2014/main" id="{11D6DDC8-12F4-4B2C-BF2C-C03C23F1F39E}"/>
               </a:ext>
             </a:extLst>
           </p:cNvPr>
@@ -12028,7 +12865,7 @@
           <p:cNvPr id="8" name="Connettore 2 7">
             <a:extLst>
               <a:ext uri="{FF2B5EF4-FFF2-40B4-BE49-F238E27FC236}">
-                <a16:creationId xmlns:a16="http://schemas.microsoft.com/office/drawing/2014/main" xmlns="" id="{830C2001-0A24-4765-B38C-46C4F6BAB690}"/>
+                <a16:creationId xmlns:a16="http://schemas.microsoft.com/office/drawing/2014/main" id="{830C2001-0A24-4765-B38C-46C4F6BAB690}"/>
               </a:ext>
             </a:extLst>
           </p:cNvPr>
@@ -12069,7 +12906,7 @@
           <p:cNvPr id="10" name="CasellaDiTesto 9">
             <a:extLst>
               <a:ext uri="{FF2B5EF4-FFF2-40B4-BE49-F238E27FC236}">
-                <a16:creationId xmlns:a16="http://schemas.microsoft.com/office/drawing/2014/main" xmlns="" id="{68E7E879-EDB4-4BF5-B64F-8188220A59A0}"/>
+                <a16:creationId xmlns:a16="http://schemas.microsoft.com/office/drawing/2014/main" id="{68E7E879-EDB4-4BF5-B64F-8188220A59A0}"/>
               </a:ext>
             </a:extLst>
           </p:cNvPr>
@@ -12116,7 +12953,7 @@
           <p:cNvPr id="11" name="Rettangolo 10">
             <a:extLst>
               <a:ext uri="{FF2B5EF4-FFF2-40B4-BE49-F238E27FC236}">
-                <a16:creationId xmlns:a16="http://schemas.microsoft.com/office/drawing/2014/main" xmlns="" id="{03761E93-6680-4299-9EFC-9E1DCE1E373C}"/>
+                <a16:creationId xmlns:a16="http://schemas.microsoft.com/office/drawing/2014/main" id="{03761E93-6680-4299-9EFC-9E1DCE1E373C}"/>
               </a:ext>
             </a:extLst>
           </p:cNvPr>
@@ -12168,7 +13005,7 @@
           <p:cNvPr id="12" name="Connettore 2 11">
             <a:extLst>
               <a:ext uri="{FF2B5EF4-FFF2-40B4-BE49-F238E27FC236}">
-                <a16:creationId xmlns:a16="http://schemas.microsoft.com/office/drawing/2014/main" xmlns="" id="{4F3625F5-935A-4C48-A887-37B28F90491E}"/>
+                <a16:creationId xmlns:a16="http://schemas.microsoft.com/office/drawing/2014/main" id="{4F3625F5-935A-4C48-A887-37B28F90491E}"/>
               </a:ext>
             </a:extLst>
           </p:cNvPr>
@@ -12209,7 +13046,7 @@
           <p:cNvPr id="16" name="CasellaDiTesto 15">
             <a:extLst>
               <a:ext uri="{FF2B5EF4-FFF2-40B4-BE49-F238E27FC236}">
-                <a16:creationId xmlns:a16="http://schemas.microsoft.com/office/drawing/2014/main" xmlns="" id="{047742C0-EF52-4AF2-86D6-5B896442E2EC}"/>
+                <a16:creationId xmlns:a16="http://schemas.microsoft.com/office/drawing/2014/main" id="{047742C0-EF52-4AF2-86D6-5B896442E2EC}"/>
               </a:ext>
             </a:extLst>
           </p:cNvPr>
@@ -12403,1132 +13240,6 @@
                                         <p:cTn id="12" dur="500" fill="hold"/>
                                         <p:tgtEl>
                                           <p:spTgt spid="12"/>
-                                        </p:tgtEl>
-                                        <p:attrNameLst>
-                                          <p:attrName>ppt_y</p:attrName>
-                                        </p:attrNameLst>
-                                      </p:cBhvr>
-                                      <p:tavLst>
-                                        <p:tav tm="0">
-                                          <p:val>
-                                            <p:strVal val="#ppt_y"/>
-                                          </p:val>
-                                        </p:tav>
-                                        <p:tav tm="100000">
-                                          <p:val>
-                                            <p:strVal val="#ppt_y"/>
-                                          </p:val>
-                                        </p:tav>
-                                      </p:tavLst>
-                                    </p:anim>
-                                  </p:childTnLst>
-                                </p:cTn>
-                              </p:par>
-                            </p:childTnLst>
-                          </p:cTn>
-                        </p:par>
-                      </p:childTnLst>
-                    </p:cTn>
-                  </p:par>
-                </p:childTnLst>
-              </p:cTn>
-              <p:prevCondLst>
-                <p:cond evt="onPrev" delay="0">
-                  <p:tgtEl>
-                    <p:sldTgt/>
-                  </p:tgtEl>
-                </p:cond>
-              </p:prevCondLst>
-              <p:nextCondLst>
-                <p:cond evt="onNext" delay="0">
-                  <p:tgtEl>
-                    <p:sldTgt/>
-                  </p:tgtEl>
-                </p:cond>
-              </p:nextCondLst>
-            </p:seq>
-          </p:childTnLst>
-        </p:cTn>
-      </p:par>
-    </p:tnLst>
-  </p:timing>
-</p:sld>
-</file>
-
-<file path=ppt/slides/slide19.xml><?xml version="1.0" encoding="utf-8"?>
-<p:sld xmlns:a="http://schemas.openxmlformats.org/drawingml/2006/main" xmlns:r="http://schemas.openxmlformats.org/officeDocument/2006/relationships" xmlns:p="http://schemas.openxmlformats.org/presentationml/2006/main">
-  <p:cSld>
-    <p:spTree>
-      <p:nvGrpSpPr>
-        <p:cNvPr id="1" name=""/>
-        <p:cNvGrpSpPr/>
-        <p:nvPr/>
-      </p:nvGrpSpPr>
-      <p:grpSpPr>
-        <a:xfrm>
-          <a:off x="0" y="0"/>
-          <a:ext cx="0" cy="0"/>
-          <a:chOff x="0" y="0"/>
-          <a:chExt cx="0" cy="0"/>
-        </a:xfrm>
-      </p:grpSpPr>
-      <p:sp>
-        <p:nvSpPr>
-          <p:cNvPr id="2" name="Titolo 1">
-            <a:extLst>
-              <a:ext uri="{FF2B5EF4-FFF2-40B4-BE49-F238E27FC236}">
-                <a16:creationId xmlns:a16="http://schemas.microsoft.com/office/drawing/2014/main" xmlns="" id="{942C5209-3D8A-40BC-A383-3EDC371462AB}"/>
-              </a:ext>
-            </a:extLst>
-          </p:cNvPr>
-          <p:cNvSpPr>
-            <a:spLocks noGrp="1"/>
-          </p:cNvSpPr>
-          <p:nvPr>
-            <p:ph type="title"/>
-          </p:nvPr>
-        </p:nvSpPr>
-        <p:spPr>
-          <a:xfrm>
-            <a:off x="677334" y="609600"/>
-            <a:ext cx="8596668" cy="1320800"/>
-          </a:xfrm>
-        </p:spPr>
-        <p:txBody>
-          <a:bodyPr/>
-          <a:lstStyle/>
-          <a:p>
-            <a:r>
-              <a:rPr lang="it-CH" dirty="0"/>
-              <a:t>Robot</a:t>
-            </a:r>
-          </a:p>
-        </p:txBody>
-      </p:sp>
-      <p:pic>
-        <p:nvPicPr>
-          <p:cNvPr id="4" name="Immagine 3">
-            <a:extLst>
-              <a:ext uri="{FF2B5EF4-FFF2-40B4-BE49-F238E27FC236}">
-                <a16:creationId xmlns:a16="http://schemas.microsoft.com/office/drawing/2014/main" xmlns="" id="{0C91587A-FCD3-4FAD-B392-0BF22A1C06B5}"/>
-              </a:ext>
-            </a:extLst>
-          </p:cNvPr>
-          <p:cNvPicPr>
-            <a:picLocks noChangeAspect="1"/>
-          </p:cNvPicPr>
-          <p:nvPr/>
-        </p:nvPicPr>
-        <p:blipFill rotWithShape="1">
-          <a:blip r:embed="rId3"/>
-          <a:srcRect l="43277" t="36114" r="49094" b="59165"/>
-          <a:stretch/>
-        </p:blipFill>
-        <p:spPr>
-          <a:xfrm>
-            <a:off x="677334" y="1930399"/>
-            <a:ext cx="2131937" cy="742091"/>
-          </a:xfrm>
-          <a:prstGeom prst="rect">
-            <a:avLst/>
-          </a:prstGeom>
-        </p:spPr>
-      </p:pic>
-      <p:cxnSp>
-        <p:nvCxnSpPr>
-          <p:cNvPr id="5" name="Connettore 2 4">
-            <a:extLst>
-              <a:ext uri="{FF2B5EF4-FFF2-40B4-BE49-F238E27FC236}">
-                <a16:creationId xmlns:a16="http://schemas.microsoft.com/office/drawing/2014/main" xmlns="" id="{5C901243-4575-4B73-AC6E-B567B2C56876}"/>
-              </a:ext>
-            </a:extLst>
-          </p:cNvPr>
-          <p:cNvCxnSpPr/>
-          <p:nvPr/>
-        </p:nvCxnSpPr>
-        <p:spPr>
-          <a:xfrm>
-            <a:off x="2809271" y="2332532"/>
-            <a:ext cx="737937" cy="43261"/>
-          </a:xfrm>
-          <a:prstGeom prst="straightConnector1">
-            <a:avLst/>
-          </a:prstGeom>
-          <a:ln w="38100">
-            <a:tailEnd type="triangle"/>
-          </a:ln>
-        </p:spPr>
-        <p:style>
-          <a:lnRef idx="1">
-            <a:schemeClr val="accent1"/>
-          </a:lnRef>
-          <a:fillRef idx="0">
-            <a:schemeClr val="accent1"/>
-          </a:fillRef>
-          <a:effectRef idx="0">
-            <a:schemeClr val="accent1"/>
-          </a:effectRef>
-          <a:fontRef idx="minor">
-            <a:schemeClr val="tx1"/>
-          </a:fontRef>
-        </p:style>
-      </p:cxnSp>
-      <p:pic>
-        <p:nvPicPr>
-          <p:cNvPr id="6" name="Immagine 5">
-            <a:extLst>
-              <a:ext uri="{FF2B5EF4-FFF2-40B4-BE49-F238E27FC236}">
-                <a16:creationId xmlns:a16="http://schemas.microsoft.com/office/drawing/2014/main" xmlns="" id="{E75E7B5E-EEDF-41F1-9A7B-3294D64E0BC6}"/>
-              </a:ext>
-            </a:extLst>
-          </p:cNvPr>
-          <p:cNvPicPr>
-            <a:picLocks noChangeAspect="1"/>
-          </p:cNvPicPr>
-          <p:nvPr/>
-        </p:nvPicPr>
-        <p:blipFill rotWithShape="1">
-          <a:blip r:embed="rId3"/>
-          <a:srcRect l="43613" t="33334" r="48446" b="63938"/>
-          <a:stretch/>
-        </p:blipFill>
-        <p:spPr>
-          <a:xfrm>
-            <a:off x="720119" y="3196144"/>
-            <a:ext cx="2224950" cy="428780"/>
-          </a:xfrm>
-          <a:prstGeom prst="rect">
-            <a:avLst/>
-          </a:prstGeom>
-        </p:spPr>
-      </p:pic>
-      <p:pic>
-        <p:nvPicPr>
-          <p:cNvPr id="7" name="Immagine 6">
-            <a:extLst>
-              <a:ext uri="{FF2B5EF4-FFF2-40B4-BE49-F238E27FC236}">
-                <a16:creationId xmlns:a16="http://schemas.microsoft.com/office/drawing/2014/main" xmlns="" id="{2CB69A5C-47B0-49FC-8238-16A271D76F1F}"/>
-              </a:ext>
-            </a:extLst>
-          </p:cNvPr>
-          <p:cNvPicPr>
-            <a:picLocks noChangeAspect="1"/>
-          </p:cNvPicPr>
-          <p:nvPr/>
-        </p:nvPicPr>
-        <p:blipFill rotWithShape="1">
-          <a:blip r:embed="rId3"/>
-          <a:srcRect l="43728" t="41254" r="48311" b="48308"/>
-          <a:stretch/>
-        </p:blipFill>
-        <p:spPr>
-          <a:xfrm>
-            <a:off x="765385" y="3661856"/>
-            <a:ext cx="2224950" cy="1640704"/>
-          </a:xfrm>
-          <a:prstGeom prst="rect">
-            <a:avLst/>
-          </a:prstGeom>
-        </p:spPr>
-      </p:pic>
-      <p:sp>
-        <p:nvSpPr>
-          <p:cNvPr id="8" name="CasellaDiTesto 7">
-            <a:extLst>
-              <a:ext uri="{FF2B5EF4-FFF2-40B4-BE49-F238E27FC236}">
-                <a16:creationId xmlns:a16="http://schemas.microsoft.com/office/drawing/2014/main" xmlns="" id="{E8422C2F-064F-4FFA-A390-308839785207}"/>
-              </a:ext>
-            </a:extLst>
-          </p:cNvPr>
-          <p:cNvSpPr txBox="1"/>
-          <p:nvPr/>
-        </p:nvSpPr>
-        <p:spPr>
-          <a:xfrm>
-            <a:off x="3547208" y="2191127"/>
-            <a:ext cx="5259773" cy="369332"/>
-          </a:xfrm>
-          <a:prstGeom prst="rect">
-            <a:avLst/>
-          </a:prstGeom>
-          <a:noFill/>
-        </p:spPr>
-        <p:txBody>
-          <a:bodyPr wrap="none" rtlCol="0">
-            <a:spAutoFit/>
-          </a:bodyPr>
-          <a:lstStyle/>
-          <a:p>
-            <a:r>
-              <a:rPr lang="it-CH" dirty="0"/>
-              <a:t>Definizioni delle variabili e configurazioni iniziali</a:t>
-            </a:r>
-          </a:p>
-        </p:txBody>
-      </p:sp>
-      <p:cxnSp>
-        <p:nvCxnSpPr>
-          <p:cNvPr id="9" name="Connettore 2 8">
-            <a:extLst>
-              <a:ext uri="{FF2B5EF4-FFF2-40B4-BE49-F238E27FC236}">
-                <a16:creationId xmlns:a16="http://schemas.microsoft.com/office/drawing/2014/main" xmlns="" id="{A94B77DA-B3F6-40A3-A8FB-0229B4A918D0}"/>
-              </a:ext>
-            </a:extLst>
-          </p:cNvPr>
-          <p:cNvCxnSpPr/>
-          <p:nvPr/>
-        </p:nvCxnSpPr>
-        <p:spPr>
-          <a:xfrm>
-            <a:off x="2990335" y="3447803"/>
-            <a:ext cx="737937" cy="43261"/>
-          </a:xfrm>
-          <a:prstGeom prst="straightConnector1">
-            <a:avLst/>
-          </a:prstGeom>
-          <a:ln w="38100">
-            <a:tailEnd type="triangle"/>
-          </a:ln>
-        </p:spPr>
-        <p:style>
-          <a:lnRef idx="1">
-            <a:schemeClr val="accent1"/>
-          </a:lnRef>
-          <a:fillRef idx="0">
-            <a:schemeClr val="accent1"/>
-          </a:fillRef>
-          <a:effectRef idx="0">
-            <a:schemeClr val="accent1"/>
-          </a:effectRef>
-          <a:fontRef idx="minor">
-            <a:schemeClr val="tx1"/>
-          </a:fontRef>
-        </p:style>
-      </p:cxnSp>
-      <p:sp>
-        <p:nvSpPr>
-          <p:cNvPr id="10" name="CasellaDiTesto 9">
-            <a:extLst>
-              <a:ext uri="{FF2B5EF4-FFF2-40B4-BE49-F238E27FC236}">
-                <a16:creationId xmlns:a16="http://schemas.microsoft.com/office/drawing/2014/main" xmlns="" id="{E8A628CF-EF41-42B1-BEA2-FBEDC249F632}"/>
-              </a:ext>
-            </a:extLst>
-          </p:cNvPr>
-          <p:cNvSpPr txBox="1"/>
-          <p:nvPr/>
-        </p:nvSpPr>
-        <p:spPr>
-          <a:xfrm>
-            <a:off x="3818805" y="3357116"/>
-            <a:ext cx="1996059" cy="369332"/>
-          </a:xfrm>
-          <a:prstGeom prst="rect">
-            <a:avLst/>
-          </a:prstGeom>
-          <a:noFill/>
-        </p:spPr>
-        <p:txBody>
-          <a:bodyPr wrap="none" rtlCol="0">
-            <a:spAutoFit/>
-          </a:bodyPr>
-          <a:lstStyle/>
-          <a:p>
-            <a:r>
-              <a:rPr lang="it-CH" dirty="0"/>
-              <a:t>Classe principale</a:t>
-            </a:r>
-          </a:p>
-        </p:txBody>
-      </p:sp>
-      <p:cxnSp>
-        <p:nvCxnSpPr>
-          <p:cNvPr id="11" name="Connettore 2 10">
-            <a:extLst>
-              <a:ext uri="{FF2B5EF4-FFF2-40B4-BE49-F238E27FC236}">
-                <a16:creationId xmlns:a16="http://schemas.microsoft.com/office/drawing/2014/main" xmlns="" id="{8F3E7577-18B1-4AB4-BF21-3124CDDBB4E8}"/>
-              </a:ext>
-            </a:extLst>
-          </p:cNvPr>
-          <p:cNvCxnSpPr/>
-          <p:nvPr/>
-        </p:nvCxnSpPr>
-        <p:spPr>
-          <a:xfrm>
-            <a:off x="2963940" y="3888248"/>
-            <a:ext cx="737937" cy="43261"/>
-          </a:xfrm>
-          <a:prstGeom prst="straightConnector1">
-            <a:avLst/>
-          </a:prstGeom>
-          <a:ln w="38100">
-            <a:tailEnd type="triangle"/>
-          </a:ln>
-        </p:spPr>
-        <p:style>
-          <a:lnRef idx="1">
-            <a:schemeClr val="accent1"/>
-          </a:lnRef>
-          <a:fillRef idx="0">
-            <a:schemeClr val="accent1"/>
-          </a:fillRef>
-          <a:effectRef idx="0">
-            <a:schemeClr val="accent1"/>
-          </a:effectRef>
-          <a:fontRef idx="minor">
-            <a:schemeClr val="tx1"/>
-          </a:fontRef>
-        </p:style>
-      </p:cxnSp>
-      <p:sp>
-        <p:nvSpPr>
-          <p:cNvPr id="12" name="CasellaDiTesto 11">
-            <a:extLst>
-              <a:ext uri="{FF2B5EF4-FFF2-40B4-BE49-F238E27FC236}">
-                <a16:creationId xmlns:a16="http://schemas.microsoft.com/office/drawing/2014/main" xmlns="" id="{4DEE5662-11D3-41DA-A4A9-13BB799DB42C}"/>
-              </a:ext>
-            </a:extLst>
-          </p:cNvPr>
-          <p:cNvSpPr txBox="1"/>
-          <p:nvPr/>
-        </p:nvSpPr>
-        <p:spPr>
-          <a:xfrm>
-            <a:off x="3818804" y="3783156"/>
-            <a:ext cx="4968027" cy="369332"/>
-          </a:xfrm>
-          <a:prstGeom prst="rect">
-            <a:avLst/>
-          </a:prstGeom>
-          <a:noFill/>
-        </p:spPr>
-        <p:txBody>
-          <a:bodyPr wrap="none" rtlCol="0">
-            <a:spAutoFit/>
-          </a:bodyPr>
-          <a:lstStyle/>
-          <a:p>
-            <a:r>
-              <a:rPr lang="it-CH" dirty="0"/>
-              <a:t>Classe che si occupa della connessione all’</a:t>
-            </a:r>
-            <a:r>
-              <a:rPr lang="it-CH" dirty="0" err="1"/>
-              <a:t>app</a:t>
-            </a:r>
-            <a:endParaRPr lang="it-CH" dirty="0"/>
-          </a:p>
-        </p:txBody>
-      </p:sp>
-      <p:cxnSp>
-        <p:nvCxnSpPr>
-          <p:cNvPr id="13" name="Connettore 2 12">
-            <a:extLst>
-              <a:ext uri="{FF2B5EF4-FFF2-40B4-BE49-F238E27FC236}">
-                <a16:creationId xmlns:a16="http://schemas.microsoft.com/office/drawing/2014/main" xmlns="" id="{8366DC5D-03E6-4D2B-8382-566EE2E3B461}"/>
-              </a:ext>
-            </a:extLst>
-          </p:cNvPr>
-          <p:cNvCxnSpPr/>
-          <p:nvPr/>
-        </p:nvCxnSpPr>
-        <p:spPr>
-          <a:xfrm>
-            <a:off x="2937545" y="4335147"/>
-            <a:ext cx="737937" cy="43261"/>
-          </a:xfrm>
-          <a:prstGeom prst="straightConnector1">
-            <a:avLst/>
-          </a:prstGeom>
-          <a:ln w="38100">
-            <a:tailEnd type="triangle"/>
-          </a:ln>
-        </p:spPr>
-        <p:style>
-          <a:lnRef idx="1">
-            <a:schemeClr val="accent1"/>
-          </a:lnRef>
-          <a:fillRef idx="0">
-            <a:schemeClr val="accent1"/>
-          </a:fillRef>
-          <a:effectRef idx="0">
-            <a:schemeClr val="accent1"/>
-          </a:effectRef>
-          <a:fontRef idx="minor">
-            <a:schemeClr val="tx1"/>
-          </a:fontRef>
-        </p:style>
-      </p:cxnSp>
-      <p:sp>
-        <p:nvSpPr>
-          <p:cNvPr id="15" name="CasellaDiTesto 14">
-            <a:extLst>
-              <a:ext uri="{FF2B5EF4-FFF2-40B4-BE49-F238E27FC236}">
-                <a16:creationId xmlns:a16="http://schemas.microsoft.com/office/drawing/2014/main" xmlns="" id="{1AE5A0ED-B9D0-474E-BBC3-7CCB3679B380}"/>
-              </a:ext>
-            </a:extLst>
-          </p:cNvPr>
-          <p:cNvSpPr txBox="1"/>
-          <p:nvPr/>
-        </p:nvSpPr>
-        <p:spPr>
-          <a:xfrm>
-            <a:off x="3818804" y="4203298"/>
-            <a:ext cx="4342856" cy="369332"/>
-          </a:xfrm>
-          <a:prstGeom prst="rect">
-            <a:avLst/>
-          </a:prstGeom>
-          <a:noFill/>
-        </p:spPr>
-        <p:txBody>
-          <a:bodyPr wrap="none" rtlCol="0">
-            <a:spAutoFit/>
-          </a:bodyPr>
-          <a:lstStyle/>
-          <a:p>
-            <a:r>
-              <a:rPr lang="it-CH" dirty="0"/>
-              <a:t>Classe che si occupa di muovere il robot</a:t>
-            </a:r>
-          </a:p>
-        </p:txBody>
-      </p:sp>
-      <p:cxnSp>
-        <p:nvCxnSpPr>
-          <p:cNvPr id="16" name="Connettore 2 15">
-            <a:extLst>
-              <a:ext uri="{FF2B5EF4-FFF2-40B4-BE49-F238E27FC236}">
-                <a16:creationId xmlns:a16="http://schemas.microsoft.com/office/drawing/2014/main" xmlns="" id="{B21057E3-2A5F-4AC7-BE03-F5848BDD5F73}"/>
-              </a:ext>
-            </a:extLst>
-          </p:cNvPr>
-          <p:cNvCxnSpPr/>
-          <p:nvPr/>
-        </p:nvCxnSpPr>
-        <p:spPr>
-          <a:xfrm>
-            <a:off x="2932447" y="4718215"/>
-            <a:ext cx="737937" cy="43261"/>
-          </a:xfrm>
-          <a:prstGeom prst="straightConnector1">
-            <a:avLst/>
-          </a:prstGeom>
-          <a:ln w="38100">
-            <a:tailEnd type="triangle"/>
-          </a:ln>
-        </p:spPr>
-        <p:style>
-          <a:lnRef idx="1">
-            <a:schemeClr val="accent1"/>
-          </a:lnRef>
-          <a:fillRef idx="0">
-            <a:schemeClr val="accent1"/>
-          </a:fillRef>
-          <a:effectRef idx="0">
-            <a:schemeClr val="accent1"/>
-          </a:effectRef>
-          <a:fontRef idx="minor">
-            <a:schemeClr val="tx1"/>
-          </a:fontRef>
-        </p:style>
-      </p:cxnSp>
-      <p:sp>
-        <p:nvSpPr>
-          <p:cNvPr id="17" name="CasellaDiTesto 16">
-            <a:extLst>
-              <a:ext uri="{FF2B5EF4-FFF2-40B4-BE49-F238E27FC236}">
-                <a16:creationId xmlns:a16="http://schemas.microsoft.com/office/drawing/2014/main" xmlns="" id="{EB2678FD-DE2D-42B3-8058-82BC72DEC35E}"/>
-              </a:ext>
-            </a:extLst>
-          </p:cNvPr>
-          <p:cNvSpPr txBox="1"/>
-          <p:nvPr/>
-        </p:nvSpPr>
-        <p:spPr>
-          <a:xfrm>
-            <a:off x="3818804" y="4623440"/>
-            <a:ext cx="4984057" cy="369332"/>
-          </a:xfrm>
-          <a:prstGeom prst="rect">
-            <a:avLst/>
-          </a:prstGeom>
-          <a:noFill/>
-        </p:spPr>
-        <p:txBody>
-          <a:bodyPr wrap="none" rtlCol="0">
-            <a:spAutoFit/>
-          </a:bodyPr>
-          <a:lstStyle/>
-          <a:p>
-            <a:r>
-              <a:rPr lang="it-CH" dirty="0"/>
-              <a:t>Classe che si occupa delle posizioni dei motori</a:t>
-            </a:r>
-          </a:p>
-        </p:txBody>
-      </p:sp>
-      <p:cxnSp>
-        <p:nvCxnSpPr>
-          <p:cNvPr id="18" name="Connettore 2 17">
-            <a:extLst>
-              <a:ext uri="{FF2B5EF4-FFF2-40B4-BE49-F238E27FC236}">
-                <a16:creationId xmlns:a16="http://schemas.microsoft.com/office/drawing/2014/main" xmlns="" id="{813870D7-04CE-48F4-80EF-73F900D6AB57}"/>
-              </a:ext>
-            </a:extLst>
-          </p:cNvPr>
-          <p:cNvCxnSpPr/>
-          <p:nvPr/>
-        </p:nvCxnSpPr>
-        <p:spPr>
-          <a:xfrm>
-            <a:off x="2932447" y="5155109"/>
-            <a:ext cx="737937" cy="43261"/>
-          </a:xfrm>
-          <a:prstGeom prst="straightConnector1">
-            <a:avLst/>
-          </a:prstGeom>
-          <a:ln w="38100">
-            <a:tailEnd type="triangle"/>
-          </a:ln>
-        </p:spPr>
-        <p:style>
-          <a:lnRef idx="1">
-            <a:schemeClr val="accent1"/>
-          </a:lnRef>
-          <a:fillRef idx="0">
-            <a:schemeClr val="accent1"/>
-          </a:fillRef>
-          <a:effectRef idx="0">
-            <a:schemeClr val="accent1"/>
-          </a:effectRef>
-          <a:fontRef idx="minor">
-            <a:schemeClr val="tx1"/>
-          </a:fontRef>
-        </p:style>
-      </p:cxnSp>
-      <p:sp>
-        <p:nvSpPr>
-          <p:cNvPr id="19" name="CasellaDiTesto 18">
-            <a:extLst>
-              <a:ext uri="{FF2B5EF4-FFF2-40B4-BE49-F238E27FC236}">
-                <a16:creationId xmlns:a16="http://schemas.microsoft.com/office/drawing/2014/main" xmlns="" id="{68FB1896-926D-469C-A8B6-997662A781E4}"/>
-              </a:ext>
-            </a:extLst>
-          </p:cNvPr>
-          <p:cNvSpPr txBox="1"/>
-          <p:nvPr/>
-        </p:nvSpPr>
-        <p:spPr>
-          <a:xfrm>
-            <a:off x="3841387" y="5037684"/>
-            <a:ext cx="4985660" cy="369332"/>
-          </a:xfrm>
-          <a:prstGeom prst="rect">
-            <a:avLst/>
-          </a:prstGeom>
-          <a:noFill/>
-        </p:spPr>
-        <p:txBody>
-          <a:bodyPr wrap="none" rtlCol="0">
-            <a:spAutoFit/>
-          </a:bodyPr>
-          <a:lstStyle/>
-          <a:p>
-            <a:r>
-              <a:rPr lang="it-CH" dirty="0"/>
-              <a:t>Classe che si occupa delle traiettorie del disco</a:t>
-            </a:r>
-          </a:p>
-        </p:txBody>
-      </p:sp>
-      <p:sp>
-        <p:nvSpPr>
-          <p:cNvPr id="20" name="Segnaposto contenuto 2">
-            <a:extLst>
-              <a:ext uri="{FF2B5EF4-FFF2-40B4-BE49-F238E27FC236}">
-                <a16:creationId xmlns:a16="http://schemas.microsoft.com/office/drawing/2014/main" xmlns="" id="{DE30BE5C-D0FB-4FA9-AB50-47E18B6A3371}"/>
-              </a:ext>
-            </a:extLst>
-          </p:cNvPr>
-          <p:cNvSpPr>
-            <a:spLocks noGrp="1"/>
-          </p:cNvSpPr>
-          <p:nvPr>
-            <p:ph idx="1"/>
-          </p:nvPr>
-        </p:nvSpPr>
-        <p:spPr>
-          <a:xfrm>
-            <a:off x="765385" y="1334546"/>
-            <a:ext cx="1522170" cy="441787"/>
-          </a:xfrm>
-        </p:spPr>
-        <p:txBody>
-          <a:bodyPr>
-            <a:normAutofit/>
-          </a:bodyPr>
-          <a:lstStyle/>
-          <a:p>
-            <a:pPr marL="0" indent="0">
-              <a:buNone/>
-            </a:pPr>
-            <a:r>
-              <a:rPr lang="it-CH" dirty="0"/>
-              <a:t>Codice</a:t>
-            </a:r>
-          </a:p>
-        </p:txBody>
-      </p:sp>
-    </p:spTree>
-    <p:extLst>
-      <p:ext uri="{BB962C8B-B14F-4D97-AF65-F5344CB8AC3E}">
-        <p14:creationId xmlns:p14="http://schemas.microsoft.com/office/powerpoint/2010/main" val="1420836854"/>
-      </p:ext>
-    </p:extLst>
-  </p:cSld>
-  <p:clrMapOvr>
-    <a:masterClrMapping/>
-  </p:clrMapOvr>
-  <p:timing>
-    <p:tnLst>
-      <p:par>
-        <p:cTn id="1" dur="indefinite" restart="never" nodeType="tmRoot">
-          <p:childTnLst>
-            <p:seq concurrent="1" nextAc="seek">
-              <p:cTn id="2" dur="indefinite" nodeType="mainSeq">
-                <p:childTnLst>
-                  <p:par>
-                    <p:cTn id="3" fill="hold">
-                      <p:stCondLst>
-                        <p:cond delay="indefinite"/>
-                        <p:cond evt="onBegin" delay="0">
-                          <p:tn val="2"/>
-                        </p:cond>
-                      </p:stCondLst>
-                      <p:childTnLst>
-                        <p:par>
-                          <p:cTn id="4" fill="hold">
-                            <p:stCondLst>
-                              <p:cond delay="0"/>
-                            </p:stCondLst>
-                            <p:childTnLst>
-                              <p:par>
-                                <p:cTn id="5" presetID="2" presetClass="entr" presetSubtype="2" fill="hold" nodeType="withEffect">
-                                  <p:stCondLst>
-                                    <p:cond delay="0"/>
-                                  </p:stCondLst>
-                                  <p:childTnLst>
-                                    <p:set>
-                                      <p:cBhvr>
-                                        <p:cTn id="6" dur="1" fill="hold">
-                                          <p:stCondLst>
-                                            <p:cond delay="0"/>
-                                          </p:stCondLst>
-                                        </p:cTn>
-                                        <p:tgtEl>
-                                          <p:spTgt spid="5"/>
-                                        </p:tgtEl>
-                                        <p:attrNameLst>
-                                          <p:attrName>style.visibility</p:attrName>
-                                        </p:attrNameLst>
-                                      </p:cBhvr>
-                                      <p:to>
-                                        <p:strVal val="visible"/>
-                                      </p:to>
-                                    </p:set>
-                                    <p:anim calcmode="lin" valueType="num">
-                                      <p:cBhvr additive="base">
-                                        <p:cTn id="7" dur="500" fill="hold"/>
-                                        <p:tgtEl>
-                                          <p:spTgt spid="5"/>
-                                        </p:tgtEl>
-                                        <p:attrNameLst>
-                                          <p:attrName>ppt_x</p:attrName>
-                                        </p:attrNameLst>
-                                      </p:cBhvr>
-                                      <p:tavLst>
-                                        <p:tav tm="0">
-                                          <p:val>
-                                            <p:strVal val="1+#ppt_w/2"/>
-                                          </p:val>
-                                        </p:tav>
-                                        <p:tav tm="100000">
-                                          <p:val>
-                                            <p:strVal val="#ppt_x"/>
-                                          </p:val>
-                                        </p:tav>
-                                      </p:tavLst>
-                                    </p:anim>
-                                    <p:anim calcmode="lin" valueType="num">
-                                      <p:cBhvr additive="base">
-                                        <p:cTn id="8" dur="500" fill="hold"/>
-                                        <p:tgtEl>
-                                          <p:spTgt spid="5"/>
-                                        </p:tgtEl>
-                                        <p:attrNameLst>
-                                          <p:attrName>ppt_y</p:attrName>
-                                        </p:attrNameLst>
-                                      </p:cBhvr>
-                                      <p:tavLst>
-                                        <p:tav tm="0">
-                                          <p:val>
-                                            <p:strVal val="#ppt_y"/>
-                                          </p:val>
-                                        </p:tav>
-                                        <p:tav tm="100000">
-                                          <p:val>
-                                            <p:strVal val="#ppt_y"/>
-                                          </p:val>
-                                        </p:tav>
-                                      </p:tavLst>
-                                    </p:anim>
-                                  </p:childTnLst>
-                                </p:cTn>
-                              </p:par>
-                              <p:par>
-                                <p:cTn id="9" presetID="2" presetClass="entr" presetSubtype="2" fill="hold" nodeType="withEffect">
-                                  <p:stCondLst>
-                                    <p:cond delay="0"/>
-                                  </p:stCondLst>
-                                  <p:childTnLst>
-                                    <p:set>
-                                      <p:cBhvr>
-                                        <p:cTn id="10" dur="1" fill="hold">
-                                          <p:stCondLst>
-                                            <p:cond delay="0"/>
-                                          </p:stCondLst>
-                                        </p:cTn>
-                                        <p:tgtEl>
-                                          <p:spTgt spid="9"/>
-                                        </p:tgtEl>
-                                        <p:attrNameLst>
-                                          <p:attrName>style.visibility</p:attrName>
-                                        </p:attrNameLst>
-                                      </p:cBhvr>
-                                      <p:to>
-                                        <p:strVal val="visible"/>
-                                      </p:to>
-                                    </p:set>
-                                    <p:anim calcmode="lin" valueType="num">
-                                      <p:cBhvr additive="base">
-                                        <p:cTn id="11" dur="500" fill="hold"/>
-                                        <p:tgtEl>
-                                          <p:spTgt spid="9"/>
-                                        </p:tgtEl>
-                                        <p:attrNameLst>
-                                          <p:attrName>ppt_x</p:attrName>
-                                        </p:attrNameLst>
-                                      </p:cBhvr>
-                                      <p:tavLst>
-                                        <p:tav tm="0">
-                                          <p:val>
-                                            <p:strVal val="1+#ppt_w/2"/>
-                                          </p:val>
-                                        </p:tav>
-                                        <p:tav tm="100000">
-                                          <p:val>
-                                            <p:strVal val="#ppt_x"/>
-                                          </p:val>
-                                        </p:tav>
-                                      </p:tavLst>
-                                    </p:anim>
-                                    <p:anim calcmode="lin" valueType="num">
-                                      <p:cBhvr additive="base">
-                                        <p:cTn id="12" dur="500" fill="hold"/>
-                                        <p:tgtEl>
-                                          <p:spTgt spid="9"/>
-                                        </p:tgtEl>
-                                        <p:attrNameLst>
-                                          <p:attrName>ppt_y</p:attrName>
-                                        </p:attrNameLst>
-                                      </p:cBhvr>
-                                      <p:tavLst>
-                                        <p:tav tm="0">
-                                          <p:val>
-                                            <p:strVal val="#ppt_y"/>
-                                          </p:val>
-                                        </p:tav>
-                                        <p:tav tm="100000">
-                                          <p:val>
-                                            <p:strVal val="#ppt_y"/>
-                                          </p:val>
-                                        </p:tav>
-                                      </p:tavLst>
-                                    </p:anim>
-                                  </p:childTnLst>
-                                </p:cTn>
-                              </p:par>
-                              <p:par>
-                                <p:cTn id="13" presetID="2" presetClass="entr" presetSubtype="2" fill="hold" nodeType="withEffect">
-                                  <p:stCondLst>
-                                    <p:cond delay="0"/>
-                                  </p:stCondLst>
-                                  <p:childTnLst>
-                                    <p:set>
-                                      <p:cBhvr>
-                                        <p:cTn id="14" dur="1" fill="hold">
-                                          <p:stCondLst>
-                                            <p:cond delay="0"/>
-                                          </p:stCondLst>
-                                        </p:cTn>
-                                        <p:tgtEl>
-                                          <p:spTgt spid="11"/>
-                                        </p:tgtEl>
-                                        <p:attrNameLst>
-                                          <p:attrName>style.visibility</p:attrName>
-                                        </p:attrNameLst>
-                                      </p:cBhvr>
-                                      <p:to>
-                                        <p:strVal val="visible"/>
-                                      </p:to>
-                                    </p:set>
-                                    <p:anim calcmode="lin" valueType="num">
-                                      <p:cBhvr additive="base">
-                                        <p:cTn id="15" dur="500" fill="hold"/>
-                                        <p:tgtEl>
-                                          <p:spTgt spid="11"/>
-                                        </p:tgtEl>
-                                        <p:attrNameLst>
-                                          <p:attrName>ppt_x</p:attrName>
-                                        </p:attrNameLst>
-                                      </p:cBhvr>
-                                      <p:tavLst>
-                                        <p:tav tm="0">
-                                          <p:val>
-                                            <p:strVal val="1+#ppt_w/2"/>
-                                          </p:val>
-                                        </p:tav>
-                                        <p:tav tm="100000">
-                                          <p:val>
-                                            <p:strVal val="#ppt_x"/>
-                                          </p:val>
-                                        </p:tav>
-                                      </p:tavLst>
-                                    </p:anim>
-                                    <p:anim calcmode="lin" valueType="num">
-                                      <p:cBhvr additive="base">
-                                        <p:cTn id="16" dur="500" fill="hold"/>
-                                        <p:tgtEl>
-                                          <p:spTgt spid="11"/>
-                                        </p:tgtEl>
-                                        <p:attrNameLst>
-                                          <p:attrName>ppt_y</p:attrName>
-                                        </p:attrNameLst>
-                                      </p:cBhvr>
-                                      <p:tavLst>
-                                        <p:tav tm="0">
-                                          <p:val>
-                                            <p:strVal val="#ppt_y"/>
-                                          </p:val>
-                                        </p:tav>
-                                        <p:tav tm="100000">
-                                          <p:val>
-                                            <p:strVal val="#ppt_y"/>
-                                          </p:val>
-                                        </p:tav>
-                                      </p:tavLst>
-                                    </p:anim>
-                                  </p:childTnLst>
-                                </p:cTn>
-                              </p:par>
-                              <p:par>
-                                <p:cTn id="17" presetID="2" presetClass="entr" presetSubtype="2" fill="hold" nodeType="withEffect">
-                                  <p:stCondLst>
-                                    <p:cond delay="0"/>
-                                  </p:stCondLst>
-                                  <p:childTnLst>
-                                    <p:set>
-                                      <p:cBhvr>
-                                        <p:cTn id="18" dur="1" fill="hold">
-                                          <p:stCondLst>
-                                            <p:cond delay="0"/>
-                                          </p:stCondLst>
-                                        </p:cTn>
-                                        <p:tgtEl>
-                                          <p:spTgt spid="13"/>
-                                        </p:tgtEl>
-                                        <p:attrNameLst>
-                                          <p:attrName>style.visibility</p:attrName>
-                                        </p:attrNameLst>
-                                      </p:cBhvr>
-                                      <p:to>
-                                        <p:strVal val="visible"/>
-                                      </p:to>
-                                    </p:set>
-                                    <p:anim calcmode="lin" valueType="num">
-                                      <p:cBhvr additive="base">
-                                        <p:cTn id="19" dur="500" fill="hold"/>
-                                        <p:tgtEl>
-                                          <p:spTgt spid="13"/>
-                                        </p:tgtEl>
-                                        <p:attrNameLst>
-                                          <p:attrName>ppt_x</p:attrName>
-                                        </p:attrNameLst>
-                                      </p:cBhvr>
-                                      <p:tavLst>
-                                        <p:tav tm="0">
-                                          <p:val>
-                                            <p:strVal val="1+#ppt_w/2"/>
-                                          </p:val>
-                                        </p:tav>
-                                        <p:tav tm="100000">
-                                          <p:val>
-                                            <p:strVal val="#ppt_x"/>
-                                          </p:val>
-                                        </p:tav>
-                                      </p:tavLst>
-                                    </p:anim>
-                                    <p:anim calcmode="lin" valueType="num">
-                                      <p:cBhvr additive="base">
-                                        <p:cTn id="20" dur="500" fill="hold"/>
-                                        <p:tgtEl>
-                                          <p:spTgt spid="13"/>
-                                        </p:tgtEl>
-                                        <p:attrNameLst>
-                                          <p:attrName>ppt_y</p:attrName>
-                                        </p:attrNameLst>
-                                      </p:cBhvr>
-                                      <p:tavLst>
-                                        <p:tav tm="0">
-                                          <p:val>
-                                            <p:strVal val="#ppt_y"/>
-                                          </p:val>
-                                        </p:tav>
-                                        <p:tav tm="100000">
-                                          <p:val>
-                                            <p:strVal val="#ppt_y"/>
-                                          </p:val>
-                                        </p:tav>
-                                      </p:tavLst>
-                                    </p:anim>
-                                  </p:childTnLst>
-                                </p:cTn>
-                              </p:par>
-                              <p:par>
-                                <p:cTn id="21" presetID="2" presetClass="entr" presetSubtype="2" fill="hold" nodeType="withEffect">
-                                  <p:stCondLst>
-                                    <p:cond delay="0"/>
-                                  </p:stCondLst>
-                                  <p:childTnLst>
-                                    <p:set>
-                                      <p:cBhvr>
-                                        <p:cTn id="22" dur="1" fill="hold">
-                                          <p:stCondLst>
-                                            <p:cond delay="0"/>
-                                          </p:stCondLst>
-                                        </p:cTn>
-                                        <p:tgtEl>
-                                          <p:spTgt spid="16"/>
-                                        </p:tgtEl>
-                                        <p:attrNameLst>
-                                          <p:attrName>style.visibility</p:attrName>
-                                        </p:attrNameLst>
-                                      </p:cBhvr>
-                                      <p:to>
-                                        <p:strVal val="visible"/>
-                                      </p:to>
-                                    </p:set>
-                                    <p:anim calcmode="lin" valueType="num">
-                                      <p:cBhvr additive="base">
-                                        <p:cTn id="23" dur="500" fill="hold"/>
-                                        <p:tgtEl>
-                                          <p:spTgt spid="16"/>
-                                        </p:tgtEl>
-                                        <p:attrNameLst>
-                                          <p:attrName>ppt_x</p:attrName>
-                                        </p:attrNameLst>
-                                      </p:cBhvr>
-                                      <p:tavLst>
-                                        <p:tav tm="0">
-                                          <p:val>
-                                            <p:strVal val="1+#ppt_w/2"/>
-                                          </p:val>
-                                        </p:tav>
-                                        <p:tav tm="100000">
-                                          <p:val>
-                                            <p:strVal val="#ppt_x"/>
-                                          </p:val>
-                                        </p:tav>
-                                      </p:tavLst>
-                                    </p:anim>
-                                    <p:anim calcmode="lin" valueType="num">
-                                      <p:cBhvr additive="base">
-                                        <p:cTn id="24" dur="500" fill="hold"/>
-                                        <p:tgtEl>
-                                          <p:spTgt spid="16"/>
-                                        </p:tgtEl>
-                                        <p:attrNameLst>
-                                          <p:attrName>ppt_y</p:attrName>
-                                        </p:attrNameLst>
-                                      </p:cBhvr>
-                                      <p:tavLst>
-                                        <p:tav tm="0">
-                                          <p:val>
-                                            <p:strVal val="#ppt_y"/>
-                                          </p:val>
-                                        </p:tav>
-                                        <p:tav tm="100000">
-                                          <p:val>
-                                            <p:strVal val="#ppt_y"/>
-                                          </p:val>
-                                        </p:tav>
-                                      </p:tavLst>
-                                    </p:anim>
-                                  </p:childTnLst>
-                                </p:cTn>
-                              </p:par>
-                              <p:par>
-                                <p:cTn id="25" presetID="2" presetClass="entr" presetSubtype="2" fill="hold" nodeType="withEffect">
-                                  <p:stCondLst>
-                                    <p:cond delay="0"/>
-                                  </p:stCondLst>
-                                  <p:childTnLst>
-                                    <p:set>
-                                      <p:cBhvr>
-                                        <p:cTn id="26" dur="1" fill="hold">
-                                          <p:stCondLst>
-                                            <p:cond delay="0"/>
-                                          </p:stCondLst>
-                                        </p:cTn>
-                                        <p:tgtEl>
-                                          <p:spTgt spid="18"/>
-                                        </p:tgtEl>
-                                        <p:attrNameLst>
-                                          <p:attrName>style.visibility</p:attrName>
-                                        </p:attrNameLst>
-                                      </p:cBhvr>
-                                      <p:to>
-                                        <p:strVal val="visible"/>
-                                      </p:to>
-                                    </p:set>
-                                    <p:anim calcmode="lin" valueType="num">
-                                      <p:cBhvr additive="base">
-                                        <p:cTn id="27" dur="500" fill="hold"/>
-                                        <p:tgtEl>
-                                          <p:spTgt spid="18"/>
-                                        </p:tgtEl>
-                                        <p:attrNameLst>
-                                          <p:attrName>ppt_x</p:attrName>
-                                        </p:attrNameLst>
-                                      </p:cBhvr>
-                                      <p:tavLst>
-                                        <p:tav tm="0">
-                                          <p:val>
-                                            <p:strVal val="1+#ppt_w/2"/>
-                                          </p:val>
-                                        </p:tav>
-                                        <p:tav tm="100000">
-                                          <p:val>
-                                            <p:strVal val="#ppt_x"/>
-                                          </p:val>
-                                        </p:tav>
-                                      </p:tavLst>
-                                    </p:anim>
-                                    <p:anim calcmode="lin" valueType="num">
-                                      <p:cBhvr additive="base">
-                                        <p:cTn id="28" dur="500" fill="hold"/>
-                                        <p:tgtEl>
-                                          <p:spTgt spid="18"/>
                                         </p:tgtEl>
                                         <p:attrNameLst>
                                           <p:attrName>ppt_y</p:attrName>
@@ -14235,6 +13946,1226 @@
       </p:grpSpPr>
       <p:sp>
         <p:nvSpPr>
+          <p:cNvPr id="2" name="Titolo 1">
+            <a:extLst>
+              <a:ext uri="{FF2B5EF4-FFF2-40B4-BE49-F238E27FC236}">
+                <a16:creationId xmlns:a16="http://schemas.microsoft.com/office/drawing/2014/main" id="{942C5209-3D8A-40BC-A383-3EDC371462AB}"/>
+              </a:ext>
+            </a:extLst>
+          </p:cNvPr>
+          <p:cNvSpPr>
+            <a:spLocks noGrp="1"/>
+          </p:cNvSpPr>
+          <p:nvPr>
+            <p:ph type="title"/>
+          </p:nvPr>
+        </p:nvSpPr>
+        <p:spPr>
+          <a:xfrm>
+            <a:off x="677334" y="609600"/>
+            <a:ext cx="8596668" cy="1320800"/>
+          </a:xfrm>
+        </p:spPr>
+        <p:txBody>
+          <a:bodyPr/>
+          <a:lstStyle/>
+          <a:p>
+            <a:r>
+              <a:rPr lang="it-CH" dirty="0"/>
+              <a:t>Robot</a:t>
+            </a:r>
+          </a:p>
+        </p:txBody>
+      </p:sp>
+      <p:pic>
+        <p:nvPicPr>
+          <p:cNvPr id="4" name="Immagine 3">
+            <a:extLst>
+              <a:ext uri="{FF2B5EF4-FFF2-40B4-BE49-F238E27FC236}">
+                <a16:creationId xmlns:a16="http://schemas.microsoft.com/office/drawing/2014/main" id="{0C91587A-FCD3-4FAD-B392-0BF22A1C06B5}"/>
+              </a:ext>
+            </a:extLst>
+          </p:cNvPr>
+          <p:cNvPicPr>
+            <a:picLocks noChangeAspect="1"/>
+          </p:cNvPicPr>
+          <p:nvPr/>
+        </p:nvPicPr>
+        <p:blipFill rotWithShape="1">
+          <a:blip r:embed="rId3"/>
+          <a:srcRect l="43277" t="36114" r="49094" b="59165"/>
+          <a:stretch/>
+        </p:blipFill>
+        <p:spPr>
+          <a:xfrm>
+            <a:off x="677334" y="1930399"/>
+            <a:ext cx="2131937" cy="742091"/>
+          </a:xfrm>
+          <a:prstGeom prst="rect">
+            <a:avLst/>
+          </a:prstGeom>
+        </p:spPr>
+      </p:pic>
+      <p:cxnSp>
+        <p:nvCxnSpPr>
+          <p:cNvPr id="5" name="Connettore 2 4">
+            <a:extLst>
+              <a:ext uri="{FF2B5EF4-FFF2-40B4-BE49-F238E27FC236}">
+                <a16:creationId xmlns:a16="http://schemas.microsoft.com/office/drawing/2014/main" id="{5C901243-4575-4B73-AC6E-B567B2C56876}"/>
+              </a:ext>
+            </a:extLst>
+          </p:cNvPr>
+          <p:cNvCxnSpPr/>
+          <p:nvPr/>
+        </p:nvCxnSpPr>
+        <p:spPr>
+          <a:xfrm>
+            <a:off x="2809271" y="2332532"/>
+            <a:ext cx="737937" cy="43261"/>
+          </a:xfrm>
+          <a:prstGeom prst="straightConnector1">
+            <a:avLst/>
+          </a:prstGeom>
+          <a:ln w="38100">
+            <a:tailEnd type="triangle"/>
+          </a:ln>
+        </p:spPr>
+        <p:style>
+          <a:lnRef idx="1">
+            <a:schemeClr val="accent1"/>
+          </a:lnRef>
+          <a:fillRef idx="0">
+            <a:schemeClr val="accent1"/>
+          </a:fillRef>
+          <a:effectRef idx="0">
+            <a:schemeClr val="accent1"/>
+          </a:effectRef>
+          <a:fontRef idx="minor">
+            <a:schemeClr val="tx1"/>
+          </a:fontRef>
+        </p:style>
+      </p:cxnSp>
+      <p:pic>
+        <p:nvPicPr>
+          <p:cNvPr id="6" name="Immagine 5">
+            <a:extLst>
+              <a:ext uri="{FF2B5EF4-FFF2-40B4-BE49-F238E27FC236}">
+                <a16:creationId xmlns:a16="http://schemas.microsoft.com/office/drawing/2014/main" id="{E75E7B5E-EEDF-41F1-9A7B-3294D64E0BC6}"/>
+              </a:ext>
+            </a:extLst>
+          </p:cNvPr>
+          <p:cNvPicPr>
+            <a:picLocks noChangeAspect="1"/>
+          </p:cNvPicPr>
+          <p:nvPr/>
+        </p:nvPicPr>
+        <p:blipFill rotWithShape="1">
+          <a:blip r:embed="rId3"/>
+          <a:srcRect l="43613" t="33334" r="48446" b="63938"/>
+          <a:stretch/>
+        </p:blipFill>
+        <p:spPr>
+          <a:xfrm>
+            <a:off x="720119" y="3196144"/>
+            <a:ext cx="2224950" cy="428780"/>
+          </a:xfrm>
+          <a:prstGeom prst="rect">
+            <a:avLst/>
+          </a:prstGeom>
+        </p:spPr>
+      </p:pic>
+      <p:pic>
+        <p:nvPicPr>
+          <p:cNvPr id="7" name="Immagine 6">
+            <a:extLst>
+              <a:ext uri="{FF2B5EF4-FFF2-40B4-BE49-F238E27FC236}">
+                <a16:creationId xmlns:a16="http://schemas.microsoft.com/office/drawing/2014/main" id="{2CB69A5C-47B0-49FC-8238-16A271D76F1F}"/>
+              </a:ext>
+            </a:extLst>
+          </p:cNvPr>
+          <p:cNvPicPr>
+            <a:picLocks noChangeAspect="1"/>
+          </p:cNvPicPr>
+          <p:nvPr/>
+        </p:nvPicPr>
+        <p:blipFill rotWithShape="1">
+          <a:blip r:embed="rId3"/>
+          <a:srcRect l="43728" t="41254" r="48311" b="48308"/>
+          <a:stretch/>
+        </p:blipFill>
+        <p:spPr>
+          <a:xfrm>
+            <a:off x="765385" y="3661856"/>
+            <a:ext cx="2224950" cy="1640704"/>
+          </a:xfrm>
+          <a:prstGeom prst="rect">
+            <a:avLst/>
+          </a:prstGeom>
+        </p:spPr>
+      </p:pic>
+      <p:sp>
+        <p:nvSpPr>
+          <p:cNvPr id="8" name="CasellaDiTesto 7">
+            <a:extLst>
+              <a:ext uri="{FF2B5EF4-FFF2-40B4-BE49-F238E27FC236}">
+                <a16:creationId xmlns:a16="http://schemas.microsoft.com/office/drawing/2014/main" id="{E8422C2F-064F-4FFA-A390-308839785207}"/>
+              </a:ext>
+            </a:extLst>
+          </p:cNvPr>
+          <p:cNvSpPr txBox="1"/>
+          <p:nvPr/>
+        </p:nvSpPr>
+        <p:spPr>
+          <a:xfrm>
+            <a:off x="3547208" y="2191127"/>
+            <a:ext cx="5259773" cy="369332"/>
+          </a:xfrm>
+          <a:prstGeom prst="rect">
+            <a:avLst/>
+          </a:prstGeom>
+          <a:noFill/>
+        </p:spPr>
+        <p:txBody>
+          <a:bodyPr wrap="none" rtlCol="0">
+            <a:spAutoFit/>
+          </a:bodyPr>
+          <a:lstStyle/>
+          <a:p>
+            <a:r>
+              <a:rPr lang="it-CH" dirty="0"/>
+              <a:t>Definizioni delle variabili e configurazioni iniziali</a:t>
+            </a:r>
+          </a:p>
+        </p:txBody>
+      </p:sp>
+      <p:cxnSp>
+        <p:nvCxnSpPr>
+          <p:cNvPr id="9" name="Connettore 2 8">
+            <a:extLst>
+              <a:ext uri="{FF2B5EF4-FFF2-40B4-BE49-F238E27FC236}">
+                <a16:creationId xmlns:a16="http://schemas.microsoft.com/office/drawing/2014/main" id="{A94B77DA-B3F6-40A3-A8FB-0229B4A918D0}"/>
+              </a:ext>
+            </a:extLst>
+          </p:cNvPr>
+          <p:cNvCxnSpPr/>
+          <p:nvPr/>
+        </p:nvCxnSpPr>
+        <p:spPr>
+          <a:xfrm>
+            <a:off x="2990335" y="3447803"/>
+            <a:ext cx="737937" cy="43261"/>
+          </a:xfrm>
+          <a:prstGeom prst="straightConnector1">
+            <a:avLst/>
+          </a:prstGeom>
+          <a:ln w="38100">
+            <a:tailEnd type="triangle"/>
+          </a:ln>
+        </p:spPr>
+        <p:style>
+          <a:lnRef idx="1">
+            <a:schemeClr val="accent1"/>
+          </a:lnRef>
+          <a:fillRef idx="0">
+            <a:schemeClr val="accent1"/>
+          </a:fillRef>
+          <a:effectRef idx="0">
+            <a:schemeClr val="accent1"/>
+          </a:effectRef>
+          <a:fontRef idx="minor">
+            <a:schemeClr val="tx1"/>
+          </a:fontRef>
+        </p:style>
+      </p:cxnSp>
+      <p:sp>
+        <p:nvSpPr>
+          <p:cNvPr id="10" name="CasellaDiTesto 9">
+            <a:extLst>
+              <a:ext uri="{FF2B5EF4-FFF2-40B4-BE49-F238E27FC236}">
+                <a16:creationId xmlns:a16="http://schemas.microsoft.com/office/drawing/2014/main" id="{E8A628CF-EF41-42B1-BEA2-FBEDC249F632}"/>
+              </a:ext>
+            </a:extLst>
+          </p:cNvPr>
+          <p:cNvSpPr txBox="1"/>
+          <p:nvPr/>
+        </p:nvSpPr>
+        <p:spPr>
+          <a:xfrm>
+            <a:off x="3818805" y="3357116"/>
+            <a:ext cx="1996059" cy="369332"/>
+          </a:xfrm>
+          <a:prstGeom prst="rect">
+            <a:avLst/>
+          </a:prstGeom>
+          <a:noFill/>
+        </p:spPr>
+        <p:txBody>
+          <a:bodyPr wrap="none" rtlCol="0">
+            <a:spAutoFit/>
+          </a:bodyPr>
+          <a:lstStyle/>
+          <a:p>
+            <a:r>
+              <a:rPr lang="it-CH" dirty="0"/>
+              <a:t>Classe principale</a:t>
+            </a:r>
+          </a:p>
+        </p:txBody>
+      </p:sp>
+      <p:cxnSp>
+        <p:nvCxnSpPr>
+          <p:cNvPr id="11" name="Connettore 2 10">
+            <a:extLst>
+              <a:ext uri="{FF2B5EF4-FFF2-40B4-BE49-F238E27FC236}">
+                <a16:creationId xmlns:a16="http://schemas.microsoft.com/office/drawing/2014/main" id="{8F3E7577-18B1-4AB4-BF21-3124CDDBB4E8}"/>
+              </a:ext>
+            </a:extLst>
+          </p:cNvPr>
+          <p:cNvCxnSpPr/>
+          <p:nvPr/>
+        </p:nvCxnSpPr>
+        <p:spPr>
+          <a:xfrm>
+            <a:off x="2963940" y="3888248"/>
+            <a:ext cx="737937" cy="43261"/>
+          </a:xfrm>
+          <a:prstGeom prst="straightConnector1">
+            <a:avLst/>
+          </a:prstGeom>
+          <a:ln w="38100">
+            <a:tailEnd type="triangle"/>
+          </a:ln>
+        </p:spPr>
+        <p:style>
+          <a:lnRef idx="1">
+            <a:schemeClr val="accent1"/>
+          </a:lnRef>
+          <a:fillRef idx="0">
+            <a:schemeClr val="accent1"/>
+          </a:fillRef>
+          <a:effectRef idx="0">
+            <a:schemeClr val="accent1"/>
+          </a:effectRef>
+          <a:fontRef idx="minor">
+            <a:schemeClr val="tx1"/>
+          </a:fontRef>
+        </p:style>
+      </p:cxnSp>
+      <p:sp>
+        <p:nvSpPr>
+          <p:cNvPr id="12" name="CasellaDiTesto 11">
+            <a:extLst>
+              <a:ext uri="{FF2B5EF4-FFF2-40B4-BE49-F238E27FC236}">
+                <a16:creationId xmlns:a16="http://schemas.microsoft.com/office/drawing/2014/main" id="{4DEE5662-11D3-41DA-A4A9-13BB799DB42C}"/>
+              </a:ext>
+            </a:extLst>
+          </p:cNvPr>
+          <p:cNvSpPr txBox="1"/>
+          <p:nvPr/>
+        </p:nvSpPr>
+        <p:spPr>
+          <a:xfrm>
+            <a:off x="3818804" y="3783156"/>
+            <a:ext cx="4968027" cy="369332"/>
+          </a:xfrm>
+          <a:prstGeom prst="rect">
+            <a:avLst/>
+          </a:prstGeom>
+          <a:noFill/>
+        </p:spPr>
+        <p:txBody>
+          <a:bodyPr wrap="none" rtlCol="0">
+            <a:spAutoFit/>
+          </a:bodyPr>
+          <a:lstStyle/>
+          <a:p>
+            <a:r>
+              <a:rPr lang="it-CH" dirty="0"/>
+              <a:t>Classe che si occupa della connessione all’</a:t>
+            </a:r>
+            <a:r>
+              <a:rPr lang="it-CH" dirty="0" err="1"/>
+              <a:t>app</a:t>
+            </a:r>
+            <a:endParaRPr lang="it-CH" dirty="0"/>
+          </a:p>
+        </p:txBody>
+      </p:sp>
+      <p:cxnSp>
+        <p:nvCxnSpPr>
+          <p:cNvPr id="13" name="Connettore 2 12">
+            <a:extLst>
+              <a:ext uri="{FF2B5EF4-FFF2-40B4-BE49-F238E27FC236}">
+                <a16:creationId xmlns:a16="http://schemas.microsoft.com/office/drawing/2014/main" id="{8366DC5D-03E6-4D2B-8382-566EE2E3B461}"/>
+              </a:ext>
+            </a:extLst>
+          </p:cNvPr>
+          <p:cNvCxnSpPr/>
+          <p:nvPr/>
+        </p:nvCxnSpPr>
+        <p:spPr>
+          <a:xfrm>
+            <a:off x="2937545" y="4335147"/>
+            <a:ext cx="737937" cy="43261"/>
+          </a:xfrm>
+          <a:prstGeom prst="straightConnector1">
+            <a:avLst/>
+          </a:prstGeom>
+          <a:ln w="38100">
+            <a:tailEnd type="triangle"/>
+          </a:ln>
+        </p:spPr>
+        <p:style>
+          <a:lnRef idx="1">
+            <a:schemeClr val="accent1"/>
+          </a:lnRef>
+          <a:fillRef idx="0">
+            <a:schemeClr val="accent1"/>
+          </a:fillRef>
+          <a:effectRef idx="0">
+            <a:schemeClr val="accent1"/>
+          </a:effectRef>
+          <a:fontRef idx="minor">
+            <a:schemeClr val="tx1"/>
+          </a:fontRef>
+        </p:style>
+      </p:cxnSp>
+      <p:sp>
+        <p:nvSpPr>
+          <p:cNvPr id="15" name="CasellaDiTesto 14">
+            <a:extLst>
+              <a:ext uri="{FF2B5EF4-FFF2-40B4-BE49-F238E27FC236}">
+                <a16:creationId xmlns:a16="http://schemas.microsoft.com/office/drawing/2014/main" id="{1AE5A0ED-B9D0-474E-BBC3-7CCB3679B380}"/>
+              </a:ext>
+            </a:extLst>
+          </p:cNvPr>
+          <p:cNvSpPr txBox="1"/>
+          <p:nvPr/>
+        </p:nvSpPr>
+        <p:spPr>
+          <a:xfrm>
+            <a:off x="3818804" y="4203298"/>
+            <a:ext cx="4342856" cy="369332"/>
+          </a:xfrm>
+          <a:prstGeom prst="rect">
+            <a:avLst/>
+          </a:prstGeom>
+          <a:noFill/>
+        </p:spPr>
+        <p:txBody>
+          <a:bodyPr wrap="none" rtlCol="0">
+            <a:spAutoFit/>
+          </a:bodyPr>
+          <a:lstStyle/>
+          <a:p>
+            <a:r>
+              <a:rPr lang="it-CH" dirty="0"/>
+              <a:t>Classe che si occupa di muovere il robot</a:t>
+            </a:r>
+          </a:p>
+        </p:txBody>
+      </p:sp>
+      <p:cxnSp>
+        <p:nvCxnSpPr>
+          <p:cNvPr id="16" name="Connettore 2 15">
+            <a:extLst>
+              <a:ext uri="{FF2B5EF4-FFF2-40B4-BE49-F238E27FC236}">
+                <a16:creationId xmlns:a16="http://schemas.microsoft.com/office/drawing/2014/main" id="{B21057E3-2A5F-4AC7-BE03-F5848BDD5F73}"/>
+              </a:ext>
+            </a:extLst>
+          </p:cNvPr>
+          <p:cNvCxnSpPr/>
+          <p:nvPr/>
+        </p:nvCxnSpPr>
+        <p:spPr>
+          <a:xfrm>
+            <a:off x="2932447" y="4718215"/>
+            <a:ext cx="737937" cy="43261"/>
+          </a:xfrm>
+          <a:prstGeom prst="straightConnector1">
+            <a:avLst/>
+          </a:prstGeom>
+          <a:ln w="38100">
+            <a:tailEnd type="triangle"/>
+          </a:ln>
+        </p:spPr>
+        <p:style>
+          <a:lnRef idx="1">
+            <a:schemeClr val="accent1"/>
+          </a:lnRef>
+          <a:fillRef idx="0">
+            <a:schemeClr val="accent1"/>
+          </a:fillRef>
+          <a:effectRef idx="0">
+            <a:schemeClr val="accent1"/>
+          </a:effectRef>
+          <a:fontRef idx="minor">
+            <a:schemeClr val="tx1"/>
+          </a:fontRef>
+        </p:style>
+      </p:cxnSp>
+      <p:sp>
+        <p:nvSpPr>
+          <p:cNvPr id="17" name="CasellaDiTesto 16">
+            <a:extLst>
+              <a:ext uri="{FF2B5EF4-FFF2-40B4-BE49-F238E27FC236}">
+                <a16:creationId xmlns:a16="http://schemas.microsoft.com/office/drawing/2014/main" id="{EB2678FD-DE2D-42B3-8058-82BC72DEC35E}"/>
+              </a:ext>
+            </a:extLst>
+          </p:cNvPr>
+          <p:cNvSpPr txBox="1"/>
+          <p:nvPr/>
+        </p:nvSpPr>
+        <p:spPr>
+          <a:xfrm>
+            <a:off x="3818804" y="4623440"/>
+            <a:ext cx="4984057" cy="369332"/>
+          </a:xfrm>
+          <a:prstGeom prst="rect">
+            <a:avLst/>
+          </a:prstGeom>
+          <a:noFill/>
+        </p:spPr>
+        <p:txBody>
+          <a:bodyPr wrap="none" rtlCol="0">
+            <a:spAutoFit/>
+          </a:bodyPr>
+          <a:lstStyle/>
+          <a:p>
+            <a:r>
+              <a:rPr lang="it-CH" dirty="0"/>
+              <a:t>Classe che si occupa delle posizioni dei motori</a:t>
+            </a:r>
+          </a:p>
+        </p:txBody>
+      </p:sp>
+      <p:cxnSp>
+        <p:nvCxnSpPr>
+          <p:cNvPr id="18" name="Connettore 2 17">
+            <a:extLst>
+              <a:ext uri="{FF2B5EF4-FFF2-40B4-BE49-F238E27FC236}">
+                <a16:creationId xmlns:a16="http://schemas.microsoft.com/office/drawing/2014/main" id="{813870D7-04CE-48F4-80EF-73F900D6AB57}"/>
+              </a:ext>
+            </a:extLst>
+          </p:cNvPr>
+          <p:cNvCxnSpPr/>
+          <p:nvPr/>
+        </p:nvCxnSpPr>
+        <p:spPr>
+          <a:xfrm>
+            <a:off x="2932447" y="5155109"/>
+            <a:ext cx="737937" cy="43261"/>
+          </a:xfrm>
+          <a:prstGeom prst="straightConnector1">
+            <a:avLst/>
+          </a:prstGeom>
+          <a:ln w="38100">
+            <a:tailEnd type="triangle"/>
+          </a:ln>
+        </p:spPr>
+        <p:style>
+          <a:lnRef idx="1">
+            <a:schemeClr val="accent1"/>
+          </a:lnRef>
+          <a:fillRef idx="0">
+            <a:schemeClr val="accent1"/>
+          </a:fillRef>
+          <a:effectRef idx="0">
+            <a:schemeClr val="accent1"/>
+          </a:effectRef>
+          <a:fontRef idx="minor">
+            <a:schemeClr val="tx1"/>
+          </a:fontRef>
+        </p:style>
+      </p:cxnSp>
+      <p:sp>
+        <p:nvSpPr>
+          <p:cNvPr id="19" name="CasellaDiTesto 18">
+            <a:extLst>
+              <a:ext uri="{FF2B5EF4-FFF2-40B4-BE49-F238E27FC236}">
+                <a16:creationId xmlns:a16="http://schemas.microsoft.com/office/drawing/2014/main" id="{68FB1896-926D-469C-A8B6-997662A781E4}"/>
+              </a:ext>
+            </a:extLst>
+          </p:cNvPr>
+          <p:cNvSpPr txBox="1"/>
+          <p:nvPr/>
+        </p:nvSpPr>
+        <p:spPr>
+          <a:xfrm>
+            <a:off x="3841387" y="5037684"/>
+            <a:ext cx="4985660" cy="369332"/>
+          </a:xfrm>
+          <a:prstGeom prst="rect">
+            <a:avLst/>
+          </a:prstGeom>
+          <a:noFill/>
+        </p:spPr>
+        <p:txBody>
+          <a:bodyPr wrap="none" rtlCol="0">
+            <a:spAutoFit/>
+          </a:bodyPr>
+          <a:lstStyle/>
+          <a:p>
+            <a:r>
+              <a:rPr lang="it-CH" dirty="0"/>
+              <a:t>Classe che si occupa delle traiettorie del disco</a:t>
+            </a:r>
+          </a:p>
+        </p:txBody>
+      </p:sp>
+      <p:sp>
+        <p:nvSpPr>
+          <p:cNvPr id="20" name="Segnaposto contenuto 2">
+            <a:extLst>
+              <a:ext uri="{FF2B5EF4-FFF2-40B4-BE49-F238E27FC236}">
+                <a16:creationId xmlns:a16="http://schemas.microsoft.com/office/drawing/2014/main" id="{DE30BE5C-D0FB-4FA9-AB50-47E18B6A3371}"/>
+              </a:ext>
+            </a:extLst>
+          </p:cNvPr>
+          <p:cNvSpPr>
+            <a:spLocks noGrp="1"/>
+          </p:cNvSpPr>
+          <p:nvPr>
+            <p:ph idx="1"/>
+          </p:nvPr>
+        </p:nvSpPr>
+        <p:spPr>
+          <a:xfrm>
+            <a:off x="765385" y="1334546"/>
+            <a:ext cx="1522170" cy="441787"/>
+          </a:xfrm>
+        </p:spPr>
+        <p:txBody>
+          <a:bodyPr>
+            <a:normAutofit/>
+          </a:bodyPr>
+          <a:lstStyle/>
+          <a:p>
+            <a:pPr marL="0" indent="0">
+              <a:buNone/>
+            </a:pPr>
+            <a:r>
+              <a:rPr lang="it-CH" dirty="0"/>
+              <a:t>Codice</a:t>
+            </a:r>
+          </a:p>
+        </p:txBody>
+      </p:sp>
+    </p:spTree>
+    <p:extLst>
+      <p:ext uri="{BB962C8B-B14F-4D97-AF65-F5344CB8AC3E}">
+        <p14:creationId xmlns:p14="http://schemas.microsoft.com/office/powerpoint/2010/main" val="1420836854"/>
+      </p:ext>
+    </p:extLst>
+  </p:cSld>
+  <p:clrMapOvr>
+    <a:masterClrMapping/>
+  </p:clrMapOvr>
+  <p:timing>
+    <p:tnLst>
+      <p:par>
+        <p:cTn id="1" dur="indefinite" restart="never" nodeType="tmRoot">
+          <p:childTnLst>
+            <p:seq concurrent="1" nextAc="seek">
+              <p:cTn id="2" dur="indefinite" nodeType="mainSeq">
+                <p:childTnLst>
+                  <p:par>
+                    <p:cTn id="3" fill="hold">
+                      <p:stCondLst>
+                        <p:cond delay="indefinite"/>
+                        <p:cond evt="onBegin" delay="0">
+                          <p:tn val="2"/>
+                        </p:cond>
+                      </p:stCondLst>
+                      <p:childTnLst>
+                        <p:par>
+                          <p:cTn id="4" fill="hold">
+                            <p:stCondLst>
+                              <p:cond delay="0"/>
+                            </p:stCondLst>
+                            <p:childTnLst>
+                              <p:par>
+                                <p:cTn id="5" presetID="2" presetClass="entr" presetSubtype="2" fill="hold" nodeType="withEffect">
+                                  <p:stCondLst>
+                                    <p:cond delay="0"/>
+                                  </p:stCondLst>
+                                  <p:childTnLst>
+                                    <p:set>
+                                      <p:cBhvr>
+                                        <p:cTn id="6" dur="1" fill="hold">
+                                          <p:stCondLst>
+                                            <p:cond delay="0"/>
+                                          </p:stCondLst>
+                                        </p:cTn>
+                                        <p:tgtEl>
+                                          <p:spTgt spid="5"/>
+                                        </p:tgtEl>
+                                        <p:attrNameLst>
+                                          <p:attrName>style.visibility</p:attrName>
+                                        </p:attrNameLst>
+                                      </p:cBhvr>
+                                      <p:to>
+                                        <p:strVal val="visible"/>
+                                      </p:to>
+                                    </p:set>
+                                    <p:anim calcmode="lin" valueType="num">
+                                      <p:cBhvr additive="base">
+                                        <p:cTn id="7" dur="500" fill="hold"/>
+                                        <p:tgtEl>
+                                          <p:spTgt spid="5"/>
+                                        </p:tgtEl>
+                                        <p:attrNameLst>
+                                          <p:attrName>ppt_x</p:attrName>
+                                        </p:attrNameLst>
+                                      </p:cBhvr>
+                                      <p:tavLst>
+                                        <p:tav tm="0">
+                                          <p:val>
+                                            <p:strVal val="1+#ppt_w/2"/>
+                                          </p:val>
+                                        </p:tav>
+                                        <p:tav tm="100000">
+                                          <p:val>
+                                            <p:strVal val="#ppt_x"/>
+                                          </p:val>
+                                        </p:tav>
+                                      </p:tavLst>
+                                    </p:anim>
+                                    <p:anim calcmode="lin" valueType="num">
+                                      <p:cBhvr additive="base">
+                                        <p:cTn id="8" dur="500" fill="hold"/>
+                                        <p:tgtEl>
+                                          <p:spTgt spid="5"/>
+                                        </p:tgtEl>
+                                        <p:attrNameLst>
+                                          <p:attrName>ppt_y</p:attrName>
+                                        </p:attrNameLst>
+                                      </p:cBhvr>
+                                      <p:tavLst>
+                                        <p:tav tm="0">
+                                          <p:val>
+                                            <p:strVal val="#ppt_y"/>
+                                          </p:val>
+                                        </p:tav>
+                                        <p:tav tm="100000">
+                                          <p:val>
+                                            <p:strVal val="#ppt_y"/>
+                                          </p:val>
+                                        </p:tav>
+                                      </p:tavLst>
+                                    </p:anim>
+                                  </p:childTnLst>
+                                </p:cTn>
+                              </p:par>
+                              <p:par>
+                                <p:cTn id="9" presetID="2" presetClass="entr" presetSubtype="2" fill="hold" nodeType="withEffect">
+                                  <p:stCondLst>
+                                    <p:cond delay="0"/>
+                                  </p:stCondLst>
+                                  <p:childTnLst>
+                                    <p:set>
+                                      <p:cBhvr>
+                                        <p:cTn id="10" dur="1" fill="hold">
+                                          <p:stCondLst>
+                                            <p:cond delay="0"/>
+                                          </p:stCondLst>
+                                        </p:cTn>
+                                        <p:tgtEl>
+                                          <p:spTgt spid="9"/>
+                                        </p:tgtEl>
+                                        <p:attrNameLst>
+                                          <p:attrName>style.visibility</p:attrName>
+                                        </p:attrNameLst>
+                                      </p:cBhvr>
+                                      <p:to>
+                                        <p:strVal val="visible"/>
+                                      </p:to>
+                                    </p:set>
+                                    <p:anim calcmode="lin" valueType="num">
+                                      <p:cBhvr additive="base">
+                                        <p:cTn id="11" dur="500" fill="hold"/>
+                                        <p:tgtEl>
+                                          <p:spTgt spid="9"/>
+                                        </p:tgtEl>
+                                        <p:attrNameLst>
+                                          <p:attrName>ppt_x</p:attrName>
+                                        </p:attrNameLst>
+                                      </p:cBhvr>
+                                      <p:tavLst>
+                                        <p:tav tm="0">
+                                          <p:val>
+                                            <p:strVal val="1+#ppt_w/2"/>
+                                          </p:val>
+                                        </p:tav>
+                                        <p:tav tm="100000">
+                                          <p:val>
+                                            <p:strVal val="#ppt_x"/>
+                                          </p:val>
+                                        </p:tav>
+                                      </p:tavLst>
+                                    </p:anim>
+                                    <p:anim calcmode="lin" valueType="num">
+                                      <p:cBhvr additive="base">
+                                        <p:cTn id="12" dur="500" fill="hold"/>
+                                        <p:tgtEl>
+                                          <p:spTgt spid="9"/>
+                                        </p:tgtEl>
+                                        <p:attrNameLst>
+                                          <p:attrName>ppt_y</p:attrName>
+                                        </p:attrNameLst>
+                                      </p:cBhvr>
+                                      <p:tavLst>
+                                        <p:tav tm="0">
+                                          <p:val>
+                                            <p:strVal val="#ppt_y"/>
+                                          </p:val>
+                                        </p:tav>
+                                        <p:tav tm="100000">
+                                          <p:val>
+                                            <p:strVal val="#ppt_y"/>
+                                          </p:val>
+                                        </p:tav>
+                                      </p:tavLst>
+                                    </p:anim>
+                                  </p:childTnLst>
+                                </p:cTn>
+                              </p:par>
+                              <p:par>
+                                <p:cTn id="13" presetID="2" presetClass="entr" presetSubtype="2" fill="hold" nodeType="withEffect">
+                                  <p:stCondLst>
+                                    <p:cond delay="0"/>
+                                  </p:stCondLst>
+                                  <p:childTnLst>
+                                    <p:set>
+                                      <p:cBhvr>
+                                        <p:cTn id="14" dur="1" fill="hold">
+                                          <p:stCondLst>
+                                            <p:cond delay="0"/>
+                                          </p:stCondLst>
+                                        </p:cTn>
+                                        <p:tgtEl>
+                                          <p:spTgt spid="11"/>
+                                        </p:tgtEl>
+                                        <p:attrNameLst>
+                                          <p:attrName>style.visibility</p:attrName>
+                                        </p:attrNameLst>
+                                      </p:cBhvr>
+                                      <p:to>
+                                        <p:strVal val="visible"/>
+                                      </p:to>
+                                    </p:set>
+                                    <p:anim calcmode="lin" valueType="num">
+                                      <p:cBhvr additive="base">
+                                        <p:cTn id="15" dur="500" fill="hold"/>
+                                        <p:tgtEl>
+                                          <p:spTgt spid="11"/>
+                                        </p:tgtEl>
+                                        <p:attrNameLst>
+                                          <p:attrName>ppt_x</p:attrName>
+                                        </p:attrNameLst>
+                                      </p:cBhvr>
+                                      <p:tavLst>
+                                        <p:tav tm="0">
+                                          <p:val>
+                                            <p:strVal val="1+#ppt_w/2"/>
+                                          </p:val>
+                                        </p:tav>
+                                        <p:tav tm="100000">
+                                          <p:val>
+                                            <p:strVal val="#ppt_x"/>
+                                          </p:val>
+                                        </p:tav>
+                                      </p:tavLst>
+                                    </p:anim>
+                                    <p:anim calcmode="lin" valueType="num">
+                                      <p:cBhvr additive="base">
+                                        <p:cTn id="16" dur="500" fill="hold"/>
+                                        <p:tgtEl>
+                                          <p:spTgt spid="11"/>
+                                        </p:tgtEl>
+                                        <p:attrNameLst>
+                                          <p:attrName>ppt_y</p:attrName>
+                                        </p:attrNameLst>
+                                      </p:cBhvr>
+                                      <p:tavLst>
+                                        <p:tav tm="0">
+                                          <p:val>
+                                            <p:strVal val="#ppt_y"/>
+                                          </p:val>
+                                        </p:tav>
+                                        <p:tav tm="100000">
+                                          <p:val>
+                                            <p:strVal val="#ppt_y"/>
+                                          </p:val>
+                                        </p:tav>
+                                      </p:tavLst>
+                                    </p:anim>
+                                  </p:childTnLst>
+                                </p:cTn>
+                              </p:par>
+                              <p:par>
+                                <p:cTn id="17" presetID="2" presetClass="entr" presetSubtype="2" fill="hold" nodeType="withEffect">
+                                  <p:stCondLst>
+                                    <p:cond delay="0"/>
+                                  </p:stCondLst>
+                                  <p:childTnLst>
+                                    <p:set>
+                                      <p:cBhvr>
+                                        <p:cTn id="18" dur="1" fill="hold">
+                                          <p:stCondLst>
+                                            <p:cond delay="0"/>
+                                          </p:stCondLst>
+                                        </p:cTn>
+                                        <p:tgtEl>
+                                          <p:spTgt spid="13"/>
+                                        </p:tgtEl>
+                                        <p:attrNameLst>
+                                          <p:attrName>style.visibility</p:attrName>
+                                        </p:attrNameLst>
+                                      </p:cBhvr>
+                                      <p:to>
+                                        <p:strVal val="visible"/>
+                                      </p:to>
+                                    </p:set>
+                                    <p:anim calcmode="lin" valueType="num">
+                                      <p:cBhvr additive="base">
+                                        <p:cTn id="19" dur="500" fill="hold"/>
+                                        <p:tgtEl>
+                                          <p:spTgt spid="13"/>
+                                        </p:tgtEl>
+                                        <p:attrNameLst>
+                                          <p:attrName>ppt_x</p:attrName>
+                                        </p:attrNameLst>
+                                      </p:cBhvr>
+                                      <p:tavLst>
+                                        <p:tav tm="0">
+                                          <p:val>
+                                            <p:strVal val="1+#ppt_w/2"/>
+                                          </p:val>
+                                        </p:tav>
+                                        <p:tav tm="100000">
+                                          <p:val>
+                                            <p:strVal val="#ppt_x"/>
+                                          </p:val>
+                                        </p:tav>
+                                      </p:tavLst>
+                                    </p:anim>
+                                    <p:anim calcmode="lin" valueType="num">
+                                      <p:cBhvr additive="base">
+                                        <p:cTn id="20" dur="500" fill="hold"/>
+                                        <p:tgtEl>
+                                          <p:spTgt spid="13"/>
+                                        </p:tgtEl>
+                                        <p:attrNameLst>
+                                          <p:attrName>ppt_y</p:attrName>
+                                        </p:attrNameLst>
+                                      </p:cBhvr>
+                                      <p:tavLst>
+                                        <p:tav tm="0">
+                                          <p:val>
+                                            <p:strVal val="#ppt_y"/>
+                                          </p:val>
+                                        </p:tav>
+                                        <p:tav tm="100000">
+                                          <p:val>
+                                            <p:strVal val="#ppt_y"/>
+                                          </p:val>
+                                        </p:tav>
+                                      </p:tavLst>
+                                    </p:anim>
+                                  </p:childTnLst>
+                                </p:cTn>
+                              </p:par>
+                              <p:par>
+                                <p:cTn id="21" presetID="2" presetClass="entr" presetSubtype="2" fill="hold" nodeType="withEffect">
+                                  <p:stCondLst>
+                                    <p:cond delay="0"/>
+                                  </p:stCondLst>
+                                  <p:childTnLst>
+                                    <p:set>
+                                      <p:cBhvr>
+                                        <p:cTn id="22" dur="1" fill="hold">
+                                          <p:stCondLst>
+                                            <p:cond delay="0"/>
+                                          </p:stCondLst>
+                                        </p:cTn>
+                                        <p:tgtEl>
+                                          <p:spTgt spid="16"/>
+                                        </p:tgtEl>
+                                        <p:attrNameLst>
+                                          <p:attrName>style.visibility</p:attrName>
+                                        </p:attrNameLst>
+                                      </p:cBhvr>
+                                      <p:to>
+                                        <p:strVal val="visible"/>
+                                      </p:to>
+                                    </p:set>
+                                    <p:anim calcmode="lin" valueType="num">
+                                      <p:cBhvr additive="base">
+                                        <p:cTn id="23" dur="500" fill="hold"/>
+                                        <p:tgtEl>
+                                          <p:spTgt spid="16"/>
+                                        </p:tgtEl>
+                                        <p:attrNameLst>
+                                          <p:attrName>ppt_x</p:attrName>
+                                        </p:attrNameLst>
+                                      </p:cBhvr>
+                                      <p:tavLst>
+                                        <p:tav tm="0">
+                                          <p:val>
+                                            <p:strVal val="1+#ppt_w/2"/>
+                                          </p:val>
+                                        </p:tav>
+                                        <p:tav tm="100000">
+                                          <p:val>
+                                            <p:strVal val="#ppt_x"/>
+                                          </p:val>
+                                        </p:tav>
+                                      </p:tavLst>
+                                    </p:anim>
+                                    <p:anim calcmode="lin" valueType="num">
+                                      <p:cBhvr additive="base">
+                                        <p:cTn id="24" dur="500" fill="hold"/>
+                                        <p:tgtEl>
+                                          <p:spTgt spid="16"/>
+                                        </p:tgtEl>
+                                        <p:attrNameLst>
+                                          <p:attrName>ppt_y</p:attrName>
+                                        </p:attrNameLst>
+                                      </p:cBhvr>
+                                      <p:tavLst>
+                                        <p:tav tm="0">
+                                          <p:val>
+                                            <p:strVal val="#ppt_y"/>
+                                          </p:val>
+                                        </p:tav>
+                                        <p:tav tm="100000">
+                                          <p:val>
+                                            <p:strVal val="#ppt_y"/>
+                                          </p:val>
+                                        </p:tav>
+                                      </p:tavLst>
+                                    </p:anim>
+                                  </p:childTnLst>
+                                </p:cTn>
+                              </p:par>
+                              <p:par>
+                                <p:cTn id="25" presetID="2" presetClass="entr" presetSubtype="2" fill="hold" nodeType="withEffect">
+                                  <p:stCondLst>
+                                    <p:cond delay="0"/>
+                                  </p:stCondLst>
+                                  <p:childTnLst>
+                                    <p:set>
+                                      <p:cBhvr>
+                                        <p:cTn id="26" dur="1" fill="hold">
+                                          <p:stCondLst>
+                                            <p:cond delay="0"/>
+                                          </p:stCondLst>
+                                        </p:cTn>
+                                        <p:tgtEl>
+                                          <p:spTgt spid="18"/>
+                                        </p:tgtEl>
+                                        <p:attrNameLst>
+                                          <p:attrName>style.visibility</p:attrName>
+                                        </p:attrNameLst>
+                                      </p:cBhvr>
+                                      <p:to>
+                                        <p:strVal val="visible"/>
+                                      </p:to>
+                                    </p:set>
+                                    <p:anim calcmode="lin" valueType="num">
+                                      <p:cBhvr additive="base">
+                                        <p:cTn id="27" dur="500" fill="hold"/>
+                                        <p:tgtEl>
+                                          <p:spTgt spid="18"/>
+                                        </p:tgtEl>
+                                        <p:attrNameLst>
+                                          <p:attrName>ppt_x</p:attrName>
+                                        </p:attrNameLst>
+                                      </p:cBhvr>
+                                      <p:tavLst>
+                                        <p:tav tm="0">
+                                          <p:val>
+                                            <p:strVal val="1+#ppt_w/2"/>
+                                          </p:val>
+                                        </p:tav>
+                                        <p:tav tm="100000">
+                                          <p:val>
+                                            <p:strVal val="#ppt_x"/>
+                                          </p:val>
+                                        </p:tav>
+                                      </p:tavLst>
+                                    </p:anim>
+                                    <p:anim calcmode="lin" valueType="num">
+                                      <p:cBhvr additive="base">
+                                        <p:cTn id="28" dur="500" fill="hold"/>
+                                        <p:tgtEl>
+                                          <p:spTgt spid="18"/>
+                                        </p:tgtEl>
+                                        <p:attrNameLst>
+                                          <p:attrName>ppt_y</p:attrName>
+                                        </p:attrNameLst>
+                                      </p:cBhvr>
+                                      <p:tavLst>
+                                        <p:tav tm="0">
+                                          <p:val>
+                                            <p:strVal val="#ppt_y"/>
+                                          </p:val>
+                                        </p:tav>
+                                        <p:tav tm="100000">
+                                          <p:val>
+                                            <p:strVal val="#ppt_y"/>
+                                          </p:val>
+                                        </p:tav>
+                                      </p:tavLst>
+                                    </p:anim>
+                                  </p:childTnLst>
+                                </p:cTn>
+                              </p:par>
+                            </p:childTnLst>
+                          </p:cTn>
+                        </p:par>
+                      </p:childTnLst>
+                    </p:cTn>
+                  </p:par>
+                </p:childTnLst>
+              </p:cTn>
+              <p:prevCondLst>
+                <p:cond evt="onPrev" delay="0">
+                  <p:tgtEl>
+                    <p:sldTgt/>
+                  </p:tgtEl>
+                </p:cond>
+              </p:prevCondLst>
+              <p:nextCondLst>
+                <p:cond evt="onNext" delay="0">
+                  <p:tgtEl>
+                    <p:sldTgt/>
+                  </p:tgtEl>
+                </p:cond>
+              </p:nextCondLst>
+            </p:seq>
+          </p:childTnLst>
+        </p:cTn>
+      </p:par>
+    </p:tnLst>
+  </p:timing>
+</p:sld>
+</file>
+
+<file path=ppt/slides/slide21.xml><?xml version="1.0" encoding="utf-8"?>
+<p:sld xmlns:a="http://schemas.openxmlformats.org/drawingml/2006/main" xmlns:r="http://schemas.openxmlformats.org/officeDocument/2006/relationships" xmlns:p="http://schemas.openxmlformats.org/presentationml/2006/main">
+  <p:cSld>
+    <p:spTree>
+      <p:nvGrpSpPr>
+        <p:cNvPr id="1" name=""/>
+        <p:cNvGrpSpPr/>
+        <p:nvPr/>
+      </p:nvGrpSpPr>
+      <p:grpSpPr>
+        <a:xfrm>
+          <a:off x="0" y="0"/>
+          <a:ext cx="0" cy="0"/>
+          <a:chOff x="0" y="0"/>
+          <a:chExt cx="0" cy="0"/>
+        </a:xfrm>
+      </p:grpSpPr>
+      <p:sp>
+        <p:nvSpPr>
+          <p:cNvPr id="2" name="Titolo 1">
+            <a:extLst>
+              <a:ext uri="{FF2B5EF4-FFF2-40B4-BE49-F238E27FC236}">
+                <a16:creationId xmlns:a16="http://schemas.microsoft.com/office/drawing/2014/main" id="{DCE4B1E3-5D06-4D7C-B56D-B813523C9C19}"/>
+              </a:ext>
+            </a:extLst>
+          </p:cNvPr>
+          <p:cNvSpPr>
+            <a:spLocks noGrp="1"/>
+          </p:cNvSpPr>
+          <p:nvPr>
+            <p:ph type="title"/>
+          </p:nvPr>
+        </p:nvSpPr>
+        <p:spPr/>
+        <p:txBody>
+          <a:bodyPr/>
+          <a:lstStyle/>
+          <a:p>
+            <a:r>
+              <a:rPr lang="it-IT" dirty="0"/>
+              <a:t>Robot - test</a:t>
+            </a:r>
+          </a:p>
+        </p:txBody>
+      </p:sp>
+      <p:pic>
+        <p:nvPicPr>
+          <p:cNvPr id="6" name="Immagine 5">
+            <a:extLst>
+              <a:ext uri="{FF2B5EF4-FFF2-40B4-BE49-F238E27FC236}">
+                <a16:creationId xmlns:a16="http://schemas.microsoft.com/office/drawing/2014/main" id="{EC6B10C8-98AA-497C-9AF5-7909812DACC2}"/>
+              </a:ext>
+            </a:extLst>
+          </p:cNvPr>
+          <p:cNvPicPr>
+            <a:picLocks noChangeAspect="1"/>
+          </p:cNvPicPr>
+          <p:nvPr/>
+        </p:nvPicPr>
+        <p:blipFill>
+          <a:blip r:embed="rId2">
+            <a:extLst>
+              <a:ext uri="{28A0092B-C50C-407E-A947-70E740481C1C}">
+                <a14:useLocalDpi xmlns:a14="http://schemas.microsoft.com/office/drawing/2010/main" val="0"/>
+              </a:ext>
+            </a:extLst>
+          </a:blip>
+          <a:stretch>
+            <a:fillRect/>
+          </a:stretch>
+        </p:blipFill>
+        <p:spPr>
+          <a:xfrm>
+            <a:off x="260567" y="1570666"/>
+            <a:ext cx="10407667" cy="4074759"/>
+          </a:xfrm>
+          <a:prstGeom prst="rect">
+            <a:avLst/>
+          </a:prstGeom>
+        </p:spPr>
+      </p:pic>
+    </p:spTree>
+    <p:extLst>
+      <p:ext uri="{BB962C8B-B14F-4D97-AF65-F5344CB8AC3E}">
+        <p14:creationId xmlns:p14="http://schemas.microsoft.com/office/powerpoint/2010/main" val="703831476"/>
+      </p:ext>
+    </p:extLst>
+  </p:cSld>
+  <p:clrMapOvr>
+    <a:masterClrMapping/>
+  </p:clrMapOvr>
+</p:sld>
+</file>
+
+<file path=ppt/slides/slide22.xml><?xml version="1.0" encoding="utf-8"?>
+<p:sld xmlns:a="http://schemas.openxmlformats.org/drawingml/2006/main" xmlns:r="http://schemas.openxmlformats.org/officeDocument/2006/relationships" xmlns:p="http://schemas.openxmlformats.org/presentationml/2006/main">
+  <p:cSld>
+    <p:spTree>
+      <p:nvGrpSpPr>
+        <p:cNvPr id="1" name=""/>
+        <p:cNvGrpSpPr/>
+        <p:nvPr/>
+      </p:nvGrpSpPr>
+      <p:grpSpPr>
+        <a:xfrm>
+          <a:off x="0" y="0"/>
+          <a:ext cx="0" cy="0"/>
+          <a:chOff x="0" y="0"/>
+          <a:chExt cx="0" cy="0"/>
+        </a:xfrm>
+      </p:grpSpPr>
+      <p:sp>
+        <p:nvSpPr>
           <p:cNvPr id="2" name="Titolo 1"/>
           <p:cNvSpPr>
             <a:spLocks noGrp="1"/>
@@ -14275,17 +15206,10 @@
   <p:transition spd="med">
     <p:pull/>
   </p:transition>
-  <p:timing>
-    <p:tnLst>
-      <p:par>
-        <p:cTn id="1" dur="indefinite" restart="never" nodeType="tmRoot"/>
-      </p:par>
-    </p:tnLst>
-  </p:timing>
 </p:sld>
 </file>
 
-<file path=ppt/slides/slide21.xml><?xml version="1.0" encoding="utf-8"?>
+<file path=ppt/slides/slide23.xml><?xml version="1.0" encoding="utf-8"?>
 <p:sld xmlns:a="http://schemas.openxmlformats.org/drawingml/2006/main" xmlns:r="http://schemas.openxmlformats.org/officeDocument/2006/relationships" xmlns:p="http://schemas.openxmlformats.org/presentationml/2006/main">
   <p:cSld>
     <p:spTree>
@@ -14486,7 +15410,7 @@
 </p:sld>
 </file>
 
-<file path=ppt/slides/slide22.xml><?xml version="1.0" encoding="utf-8"?>
+<file path=ppt/slides/slide24.xml><?xml version="1.0" encoding="utf-8"?>
 <p:sld xmlns:a="http://schemas.openxmlformats.org/drawingml/2006/main" xmlns:r="http://schemas.openxmlformats.org/officeDocument/2006/relationships" xmlns:p="http://schemas.openxmlformats.org/presentationml/2006/main">
   <p:cSld>
     <p:spTree>
@@ -14560,13 +15484,6 @@
   <p:transition spd="slow">
     <p:cover/>
   </p:transition>
-  <p:timing>
-    <p:tnLst>
-      <p:par>
-        <p:cTn id="1" dur="indefinite" restart="never" nodeType="tmRoot"/>
-      </p:par>
-    </p:tnLst>
-  </p:timing>
 </p:sld>
 </file>
 
@@ -15130,13 +16047,6 @@
   <p:transition spd="med">
     <p:pull/>
   </p:transition>
-  <p:timing>
-    <p:tnLst>
-      <p:par>
-        <p:cTn id="1" dur="indefinite" restart="never" nodeType="tmRoot"/>
-      </p:par>
-    </p:tnLst>
-  </p:timing>
 </p:sld>
 </file>
 
@@ -15228,13 +16138,6 @@
   <p:transition spd="slow">
     <p:push dir="u"/>
   </p:transition>
-  <p:timing>
-    <p:tnLst>
-      <p:par>
-        <p:cTn id="1" dur="indefinite" restart="never" nodeType="tmRoot"/>
-      </p:par>
-    </p:tnLst>
-  </p:timing>
 </p:sld>
 </file>
 
@@ -15278,10 +16181,9 @@
           <a:lstStyle/>
           <a:p>
             <a:r>
-              <a:rPr lang="it-CH" sz="5400" dirty="0" smtClean="0"/>
+              <a:rPr lang="it-CH" sz="5400" dirty="0"/>
               <a:t>Tavolo da gioco</a:t>
             </a:r>
-            <a:endParaRPr lang="it-CH" sz="5400" dirty="0"/>
           </a:p>
         </p:txBody>
       </p:sp>
@@ -15298,13 +16200,6 @@
   <p:transition spd="med">
     <p:pull/>
   </p:transition>
-  <p:timing>
-    <p:tnLst>
-      <p:par>
-        <p:cTn id="1" dur="indefinite" restart="never" nodeType="tmRoot"/>
-      </p:par>
-    </p:tnLst>
-  </p:timing>
 </p:sld>
 </file>
 
@@ -15330,7 +16225,7 @@
           <p:cNvPr id="5" name="Immagine 4">
             <a:extLst>
               <a:ext uri="{FF2B5EF4-FFF2-40B4-BE49-F238E27FC236}">
-                <a16:creationId xmlns:a16="http://schemas.microsoft.com/office/drawing/2014/main" xmlns="" id="{7F3290DE-7FAF-431F-836B-235F407D35A6}"/>
+                <a16:creationId xmlns:a16="http://schemas.microsoft.com/office/drawing/2014/main" id="{7F3290DE-7FAF-431F-836B-235F407D35A6}"/>
               </a:ext>
             </a:extLst>
           </p:cNvPr>
@@ -15365,7 +16260,7 @@
           <p:cNvPr id="9" name="Immagine 8">
             <a:extLst>
               <a:ext uri="{FF2B5EF4-FFF2-40B4-BE49-F238E27FC236}">
-                <a16:creationId xmlns:a16="http://schemas.microsoft.com/office/drawing/2014/main" xmlns="" id="{C5B87206-EFC1-4A15-9090-BC444BC8AB92}"/>
+                <a16:creationId xmlns:a16="http://schemas.microsoft.com/office/drawing/2014/main" id="{C5B87206-EFC1-4A15-9090-BC444BC8AB92}"/>
               </a:ext>
             </a:extLst>
           </p:cNvPr>
@@ -15401,7 +16296,7 @@
           <p:cNvPr id="10" name="Immagine 9">
             <a:extLst>
               <a:ext uri="{FF2B5EF4-FFF2-40B4-BE49-F238E27FC236}">
-                <a16:creationId xmlns:a16="http://schemas.microsoft.com/office/drawing/2014/main" xmlns="" id="{FE4D885D-2EBA-4C2B-8218-6F38BF185A6A}"/>
+                <a16:creationId xmlns:a16="http://schemas.microsoft.com/office/drawing/2014/main" id="{FE4D885D-2EBA-4C2B-8218-6F38BF185A6A}"/>
               </a:ext>
             </a:extLst>
           </p:cNvPr>
@@ -15439,13 +16334,6 @@
   <p:transition spd="slow">
     <p:push/>
   </p:transition>
-  <p:timing>
-    <p:tnLst>
-      <p:par>
-        <p:cTn id="1" dur="indefinite" restart="never" nodeType="tmRoot"/>
-      </p:par>
-    </p:tnLst>
-  </p:timing>
 </p:sld>
 </file>
 
@@ -15489,10 +16377,9 @@
           <a:lstStyle/>
           <a:p>
             <a:r>
-              <a:rPr lang="it-CH" sz="5400" dirty="0" smtClean="0"/>
+              <a:rPr lang="it-CH" sz="5400" dirty="0"/>
               <a:t>Implementazione</a:t>
             </a:r>
-            <a:endParaRPr lang="it-CH" sz="5400" dirty="0"/>
           </a:p>
         </p:txBody>
       </p:sp>
@@ -15509,13 +16396,6 @@
   <p:transition spd="med">
     <p:pull/>
   </p:transition>
-  <p:timing>
-    <p:tnLst>
-      <p:par>
-        <p:cTn id="1" dur="indefinite" restart="never" nodeType="tmRoot"/>
-      </p:par>
-    </p:tnLst>
-  </p:timing>
 </p:sld>
 </file>
 
@@ -15631,13 +16511,6 @@
   <p:transition spd="med">
     <p:pull/>
   </p:transition>
-  <p:timing>
-    <p:tnLst>
-      <p:par>
-        <p:cTn id="1" dur="indefinite" restart="never" nodeType="tmRoot"/>
-      </p:par>
-    </p:tnLst>
-  </p:timing>
 </p:sld>
 </file>
 
